--- a/MSTR 웹교육/MSTR-웹.pptx
+++ b/MSTR 웹교육/MSTR-웹.pptx
@@ -5,11 +5,19 @@
     <p:sldMasterId id="2147483648" r:id="rId1"/>
   </p:sldMasterIdLst>
   <p:notesMasterIdLst>
-    <p:notesMasterId r:id="rId4"/>
+    <p:notesMasterId r:id="rId12"/>
   </p:notesMasterIdLst>
   <p:sldIdLst>
     <p:sldId id="256" r:id="rId2"/>
-    <p:sldId id="394" r:id="rId3"/>
+    <p:sldId id="395" r:id="rId3"/>
+    <p:sldId id="400" r:id="rId4"/>
+    <p:sldId id="397" r:id="rId5"/>
+    <p:sldId id="396" r:id="rId6"/>
+    <p:sldId id="399" r:id="rId7"/>
+    <p:sldId id="398" r:id="rId8"/>
+    <p:sldId id="402" r:id="rId9"/>
+    <p:sldId id="401" r:id="rId10"/>
+    <p:sldId id="394" r:id="rId11"/>
   </p:sldIdLst>
   <p:sldSz cx="9904413" cy="6858000"/>
   <p:notesSz cx="6797675" cy="9926638"/>
@@ -110,7 +118,7 @@
   </p:defaultTextStyle>
   <p:extLst>
     <p:ext uri="{EFAFB233-063F-42B5-8137-9DF3F51BA10A}">
-      <p15:sldGuideLst xmlns:p15="http://schemas.microsoft.com/office/powerpoint/2012/main" xmlns="">
+      <p15:sldGuideLst xmlns="" xmlns:p15="http://schemas.microsoft.com/office/powerpoint/2012/main">
         <p15:guide id="1" orient="horz" pos="2160">
           <p15:clr>
             <a:srgbClr val="A4A3A4"/>
@@ -124,7 +132,7 @@
       </p15:sldGuideLst>
     </p:ext>
     <p:ext uri="{2D200454-40CA-4A62-9FC3-DE9A4176ACB9}">
-      <p15:notesGuideLst xmlns:p15="http://schemas.microsoft.com/office/powerpoint/2012/main" xmlns="">
+      <p15:notesGuideLst xmlns="" xmlns:p15="http://schemas.microsoft.com/office/powerpoint/2012/main">
         <p15:guide id="1" orient="horz" pos="3126">
           <p15:clr>
             <a:srgbClr val="A4A3A4"/>
@@ -223,7 +231,7 @@
           <a:p>
             <a:fld id="{D5F052CF-237E-47F2-AB35-1E8A0016570E}" type="datetimeFigureOut">
               <a:rPr lang="ko-KR" altLang="en-US" smtClean="0"/>
-              <a:t>2016-11-14 Mon</a:t>
+              <a:t>2016-11-21 Mon</a:t>
             </a:fld>
             <a:endParaRPr lang="ko-KR" altLang="en-US"/>
           </a:p>
@@ -645,7 +653,7 @@
                 </a:solidFill>
               </a:rPr>
               <a:pPr/>
-              <a:t>1</a:t>
+              <a:t>9</a:t>
             </a:fld>
             <a:endParaRPr lang="ko-KR" altLang="en-US">
               <a:solidFill>
@@ -4095,7 +4103,7 @@
           <a:p>
             <a:fld id="{B650D056-20B7-4C86-A389-3ED6EBA209FF}" type="datetimeFigureOut">
               <a:rPr lang="ko-KR" altLang="en-US" smtClean="0"/>
-              <a:t>2016-11-14 Mon</a:t>
+              <a:t>2016-11-21 Mon</a:t>
             </a:fld>
             <a:endParaRPr lang="ko-KR" altLang="en-US"/>
           </a:p>
@@ -4201,7 +4209,7 @@
           <a:p>
             <a:fld id="{B650D056-20B7-4C86-A389-3ED6EBA209FF}" type="datetimeFigureOut">
               <a:rPr lang="ko-KR" altLang="en-US" smtClean="0"/>
-              <a:t>2016-11-14 Mon</a:t>
+              <a:t>2016-11-21 Mon</a:t>
             </a:fld>
             <a:endParaRPr lang="ko-KR" altLang="en-US"/>
           </a:p>
@@ -4672,7 +4680,10 @@
               <a:buNone/>
             </a:pPr>
             <a:fld id="{B1F2F75F-ADDC-4CF5-9395-BA7CB644ABCA}" type="slidenum">
-              <a:rPr lang="en-US" altLang="en-US" sz="1200" smtClean="0">
+              <a:rPr lang="en-US" altLang="en-US" sz="1200" b="1" smtClean="0">
+                <a:solidFill>
+                  <a:schemeClr val="bg1"/>
+                </a:solidFill>
                 <a:latin typeface="+mn-lt"/>
               </a:rPr>
               <a:pPr>
@@ -4681,7 +4692,10 @@
               </a:pPr>
               <a:t>‹#›</a:t>
             </a:fld>
-            <a:endParaRPr lang="en-GB" sz="1200" dirty="0">
+            <a:endParaRPr lang="en-GB" sz="1200" b="1" dirty="0">
+              <a:solidFill>
+                <a:schemeClr val="bg1"/>
+              </a:solidFill>
               <a:latin typeface="+mn-lt"/>
             </a:endParaRPr>
           </a:p>
@@ -5235,31 +5249,18 @@
           <a:lstStyle/>
           <a:p>
             <a:r>
+              <a:rPr lang="en-US" altLang="ko-KR" dirty="0" smtClean="0">
+                <a:latin typeface="+mn-lt"/>
+                <a:ea typeface="+mn-ea"/>
+              </a:rPr>
+              <a:t>MicroStrategy Web </a:t>
+            </a:r>
+            <a:r>
               <a:rPr lang="ko-KR" altLang="en-US" dirty="0" smtClean="0">
                 <a:latin typeface="+mn-lt"/>
                 <a:ea typeface="+mn-ea"/>
               </a:rPr>
-              <a:t>고객 </a:t>
-            </a:r>
-            <a:r>
-              <a:rPr lang="en-US" altLang="ko-KR" dirty="0" smtClean="0">
-                <a:latin typeface="+mn-lt"/>
-                <a:ea typeface="+mn-ea"/>
-              </a:rPr>
-              <a:t/>
-            </a:r>
-            <a:br>
-              <a:rPr lang="en-US" altLang="ko-KR" dirty="0" smtClean="0">
-                <a:latin typeface="+mn-lt"/>
-                <a:ea typeface="+mn-ea"/>
-              </a:rPr>
-            </a:br>
-            <a:r>
-              <a:rPr lang="ko-KR" altLang="en-US" dirty="0" err="1" smtClean="0">
-                <a:latin typeface="+mn-lt"/>
-                <a:ea typeface="+mn-ea"/>
-              </a:rPr>
-              <a:t>타스트</a:t>
+              <a:t>활용 교육</a:t>
             </a:r>
             <a:endParaRPr lang="ko-KR" altLang="en-US" dirty="0">
               <a:latin typeface="+mn-lt"/>
@@ -5291,8 +5292,12 @@
           </a:p>
           <a:p>
             <a:r>
-              <a:rPr lang="ko-KR" altLang="en-US" smtClean="0"/>
-              <a:t>일자</a:t>
+              <a:rPr lang="ko-KR" altLang="en-US" dirty="0" smtClean="0"/>
+              <a:t>일자 </a:t>
+            </a:r>
+            <a:r>
+              <a:rPr lang="en-US" altLang="ko-KR" dirty="0" smtClean="0"/>
+              <a:t>2016.12</a:t>
             </a:r>
             <a:endParaRPr lang="ko-KR" altLang="en-US" dirty="0"/>
           </a:p>
@@ -5313,7 +5318,7 @@
 </p:sld>
 </file>
 
-<file path=ppt/slides/slide2.xml><?xml version="1.0" encoding="utf-8"?>
+<file path=ppt/slides/slide10.xml><?xml version="1.0" encoding="utf-8"?>
 <p:sld xmlns:a="http://schemas.openxmlformats.org/drawingml/2006/main" xmlns:r="http://schemas.openxmlformats.org/officeDocument/2006/relationships" xmlns:p="http://schemas.openxmlformats.org/presentationml/2006/main">
   <p:cSld>
     <p:spTree>
@@ -5411,6 +5416,6886 @@
       </p:par>
     </p:tnLst>
   </p:timing>
+</p:sld>
+</file>
+
+<file path=ppt/slides/slide2.xml><?xml version="1.0" encoding="utf-8"?>
+<p:sld xmlns:a="http://schemas.openxmlformats.org/drawingml/2006/main" xmlns:r="http://schemas.openxmlformats.org/officeDocument/2006/relationships" xmlns:p="http://schemas.openxmlformats.org/presentationml/2006/main">
+  <p:cSld>
+    <p:spTree>
+      <p:nvGrpSpPr>
+        <p:cNvPr id="1" name=""/>
+        <p:cNvGrpSpPr/>
+        <p:nvPr/>
+      </p:nvGrpSpPr>
+      <p:grpSpPr>
+        <a:xfrm>
+          <a:off x="0" y="0"/>
+          <a:ext cx="0" cy="0"/>
+          <a:chOff x="0" y="0"/>
+          <a:chExt cx="0" cy="0"/>
+        </a:xfrm>
+      </p:grpSpPr>
+      <p:sp>
+        <p:nvSpPr>
+          <p:cNvPr id="2" name="내용 개체 틀 1"/>
+          <p:cNvSpPr>
+            <a:spLocks noGrp="1"/>
+          </p:cNvSpPr>
+          <p:nvPr>
+            <p:ph idx="1"/>
+          </p:nvPr>
+        </p:nvSpPr>
+        <p:spPr/>
+        <p:txBody>
+          <a:bodyPr/>
+          <a:lstStyle/>
+          <a:p>
+            <a:r>
+              <a:rPr lang="ko-KR" altLang="en-US" dirty="0" smtClean="0"/>
+              <a:t>개요</a:t>
+            </a:r>
+            <a:endParaRPr lang="en-US" altLang="ko-KR" dirty="0" smtClean="0"/>
+          </a:p>
+          <a:p>
+            <a:pPr lvl="1"/>
+            <a:r>
+              <a:rPr lang="ko-KR" altLang="en-US" dirty="0" smtClean="0"/>
+              <a:t>교육 대상</a:t>
+            </a:r>
+            <a:endParaRPr lang="en-US" altLang="ko-KR" dirty="0" smtClean="0"/>
+          </a:p>
+          <a:p>
+            <a:pPr lvl="1"/>
+            <a:r>
+              <a:rPr lang="ko-KR" altLang="en-US" dirty="0" smtClean="0"/>
+              <a:t>교육 범위</a:t>
+            </a:r>
+            <a:endParaRPr lang="en-US" altLang="ko-KR" dirty="0" smtClean="0"/>
+          </a:p>
+          <a:p>
+            <a:r>
+              <a:rPr lang="ko-KR" altLang="en-US" dirty="0" smtClean="0"/>
+              <a:t>웹 일반</a:t>
+            </a:r>
+            <a:endParaRPr lang="en-US" altLang="ko-KR" dirty="0" smtClean="0"/>
+          </a:p>
+          <a:p>
+            <a:pPr lvl="1"/>
+            <a:r>
+              <a:rPr lang="ko-KR" altLang="en-US" dirty="0" smtClean="0"/>
+              <a:t>웹 어플리케이션 기본 구조</a:t>
+            </a:r>
+            <a:endParaRPr lang="en-US" altLang="ko-KR" dirty="0" smtClean="0"/>
+          </a:p>
+          <a:p>
+            <a:pPr lvl="1"/>
+            <a:r>
+              <a:rPr lang="ko-KR" altLang="en-US" dirty="0" smtClean="0"/>
+              <a:t>요소 기술</a:t>
+            </a:r>
+            <a:endParaRPr lang="en-US" altLang="ko-KR" dirty="0" smtClean="0"/>
+          </a:p>
+          <a:p>
+            <a:r>
+              <a:rPr lang="en-US" altLang="ko-KR" dirty="0" smtClean="0"/>
+              <a:t>MicroStrategy</a:t>
+            </a:r>
+            <a:r>
+              <a:rPr lang="ko-KR" altLang="en-US" dirty="0" smtClean="0"/>
+              <a:t>의 웹</a:t>
+            </a:r>
+            <a:endParaRPr lang="en-US" altLang="ko-KR" dirty="0" smtClean="0"/>
+          </a:p>
+          <a:p>
+            <a:pPr lvl="1"/>
+            <a:r>
+              <a:rPr lang="ko-KR" altLang="en-US" dirty="0" err="1" smtClean="0"/>
+              <a:t>커스터마이징의</a:t>
+            </a:r>
+            <a:r>
+              <a:rPr lang="ko-KR" altLang="en-US" dirty="0" smtClean="0"/>
+              <a:t> 성격</a:t>
+            </a:r>
+            <a:endParaRPr lang="en-US" altLang="ko-KR" dirty="0" smtClean="0"/>
+          </a:p>
+          <a:p>
+            <a:pPr lvl="1"/>
+            <a:r>
+              <a:rPr lang="ko-KR" altLang="en-US" dirty="0" smtClean="0"/>
+              <a:t>웹 어플리케이션 구조</a:t>
+            </a:r>
+            <a:endParaRPr lang="en-US" altLang="ko-KR" dirty="0" smtClean="0"/>
+          </a:p>
+          <a:p>
+            <a:pPr lvl="1"/>
+            <a:r>
+              <a:rPr lang="ko-KR" altLang="en-US" dirty="0" smtClean="0"/>
+              <a:t>웹 </a:t>
+            </a:r>
+            <a:r>
+              <a:rPr lang="ko-KR" altLang="en-US" dirty="0" err="1" smtClean="0"/>
+              <a:t>커스터마이징</a:t>
+            </a:r>
+            <a:endParaRPr lang="ko-KR" altLang="en-US" dirty="0"/>
+          </a:p>
+        </p:txBody>
+      </p:sp>
+    </p:spTree>
+    <p:extLst>
+      <p:ext uri="{BB962C8B-B14F-4D97-AF65-F5344CB8AC3E}">
+        <p14:creationId xmlns:p14="http://schemas.microsoft.com/office/powerpoint/2010/main" val="1448973569"/>
+      </p:ext>
+    </p:extLst>
+  </p:cSld>
+  <p:clrMapOvr>
+    <a:masterClrMapping/>
+  </p:clrMapOvr>
+</p:sld>
+</file>
+
+<file path=ppt/slides/slide3.xml><?xml version="1.0" encoding="utf-8"?>
+<p:sld xmlns:a="http://schemas.openxmlformats.org/drawingml/2006/main" xmlns:r="http://schemas.openxmlformats.org/officeDocument/2006/relationships" xmlns:p="http://schemas.openxmlformats.org/presentationml/2006/main">
+  <p:cSld>
+    <p:spTree>
+      <p:nvGrpSpPr>
+        <p:cNvPr id="1" name=""/>
+        <p:cNvGrpSpPr/>
+        <p:nvPr/>
+      </p:nvGrpSpPr>
+      <p:grpSpPr>
+        <a:xfrm>
+          <a:off x="0" y="0"/>
+          <a:ext cx="0" cy="0"/>
+          <a:chOff x="0" y="0"/>
+          <a:chExt cx="0" cy="0"/>
+        </a:xfrm>
+      </p:grpSpPr>
+      <p:sp>
+        <p:nvSpPr>
+          <p:cNvPr id="7" name="직사각형 6"/>
+          <p:cNvSpPr/>
+          <p:nvPr/>
+        </p:nvSpPr>
+        <p:spPr>
+          <a:xfrm>
+            <a:off x="6752406" y="1268761"/>
+            <a:ext cx="1080120" cy="1368151"/>
+          </a:xfrm>
+          <a:prstGeom prst="rect">
+            <a:avLst/>
+          </a:prstGeom>
+        </p:spPr>
+        <p:style>
+          <a:lnRef idx="1">
+            <a:schemeClr val="accent1"/>
+          </a:lnRef>
+          <a:fillRef idx="3">
+            <a:schemeClr val="accent1"/>
+          </a:fillRef>
+          <a:effectRef idx="2">
+            <a:schemeClr val="accent1"/>
+          </a:effectRef>
+          <a:fontRef idx="minor">
+            <a:schemeClr val="lt1"/>
+          </a:fontRef>
+        </p:style>
+        <p:txBody>
+          <a:bodyPr lIns="0" rIns="0" rtlCol="0" anchor="ctr"/>
+          <a:lstStyle/>
+          <a:p>
+            <a:pPr algn="ctr">
+              <a:lnSpc>
+                <a:spcPct val="150000"/>
+              </a:lnSpc>
+            </a:pPr>
+            <a:r>
+              <a:rPr lang="en-US" altLang="ko-KR" sz="1400" b="1" dirty="0" smtClean="0">
+                <a:solidFill>
+                  <a:schemeClr val="bg1"/>
+                </a:solidFill>
+              </a:rPr>
+              <a:t>Web Application</a:t>
+            </a:r>
+          </a:p>
+        </p:txBody>
+      </p:sp>
+      <p:sp>
+        <p:nvSpPr>
+          <p:cNvPr id="2" name="U자형 화살표 1"/>
+          <p:cNvSpPr/>
+          <p:nvPr/>
+        </p:nvSpPr>
+        <p:spPr>
+          <a:xfrm rot="5400000">
+            <a:off x="4952204" y="-281402"/>
+            <a:ext cx="288033" cy="3888433"/>
+          </a:xfrm>
+          <a:prstGeom prst="uturnArrow">
+            <a:avLst>
+              <a:gd name="adj1" fmla="val 10999"/>
+              <a:gd name="adj2" fmla="val 18232"/>
+              <a:gd name="adj3" fmla="val 38858"/>
+              <a:gd name="adj4" fmla="val 43750"/>
+              <a:gd name="adj5" fmla="val 100000"/>
+            </a:avLst>
+          </a:prstGeom>
+          <a:solidFill>
+            <a:srgbClr val="FFC000"/>
+          </a:solidFill>
+          <a:ln>
+            <a:solidFill>
+              <a:srgbClr val="FFC000"/>
+            </a:solidFill>
+          </a:ln>
+        </p:spPr>
+        <p:style>
+          <a:lnRef idx="1">
+            <a:schemeClr val="accent2"/>
+          </a:lnRef>
+          <a:fillRef idx="3">
+            <a:schemeClr val="accent2"/>
+          </a:fillRef>
+          <a:effectRef idx="2">
+            <a:schemeClr val="accent2"/>
+          </a:effectRef>
+          <a:fontRef idx="minor">
+            <a:schemeClr val="lt1"/>
+          </a:fontRef>
+        </p:style>
+        <p:txBody>
+          <a:bodyPr rtlCol="0" anchor="ctr"/>
+          <a:lstStyle/>
+          <a:p>
+            <a:pPr algn="ctr"/>
+            <a:endParaRPr lang="ko-KR" altLang="en-US">
+              <a:solidFill>
+                <a:schemeClr val="tx1"/>
+              </a:solidFill>
+            </a:endParaRPr>
+          </a:p>
+        </p:txBody>
+      </p:sp>
+      <p:sp>
+        <p:nvSpPr>
+          <p:cNvPr id="3" name="직사각형 2"/>
+          <p:cNvSpPr/>
+          <p:nvPr/>
+        </p:nvSpPr>
+        <p:spPr>
+          <a:xfrm>
+            <a:off x="2071885" y="1268100"/>
+            <a:ext cx="1080120" cy="1368812"/>
+          </a:xfrm>
+          <a:prstGeom prst="rect">
+            <a:avLst/>
+          </a:prstGeom>
+        </p:spPr>
+        <p:style>
+          <a:lnRef idx="1">
+            <a:schemeClr val="accent1"/>
+          </a:lnRef>
+          <a:fillRef idx="3">
+            <a:schemeClr val="accent1"/>
+          </a:fillRef>
+          <a:effectRef idx="2">
+            <a:schemeClr val="accent1"/>
+          </a:effectRef>
+          <a:fontRef idx="minor">
+            <a:schemeClr val="lt1"/>
+          </a:fontRef>
+        </p:style>
+        <p:txBody>
+          <a:bodyPr rtlCol="0" anchor="ctr"/>
+          <a:lstStyle/>
+          <a:p>
+            <a:pPr algn="ctr"/>
+            <a:r>
+              <a:rPr lang="en-US" altLang="ko-KR" sz="1400" b="1" dirty="0" smtClean="0"/>
+              <a:t>Browser</a:t>
+            </a:r>
+            <a:endParaRPr lang="ko-KR" altLang="en-US" sz="1400" b="1" dirty="0"/>
+          </a:p>
+        </p:txBody>
+      </p:sp>
+      <p:sp>
+        <p:nvSpPr>
+          <p:cNvPr id="5" name="TextBox 4"/>
+          <p:cNvSpPr txBox="1"/>
+          <p:nvPr/>
+        </p:nvSpPr>
+        <p:spPr>
+          <a:xfrm>
+            <a:off x="3296022" y="1211021"/>
+            <a:ext cx="869020" cy="307777"/>
+          </a:xfrm>
+          <a:prstGeom prst="rect">
+            <a:avLst/>
+          </a:prstGeom>
+          <a:noFill/>
+        </p:spPr>
+        <p:txBody>
+          <a:bodyPr wrap="none" rtlCol="0">
+            <a:spAutoFit/>
+          </a:bodyPr>
+          <a:lstStyle/>
+          <a:p>
+            <a:r>
+              <a:rPr lang="en-US" altLang="ko-KR" sz="1400" b="1" dirty="0">
+                <a:solidFill>
+                  <a:srgbClr val="C0504D"/>
+                </a:solidFill>
+              </a:rPr>
+              <a:t>R</a:t>
+            </a:r>
+            <a:r>
+              <a:rPr lang="en-US" altLang="ko-KR" sz="1400" b="1" dirty="0" smtClean="0">
+                <a:solidFill>
+                  <a:srgbClr val="C0504D"/>
+                </a:solidFill>
+              </a:rPr>
+              <a:t>equest</a:t>
+            </a:r>
+            <a:endParaRPr lang="ko-KR" altLang="en-US" sz="1400" b="1" dirty="0">
+              <a:solidFill>
+                <a:srgbClr val="C0504D"/>
+              </a:solidFill>
+            </a:endParaRPr>
+          </a:p>
+        </p:txBody>
+      </p:sp>
+      <p:sp>
+        <p:nvSpPr>
+          <p:cNvPr id="14" name="TextBox 13"/>
+          <p:cNvSpPr txBox="1"/>
+          <p:nvPr/>
+        </p:nvSpPr>
+        <p:spPr>
+          <a:xfrm>
+            <a:off x="5682492" y="1745634"/>
+            <a:ext cx="994055" cy="307777"/>
+          </a:xfrm>
+          <a:prstGeom prst="rect">
+            <a:avLst/>
+          </a:prstGeom>
+          <a:noFill/>
+        </p:spPr>
+        <p:txBody>
+          <a:bodyPr wrap="none" rtlCol="0">
+            <a:spAutoFit/>
+          </a:bodyPr>
+          <a:lstStyle/>
+          <a:p>
+            <a:r>
+              <a:rPr lang="en-US" altLang="ko-KR" sz="1400" b="1" dirty="0" smtClean="0">
+                <a:solidFill>
+                  <a:srgbClr val="C0504D"/>
+                </a:solidFill>
+              </a:rPr>
+              <a:t>Response</a:t>
+            </a:r>
+            <a:endParaRPr lang="ko-KR" altLang="en-US" sz="1400" b="1" dirty="0">
+              <a:solidFill>
+                <a:srgbClr val="C0504D"/>
+              </a:solidFill>
+            </a:endParaRPr>
+          </a:p>
+        </p:txBody>
+      </p:sp>
+      <p:cxnSp>
+        <p:nvCxnSpPr>
+          <p:cNvPr id="16" name="직선 화살표 연결선 15"/>
+          <p:cNvCxnSpPr/>
+          <p:nvPr/>
+        </p:nvCxnSpPr>
+        <p:spPr>
+          <a:xfrm flipH="1">
+            <a:off x="3152006" y="2348881"/>
+            <a:ext cx="3888431" cy="0"/>
+          </a:xfrm>
+          <a:prstGeom prst="straightConnector1">
+            <a:avLst/>
+          </a:prstGeom>
+          <a:ln w="28575">
+            <a:solidFill>
+              <a:srgbClr val="FFC000"/>
+            </a:solidFill>
+            <a:headEnd type="none" w="med" len="med"/>
+            <a:tailEnd type="arrow" w="med" len="med"/>
+          </a:ln>
+        </p:spPr>
+        <p:style>
+          <a:lnRef idx="1">
+            <a:schemeClr val="accent2"/>
+          </a:lnRef>
+          <a:fillRef idx="3">
+            <a:schemeClr val="accent2"/>
+          </a:fillRef>
+          <a:effectRef idx="2">
+            <a:schemeClr val="accent2"/>
+          </a:effectRef>
+          <a:fontRef idx="minor">
+            <a:schemeClr val="lt1"/>
+          </a:fontRef>
+        </p:style>
+      </p:cxnSp>
+      <p:sp>
+        <p:nvSpPr>
+          <p:cNvPr id="18" name="TextBox 17"/>
+          <p:cNvSpPr txBox="1"/>
+          <p:nvPr/>
+        </p:nvSpPr>
+        <p:spPr>
+          <a:xfrm>
+            <a:off x="627315" y="3212976"/>
+            <a:ext cx="8625141" cy="2349361"/>
+          </a:xfrm>
+          <a:prstGeom prst="rect">
+            <a:avLst/>
+          </a:prstGeom>
+          <a:noFill/>
+        </p:spPr>
+        <p:txBody>
+          <a:bodyPr wrap="square" rtlCol="0">
+            <a:spAutoFit/>
+          </a:bodyPr>
+          <a:lstStyle/>
+          <a:p>
+            <a:pPr marL="271463" indent="-271463">
+              <a:lnSpc>
+                <a:spcPts val="2200"/>
+              </a:lnSpc>
+              <a:buFont typeface="+mj-lt"/>
+              <a:buAutoNum type="arabicPeriod"/>
+            </a:pPr>
+            <a:r>
+              <a:rPr lang="en-US" altLang="ko-KR" sz="1400" b="1" dirty="0" smtClean="0"/>
+              <a:t>Http </a:t>
+            </a:r>
+            <a:r>
+              <a:rPr lang="ko-KR" altLang="en-US" sz="1400" b="1" dirty="0" smtClean="0"/>
+              <a:t>프로토콜은 연결을 유지하지 않은 특성으로</a:t>
+            </a:r>
+            <a:r>
+              <a:rPr lang="en-US" altLang="ko-KR" sz="1400" b="1" dirty="0" smtClean="0"/>
+              <a:t>, </a:t>
+            </a:r>
+            <a:r>
+              <a:rPr lang="ko-KR" altLang="en-US" sz="1400" b="1" dirty="0" smtClean="0"/>
+              <a:t>기본적으로 </a:t>
+            </a:r>
+            <a:r>
+              <a:rPr lang="en-US" altLang="ko-KR" sz="1400" b="1" dirty="0" smtClean="0"/>
+              <a:t>request(</a:t>
+            </a:r>
+            <a:r>
+              <a:rPr lang="ko-KR" altLang="en-US" sz="1400" b="1" dirty="0" smtClean="0"/>
+              <a:t>요청</a:t>
+            </a:r>
+            <a:r>
+              <a:rPr lang="en-US" altLang="ko-KR" sz="1400" b="1" dirty="0" smtClean="0"/>
+              <a:t>)</a:t>
+            </a:r>
+            <a:r>
+              <a:rPr lang="ko-KR" altLang="en-US" sz="1400" b="1" dirty="0" smtClean="0"/>
+              <a:t>에 의한 </a:t>
+            </a:r>
+            <a:r>
+              <a:rPr lang="en-US" altLang="ko-KR" sz="1400" b="1" dirty="0" smtClean="0"/>
+              <a:t>response(</a:t>
+            </a:r>
+            <a:r>
+              <a:rPr lang="ko-KR" altLang="en-US" sz="1400" b="1" dirty="0" smtClean="0"/>
+              <a:t>응답</a:t>
+            </a:r>
+            <a:r>
+              <a:rPr lang="en-US" altLang="ko-KR" sz="1400" b="1" dirty="0"/>
+              <a:t>)</a:t>
+            </a:r>
+            <a:r>
+              <a:rPr lang="ko-KR" altLang="en-US" sz="1400" b="1" dirty="0" smtClean="0"/>
+              <a:t>을 반환 후 연결이 끊어지는 형태로 단일 웹 페이지 처리에는 유리할지 모르나 </a:t>
+            </a:r>
+            <a:r>
+              <a:rPr lang="en-US" altLang="ko-KR" sz="1400" b="1" dirty="0" smtClean="0"/>
+              <a:t>“</a:t>
+            </a:r>
+            <a:r>
+              <a:rPr lang="ko-KR" altLang="en-US" sz="1400" b="1" dirty="0" smtClean="0"/>
+              <a:t>실시간 상호작용 성</a:t>
+            </a:r>
+            <a:r>
+              <a:rPr lang="en-US" altLang="ko-KR" sz="1400" b="1" dirty="0" smtClean="0"/>
+              <a:t>”</a:t>
+            </a:r>
+            <a:r>
+              <a:rPr lang="ko-KR" altLang="en-US" sz="1400" b="1" dirty="0" smtClean="0"/>
+              <a:t>에는</a:t>
+            </a:r>
+            <a:r>
+              <a:rPr lang="en-US" altLang="ko-KR" sz="1400" b="1" dirty="0" smtClean="0"/>
+              <a:t/>
+            </a:r>
+            <a:br>
+              <a:rPr lang="en-US" altLang="ko-KR" sz="1400" b="1" dirty="0" smtClean="0"/>
+            </a:br>
+            <a:r>
+              <a:rPr lang="ko-KR" altLang="en-US" sz="1400" b="1" dirty="0" smtClean="0"/>
+              <a:t>불리</a:t>
+            </a:r>
+            <a:endParaRPr lang="en-US" altLang="ko-KR" sz="1400" b="1" dirty="0" smtClean="0"/>
+          </a:p>
+          <a:p>
+            <a:pPr marL="271463" indent="-271463">
+              <a:lnSpc>
+                <a:spcPts val="2200"/>
+              </a:lnSpc>
+              <a:buFont typeface="+mj-lt"/>
+              <a:buAutoNum type="arabicPeriod"/>
+            </a:pPr>
+            <a:r>
+              <a:rPr lang="en-US" altLang="ko-KR" sz="1400" b="1" dirty="0" smtClean="0"/>
+              <a:t>WebSocket</a:t>
+            </a:r>
+            <a:r>
+              <a:rPr lang="ko-KR" altLang="en-US" sz="1400" b="1" dirty="0" smtClean="0"/>
+              <a:t>을</a:t>
+            </a:r>
+            <a:r>
+              <a:rPr lang="en-US" altLang="ko-KR" sz="1400" b="1" dirty="0" smtClean="0"/>
+              <a:t> </a:t>
+            </a:r>
+            <a:r>
+              <a:rPr lang="ko-KR" altLang="en-US" sz="1400" b="1" dirty="0" smtClean="0"/>
+              <a:t>이용한 서버 </a:t>
+            </a:r>
+            <a:r>
+              <a:rPr lang="ko-KR" altLang="en-US" sz="1400" b="1" dirty="0" err="1" smtClean="0"/>
+              <a:t>푸쉬</a:t>
+            </a:r>
+            <a:r>
+              <a:rPr lang="ko-KR" altLang="en-US" sz="1400" b="1" dirty="0" smtClean="0"/>
+              <a:t> 기법 사용가능하나 제한적인 환경에서 가능 </a:t>
+            </a:r>
+            <a:r>
+              <a:rPr lang="en-US" altLang="ko-KR" sz="1400" b="1" dirty="0" smtClean="0"/>
+              <a:t>(IE 11</a:t>
+            </a:r>
+            <a:r>
+              <a:rPr lang="ko-KR" altLang="en-US" sz="1400" b="1" dirty="0" smtClean="0"/>
+              <a:t>이상</a:t>
+            </a:r>
+            <a:r>
+              <a:rPr lang="en-US" altLang="ko-KR" sz="1400" b="1" dirty="0" smtClean="0"/>
+              <a:t>, Servlet 3.0 </a:t>
+            </a:r>
+            <a:r>
+              <a:rPr lang="ko-KR" altLang="en-US" sz="1400" b="1" dirty="0" smtClean="0"/>
+              <a:t>이상 지원 </a:t>
+            </a:r>
+            <a:r>
+              <a:rPr lang="en-US" altLang="ko-KR" sz="1400" b="1" dirty="0" smtClean="0"/>
+              <a:t>WAS), </a:t>
+            </a:r>
+            <a:r>
+              <a:rPr lang="ko-KR" altLang="en-US" sz="1400" b="1" dirty="0" smtClean="0"/>
+              <a:t>또는</a:t>
+            </a:r>
+            <a:r>
+              <a:rPr lang="en-US" altLang="ko-KR" sz="1400" b="1" dirty="0" smtClean="0"/>
+              <a:t> polling </a:t>
+            </a:r>
+            <a:r>
+              <a:rPr lang="ko-KR" altLang="en-US" sz="1400" b="1" dirty="0" smtClean="0"/>
+              <a:t>등의 기법을 이용하여 유사한 효과를 구현 가능</a:t>
+            </a:r>
+            <a:endParaRPr lang="en-US" altLang="ko-KR" sz="1400" b="1" dirty="0" smtClean="0"/>
+          </a:p>
+          <a:p>
+            <a:pPr marL="271463" indent="-271463">
+              <a:lnSpc>
+                <a:spcPts val="2200"/>
+              </a:lnSpc>
+              <a:buFont typeface="+mj-lt"/>
+              <a:buAutoNum type="arabicPeriod"/>
+            </a:pPr>
+            <a:endParaRPr lang="en-US" altLang="ko-KR" sz="1400" b="1" dirty="0"/>
+          </a:p>
+          <a:p>
+            <a:pPr marL="285750" indent="-285750">
+              <a:lnSpc>
+                <a:spcPts val="2200"/>
+              </a:lnSpc>
+              <a:buFont typeface="Wingdings" panose="05000000000000000000" pitchFamily="2" charset="2"/>
+              <a:buChar char="v"/>
+            </a:pPr>
+            <a:r>
+              <a:rPr lang="en-US" altLang="ko-KR" sz="1400" b="1" dirty="0"/>
+              <a:t>Response</a:t>
+            </a:r>
+            <a:r>
+              <a:rPr lang="ko-KR" altLang="en-US" sz="1400" b="1" dirty="0"/>
+              <a:t>는 </a:t>
+            </a:r>
+            <a:r>
+              <a:rPr lang="en-US" altLang="ko-KR" sz="1400" b="1" dirty="0"/>
+              <a:t>html, text, binary file, </a:t>
+            </a:r>
+            <a:r>
+              <a:rPr lang="en-US" altLang="ko-KR" sz="1400" b="1" dirty="0" err="1"/>
+              <a:t>json</a:t>
+            </a:r>
+            <a:r>
+              <a:rPr lang="en-US" altLang="ko-KR" sz="1400" b="1" dirty="0"/>
+              <a:t>, xml </a:t>
+            </a:r>
+            <a:r>
+              <a:rPr lang="ko-KR" altLang="en-US" sz="1400" b="1" dirty="0"/>
+              <a:t>등 여러 가지 유형의 데이터 반환하고</a:t>
+            </a:r>
+            <a:r>
+              <a:rPr lang="en-US" altLang="ko-KR" sz="1400" b="1" dirty="0"/>
+              <a:t>,</a:t>
+            </a:r>
+            <a:br>
+              <a:rPr lang="en-US" altLang="ko-KR" sz="1400" b="1" dirty="0"/>
+            </a:br>
+            <a:r>
+              <a:rPr lang="en-US" altLang="ko-KR" sz="1400" b="1" dirty="0"/>
+              <a:t>Request</a:t>
+            </a:r>
+            <a:r>
+              <a:rPr lang="ko-KR" altLang="en-US" sz="1400" b="1" dirty="0"/>
+              <a:t>를 수행한 </a:t>
+            </a:r>
+            <a:r>
+              <a:rPr lang="ko-KR" altLang="en-US" sz="1400" b="1" dirty="0" err="1"/>
+              <a:t>브라우져</a:t>
+            </a:r>
+            <a:r>
+              <a:rPr lang="ko-KR" altLang="en-US" sz="1400" b="1" dirty="0"/>
+              <a:t> 또는 객체에서 수신된 데이터를 </a:t>
+            </a:r>
+            <a:r>
+              <a:rPr lang="ko-KR" altLang="en-US" sz="1400" b="1" dirty="0" smtClean="0"/>
+              <a:t>처리</a:t>
+            </a:r>
+            <a:endParaRPr lang="ko-KR" altLang="en-US" sz="1400" b="1" dirty="0"/>
+          </a:p>
+        </p:txBody>
+      </p:sp>
+      <p:sp>
+        <p:nvSpPr>
+          <p:cNvPr id="19" name="타원 18"/>
+          <p:cNvSpPr/>
+          <p:nvPr/>
+        </p:nvSpPr>
+        <p:spPr>
+          <a:xfrm>
+            <a:off x="4736182" y="1374782"/>
+            <a:ext cx="288032" cy="288032"/>
+          </a:xfrm>
+          <a:prstGeom prst="ellipse">
+            <a:avLst/>
+          </a:prstGeom>
+        </p:spPr>
+        <p:style>
+          <a:lnRef idx="3">
+            <a:schemeClr val="lt1"/>
+          </a:lnRef>
+          <a:fillRef idx="1">
+            <a:schemeClr val="accent1"/>
+          </a:fillRef>
+          <a:effectRef idx="1">
+            <a:schemeClr val="accent1"/>
+          </a:effectRef>
+          <a:fontRef idx="minor">
+            <a:schemeClr val="lt1"/>
+          </a:fontRef>
+        </p:style>
+        <p:txBody>
+          <a:bodyPr rtlCol="0" anchor="ctr"/>
+          <a:lstStyle/>
+          <a:p>
+            <a:pPr algn="ctr"/>
+            <a:r>
+              <a:rPr lang="en-US" altLang="ko-KR" sz="1400" b="1" dirty="0" smtClean="0"/>
+              <a:t>1</a:t>
+            </a:r>
+            <a:endParaRPr lang="ko-KR" altLang="en-US" sz="1400" b="1" dirty="0"/>
+          </a:p>
+        </p:txBody>
+      </p:sp>
+      <p:sp>
+        <p:nvSpPr>
+          <p:cNvPr id="20" name="타원 19"/>
+          <p:cNvSpPr/>
+          <p:nvPr/>
+        </p:nvSpPr>
+        <p:spPr>
+          <a:xfrm>
+            <a:off x="4736181" y="2204865"/>
+            <a:ext cx="288032" cy="288032"/>
+          </a:xfrm>
+          <a:prstGeom prst="ellipse">
+            <a:avLst/>
+          </a:prstGeom>
+        </p:spPr>
+        <p:style>
+          <a:lnRef idx="3">
+            <a:schemeClr val="lt1"/>
+          </a:lnRef>
+          <a:fillRef idx="1">
+            <a:schemeClr val="accent1"/>
+          </a:fillRef>
+          <a:effectRef idx="1">
+            <a:schemeClr val="accent1"/>
+          </a:effectRef>
+          <a:fontRef idx="minor">
+            <a:schemeClr val="lt1"/>
+          </a:fontRef>
+        </p:style>
+        <p:txBody>
+          <a:bodyPr rtlCol="0" anchor="ctr"/>
+          <a:lstStyle/>
+          <a:p>
+            <a:pPr algn="ctr"/>
+            <a:r>
+              <a:rPr lang="en-US" altLang="ko-KR" sz="1400" b="1" dirty="0" smtClean="0"/>
+              <a:t>2</a:t>
+            </a:r>
+            <a:endParaRPr lang="ko-KR" altLang="en-US" sz="1400" b="1" dirty="0"/>
+          </a:p>
+        </p:txBody>
+      </p:sp>
+      <p:sp>
+        <p:nvSpPr>
+          <p:cNvPr id="22" name="TextBox 21"/>
+          <p:cNvSpPr txBox="1"/>
+          <p:nvPr/>
+        </p:nvSpPr>
+        <p:spPr>
+          <a:xfrm>
+            <a:off x="7118643" y="179348"/>
+            <a:ext cx="2658099" cy="338554"/>
+          </a:xfrm>
+          <a:prstGeom prst="rect">
+            <a:avLst/>
+          </a:prstGeom>
+          <a:noFill/>
+        </p:spPr>
+        <p:txBody>
+          <a:bodyPr wrap="none" rtlCol="0">
+            <a:spAutoFit/>
+          </a:bodyPr>
+          <a:lstStyle/>
+          <a:p>
+            <a:pPr algn="r"/>
+            <a:r>
+              <a:rPr lang="ko-KR" altLang="en-US" sz="1600" b="1" dirty="0" smtClean="0"/>
+              <a:t>웹 어플리케이션 기본 구조</a:t>
+            </a:r>
+            <a:endParaRPr lang="ko-KR" altLang="en-US" sz="1600" b="1" dirty="0"/>
+          </a:p>
+        </p:txBody>
+      </p:sp>
+      <p:sp>
+        <p:nvSpPr>
+          <p:cNvPr id="25" name="제목 3"/>
+          <p:cNvSpPr>
+            <a:spLocks noGrp="1"/>
+          </p:cNvSpPr>
+          <p:nvPr>
+            <p:ph type="title"/>
+          </p:nvPr>
+        </p:nvSpPr>
+        <p:spPr>
+          <a:xfrm>
+            <a:off x="222423" y="71414"/>
+            <a:ext cx="9444692" cy="496997"/>
+          </a:xfrm>
+        </p:spPr>
+        <p:txBody>
+          <a:bodyPr/>
+          <a:lstStyle/>
+          <a:p>
+            <a:r>
+              <a:rPr lang="ko-KR" altLang="en-US" dirty="0" smtClean="0">
+                <a:solidFill>
+                  <a:schemeClr val="tx1">
+                    <a:lumMod val="50000"/>
+                    <a:lumOff val="50000"/>
+                  </a:schemeClr>
+                </a:solidFill>
+              </a:rPr>
+              <a:t>웹 처리 흐름</a:t>
+            </a:r>
+            <a:r>
+              <a:rPr lang="ko-KR" altLang="en-US" sz="2000" dirty="0" smtClean="0">
+                <a:solidFill>
+                  <a:schemeClr val="tx1">
+                    <a:lumMod val="50000"/>
+                    <a:lumOff val="50000"/>
+                  </a:schemeClr>
+                </a:solidFill>
+              </a:rPr>
+              <a:t> </a:t>
+            </a:r>
+            <a:r>
+              <a:rPr lang="en-US" altLang="ko-KR" sz="2000" dirty="0" smtClean="0">
+                <a:solidFill>
+                  <a:schemeClr val="tx1">
+                    <a:lumMod val="50000"/>
+                    <a:lumOff val="50000"/>
+                  </a:schemeClr>
+                </a:solidFill>
+              </a:rPr>
+              <a:t>&gt;</a:t>
+            </a:r>
+            <a:r>
+              <a:rPr lang="en-US" altLang="ko-KR" sz="2000" dirty="0">
+                <a:solidFill>
+                  <a:schemeClr val="tx1">
+                    <a:lumMod val="50000"/>
+                    <a:lumOff val="50000"/>
+                  </a:schemeClr>
+                </a:solidFill>
+              </a:rPr>
+              <a:t> </a:t>
+            </a:r>
+            <a:r>
+              <a:rPr lang="en-US" altLang="ko-KR" sz="2000" dirty="0" smtClean="0"/>
+              <a:t>Connection</a:t>
+            </a:r>
+            <a:endParaRPr lang="ko-KR" altLang="en-US" sz="2000" dirty="0"/>
+          </a:p>
+        </p:txBody>
+      </p:sp>
+    </p:spTree>
+    <p:extLst>
+      <p:ext uri="{BB962C8B-B14F-4D97-AF65-F5344CB8AC3E}">
+        <p14:creationId xmlns:p14="http://schemas.microsoft.com/office/powerpoint/2010/main" val="3875066749"/>
+      </p:ext>
+    </p:extLst>
+  </p:cSld>
+  <p:clrMapOvr>
+    <a:masterClrMapping/>
+  </p:clrMapOvr>
+</p:sld>
+</file>
+
+<file path=ppt/slides/slide4.xml><?xml version="1.0" encoding="utf-8"?>
+<p:sld xmlns:a="http://schemas.openxmlformats.org/drawingml/2006/main" xmlns:r="http://schemas.openxmlformats.org/officeDocument/2006/relationships" xmlns:p="http://schemas.openxmlformats.org/presentationml/2006/main">
+  <p:cSld>
+    <p:spTree>
+      <p:nvGrpSpPr>
+        <p:cNvPr id="1" name=""/>
+        <p:cNvGrpSpPr/>
+        <p:nvPr/>
+      </p:nvGrpSpPr>
+      <p:grpSpPr>
+        <a:xfrm>
+          <a:off x="0" y="0"/>
+          <a:ext cx="0" cy="0"/>
+          <a:chOff x="0" y="0"/>
+          <a:chExt cx="0" cy="0"/>
+        </a:xfrm>
+      </p:grpSpPr>
+      <p:sp>
+        <p:nvSpPr>
+          <p:cNvPr id="4" name="제목 3"/>
+          <p:cNvSpPr>
+            <a:spLocks noGrp="1"/>
+          </p:cNvSpPr>
+          <p:nvPr>
+            <p:ph type="title"/>
+          </p:nvPr>
+        </p:nvSpPr>
+        <p:spPr/>
+        <p:txBody>
+          <a:bodyPr/>
+          <a:lstStyle/>
+          <a:p>
+            <a:r>
+              <a:rPr lang="ko-KR" altLang="en-US" dirty="0" smtClean="0">
+                <a:solidFill>
+                  <a:schemeClr val="tx1">
+                    <a:lumMod val="50000"/>
+                    <a:lumOff val="50000"/>
+                  </a:schemeClr>
+                </a:solidFill>
+              </a:rPr>
+              <a:t>웹 처리 흐름</a:t>
+            </a:r>
+            <a:r>
+              <a:rPr lang="ko-KR" altLang="en-US" sz="2000" dirty="0" smtClean="0">
+                <a:solidFill>
+                  <a:schemeClr val="tx1">
+                    <a:lumMod val="50000"/>
+                    <a:lumOff val="50000"/>
+                  </a:schemeClr>
+                </a:solidFill>
+              </a:rPr>
+              <a:t> </a:t>
+            </a:r>
+            <a:r>
+              <a:rPr lang="en-US" altLang="ko-KR" sz="2000" dirty="0" smtClean="0">
+                <a:solidFill>
+                  <a:schemeClr val="tx1">
+                    <a:lumMod val="50000"/>
+                    <a:lumOff val="50000"/>
+                  </a:schemeClr>
+                </a:solidFill>
+              </a:rPr>
+              <a:t>&gt;</a:t>
+            </a:r>
+            <a:r>
+              <a:rPr lang="en-US" altLang="ko-KR" sz="2000" dirty="0">
+                <a:solidFill>
+                  <a:schemeClr val="tx1">
+                    <a:lumMod val="50000"/>
+                    <a:lumOff val="50000"/>
+                  </a:schemeClr>
+                </a:solidFill>
+              </a:rPr>
+              <a:t> </a:t>
+            </a:r>
+            <a:r>
+              <a:rPr lang="ko-KR" altLang="en-US" sz="2000" dirty="0" smtClean="0"/>
+              <a:t>각 계층의 역할</a:t>
+            </a:r>
+            <a:endParaRPr lang="ko-KR" altLang="en-US" sz="2000" dirty="0"/>
+          </a:p>
+        </p:txBody>
+      </p:sp>
+      <p:sp>
+        <p:nvSpPr>
+          <p:cNvPr id="6" name="직사각형 5"/>
+          <p:cNvSpPr/>
+          <p:nvPr/>
+        </p:nvSpPr>
+        <p:spPr>
+          <a:xfrm>
+            <a:off x="2613348" y="2780928"/>
+            <a:ext cx="6731345" cy="2088232"/>
+          </a:xfrm>
+          <a:prstGeom prst="rect">
+            <a:avLst/>
+          </a:prstGeom>
+        </p:spPr>
+        <p:style>
+          <a:lnRef idx="2">
+            <a:schemeClr val="accent1"/>
+          </a:lnRef>
+          <a:fillRef idx="1">
+            <a:schemeClr val="lt1"/>
+          </a:fillRef>
+          <a:effectRef idx="0">
+            <a:schemeClr val="accent1"/>
+          </a:effectRef>
+          <a:fontRef idx="minor">
+            <a:schemeClr val="dk1"/>
+          </a:fontRef>
+        </p:style>
+        <p:txBody>
+          <a:bodyPr rtlCol="0" anchor="t"/>
+          <a:lstStyle/>
+          <a:p>
+            <a:pPr algn="ctr"/>
+            <a:r>
+              <a:rPr lang="en-US" altLang="ko-KR" sz="1600" b="1" dirty="0" smtClean="0"/>
+              <a:t>WAS </a:t>
+            </a:r>
+            <a:r>
+              <a:rPr lang="en-US" altLang="ko-KR" sz="1200" b="1" dirty="0" smtClean="0"/>
+              <a:t>(Web Application Server)</a:t>
+            </a:r>
+            <a:endParaRPr lang="ko-KR" altLang="en-US" sz="1600" b="1" dirty="0"/>
+          </a:p>
+        </p:txBody>
+      </p:sp>
+      <p:sp>
+        <p:nvSpPr>
+          <p:cNvPr id="7" name="직사각형 6"/>
+          <p:cNvSpPr/>
+          <p:nvPr/>
+        </p:nvSpPr>
+        <p:spPr>
+          <a:xfrm>
+            <a:off x="2863974" y="3182669"/>
+            <a:ext cx="6230155" cy="1440160"/>
+          </a:xfrm>
+          <a:prstGeom prst="rect">
+            <a:avLst/>
+          </a:prstGeom>
+          <a:effectLst>
+            <a:outerShdw blurRad="50800" dist="38100" dir="2700000" algn="tl" rotWithShape="0">
+              <a:prstClr val="black">
+                <a:alpha val="40000"/>
+              </a:prstClr>
+            </a:outerShdw>
+          </a:effectLst>
+        </p:spPr>
+        <p:style>
+          <a:lnRef idx="1">
+            <a:schemeClr val="accent1"/>
+          </a:lnRef>
+          <a:fillRef idx="2">
+            <a:schemeClr val="accent1"/>
+          </a:fillRef>
+          <a:effectRef idx="1">
+            <a:schemeClr val="accent1"/>
+          </a:effectRef>
+          <a:fontRef idx="minor">
+            <a:schemeClr val="dk1"/>
+          </a:fontRef>
+        </p:style>
+        <p:txBody>
+          <a:bodyPr rtlCol="0" anchor="t"/>
+          <a:lstStyle/>
+          <a:p>
+            <a:pPr algn="ctr">
+              <a:lnSpc>
+                <a:spcPct val="150000"/>
+              </a:lnSpc>
+            </a:pPr>
+            <a:r>
+              <a:rPr lang="en-US" altLang="ko-KR" sz="1200" b="1" dirty="0" smtClean="0">
+                <a:solidFill>
+                  <a:schemeClr val="tx1"/>
+                </a:solidFill>
+              </a:rPr>
+              <a:t>Web Application</a:t>
+            </a:r>
+          </a:p>
+        </p:txBody>
+      </p:sp>
+      <p:sp>
+        <p:nvSpPr>
+          <p:cNvPr id="8" name="직사각형 7"/>
+          <p:cNvSpPr/>
+          <p:nvPr/>
+        </p:nvSpPr>
+        <p:spPr>
+          <a:xfrm>
+            <a:off x="2973449" y="3614716"/>
+            <a:ext cx="1080000" cy="864097"/>
+          </a:xfrm>
+          <a:prstGeom prst="rect">
+            <a:avLst/>
+          </a:prstGeom>
+        </p:spPr>
+        <p:style>
+          <a:lnRef idx="0">
+            <a:schemeClr val="accent1"/>
+          </a:lnRef>
+          <a:fillRef idx="3">
+            <a:schemeClr val="accent1"/>
+          </a:fillRef>
+          <a:effectRef idx="3">
+            <a:schemeClr val="accent1"/>
+          </a:effectRef>
+          <a:fontRef idx="minor">
+            <a:schemeClr val="lt1"/>
+          </a:fontRef>
+        </p:style>
+        <p:txBody>
+          <a:bodyPr lIns="72000" rIns="72000" rtlCol="0" anchor="t"/>
+          <a:lstStyle/>
+          <a:p>
+            <a:pPr algn="ctr">
+              <a:lnSpc>
+                <a:spcPct val="150000"/>
+              </a:lnSpc>
+            </a:pPr>
+            <a:r>
+              <a:rPr lang="en-US" altLang="ko-KR" sz="1200" b="1" dirty="0" smtClean="0">
+                <a:solidFill>
+                  <a:schemeClr val="bg1"/>
+                </a:solidFill>
+              </a:rPr>
+              <a:t>Servlet Filter</a:t>
+            </a:r>
+          </a:p>
+        </p:txBody>
+      </p:sp>
+      <p:sp>
+        <p:nvSpPr>
+          <p:cNvPr id="9" name="직사각형 8"/>
+          <p:cNvSpPr/>
+          <p:nvPr/>
+        </p:nvSpPr>
+        <p:spPr>
+          <a:xfrm>
+            <a:off x="4197585" y="3614717"/>
+            <a:ext cx="1080000" cy="864097"/>
+          </a:xfrm>
+          <a:prstGeom prst="rect">
+            <a:avLst/>
+          </a:prstGeom>
+        </p:spPr>
+        <p:style>
+          <a:lnRef idx="0">
+            <a:schemeClr val="accent1"/>
+          </a:lnRef>
+          <a:fillRef idx="3">
+            <a:schemeClr val="accent1"/>
+          </a:fillRef>
+          <a:effectRef idx="3">
+            <a:schemeClr val="accent1"/>
+          </a:effectRef>
+          <a:fontRef idx="minor">
+            <a:schemeClr val="lt1"/>
+          </a:fontRef>
+        </p:style>
+        <p:txBody>
+          <a:bodyPr lIns="72000" rIns="72000" rtlCol="0" anchor="t"/>
+          <a:lstStyle/>
+          <a:p>
+            <a:pPr algn="ctr">
+              <a:lnSpc>
+                <a:spcPct val="150000"/>
+              </a:lnSpc>
+            </a:pPr>
+            <a:r>
+              <a:rPr lang="en-US" altLang="ko-KR" sz="1200" b="1" dirty="0" smtClean="0">
+                <a:solidFill>
+                  <a:schemeClr val="bg1"/>
+                </a:solidFill>
+              </a:rPr>
+              <a:t>Servlet</a:t>
+            </a:r>
+          </a:p>
+        </p:txBody>
+      </p:sp>
+      <p:sp>
+        <p:nvSpPr>
+          <p:cNvPr id="10" name="직사각형 9"/>
+          <p:cNvSpPr/>
+          <p:nvPr/>
+        </p:nvSpPr>
+        <p:spPr>
+          <a:xfrm>
+            <a:off x="5445713" y="3614716"/>
+            <a:ext cx="1080000" cy="864097"/>
+          </a:xfrm>
+          <a:prstGeom prst="rect">
+            <a:avLst/>
+          </a:prstGeom>
+        </p:spPr>
+        <p:style>
+          <a:lnRef idx="0">
+            <a:schemeClr val="accent1"/>
+          </a:lnRef>
+          <a:fillRef idx="3">
+            <a:schemeClr val="accent1"/>
+          </a:fillRef>
+          <a:effectRef idx="3">
+            <a:schemeClr val="accent1"/>
+          </a:effectRef>
+          <a:fontRef idx="minor">
+            <a:schemeClr val="lt1"/>
+          </a:fontRef>
+        </p:style>
+        <p:txBody>
+          <a:bodyPr lIns="72000" rIns="72000" rtlCol="0" anchor="t"/>
+          <a:lstStyle/>
+          <a:p>
+            <a:pPr algn="ctr">
+              <a:lnSpc>
+                <a:spcPct val="150000"/>
+              </a:lnSpc>
+            </a:pPr>
+            <a:r>
+              <a:rPr lang="en-US" altLang="ko-KR" sz="1200" b="1" dirty="0" smtClean="0">
+                <a:solidFill>
+                  <a:schemeClr val="bg1"/>
+                </a:solidFill>
+              </a:rPr>
+              <a:t>Controller</a:t>
+            </a:r>
+          </a:p>
+        </p:txBody>
+      </p:sp>
+      <p:sp>
+        <p:nvSpPr>
+          <p:cNvPr id="11" name="직사각형 10"/>
+          <p:cNvSpPr/>
+          <p:nvPr/>
+        </p:nvSpPr>
+        <p:spPr>
+          <a:xfrm>
+            <a:off x="7869993" y="3622566"/>
+            <a:ext cx="1080000" cy="864097"/>
+          </a:xfrm>
+          <a:prstGeom prst="rect">
+            <a:avLst/>
+          </a:prstGeom>
+        </p:spPr>
+        <p:style>
+          <a:lnRef idx="0">
+            <a:schemeClr val="accent1"/>
+          </a:lnRef>
+          <a:fillRef idx="3">
+            <a:schemeClr val="accent1"/>
+          </a:fillRef>
+          <a:effectRef idx="3">
+            <a:schemeClr val="accent1"/>
+          </a:effectRef>
+          <a:fontRef idx="minor">
+            <a:schemeClr val="lt1"/>
+          </a:fontRef>
+        </p:style>
+        <p:txBody>
+          <a:bodyPr lIns="72000" rIns="72000" rtlCol="0" anchor="t"/>
+          <a:lstStyle/>
+          <a:p>
+            <a:pPr algn="ctr">
+              <a:lnSpc>
+                <a:spcPct val="150000"/>
+              </a:lnSpc>
+            </a:pPr>
+            <a:r>
+              <a:rPr lang="en-US" altLang="ko-KR" sz="1200" b="1" dirty="0" smtClean="0">
+                <a:solidFill>
+                  <a:schemeClr val="bg1"/>
+                </a:solidFill>
+              </a:rPr>
+              <a:t>DAO</a:t>
+            </a:r>
+          </a:p>
+        </p:txBody>
+      </p:sp>
+      <p:sp>
+        <p:nvSpPr>
+          <p:cNvPr id="12" name="직사각형 11"/>
+          <p:cNvSpPr/>
+          <p:nvPr/>
+        </p:nvSpPr>
+        <p:spPr>
+          <a:xfrm>
+            <a:off x="6681921" y="3614716"/>
+            <a:ext cx="1080000" cy="864097"/>
+          </a:xfrm>
+          <a:prstGeom prst="rect">
+            <a:avLst/>
+          </a:prstGeom>
+        </p:spPr>
+        <p:style>
+          <a:lnRef idx="0">
+            <a:schemeClr val="accent1"/>
+          </a:lnRef>
+          <a:fillRef idx="3">
+            <a:schemeClr val="accent1"/>
+          </a:fillRef>
+          <a:effectRef idx="3">
+            <a:schemeClr val="accent1"/>
+          </a:effectRef>
+          <a:fontRef idx="minor">
+            <a:schemeClr val="lt1"/>
+          </a:fontRef>
+        </p:style>
+        <p:txBody>
+          <a:bodyPr lIns="72000" rIns="72000" rtlCol="0" anchor="t"/>
+          <a:lstStyle/>
+          <a:p>
+            <a:pPr algn="ctr">
+              <a:lnSpc>
+                <a:spcPct val="150000"/>
+              </a:lnSpc>
+            </a:pPr>
+            <a:r>
+              <a:rPr lang="en-US" altLang="ko-KR" sz="1200" b="1" dirty="0" smtClean="0">
+                <a:solidFill>
+                  <a:schemeClr val="bg1"/>
+                </a:solidFill>
+              </a:rPr>
+              <a:t>Service</a:t>
+            </a:r>
+          </a:p>
+        </p:txBody>
+      </p:sp>
+      <p:sp>
+        <p:nvSpPr>
+          <p:cNvPr id="13" name="원통 12"/>
+          <p:cNvSpPr/>
+          <p:nvPr/>
+        </p:nvSpPr>
+        <p:spPr>
+          <a:xfrm>
+            <a:off x="8048550" y="5198376"/>
+            <a:ext cx="792088" cy="924711"/>
+          </a:xfrm>
+          <a:prstGeom prst="can">
+            <a:avLst/>
+          </a:prstGeom>
+        </p:spPr>
+        <p:style>
+          <a:lnRef idx="0">
+            <a:schemeClr val="accent3"/>
+          </a:lnRef>
+          <a:fillRef idx="3">
+            <a:schemeClr val="accent3"/>
+          </a:fillRef>
+          <a:effectRef idx="3">
+            <a:schemeClr val="accent3"/>
+          </a:effectRef>
+          <a:fontRef idx="minor">
+            <a:schemeClr val="lt1"/>
+          </a:fontRef>
+        </p:style>
+        <p:txBody>
+          <a:bodyPr rtlCol="0" anchor="ctr"/>
+          <a:lstStyle/>
+          <a:p>
+            <a:pPr algn="ctr"/>
+            <a:r>
+              <a:rPr lang="en-US" altLang="ko-KR" sz="1200" b="1" dirty="0" smtClean="0">
+                <a:solidFill>
+                  <a:schemeClr val="tx1"/>
+                </a:solidFill>
+              </a:rPr>
+              <a:t>DB</a:t>
+            </a:r>
+          </a:p>
+          <a:p>
+            <a:pPr algn="ctr"/>
+            <a:r>
+              <a:rPr lang="en-US" altLang="ko-KR" sz="1200" b="1" dirty="0" smtClean="0">
+                <a:solidFill>
+                  <a:schemeClr val="tx1"/>
+                </a:solidFill>
+              </a:rPr>
+              <a:t>XML</a:t>
+            </a:r>
+          </a:p>
+          <a:p>
+            <a:pPr algn="ctr"/>
+            <a:r>
+              <a:rPr lang="en-US" altLang="ko-KR" sz="1200" b="1" dirty="0" smtClean="0">
+                <a:solidFill>
+                  <a:schemeClr val="tx1"/>
+                </a:solidFill>
+              </a:rPr>
+              <a:t>…</a:t>
+            </a:r>
+            <a:endParaRPr lang="ko-KR" altLang="en-US" sz="1200" b="1" dirty="0">
+              <a:solidFill>
+                <a:schemeClr val="tx1"/>
+              </a:solidFill>
+            </a:endParaRPr>
+          </a:p>
+        </p:txBody>
+      </p:sp>
+      <p:sp>
+        <p:nvSpPr>
+          <p:cNvPr id="2" name="U자형 화살표 1"/>
+          <p:cNvSpPr/>
+          <p:nvPr/>
+        </p:nvSpPr>
+        <p:spPr>
+          <a:xfrm rot="5400000">
+            <a:off x="4864400" y="996526"/>
+            <a:ext cx="247620" cy="6264696"/>
+          </a:xfrm>
+          <a:prstGeom prst="uturnArrow">
+            <a:avLst>
+              <a:gd name="adj1" fmla="val 10999"/>
+              <a:gd name="adj2" fmla="val 18232"/>
+              <a:gd name="adj3" fmla="val 25000"/>
+              <a:gd name="adj4" fmla="val 43750"/>
+              <a:gd name="adj5" fmla="val 100000"/>
+            </a:avLst>
+          </a:prstGeom>
+        </p:spPr>
+        <p:style>
+          <a:lnRef idx="1">
+            <a:schemeClr val="accent2"/>
+          </a:lnRef>
+          <a:fillRef idx="3">
+            <a:schemeClr val="accent2"/>
+          </a:fillRef>
+          <a:effectRef idx="2">
+            <a:schemeClr val="accent2"/>
+          </a:effectRef>
+          <a:fontRef idx="minor">
+            <a:schemeClr val="lt1"/>
+          </a:fontRef>
+        </p:style>
+        <p:txBody>
+          <a:bodyPr rtlCol="0" anchor="ctr"/>
+          <a:lstStyle/>
+          <a:p>
+            <a:pPr algn="ctr"/>
+            <a:endParaRPr lang="ko-KR" altLang="en-US">
+              <a:solidFill>
+                <a:schemeClr val="tx1"/>
+              </a:solidFill>
+            </a:endParaRPr>
+          </a:p>
+        </p:txBody>
+      </p:sp>
+      <p:sp>
+        <p:nvSpPr>
+          <p:cNvPr id="3" name="직사각형 2"/>
+          <p:cNvSpPr/>
+          <p:nvPr/>
+        </p:nvSpPr>
+        <p:spPr>
+          <a:xfrm>
+            <a:off x="487998" y="3522780"/>
+            <a:ext cx="1368152" cy="1182527"/>
+          </a:xfrm>
+          <a:prstGeom prst="rect">
+            <a:avLst/>
+          </a:prstGeom>
+        </p:spPr>
+        <p:style>
+          <a:lnRef idx="1">
+            <a:schemeClr val="accent1"/>
+          </a:lnRef>
+          <a:fillRef idx="2">
+            <a:schemeClr val="accent1"/>
+          </a:fillRef>
+          <a:effectRef idx="1">
+            <a:schemeClr val="accent1"/>
+          </a:effectRef>
+          <a:fontRef idx="minor">
+            <a:schemeClr val="dk1"/>
+          </a:fontRef>
+        </p:style>
+        <p:txBody>
+          <a:bodyPr rtlCol="0" anchor="ctr"/>
+          <a:lstStyle/>
+          <a:p>
+            <a:pPr algn="ctr"/>
+            <a:r>
+              <a:rPr lang="en-US" altLang="ko-KR" sz="1400" b="1" dirty="0" smtClean="0"/>
+              <a:t>Browser</a:t>
+            </a:r>
+            <a:endParaRPr lang="ko-KR" altLang="en-US" sz="1400" b="1" dirty="0"/>
+          </a:p>
+        </p:txBody>
+      </p:sp>
+      <p:sp>
+        <p:nvSpPr>
+          <p:cNvPr id="27" name="U자형 화살표 26"/>
+          <p:cNvSpPr/>
+          <p:nvPr/>
+        </p:nvSpPr>
+        <p:spPr>
+          <a:xfrm rot="10800000">
+            <a:off x="8286346" y="4252684"/>
+            <a:ext cx="279340" cy="1120016"/>
+          </a:xfrm>
+          <a:prstGeom prst="uturnArrow">
+            <a:avLst>
+              <a:gd name="adj1" fmla="val 10999"/>
+              <a:gd name="adj2" fmla="val 18232"/>
+              <a:gd name="adj3" fmla="val 25000"/>
+              <a:gd name="adj4" fmla="val 43750"/>
+              <a:gd name="adj5" fmla="val 100000"/>
+            </a:avLst>
+          </a:prstGeom>
+        </p:spPr>
+        <p:style>
+          <a:lnRef idx="1">
+            <a:schemeClr val="accent2"/>
+          </a:lnRef>
+          <a:fillRef idx="3">
+            <a:schemeClr val="accent2"/>
+          </a:fillRef>
+          <a:effectRef idx="2">
+            <a:schemeClr val="accent2"/>
+          </a:effectRef>
+          <a:fontRef idx="minor">
+            <a:schemeClr val="lt1"/>
+          </a:fontRef>
+        </p:style>
+        <p:txBody>
+          <a:bodyPr rtlCol="0" anchor="ctr"/>
+          <a:lstStyle/>
+          <a:p>
+            <a:pPr algn="ctr"/>
+            <a:endParaRPr lang="ko-KR" altLang="en-US">
+              <a:solidFill>
+                <a:schemeClr val="tx1"/>
+              </a:solidFill>
+            </a:endParaRPr>
+          </a:p>
+        </p:txBody>
+      </p:sp>
+      <p:sp>
+        <p:nvSpPr>
+          <p:cNvPr id="28" name="TextBox 27"/>
+          <p:cNvSpPr txBox="1"/>
+          <p:nvPr/>
+        </p:nvSpPr>
+        <p:spPr>
+          <a:xfrm>
+            <a:off x="1809645" y="2204864"/>
+            <a:ext cx="3588418" cy="553998"/>
+          </a:xfrm>
+          <a:prstGeom prst="rect">
+            <a:avLst/>
+          </a:prstGeom>
+          <a:noFill/>
+        </p:spPr>
+        <p:txBody>
+          <a:bodyPr wrap="none" rtlCol="0">
+            <a:spAutoFit/>
+          </a:bodyPr>
+          <a:lstStyle/>
+          <a:p>
+            <a:pPr>
+              <a:lnSpc>
+                <a:spcPct val="120000"/>
+              </a:lnSpc>
+            </a:pPr>
+            <a:r>
+              <a:rPr lang="en-US" altLang="ko-KR" sz="1400" b="1" dirty="0" smtClean="0"/>
+              <a:t>Request</a:t>
+            </a:r>
+            <a:r>
+              <a:rPr lang="ko-KR" altLang="en-US" sz="1400" b="1" dirty="0" smtClean="0"/>
+              <a:t>를 최초로 수신 </a:t>
+            </a:r>
+            <a:r>
+              <a:rPr lang="en-US" altLang="ko-KR" sz="1400" b="1" dirty="0" smtClean="0"/>
+              <a:t>Controller</a:t>
+            </a:r>
+            <a:r>
+              <a:rPr lang="ko-KR" altLang="en-US" sz="1400" b="1" dirty="0" smtClean="0"/>
+              <a:t>에 분배</a:t>
+            </a:r>
+            <a:endParaRPr lang="en-US" altLang="ko-KR" sz="1400" b="1" dirty="0" smtClean="0"/>
+          </a:p>
+          <a:p>
+            <a:pPr marL="171450" indent="-171450">
+              <a:lnSpc>
+                <a:spcPct val="120000"/>
+              </a:lnSpc>
+              <a:buFont typeface="Wingdings" panose="05000000000000000000" pitchFamily="2" charset="2"/>
+              <a:buChar char="v"/>
+            </a:pPr>
+            <a:r>
+              <a:rPr lang="ko-KR" altLang="en-US" sz="1100" b="1" dirty="0" smtClean="0"/>
+              <a:t>호출된 </a:t>
+            </a:r>
+            <a:r>
+              <a:rPr lang="en-US" altLang="ko-KR" sz="1100" b="1" dirty="0" smtClean="0"/>
+              <a:t>URL</a:t>
+            </a:r>
+            <a:r>
+              <a:rPr lang="ko-KR" altLang="en-US" sz="1100" b="1" dirty="0" smtClean="0"/>
+              <a:t>로 처리될 </a:t>
+            </a:r>
+            <a:r>
+              <a:rPr lang="en-US" altLang="ko-KR" sz="1100" b="1" dirty="0" smtClean="0"/>
+              <a:t>Controller </a:t>
+            </a:r>
+            <a:r>
+              <a:rPr lang="ko-KR" altLang="en-US" sz="1100" b="1" dirty="0" smtClean="0"/>
+              <a:t>호출</a:t>
+            </a:r>
+            <a:endParaRPr lang="ko-KR" altLang="en-US" sz="1100" b="1" dirty="0"/>
+          </a:p>
+        </p:txBody>
+      </p:sp>
+      <p:cxnSp>
+        <p:nvCxnSpPr>
+          <p:cNvPr id="30" name="꺾인 연결선 29"/>
+          <p:cNvCxnSpPr>
+            <a:stCxn id="28" idx="2"/>
+            <a:endCxn id="9" idx="0"/>
+          </p:cNvCxnSpPr>
+          <p:nvPr/>
+        </p:nvCxnSpPr>
+        <p:spPr>
+          <a:xfrm rot="16200000" flipH="1">
+            <a:off x="3742792" y="2619923"/>
+            <a:ext cx="855855" cy="1133731"/>
+          </a:xfrm>
+          <a:prstGeom prst="bentConnector3">
+            <a:avLst/>
+          </a:prstGeom>
+          <a:ln>
+            <a:tailEnd type="arrow"/>
+          </a:ln>
+        </p:spPr>
+        <p:style>
+          <a:lnRef idx="2">
+            <a:schemeClr val="accent2"/>
+          </a:lnRef>
+          <a:fillRef idx="0">
+            <a:schemeClr val="accent2"/>
+          </a:fillRef>
+          <a:effectRef idx="1">
+            <a:schemeClr val="accent2"/>
+          </a:effectRef>
+          <a:fontRef idx="minor">
+            <a:schemeClr val="tx1"/>
+          </a:fontRef>
+        </p:style>
+      </p:cxnSp>
+      <p:sp>
+        <p:nvSpPr>
+          <p:cNvPr id="33" name="TextBox 32"/>
+          <p:cNvSpPr txBox="1"/>
+          <p:nvPr/>
+        </p:nvSpPr>
+        <p:spPr>
+          <a:xfrm>
+            <a:off x="379707" y="5372700"/>
+            <a:ext cx="4068443" cy="757130"/>
+          </a:xfrm>
+          <a:prstGeom prst="rect">
+            <a:avLst/>
+          </a:prstGeom>
+          <a:noFill/>
+        </p:spPr>
+        <p:txBody>
+          <a:bodyPr wrap="square" rtlCol="0">
+            <a:spAutoFit/>
+          </a:bodyPr>
+          <a:lstStyle/>
+          <a:p>
+            <a:pPr>
+              <a:lnSpc>
+                <a:spcPct val="120000"/>
+              </a:lnSpc>
+            </a:pPr>
+            <a:r>
+              <a:rPr lang="en-US" altLang="ko-KR" sz="1400" b="1" dirty="0" smtClean="0"/>
+              <a:t>Request</a:t>
+            </a:r>
+            <a:r>
+              <a:rPr lang="ko-KR" altLang="en-US" sz="1400" b="1" dirty="0" smtClean="0"/>
+              <a:t>에 대한 </a:t>
+            </a:r>
+            <a:r>
+              <a:rPr lang="ko-KR" altLang="en-US" sz="1400" b="1" dirty="0" err="1" smtClean="0"/>
+              <a:t>필터링</a:t>
+            </a:r>
+            <a:r>
+              <a:rPr lang="ko-KR" altLang="en-US" sz="1400" b="1" dirty="0" smtClean="0"/>
+              <a:t> 수행</a:t>
+            </a:r>
+            <a:endParaRPr lang="en-US" altLang="ko-KR" sz="1400" b="1" dirty="0" smtClean="0"/>
+          </a:p>
+          <a:p>
+            <a:pPr marL="171450" indent="-171450">
+              <a:lnSpc>
+                <a:spcPct val="120000"/>
+              </a:lnSpc>
+              <a:buFont typeface="Wingdings" panose="05000000000000000000" pitchFamily="2" charset="2"/>
+              <a:buChar char="v"/>
+            </a:pPr>
+            <a:r>
+              <a:rPr lang="ko-KR" altLang="en-US" sz="1100" b="1" dirty="0" smtClean="0"/>
+              <a:t>예를 </a:t>
+            </a:r>
+            <a:r>
+              <a:rPr lang="ko-KR" altLang="en-US" sz="1100" b="1" dirty="0"/>
+              <a:t>들어 세션 </a:t>
+            </a:r>
+            <a:r>
+              <a:rPr lang="ko-KR" altLang="en-US" sz="1100" b="1" dirty="0" smtClean="0"/>
+              <a:t>존재 여부로 로그인 처리</a:t>
+            </a:r>
+            <a:r>
+              <a:rPr lang="en-US" altLang="ko-KR" sz="1100" b="1" dirty="0" smtClean="0"/>
+              <a:t>, </a:t>
+            </a:r>
+            <a:r>
+              <a:rPr lang="ko-KR" altLang="en-US" sz="1100" b="1" dirty="0" smtClean="0"/>
+              <a:t>요청된 페이지에 대한 권한 </a:t>
+            </a:r>
+            <a:r>
+              <a:rPr lang="ko-KR" altLang="en-US" sz="1100" b="1" dirty="0"/>
+              <a:t>소유 </a:t>
+            </a:r>
+            <a:r>
+              <a:rPr lang="ko-KR" altLang="en-US" sz="1100" b="1" dirty="0" smtClean="0"/>
+              <a:t>여부 확인하여 오류 페이지 표시 등</a:t>
+            </a:r>
+            <a:endParaRPr lang="ko-KR" altLang="en-US" sz="1100" b="1" dirty="0"/>
+          </a:p>
+        </p:txBody>
+      </p:sp>
+      <p:cxnSp>
+        <p:nvCxnSpPr>
+          <p:cNvPr id="34" name="꺾인 연결선 33"/>
+          <p:cNvCxnSpPr>
+            <a:stCxn id="33" idx="0"/>
+            <a:endCxn id="8" idx="2"/>
+          </p:cNvCxnSpPr>
+          <p:nvPr/>
+        </p:nvCxnSpPr>
+        <p:spPr>
+          <a:xfrm rot="5400000" flipH="1" flipV="1">
+            <a:off x="2516746" y="4375997"/>
+            <a:ext cx="893887" cy="1099520"/>
+          </a:xfrm>
+          <a:prstGeom prst="bentConnector3">
+            <a:avLst>
+              <a:gd name="adj1" fmla="val 50000"/>
+            </a:avLst>
+          </a:prstGeom>
+          <a:ln>
+            <a:tailEnd type="arrow"/>
+          </a:ln>
+        </p:spPr>
+        <p:style>
+          <a:lnRef idx="2">
+            <a:schemeClr val="accent2"/>
+          </a:lnRef>
+          <a:fillRef idx="0">
+            <a:schemeClr val="accent2"/>
+          </a:fillRef>
+          <a:effectRef idx="1">
+            <a:schemeClr val="accent2"/>
+          </a:effectRef>
+          <a:fontRef idx="minor">
+            <a:schemeClr val="tx1"/>
+          </a:fontRef>
+        </p:style>
+      </p:cxnSp>
+      <p:sp>
+        <p:nvSpPr>
+          <p:cNvPr id="45" name="TextBox 44"/>
+          <p:cNvSpPr txBox="1"/>
+          <p:nvPr/>
+        </p:nvSpPr>
+        <p:spPr>
+          <a:xfrm>
+            <a:off x="4426378" y="5373216"/>
+            <a:ext cx="3114222" cy="553998"/>
+          </a:xfrm>
+          <a:prstGeom prst="rect">
+            <a:avLst/>
+          </a:prstGeom>
+          <a:noFill/>
+        </p:spPr>
+        <p:txBody>
+          <a:bodyPr wrap="square" rtlCol="0">
+            <a:spAutoFit/>
+          </a:bodyPr>
+          <a:lstStyle/>
+          <a:p>
+            <a:pPr>
+              <a:lnSpc>
+                <a:spcPct val="120000"/>
+              </a:lnSpc>
+            </a:pPr>
+            <a:r>
+              <a:rPr lang="ko-KR" altLang="en-US" sz="1400" b="1" dirty="0" smtClean="0"/>
+              <a:t>요청 </a:t>
+            </a:r>
+            <a:r>
+              <a:rPr lang="en-US" altLang="ko-KR" sz="1400" b="1" dirty="0" smtClean="0"/>
+              <a:t>URL</a:t>
+            </a:r>
+            <a:r>
+              <a:rPr lang="ko-KR" altLang="en-US" sz="1400" b="1" dirty="0" smtClean="0"/>
+              <a:t>에 대한 개별 처리</a:t>
+            </a:r>
+            <a:endParaRPr lang="en-US" altLang="ko-KR" sz="1400" b="1" dirty="0" smtClean="0"/>
+          </a:p>
+          <a:p>
+            <a:pPr marL="171450" indent="-171450">
+              <a:lnSpc>
+                <a:spcPct val="120000"/>
+              </a:lnSpc>
+              <a:buFont typeface="Wingdings" panose="05000000000000000000" pitchFamily="2" charset="2"/>
+              <a:buChar char="v"/>
+            </a:pPr>
+            <a:r>
+              <a:rPr lang="en-US" altLang="ko-KR" sz="1100" b="1" dirty="0" smtClean="0"/>
+              <a:t>Service</a:t>
+            </a:r>
+            <a:r>
+              <a:rPr lang="ko-KR" altLang="en-US" sz="1100" b="1" dirty="0" smtClean="0"/>
+              <a:t>의 호출 등</a:t>
+            </a:r>
+            <a:endParaRPr lang="ko-KR" altLang="en-US" sz="1100" b="1" dirty="0"/>
+          </a:p>
+        </p:txBody>
+      </p:sp>
+      <p:cxnSp>
+        <p:nvCxnSpPr>
+          <p:cNvPr id="46" name="꺾인 연결선 45"/>
+          <p:cNvCxnSpPr>
+            <a:stCxn id="45" idx="0"/>
+            <a:endCxn id="10" idx="2"/>
+          </p:cNvCxnSpPr>
+          <p:nvPr/>
+        </p:nvCxnSpPr>
+        <p:spPr>
+          <a:xfrm rot="5400000" flipH="1" flipV="1">
+            <a:off x="5537400" y="4924903"/>
+            <a:ext cx="894403" cy="2224"/>
+          </a:xfrm>
+          <a:prstGeom prst="bentConnector3">
+            <a:avLst>
+              <a:gd name="adj1" fmla="val 50000"/>
+            </a:avLst>
+          </a:prstGeom>
+          <a:ln>
+            <a:tailEnd type="arrow"/>
+          </a:ln>
+        </p:spPr>
+        <p:style>
+          <a:lnRef idx="2">
+            <a:schemeClr val="accent2"/>
+          </a:lnRef>
+          <a:fillRef idx="0">
+            <a:schemeClr val="accent2"/>
+          </a:fillRef>
+          <a:effectRef idx="1">
+            <a:schemeClr val="accent2"/>
+          </a:effectRef>
+          <a:fontRef idx="minor">
+            <a:schemeClr val="tx1"/>
+          </a:fontRef>
+        </p:style>
+      </p:cxnSp>
+      <p:cxnSp>
+        <p:nvCxnSpPr>
+          <p:cNvPr id="52" name="꺾인 연결선 51"/>
+          <p:cNvCxnSpPr>
+            <a:stCxn id="57" idx="3"/>
+            <a:endCxn id="12" idx="0"/>
+          </p:cNvCxnSpPr>
+          <p:nvPr/>
+        </p:nvCxnSpPr>
+        <p:spPr>
+          <a:xfrm>
+            <a:off x="6879031" y="1898074"/>
+            <a:ext cx="342890" cy="1716642"/>
+          </a:xfrm>
+          <a:prstGeom prst="bentConnector2">
+            <a:avLst/>
+          </a:prstGeom>
+          <a:ln>
+            <a:tailEnd type="arrow"/>
+          </a:ln>
+        </p:spPr>
+        <p:style>
+          <a:lnRef idx="2">
+            <a:schemeClr val="accent2"/>
+          </a:lnRef>
+          <a:fillRef idx="0">
+            <a:schemeClr val="accent2"/>
+          </a:fillRef>
+          <a:effectRef idx="1">
+            <a:schemeClr val="accent2"/>
+          </a:effectRef>
+          <a:fontRef idx="minor">
+            <a:schemeClr val="tx1"/>
+          </a:fontRef>
+        </p:style>
+      </p:cxnSp>
+      <p:sp>
+        <p:nvSpPr>
+          <p:cNvPr id="57" name="TextBox 56"/>
+          <p:cNvSpPr txBox="1"/>
+          <p:nvPr/>
+        </p:nvSpPr>
+        <p:spPr>
+          <a:xfrm>
+            <a:off x="2503934" y="1621075"/>
+            <a:ext cx="4375097" cy="553998"/>
+          </a:xfrm>
+          <a:prstGeom prst="rect">
+            <a:avLst/>
+          </a:prstGeom>
+          <a:noFill/>
+        </p:spPr>
+        <p:txBody>
+          <a:bodyPr wrap="square" rtlCol="0">
+            <a:spAutoFit/>
+          </a:bodyPr>
+          <a:lstStyle/>
+          <a:p>
+            <a:pPr>
+              <a:lnSpc>
+                <a:spcPct val="120000"/>
+              </a:lnSpc>
+            </a:pPr>
+            <a:r>
+              <a:rPr lang="ko-KR" altLang="en-US" sz="1400" b="1" dirty="0" smtClean="0"/>
+              <a:t>데이터의 처리 및 비즈니스 </a:t>
+            </a:r>
+            <a:r>
+              <a:rPr lang="ko-KR" altLang="en-US" sz="1400" b="1" dirty="0"/>
+              <a:t>로직의 </a:t>
+            </a:r>
+            <a:r>
+              <a:rPr lang="ko-KR" altLang="en-US" sz="1400" b="1" dirty="0" smtClean="0"/>
+              <a:t>적용</a:t>
+            </a:r>
+          </a:p>
+          <a:p>
+            <a:pPr marL="171450" indent="-171450">
+              <a:lnSpc>
+                <a:spcPct val="120000"/>
+              </a:lnSpc>
+              <a:buFont typeface="Wingdings" panose="05000000000000000000" pitchFamily="2" charset="2"/>
+              <a:buChar char="v"/>
+            </a:pPr>
+            <a:r>
+              <a:rPr lang="en-US" altLang="ko-KR" sz="1100" b="1" dirty="0" smtClean="0"/>
+              <a:t>DAO</a:t>
+            </a:r>
+            <a:r>
+              <a:rPr lang="ko-KR" altLang="en-US" sz="1100" b="1" dirty="0" smtClean="0"/>
+              <a:t>을 이용한 데이터 조회</a:t>
+            </a:r>
+            <a:r>
+              <a:rPr lang="en-US" altLang="ko-KR" sz="1100" b="1" dirty="0" smtClean="0"/>
+              <a:t>, </a:t>
+            </a:r>
+            <a:r>
+              <a:rPr lang="ko-KR" altLang="en-US" sz="1100" b="1" dirty="0" smtClean="0"/>
+              <a:t>업무에 필요한 비즈니스 로직 적용</a:t>
+            </a:r>
+            <a:r>
+              <a:rPr lang="en-US" altLang="ko-KR" sz="1100" b="1" dirty="0" smtClean="0"/>
+              <a:t>  </a:t>
+            </a:r>
+            <a:endParaRPr lang="ko-KR" altLang="en-US" sz="1100" b="1" dirty="0"/>
+          </a:p>
+        </p:txBody>
+      </p:sp>
+      <p:sp>
+        <p:nvSpPr>
+          <p:cNvPr id="67" name="TextBox 66"/>
+          <p:cNvSpPr txBox="1"/>
+          <p:nvPr/>
+        </p:nvSpPr>
+        <p:spPr>
+          <a:xfrm>
+            <a:off x="310286" y="764704"/>
+            <a:ext cx="4002058" cy="307777"/>
+          </a:xfrm>
+          <a:prstGeom prst="rect">
+            <a:avLst/>
+          </a:prstGeom>
+          <a:noFill/>
+        </p:spPr>
+        <p:txBody>
+          <a:bodyPr wrap="none" rtlCol="0">
+            <a:spAutoFit/>
+          </a:bodyPr>
+          <a:lstStyle/>
+          <a:p>
+            <a:r>
+              <a:rPr lang="en-US" altLang="ko-KR" sz="1400" b="1" dirty="0" smtClean="0"/>
+              <a:t>Spring Application </a:t>
+            </a:r>
+            <a:r>
+              <a:rPr lang="ko-KR" altLang="en-US" sz="1400" b="1" dirty="0" smtClean="0"/>
+              <a:t>아키텍처 참고한 구현 계층</a:t>
+            </a:r>
+            <a:endParaRPr lang="ko-KR" altLang="en-US" sz="1400" b="1" dirty="0"/>
+          </a:p>
+        </p:txBody>
+      </p:sp>
+      <p:sp>
+        <p:nvSpPr>
+          <p:cNvPr id="70" name="TextBox 69"/>
+          <p:cNvSpPr txBox="1"/>
+          <p:nvPr/>
+        </p:nvSpPr>
+        <p:spPr>
+          <a:xfrm>
+            <a:off x="5445713" y="1061872"/>
+            <a:ext cx="2662152" cy="553998"/>
+          </a:xfrm>
+          <a:prstGeom prst="rect">
+            <a:avLst/>
+          </a:prstGeom>
+          <a:noFill/>
+        </p:spPr>
+        <p:txBody>
+          <a:bodyPr wrap="square" rtlCol="0">
+            <a:spAutoFit/>
+          </a:bodyPr>
+          <a:lstStyle/>
+          <a:p>
+            <a:pPr>
+              <a:lnSpc>
+                <a:spcPct val="120000"/>
+              </a:lnSpc>
+            </a:pPr>
+            <a:r>
+              <a:rPr lang="ko-KR" altLang="en-US" sz="1400" b="1" dirty="0" smtClean="0"/>
+              <a:t>데이터 조회</a:t>
+            </a:r>
+          </a:p>
+          <a:p>
+            <a:pPr marL="171450" indent="-171450">
+              <a:lnSpc>
+                <a:spcPct val="120000"/>
+              </a:lnSpc>
+              <a:buFont typeface="Wingdings" panose="05000000000000000000" pitchFamily="2" charset="2"/>
+              <a:buChar char="v"/>
+            </a:pPr>
+            <a:r>
+              <a:rPr lang="en-US" altLang="ko-KR" sz="1100" b="1" dirty="0" smtClean="0"/>
+              <a:t>DB </a:t>
+            </a:r>
+            <a:r>
+              <a:rPr lang="ko-KR" altLang="en-US" sz="1100" b="1" dirty="0" smtClean="0"/>
+              <a:t>등의 데이터 소스에서 조회 수행</a:t>
+            </a:r>
+            <a:endParaRPr lang="ko-KR" altLang="en-US" sz="1100" b="1" dirty="0"/>
+          </a:p>
+        </p:txBody>
+      </p:sp>
+      <p:cxnSp>
+        <p:nvCxnSpPr>
+          <p:cNvPr id="71" name="꺾인 연결선 70"/>
+          <p:cNvCxnSpPr>
+            <a:stCxn id="70" idx="3"/>
+            <a:endCxn id="11" idx="0"/>
+          </p:cNvCxnSpPr>
+          <p:nvPr/>
+        </p:nvCxnSpPr>
+        <p:spPr>
+          <a:xfrm>
+            <a:off x="8107865" y="1338871"/>
+            <a:ext cx="302128" cy="2283695"/>
+          </a:xfrm>
+          <a:prstGeom prst="bentConnector2">
+            <a:avLst/>
+          </a:prstGeom>
+          <a:ln>
+            <a:tailEnd type="arrow"/>
+          </a:ln>
+        </p:spPr>
+        <p:style>
+          <a:lnRef idx="2">
+            <a:schemeClr val="accent2"/>
+          </a:lnRef>
+          <a:fillRef idx="0">
+            <a:schemeClr val="accent2"/>
+          </a:fillRef>
+          <a:effectRef idx="1">
+            <a:schemeClr val="accent2"/>
+          </a:effectRef>
+          <a:fontRef idx="minor">
+            <a:schemeClr val="tx1"/>
+          </a:fontRef>
+        </p:style>
+      </p:cxnSp>
+      <p:sp>
+        <p:nvSpPr>
+          <p:cNvPr id="80" name="TextBox 79"/>
+          <p:cNvSpPr txBox="1"/>
+          <p:nvPr/>
+        </p:nvSpPr>
+        <p:spPr>
+          <a:xfrm>
+            <a:off x="7118643" y="179348"/>
+            <a:ext cx="2658099" cy="338554"/>
+          </a:xfrm>
+          <a:prstGeom prst="rect">
+            <a:avLst/>
+          </a:prstGeom>
+          <a:noFill/>
+        </p:spPr>
+        <p:txBody>
+          <a:bodyPr wrap="none" rtlCol="0">
+            <a:spAutoFit/>
+          </a:bodyPr>
+          <a:lstStyle/>
+          <a:p>
+            <a:pPr algn="r"/>
+            <a:r>
+              <a:rPr lang="ko-KR" altLang="en-US" sz="1600" b="1" dirty="0" smtClean="0"/>
+              <a:t>웹 어플리케이션 기본 구조</a:t>
+            </a:r>
+            <a:endParaRPr lang="ko-KR" altLang="en-US" sz="1600" b="1" dirty="0"/>
+          </a:p>
+        </p:txBody>
+      </p:sp>
+    </p:spTree>
+    <p:extLst>
+      <p:ext uri="{BB962C8B-B14F-4D97-AF65-F5344CB8AC3E}">
+        <p14:creationId xmlns:p14="http://schemas.microsoft.com/office/powerpoint/2010/main" val="3396658939"/>
+      </p:ext>
+    </p:extLst>
+  </p:cSld>
+  <p:clrMapOvr>
+    <a:masterClrMapping/>
+  </p:clrMapOvr>
+</p:sld>
+</file>
+
+<file path=ppt/slides/slide5.xml><?xml version="1.0" encoding="utf-8"?>
+<p:sld xmlns:a="http://schemas.openxmlformats.org/drawingml/2006/main" xmlns:r="http://schemas.openxmlformats.org/officeDocument/2006/relationships" xmlns:p="http://schemas.openxmlformats.org/presentationml/2006/main">
+  <p:cSld>
+    <p:spTree>
+      <p:nvGrpSpPr>
+        <p:cNvPr id="1" name=""/>
+        <p:cNvGrpSpPr/>
+        <p:nvPr/>
+      </p:nvGrpSpPr>
+      <p:grpSpPr>
+        <a:xfrm>
+          <a:off x="0" y="0"/>
+          <a:ext cx="0" cy="0"/>
+          <a:chOff x="0" y="0"/>
+          <a:chExt cx="0" cy="0"/>
+        </a:xfrm>
+      </p:grpSpPr>
+      <p:sp>
+        <p:nvSpPr>
+          <p:cNvPr id="4" name="제목 3"/>
+          <p:cNvSpPr>
+            <a:spLocks noGrp="1"/>
+          </p:cNvSpPr>
+          <p:nvPr>
+            <p:ph type="title"/>
+          </p:nvPr>
+        </p:nvSpPr>
+        <p:spPr/>
+        <p:txBody>
+          <a:bodyPr/>
+          <a:lstStyle/>
+          <a:p>
+            <a:r>
+              <a:rPr lang="ko-KR" altLang="en-US" dirty="0" smtClean="0"/>
+              <a:t>웹 어플리케이션 구조</a:t>
+            </a:r>
+            <a:endParaRPr lang="ko-KR" altLang="en-US" dirty="0"/>
+          </a:p>
+        </p:txBody>
+      </p:sp>
+      <p:sp>
+        <p:nvSpPr>
+          <p:cNvPr id="5" name="직사각형 4"/>
+          <p:cNvSpPr/>
+          <p:nvPr/>
+        </p:nvSpPr>
+        <p:spPr>
+          <a:xfrm>
+            <a:off x="991766" y="2204863"/>
+            <a:ext cx="1800200" cy="2436880"/>
+          </a:xfrm>
+          <a:prstGeom prst="rect">
+            <a:avLst/>
+          </a:prstGeom>
+          <a:noFill/>
+        </p:spPr>
+        <p:style>
+          <a:lnRef idx="2">
+            <a:schemeClr val="accent1">
+              <a:shade val="50000"/>
+            </a:schemeClr>
+          </a:lnRef>
+          <a:fillRef idx="1">
+            <a:schemeClr val="accent1"/>
+          </a:fillRef>
+          <a:effectRef idx="0">
+            <a:schemeClr val="accent1"/>
+          </a:effectRef>
+          <a:fontRef idx="minor">
+            <a:schemeClr val="lt1"/>
+          </a:fontRef>
+        </p:style>
+        <p:txBody>
+          <a:bodyPr rtlCol="0" anchor="ctr"/>
+          <a:lstStyle/>
+          <a:p>
+            <a:pPr>
+              <a:lnSpc>
+                <a:spcPct val="150000"/>
+              </a:lnSpc>
+            </a:pPr>
+            <a:r>
+              <a:rPr lang="en-US" altLang="ko-KR" sz="1200" b="1" dirty="0" smtClean="0">
+                <a:solidFill>
+                  <a:srgbClr val="C0504D"/>
+                </a:solidFill>
+              </a:rPr>
+              <a:t>WEB-INF/</a:t>
+            </a:r>
+          </a:p>
+          <a:p>
+            <a:pPr marL="355600">
+              <a:lnSpc>
+                <a:spcPct val="150000"/>
+              </a:lnSpc>
+            </a:pPr>
+            <a:r>
+              <a:rPr lang="en-US" altLang="ko-KR" sz="1200" b="1" dirty="0" smtClean="0">
+                <a:solidFill>
+                  <a:srgbClr val="C0504D"/>
+                </a:solidFill>
+              </a:rPr>
+              <a:t>lib/</a:t>
+            </a:r>
+          </a:p>
+          <a:p>
+            <a:pPr marL="355600">
+              <a:lnSpc>
+                <a:spcPct val="150000"/>
+              </a:lnSpc>
+            </a:pPr>
+            <a:r>
+              <a:rPr lang="en-US" altLang="ko-KR" sz="1200" b="1" dirty="0" smtClean="0">
+                <a:solidFill>
+                  <a:srgbClr val="C0504D"/>
+                </a:solidFill>
+              </a:rPr>
+              <a:t>classes/</a:t>
+            </a:r>
+          </a:p>
+          <a:p>
+            <a:pPr marL="355600">
+              <a:lnSpc>
+                <a:spcPct val="150000"/>
+              </a:lnSpc>
+            </a:pPr>
+            <a:r>
+              <a:rPr lang="en-US" altLang="ko-KR" sz="1200" b="1" dirty="0" smtClean="0">
+                <a:solidFill>
+                  <a:srgbClr val="C0504D"/>
+                </a:solidFill>
+              </a:rPr>
+              <a:t>web.xml</a:t>
+            </a:r>
+            <a:endParaRPr lang="en-US" altLang="ko-KR" sz="1200" b="1" dirty="0">
+              <a:solidFill>
+                <a:srgbClr val="C0504D"/>
+              </a:solidFill>
+            </a:endParaRPr>
+          </a:p>
+          <a:p>
+            <a:pPr>
+              <a:lnSpc>
+                <a:spcPct val="150000"/>
+              </a:lnSpc>
+            </a:pPr>
+            <a:r>
+              <a:rPr lang="en-US" altLang="ko-KR" sz="1200" dirty="0" smtClean="0">
+                <a:solidFill>
+                  <a:schemeClr val="tx1"/>
+                </a:solidFill>
+              </a:rPr>
+              <a:t>images/</a:t>
+            </a:r>
+          </a:p>
+          <a:p>
+            <a:pPr>
+              <a:lnSpc>
+                <a:spcPct val="150000"/>
+              </a:lnSpc>
+            </a:pPr>
+            <a:r>
+              <a:rPr lang="en-US" altLang="ko-KR" sz="1200" dirty="0" smtClean="0">
+                <a:solidFill>
+                  <a:schemeClr val="tx1"/>
+                </a:solidFill>
+              </a:rPr>
+              <a:t>javascript/</a:t>
+            </a:r>
+          </a:p>
+          <a:p>
+            <a:pPr>
+              <a:lnSpc>
+                <a:spcPct val="150000"/>
+              </a:lnSpc>
+            </a:pPr>
+            <a:r>
+              <a:rPr lang="en-US" altLang="ko-KR" sz="1200" dirty="0" smtClean="0">
+                <a:solidFill>
+                  <a:schemeClr val="tx1"/>
+                </a:solidFill>
+              </a:rPr>
+              <a:t>index.jsp</a:t>
+            </a:r>
+          </a:p>
+          <a:p>
+            <a:pPr>
+              <a:lnSpc>
+                <a:spcPct val="150000"/>
+              </a:lnSpc>
+            </a:pPr>
+            <a:r>
+              <a:rPr lang="en-US" altLang="ko-KR" sz="1200" dirty="0" smtClean="0">
+                <a:solidFill>
+                  <a:schemeClr val="tx1"/>
+                </a:solidFill>
+              </a:rPr>
+              <a:t>…</a:t>
+            </a:r>
+          </a:p>
+        </p:txBody>
+      </p:sp>
+      <p:sp>
+        <p:nvSpPr>
+          <p:cNvPr id="6" name="TextBox 5"/>
+          <p:cNvSpPr txBox="1"/>
+          <p:nvPr/>
+        </p:nvSpPr>
+        <p:spPr>
+          <a:xfrm>
+            <a:off x="592541" y="6021288"/>
+            <a:ext cx="3711593" cy="276999"/>
+          </a:xfrm>
+          <a:prstGeom prst="rect">
+            <a:avLst/>
+          </a:prstGeom>
+          <a:noFill/>
+        </p:spPr>
+        <p:txBody>
+          <a:bodyPr wrap="none" rtlCol="0">
+            <a:spAutoFit/>
+          </a:bodyPr>
+          <a:lstStyle/>
+          <a:p>
+            <a:pPr marL="285750" indent="-285750">
+              <a:buFont typeface="Wingdings" panose="05000000000000000000" pitchFamily="2" charset="2"/>
+              <a:buChar char="v"/>
+            </a:pPr>
+            <a:r>
+              <a:rPr lang="fr-FR" altLang="ko-KR" sz="1200" b="1" dirty="0" smtClean="0">
+                <a:latin typeface="맑은 고딕" panose="020B0503020000020004" pitchFamily="50" charset="-127"/>
+                <a:ea typeface="맑은 고딕" panose="020B0503020000020004" pitchFamily="50" charset="-127"/>
+              </a:rPr>
+              <a:t>Java</a:t>
+            </a:r>
+            <a:r>
+              <a:rPr lang="fr-FR" altLang="ko-KR" sz="1200" b="1" dirty="0">
+                <a:latin typeface="맑은 고딕" panose="020B0503020000020004" pitchFamily="50" charset="-127"/>
+                <a:ea typeface="맑은 고딕" panose="020B0503020000020004" pitchFamily="50" charset="-127"/>
+              </a:rPr>
+              <a:t>™ Servlet </a:t>
+            </a:r>
+            <a:r>
+              <a:rPr lang="fr-FR" altLang="ko-KR" sz="1200" b="1" dirty="0" smtClean="0">
+                <a:latin typeface="맑은 고딕" panose="020B0503020000020004" pitchFamily="50" charset="-127"/>
+                <a:ea typeface="맑은 고딕" panose="020B0503020000020004" pitchFamily="50" charset="-127"/>
+              </a:rPr>
+              <a:t>Specification Version </a:t>
+            </a:r>
+            <a:r>
+              <a:rPr lang="fr-FR" altLang="ko-KR" sz="1200" b="1" smtClean="0">
+                <a:latin typeface="맑은 고딕" panose="020B0503020000020004" pitchFamily="50" charset="-127"/>
+                <a:ea typeface="맑은 고딕" panose="020B0503020000020004" pitchFamily="50" charset="-127"/>
+              </a:rPr>
+              <a:t>X.X </a:t>
+            </a:r>
+            <a:r>
+              <a:rPr lang="ko-KR" altLang="en-US" sz="1200" b="1" dirty="0" smtClean="0">
+                <a:latin typeface="맑은 고딕" panose="020B0503020000020004" pitchFamily="50" charset="-127"/>
+                <a:ea typeface="맑은 고딕" panose="020B0503020000020004" pitchFamily="50" charset="-127"/>
+              </a:rPr>
+              <a:t>기준</a:t>
+            </a:r>
+            <a:endParaRPr lang="ko-KR" altLang="en-US" sz="1200" b="1" dirty="0">
+              <a:latin typeface="맑은 고딕" panose="020B0503020000020004" pitchFamily="50" charset="-127"/>
+              <a:ea typeface="맑은 고딕" panose="020B0503020000020004" pitchFamily="50" charset="-127"/>
+            </a:endParaRPr>
+          </a:p>
+        </p:txBody>
+      </p:sp>
+      <p:sp>
+        <p:nvSpPr>
+          <p:cNvPr id="7" name="직사각형 6"/>
+          <p:cNvSpPr/>
+          <p:nvPr/>
+        </p:nvSpPr>
+        <p:spPr>
+          <a:xfrm>
+            <a:off x="991766" y="1772816"/>
+            <a:ext cx="1800200" cy="432048"/>
+          </a:xfrm>
+          <a:prstGeom prst="rect">
+            <a:avLst/>
+          </a:prstGeom>
+        </p:spPr>
+        <p:style>
+          <a:lnRef idx="0">
+            <a:schemeClr val="accent1"/>
+          </a:lnRef>
+          <a:fillRef idx="3">
+            <a:schemeClr val="accent1"/>
+          </a:fillRef>
+          <a:effectRef idx="3">
+            <a:schemeClr val="accent1"/>
+          </a:effectRef>
+          <a:fontRef idx="minor">
+            <a:schemeClr val="lt1"/>
+          </a:fontRef>
+        </p:style>
+        <p:txBody>
+          <a:bodyPr rtlCol="0" anchor="ctr"/>
+          <a:lstStyle/>
+          <a:p>
+            <a:pPr algn="ctr"/>
+            <a:r>
+              <a:rPr lang="en-US" altLang="ko-KR" sz="1200" b="1" dirty="0" smtClean="0"/>
+              <a:t>Web Application</a:t>
+            </a:r>
+            <a:endParaRPr lang="ko-KR" altLang="en-US" sz="1200" b="1" dirty="0"/>
+          </a:p>
+        </p:txBody>
+      </p:sp>
+      <p:sp>
+        <p:nvSpPr>
+          <p:cNvPr id="8" name="직사각형 7"/>
+          <p:cNvSpPr/>
+          <p:nvPr/>
+        </p:nvSpPr>
+        <p:spPr>
+          <a:xfrm>
+            <a:off x="2935982" y="3101111"/>
+            <a:ext cx="6408712" cy="2520280"/>
+          </a:xfrm>
+          <a:prstGeom prst="rect">
+            <a:avLst/>
+          </a:prstGeom>
+          <a:noFill/>
+          <a:ln w="12700">
+            <a:noFill/>
+          </a:ln>
+        </p:spPr>
+        <p:style>
+          <a:lnRef idx="2">
+            <a:schemeClr val="accent1">
+              <a:shade val="50000"/>
+            </a:schemeClr>
+          </a:lnRef>
+          <a:fillRef idx="1">
+            <a:schemeClr val="accent1"/>
+          </a:fillRef>
+          <a:effectRef idx="0">
+            <a:schemeClr val="accent1"/>
+          </a:effectRef>
+          <a:fontRef idx="minor">
+            <a:schemeClr val="lt1"/>
+          </a:fontRef>
+        </p:style>
+        <p:txBody>
+          <a:bodyPr rtlCol="0" anchor="t"/>
+          <a:lstStyle/>
+          <a:p>
+            <a:pPr>
+              <a:lnSpc>
+                <a:spcPct val="150000"/>
+              </a:lnSpc>
+              <a:spcAft>
+                <a:spcPts val="600"/>
+              </a:spcAft>
+            </a:pPr>
+            <a:r>
+              <a:rPr lang="en-US" altLang="ko-KR" sz="1200" b="1" dirty="0" smtClean="0">
+                <a:solidFill>
+                  <a:schemeClr val="tx1"/>
+                </a:solidFill>
+              </a:rPr>
+              <a:t>Deployment descriptor</a:t>
+            </a:r>
+          </a:p>
+          <a:p>
+            <a:pPr marL="171450" indent="-171450">
+              <a:lnSpc>
+                <a:spcPct val="150000"/>
+              </a:lnSpc>
+              <a:buFont typeface="Wingdings" panose="05000000000000000000" pitchFamily="2" charset="2"/>
+              <a:buChar char="v"/>
+            </a:pPr>
+            <a:r>
+              <a:rPr lang="en-US" altLang="ko-KR" sz="1000" b="1" dirty="0">
+                <a:solidFill>
+                  <a:schemeClr val="tx1"/>
+                </a:solidFill>
+              </a:rPr>
+              <a:t>ServletContext Init </a:t>
+            </a:r>
+            <a:r>
+              <a:rPr lang="en-US" altLang="ko-KR" sz="1000" b="1" dirty="0" smtClean="0">
+                <a:solidFill>
+                  <a:schemeClr val="tx1"/>
+                </a:solidFill>
+              </a:rPr>
+              <a:t>Parameters</a:t>
+            </a:r>
+            <a:r>
+              <a:rPr lang="en-US" altLang="ko-KR" sz="1000" dirty="0" smtClean="0">
+                <a:solidFill>
+                  <a:schemeClr val="tx1"/>
+                </a:solidFill>
+              </a:rPr>
+              <a:t> </a:t>
+            </a:r>
+            <a:r>
+              <a:rPr lang="en-US" altLang="ko-KR" sz="1000" dirty="0" smtClean="0">
+                <a:solidFill>
+                  <a:schemeClr val="tx1"/>
+                </a:solidFill>
+                <a:sym typeface="Wingdings" panose="05000000000000000000" pitchFamily="2" charset="2"/>
+              </a:rPr>
+              <a:t> Web App</a:t>
+            </a:r>
+            <a:r>
+              <a:rPr lang="ko-KR" altLang="en-US" sz="1000" dirty="0" smtClean="0">
+                <a:solidFill>
+                  <a:schemeClr val="tx1"/>
+                </a:solidFill>
+                <a:sym typeface="Wingdings" panose="05000000000000000000" pitchFamily="2" charset="2"/>
+              </a:rPr>
+              <a:t>에서 공유할 파라미터</a:t>
+            </a:r>
+            <a:endParaRPr lang="en-US" altLang="ko-KR" sz="1000" dirty="0" smtClean="0">
+              <a:solidFill>
+                <a:schemeClr val="tx1"/>
+              </a:solidFill>
+            </a:endParaRPr>
+          </a:p>
+          <a:p>
+            <a:pPr marL="171450" indent="-171450">
+              <a:lnSpc>
+                <a:spcPct val="150000"/>
+              </a:lnSpc>
+              <a:buFont typeface="Wingdings" panose="05000000000000000000" pitchFamily="2" charset="2"/>
+              <a:buChar char="v"/>
+            </a:pPr>
+            <a:r>
+              <a:rPr lang="en-US" altLang="ko-KR" sz="1000" b="1" dirty="0">
+                <a:solidFill>
+                  <a:schemeClr val="tx1"/>
+                </a:solidFill>
+              </a:rPr>
+              <a:t>Session </a:t>
+            </a:r>
+            <a:r>
+              <a:rPr lang="en-US" altLang="ko-KR" sz="1000" b="1" dirty="0" smtClean="0">
+                <a:solidFill>
+                  <a:schemeClr val="tx1"/>
+                </a:solidFill>
+              </a:rPr>
+              <a:t>Configuration</a:t>
+            </a:r>
+            <a:r>
+              <a:rPr lang="en-US" altLang="ko-KR" sz="1000" dirty="0" smtClean="0">
+                <a:solidFill>
+                  <a:schemeClr val="tx1"/>
+                </a:solidFill>
+              </a:rPr>
+              <a:t> </a:t>
+            </a:r>
+            <a:r>
+              <a:rPr lang="en-US" altLang="ko-KR" sz="1000" dirty="0" smtClean="0">
+                <a:solidFill>
+                  <a:schemeClr val="tx1"/>
+                </a:solidFill>
+                <a:sym typeface="Wingdings" panose="05000000000000000000" pitchFamily="2" charset="2"/>
+              </a:rPr>
+              <a:t> Session Timeout </a:t>
+            </a:r>
+            <a:r>
+              <a:rPr lang="ko-KR" altLang="en-US" sz="1000" dirty="0" smtClean="0">
+                <a:solidFill>
+                  <a:schemeClr val="tx1"/>
+                </a:solidFill>
+                <a:sym typeface="Wingdings" panose="05000000000000000000" pitchFamily="2" charset="2"/>
+              </a:rPr>
+              <a:t>설정</a:t>
+            </a:r>
+            <a:endParaRPr lang="en-US" altLang="ko-KR" sz="1000" dirty="0" smtClean="0">
+              <a:solidFill>
+                <a:schemeClr val="tx1"/>
+              </a:solidFill>
+            </a:endParaRPr>
+          </a:p>
+          <a:p>
+            <a:pPr marL="171450" indent="-171450">
+              <a:lnSpc>
+                <a:spcPct val="150000"/>
+              </a:lnSpc>
+              <a:buFont typeface="Wingdings" panose="05000000000000000000" pitchFamily="2" charset="2"/>
+              <a:buChar char="v"/>
+            </a:pPr>
+            <a:r>
+              <a:rPr lang="en-US" altLang="ko-KR" sz="1000" b="1" dirty="0">
+                <a:solidFill>
+                  <a:schemeClr val="tx1"/>
+                </a:solidFill>
+              </a:rPr>
+              <a:t>Servlet </a:t>
+            </a:r>
+            <a:r>
+              <a:rPr lang="en-US" altLang="ko-KR" sz="1000" b="1" dirty="0" smtClean="0">
+                <a:solidFill>
+                  <a:schemeClr val="tx1"/>
+                </a:solidFill>
+              </a:rPr>
+              <a:t>Declaration</a:t>
+            </a:r>
+            <a:r>
+              <a:rPr lang="en-US" altLang="ko-KR" sz="1000" dirty="0" smtClean="0">
+                <a:solidFill>
+                  <a:schemeClr val="tx1"/>
+                </a:solidFill>
+              </a:rPr>
+              <a:t> </a:t>
+            </a:r>
+            <a:r>
+              <a:rPr lang="en-US" altLang="ko-KR" sz="1000" dirty="0" smtClean="0">
+                <a:solidFill>
+                  <a:schemeClr val="tx1"/>
+                </a:solidFill>
+                <a:sym typeface="Wingdings" panose="05000000000000000000" pitchFamily="2" charset="2"/>
+              </a:rPr>
+              <a:t> Http Request</a:t>
+            </a:r>
+            <a:r>
+              <a:rPr lang="ko-KR" altLang="en-US" sz="1000" dirty="0" smtClean="0">
+                <a:solidFill>
+                  <a:schemeClr val="tx1"/>
+                </a:solidFill>
+                <a:sym typeface="Wingdings" panose="05000000000000000000" pitchFamily="2" charset="2"/>
+              </a:rPr>
+              <a:t>를 처리할 </a:t>
+            </a:r>
+            <a:r>
+              <a:rPr lang="en-US" altLang="ko-KR" sz="1000" dirty="0" smtClean="0">
+                <a:solidFill>
+                  <a:schemeClr val="tx1"/>
+                </a:solidFill>
+                <a:sym typeface="Wingdings" panose="05000000000000000000" pitchFamily="2" charset="2"/>
+              </a:rPr>
+              <a:t>Servlet Class</a:t>
+            </a:r>
+            <a:r>
+              <a:rPr lang="en-US" altLang="ko-KR" sz="1000" dirty="0">
+                <a:solidFill>
+                  <a:schemeClr val="tx1"/>
+                </a:solidFill>
+              </a:rPr>
+              <a:t/>
+            </a:r>
+            <a:br>
+              <a:rPr lang="en-US" altLang="ko-KR" sz="1000" dirty="0">
+                <a:solidFill>
+                  <a:schemeClr val="tx1"/>
+                </a:solidFill>
+              </a:rPr>
+            </a:br>
+            <a:r>
+              <a:rPr lang="en-US" altLang="ko-KR" sz="1000" b="1" dirty="0">
+                <a:solidFill>
+                  <a:schemeClr val="tx1"/>
+                </a:solidFill>
+              </a:rPr>
+              <a:t>Servlet </a:t>
+            </a:r>
+            <a:r>
+              <a:rPr lang="en-US" altLang="ko-KR" sz="1000" b="1" dirty="0" smtClean="0">
+                <a:solidFill>
+                  <a:schemeClr val="tx1"/>
+                </a:solidFill>
+              </a:rPr>
+              <a:t>Mappings </a:t>
+            </a:r>
+            <a:r>
+              <a:rPr lang="en-US" altLang="ko-KR" sz="1000" dirty="0" smtClean="0">
+                <a:solidFill>
+                  <a:schemeClr val="tx1"/>
+                </a:solidFill>
+                <a:sym typeface="Wingdings" panose="05000000000000000000" pitchFamily="2" charset="2"/>
+              </a:rPr>
+              <a:t> Servlet</a:t>
+            </a:r>
+            <a:r>
+              <a:rPr lang="ko-KR" altLang="en-US" sz="1000" dirty="0" smtClean="0">
+                <a:solidFill>
+                  <a:schemeClr val="tx1"/>
+                </a:solidFill>
+                <a:sym typeface="Wingdings" panose="05000000000000000000" pitchFamily="2" charset="2"/>
+              </a:rPr>
+              <a:t>이 처리해야 할 </a:t>
+            </a:r>
+            <a:r>
+              <a:rPr lang="en-US" altLang="ko-KR" sz="1000" dirty="0" smtClean="0">
+                <a:solidFill>
+                  <a:schemeClr val="tx1"/>
+                </a:solidFill>
+                <a:sym typeface="Wingdings" panose="05000000000000000000" pitchFamily="2" charset="2"/>
+              </a:rPr>
+              <a:t>URL </a:t>
+            </a:r>
+            <a:r>
+              <a:rPr lang="ko-KR" altLang="en-US" sz="1000" dirty="0" smtClean="0">
+                <a:solidFill>
+                  <a:schemeClr val="tx1"/>
+                </a:solidFill>
+                <a:sym typeface="Wingdings" panose="05000000000000000000" pitchFamily="2" charset="2"/>
+              </a:rPr>
+              <a:t>패턴</a:t>
+            </a:r>
+            <a:endParaRPr lang="en-US" altLang="ko-KR" sz="1000" dirty="0" smtClean="0">
+              <a:solidFill>
+                <a:schemeClr val="tx1"/>
+              </a:solidFill>
+            </a:endParaRPr>
+          </a:p>
+          <a:p>
+            <a:pPr marL="171450" indent="-171450">
+              <a:lnSpc>
+                <a:spcPct val="150000"/>
+              </a:lnSpc>
+              <a:buFont typeface="Wingdings" panose="05000000000000000000" pitchFamily="2" charset="2"/>
+              <a:buChar char="v"/>
+            </a:pPr>
+            <a:r>
+              <a:rPr lang="en-US" altLang="ko-KR" sz="1000" b="1" dirty="0">
+                <a:solidFill>
+                  <a:schemeClr val="tx1"/>
+                </a:solidFill>
+              </a:rPr>
+              <a:t>Application Lifecyle Listener </a:t>
+            </a:r>
+            <a:r>
+              <a:rPr lang="en-US" altLang="ko-KR" sz="1000" b="1" dirty="0" smtClean="0">
+                <a:solidFill>
+                  <a:schemeClr val="tx1"/>
+                </a:solidFill>
+              </a:rPr>
+              <a:t>classes</a:t>
+            </a:r>
+            <a:r>
+              <a:rPr lang="en-US" altLang="ko-KR" sz="1000" dirty="0" smtClean="0">
+                <a:solidFill>
+                  <a:schemeClr val="tx1"/>
+                </a:solidFill>
+              </a:rPr>
+              <a:t> </a:t>
+            </a:r>
+            <a:r>
+              <a:rPr lang="en-US" altLang="ko-KR" sz="1000" dirty="0" smtClean="0">
+                <a:solidFill>
+                  <a:schemeClr val="tx1"/>
+                </a:solidFill>
+                <a:sym typeface="Wingdings" panose="05000000000000000000" pitchFamily="2" charset="2"/>
+              </a:rPr>
+              <a:t> ServletContext, Servlet, Session</a:t>
+            </a:r>
+            <a:r>
+              <a:rPr lang="ko-KR" altLang="en-US" sz="1000" dirty="0" smtClean="0">
+                <a:solidFill>
+                  <a:schemeClr val="tx1"/>
+                </a:solidFill>
+                <a:sym typeface="Wingdings" panose="05000000000000000000" pitchFamily="2" charset="2"/>
+              </a:rPr>
+              <a:t>의 이벤트 발생시 호출될 </a:t>
+            </a:r>
+            <a:r>
+              <a:rPr lang="en-US" altLang="ko-KR" sz="1000" dirty="0" smtClean="0">
+                <a:solidFill>
+                  <a:schemeClr val="tx1"/>
+                </a:solidFill>
+                <a:sym typeface="Wingdings" panose="05000000000000000000" pitchFamily="2" charset="2"/>
+              </a:rPr>
+              <a:t>Class </a:t>
+            </a:r>
+            <a:r>
+              <a:rPr lang="ko-KR" altLang="en-US" sz="1000" dirty="0" smtClean="0">
+                <a:solidFill>
+                  <a:schemeClr val="tx1"/>
+                </a:solidFill>
+                <a:sym typeface="Wingdings" panose="05000000000000000000" pitchFamily="2" charset="2"/>
+              </a:rPr>
+              <a:t>지정</a:t>
+            </a:r>
+            <a:endParaRPr lang="en-US" altLang="ko-KR" sz="1000" dirty="0" smtClean="0">
+              <a:solidFill>
+                <a:schemeClr val="tx1"/>
+              </a:solidFill>
+            </a:endParaRPr>
+          </a:p>
+          <a:p>
+            <a:pPr marL="171450" indent="-171450">
+              <a:lnSpc>
+                <a:spcPct val="150000"/>
+              </a:lnSpc>
+              <a:buFont typeface="Wingdings" panose="05000000000000000000" pitchFamily="2" charset="2"/>
+              <a:buChar char="v"/>
+            </a:pPr>
+            <a:r>
+              <a:rPr lang="en-US" altLang="ko-KR" sz="1000" b="1" dirty="0">
+                <a:solidFill>
+                  <a:schemeClr val="tx1"/>
+                </a:solidFill>
+              </a:rPr>
+              <a:t>Filter Definitions and Filter </a:t>
+            </a:r>
+            <a:r>
+              <a:rPr lang="en-US" altLang="ko-KR" sz="1000" b="1" dirty="0" smtClean="0">
+                <a:solidFill>
+                  <a:schemeClr val="tx1"/>
+                </a:solidFill>
+              </a:rPr>
+              <a:t>Mappings</a:t>
+            </a:r>
+            <a:r>
+              <a:rPr lang="en-US" altLang="ko-KR" sz="1000" dirty="0" smtClean="0">
+                <a:solidFill>
+                  <a:schemeClr val="tx1"/>
+                </a:solidFill>
+              </a:rPr>
+              <a:t> </a:t>
+            </a:r>
+            <a:r>
+              <a:rPr lang="en-US" altLang="ko-KR" sz="1000" dirty="0" smtClean="0">
+                <a:solidFill>
+                  <a:schemeClr val="tx1"/>
+                </a:solidFill>
+                <a:sym typeface="Wingdings" panose="05000000000000000000" pitchFamily="2" charset="2"/>
+              </a:rPr>
+              <a:t> Servlet Filter</a:t>
+            </a:r>
+            <a:r>
+              <a:rPr lang="ko-KR" altLang="en-US" sz="1000" dirty="0" smtClean="0">
+                <a:solidFill>
+                  <a:schemeClr val="tx1"/>
+                </a:solidFill>
+                <a:sym typeface="Wingdings" panose="05000000000000000000" pitchFamily="2" charset="2"/>
+              </a:rPr>
+              <a:t>의 정의 및 </a:t>
+            </a:r>
+            <a:r>
+              <a:rPr lang="en-US" altLang="ko-KR" sz="1000" dirty="0" smtClean="0">
+                <a:solidFill>
+                  <a:schemeClr val="tx1"/>
+                </a:solidFill>
+                <a:sym typeface="Wingdings" panose="05000000000000000000" pitchFamily="2" charset="2"/>
+              </a:rPr>
+              <a:t>URL </a:t>
+            </a:r>
+            <a:r>
+              <a:rPr lang="ko-KR" altLang="en-US" sz="1000" dirty="0" smtClean="0">
+                <a:solidFill>
+                  <a:schemeClr val="tx1"/>
+                </a:solidFill>
+                <a:sym typeface="Wingdings" panose="05000000000000000000" pitchFamily="2" charset="2"/>
+              </a:rPr>
+              <a:t>매</a:t>
+            </a:r>
+            <a:r>
+              <a:rPr lang="ko-KR" altLang="en-US" sz="1000" dirty="0">
+                <a:solidFill>
+                  <a:schemeClr val="tx1"/>
+                </a:solidFill>
+                <a:sym typeface="Wingdings" panose="05000000000000000000" pitchFamily="2" charset="2"/>
+              </a:rPr>
+              <a:t>핑</a:t>
+            </a:r>
+            <a:endParaRPr lang="en-US" altLang="ko-KR" sz="1000" dirty="0" smtClean="0">
+              <a:solidFill>
+                <a:schemeClr val="tx1"/>
+              </a:solidFill>
+            </a:endParaRPr>
+          </a:p>
+          <a:p>
+            <a:pPr marL="171450" indent="-171450">
+              <a:lnSpc>
+                <a:spcPct val="150000"/>
+              </a:lnSpc>
+              <a:buFont typeface="Wingdings" panose="05000000000000000000" pitchFamily="2" charset="2"/>
+              <a:buChar char="v"/>
+            </a:pPr>
+            <a:r>
+              <a:rPr lang="en-US" altLang="ko-KR" sz="1000" b="1" dirty="0">
+                <a:solidFill>
+                  <a:schemeClr val="tx1"/>
+                </a:solidFill>
+              </a:rPr>
+              <a:t>MIME Type </a:t>
+            </a:r>
+            <a:r>
+              <a:rPr lang="en-US" altLang="ko-KR" sz="1000" b="1" dirty="0" smtClean="0">
+                <a:solidFill>
+                  <a:schemeClr val="tx1"/>
+                </a:solidFill>
+              </a:rPr>
+              <a:t>Mappings</a:t>
+            </a:r>
+            <a:r>
+              <a:rPr lang="en-US" altLang="ko-KR" sz="1000" dirty="0" smtClean="0">
+                <a:solidFill>
+                  <a:schemeClr val="tx1"/>
+                </a:solidFill>
+              </a:rPr>
+              <a:t> </a:t>
+            </a:r>
+            <a:r>
+              <a:rPr lang="en-US" altLang="ko-KR" sz="1000" dirty="0" smtClean="0">
+                <a:solidFill>
+                  <a:schemeClr val="tx1"/>
+                </a:solidFill>
+                <a:sym typeface="Wingdings" panose="05000000000000000000" pitchFamily="2" charset="2"/>
+              </a:rPr>
+              <a:t> </a:t>
+            </a:r>
+            <a:r>
+              <a:rPr lang="ko-KR" altLang="en-US" sz="1000" dirty="0" smtClean="0">
+                <a:solidFill>
+                  <a:schemeClr val="tx1"/>
+                </a:solidFill>
+                <a:sym typeface="Wingdings" panose="05000000000000000000" pitchFamily="2" charset="2"/>
+              </a:rPr>
+              <a:t>확장자에 의한 응답리소스의 </a:t>
+            </a:r>
+            <a:r>
+              <a:rPr lang="en-US" altLang="ko-KR" sz="1000" dirty="0" smtClean="0">
+                <a:solidFill>
+                  <a:schemeClr val="tx1"/>
+                </a:solidFill>
+                <a:sym typeface="Wingdings" panose="05000000000000000000" pitchFamily="2" charset="2"/>
+              </a:rPr>
+              <a:t>ContentType</a:t>
+            </a:r>
+            <a:r>
+              <a:rPr lang="ko-KR" altLang="en-US" sz="1000" dirty="0" smtClean="0">
+                <a:solidFill>
+                  <a:schemeClr val="tx1"/>
+                </a:solidFill>
+                <a:sym typeface="Wingdings" panose="05000000000000000000" pitchFamily="2" charset="2"/>
+              </a:rPr>
+              <a:t> 지정</a:t>
+            </a:r>
+            <a:endParaRPr lang="en-US" altLang="ko-KR" sz="1000" dirty="0" smtClean="0">
+              <a:solidFill>
+                <a:schemeClr val="tx1"/>
+              </a:solidFill>
+            </a:endParaRPr>
+          </a:p>
+          <a:p>
+            <a:pPr marL="171450" indent="-171450">
+              <a:lnSpc>
+                <a:spcPct val="150000"/>
+              </a:lnSpc>
+              <a:buFont typeface="Wingdings" panose="05000000000000000000" pitchFamily="2" charset="2"/>
+              <a:buChar char="v"/>
+            </a:pPr>
+            <a:r>
+              <a:rPr lang="en-US" altLang="ko-KR" sz="1000" b="1" dirty="0">
+                <a:solidFill>
+                  <a:schemeClr val="tx1"/>
+                </a:solidFill>
+              </a:rPr>
+              <a:t>Welcome File </a:t>
+            </a:r>
+            <a:r>
+              <a:rPr lang="en-US" altLang="ko-KR" sz="1000" b="1" dirty="0" smtClean="0">
+                <a:solidFill>
+                  <a:schemeClr val="tx1"/>
+                </a:solidFill>
+              </a:rPr>
+              <a:t>list</a:t>
+            </a:r>
+            <a:r>
+              <a:rPr lang="en-US" altLang="ko-KR" sz="1000" dirty="0" smtClean="0">
+                <a:solidFill>
+                  <a:schemeClr val="tx1"/>
+                </a:solidFill>
+              </a:rPr>
+              <a:t> </a:t>
+            </a:r>
+            <a:r>
+              <a:rPr lang="en-US" altLang="ko-KR" sz="1000" dirty="0" smtClean="0">
+                <a:solidFill>
+                  <a:schemeClr val="tx1"/>
+                </a:solidFill>
+                <a:sym typeface="Wingdings" panose="05000000000000000000" pitchFamily="2" charset="2"/>
+              </a:rPr>
+              <a:t> App Root </a:t>
+            </a:r>
+            <a:r>
+              <a:rPr lang="ko-KR" altLang="en-US" sz="1000" dirty="0" smtClean="0">
+                <a:solidFill>
+                  <a:schemeClr val="tx1"/>
+                </a:solidFill>
+                <a:sym typeface="Wingdings" panose="05000000000000000000" pitchFamily="2" charset="2"/>
+              </a:rPr>
+              <a:t>가 호출될 경우 표시할 리소스 지정</a:t>
+            </a:r>
+            <a:endParaRPr lang="en-US" altLang="ko-KR" sz="1000" dirty="0" smtClean="0">
+              <a:solidFill>
+                <a:schemeClr val="tx1"/>
+              </a:solidFill>
+            </a:endParaRPr>
+          </a:p>
+          <a:p>
+            <a:pPr marL="171450" indent="-171450">
+              <a:lnSpc>
+                <a:spcPct val="150000"/>
+              </a:lnSpc>
+              <a:buFont typeface="Wingdings" panose="05000000000000000000" pitchFamily="2" charset="2"/>
+              <a:buChar char="v"/>
+            </a:pPr>
+            <a:r>
+              <a:rPr lang="en-US" altLang="ko-KR" sz="1000" b="1" dirty="0">
+                <a:solidFill>
+                  <a:schemeClr val="tx1"/>
+                </a:solidFill>
+              </a:rPr>
+              <a:t>Error </a:t>
+            </a:r>
+            <a:r>
+              <a:rPr lang="en-US" altLang="ko-KR" sz="1000" b="1" dirty="0" smtClean="0">
+                <a:solidFill>
+                  <a:schemeClr val="tx1"/>
+                </a:solidFill>
+              </a:rPr>
+              <a:t>Pages</a:t>
+            </a:r>
+            <a:r>
+              <a:rPr lang="en-US" altLang="ko-KR" sz="1000" dirty="0" smtClean="0">
+                <a:solidFill>
+                  <a:schemeClr val="tx1"/>
+                </a:solidFill>
+              </a:rPr>
+              <a:t> </a:t>
+            </a:r>
+            <a:r>
+              <a:rPr lang="en-US" altLang="ko-KR" sz="1000" dirty="0" smtClean="0">
+                <a:solidFill>
+                  <a:schemeClr val="tx1"/>
+                </a:solidFill>
+                <a:sym typeface="Wingdings" panose="05000000000000000000" pitchFamily="2" charset="2"/>
+              </a:rPr>
+              <a:t> Http Status Code, Java Exception</a:t>
+            </a:r>
+            <a:r>
+              <a:rPr lang="ko-KR" altLang="en-US" sz="1000" dirty="0" smtClean="0">
+                <a:solidFill>
+                  <a:schemeClr val="tx1"/>
+                </a:solidFill>
+                <a:sym typeface="Wingdings" panose="05000000000000000000" pitchFamily="2" charset="2"/>
+              </a:rPr>
+              <a:t>으로 해당 상황에서 표시될 리소스 지정</a:t>
+            </a:r>
+            <a:endParaRPr lang="en-US" altLang="ko-KR" sz="1000" dirty="0">
+              <a:solidFill>
+                <a:schemeClr val="tx1"/>
+              </a:solidFill>
+            </a:endParaRPr>
+          </a:p>
+        </p:txBody>
+      </p:sp>
+      <p:sp>
+        <p:nvSpPr>
+          <p:cNvPr id="9" name="직사각형 8"/>
+          <p:cNvSpPr/>
+          <p:nvPr/>
+        </p:nvSpPr>
+        <p:spPr>
+          <a:xfrm>
+            <a:off x="2935982" y="2607941"/>
+            <a:ext cx="2232248" cy="288032"/>
+          </a:xfrm>
+          <a:prstGeom prst="rect">
+            <a:avLst/>
+          </a:prstGeom>
+          <a:noFill/>
+          <a:ln w="12700">
+            <a:noFill/>
+          </a:ln>
+        </p:spPr>
+        <p:style>
+          <a:lnRef idx="2">
+            <a:schemeClr val="accent1">
+              <a:shade val="50000"/>
+            </a:schemeClr>
+          </a:lnRef>
+          <a:fillRef idx="1">
+            <a:schemeClr val="accent1"/>
+          </a:fillRef>
+          <a:effectRef idx="0">
+            <a:schemeClr val="accent1"/>
+          </a:effectRef>
+          <a:fontRef idx="minor">
+            <a:schemeClr val="lt1"/>
+          </a:fontRef>
+        </p:style>
+        <p:txBody>
+          <a:bodyPr rtlCol="0" anchor="t"/>
+          <a:lstStyle/>
+          <a:p>
+            <a:pPr>
+              <a:lnSpc>
+                <a:spcPts val="1400"/>
+              </a:lnSpc>
+              <a:spcAft>
+                <a:spcPts val="600"/>
+              </a:spcAft>
+            </a:pPr>
+            <a:r>
+              <a:rPr lang="en-US" altLang="ko-KR" sz="1200" b="1" dirty="0" smtClean="0">
+                <a:solidFill>
+                  <a:schemeClr val="tx1"/>
+                </a:solidFill>
+              </a:rPr>
+              <a:t>Java Library (*.jar)</a:t>
+            </a:r>
+            <a:endParaRPr lang="en-US" altLang="ko-KR" sz="1200" b="1" dirty="0">
+              <a:solidFill>
+                <a:schemeClr val="tx1"/>
+              </a:solidFill>
+            </a:endParaRPr>
+          </a:p>
+        </p:txBody>
+      </p:sp>
+      <p:sp>
+        <p:nvSpPr>
+          <p:cNvPr id="10" name="직사각형 9"/>
+          <p:cNvSpPr/>
+          <p:nvPr/>
+        </p:nvSpPr>
+        <p:spPr>
+          <a:xfrm>
+            <a:off x="2935982" y="2891779"/>
+            <a:ext cx="4608512" cy="288032"/>
+          </a:xfrm>
+          <a:prstGeom prst="rect">
+            <a:avLst/>
+          </a:prstGeom>
+          <a:noFill/>
+          <a:ln w="12700">
+            <a:noFill/>
+          </a:ln>
+        </p:spPr>
+        <p:style>
+          <a:lnRef idx="2">
+            <a:schemeClr val="accent1">
+              <a:shade val="50000"/>
+            </a:schemeClr>
+          </a:lnRef>
+          <a:fillRef idx="1">
+            <a:schemeClr val="accent1"/>
+          </a:fillRef>
+          <a:effectRef idx="0">
+            <a:schemeClr val="accent1"/>
+          </a:effectRef>
+          <a:fontRef idx="minor">
+            <a:schemeClr val="lt1"/>
+          </a:fontRef>
+        </p:style>
+        <p:txBody>
+          <a:bodyPr rtlCol="0" anchor="t"/>
+          <a:lstStyle/>
+          <a:p>
+            <a:pPr>
+              <a:lnSpc>
+                <a:spcPts val="1400"/>
+              </a:lnSpc>
+              <a:spcAft>
+                <a:spcPts val="600"/>
+              </a:spcAft>
+            </a:pPr>
+            <a:r>
+              <a:rPr lang="ko-KR" altLang="en-US" sz="1200" b="1" dirty="0" smtClean="0">
+                <a:solidFill>
+                  <a:schemeClr val="tx1"/>
+                </a:solidFill>
+              </a:rPr>
+              <a:t>사용자가 작성한 </a:t>
+            </a:r>
+            <a:r>
+              <a:rPr lang="en-US" altLang="ko-KR" sz="1200" b="1" dirty="0" smtClean="0">
+                <a:solidFill>
+                  <a:schemeClr val="tx1"/>
+                </a:solidFill>
+              </a:rPr>
+              <a:t>Java Class</a:t>
+            </a:r>
+            <a:endParaRPr lang="en-US" altLang="ko-KR" sz="1200" b="1" dirty="0">
+              <a:solidFill>
+                <a:schemeClr val="tx1"/>
+              </a:solidFill>
+            </a:endParaRPr>
+          </a:p>
+        </p:txBody>
+      </p:sp>
+      <p:cxnSp>
+        <p:nvCxnSpPr>
+          <p:cNvPr id="11" name="꺾인 연결선 10"/>
+          <p:cNvCxnSpPr>
+            <a:stCxn id="9" idx="1"/>
+          </p:cNvCxnSpPr>
+          <p:nvPr/>
+        </p:nvCxnSpPr>
+        <p:spPr>
+          <a:xfrm rot="10800000">
+            <a:off x="1783856" y="2751957"/>
+            <a:ext cx="1152127" cy="1"/>
+          </a:xfrm>
+          <a:prstGeom prst="bentConnector3">
+            <a:avLst>
+              <a:gd name="adj1" fmla="val 50000"/>
+            </a:avLst>
+          </a:prstGeom>
+          <a:ln>
+            <a:tailEnd type="arrow"/>
+          </a:ln>
+        </p:spPr>
+        <p:style>
+          <a:lnRef idx="2">
+            <a:schemeClr val="accent2"/>
+          </a:lnRef>
+          <a:fillRef idx="0">
+            <a:schemeClr val="accent2"/>
+          </a:fillRef>
+          <a:effectRef idx="1">
+            <a:schemeClr val="accent2"/>
+          </a:effectRef>
+          <a:fontRef idx="minor">
+            <a:schemeClr val="tx1"/>
+          </a:fontRef>
+        </p:style>
+      </p:cxnSp>
+      <p:cxnSp>
+        <p:nvCxnSpPr>
+          <p:cNvPr id="12" name="꺾인 연결선 11"/>
+          <p:cNvCxnSpPr>
+            <a:stCxn id="10" idx="1"/>
+          </p:cNvCxnSpPr>
+          <p:nvPr/>
+        </p:nvCxnSpPr>
+        <p:spPr>
+          <a:xfrm rot="10800000" flipV="1">
+            <a:off x="2071886" y="3035795"/>
+            <a:ext cx="864097" cy="2"/>
+          </a:xfrm>
+          <a:prstGeom prst="bentConnector3">
+            <a:avLst>
+              <a:gd name="adj1" fmla="val 50000"/>
+            </a:avLst>
+          </a:prstGeom>
+          <a:ln>
+            <a:tailEnd type="arrow"/>
+          </a:ln>
+        </p:spPr>
+        <p:style>
+          <a:lnRef idx="2">
+            <a:schemeClr val="accent2"/>
+          </a:lnRef>
+          <a:fillRef idx="0">
+            <a:schemeClr val="accent2"/>
+          </a:fillRef>
+          <a:effectRef idx="1">
+            <a:schemeClr val="accent2"/>
+          </a:effectRef>
+          <a:fontRef idx="minor">
+            <a:schemeClr val="tx1"/>
+          </a:fontRef>
+        </p:style>
+      </p:cxnSp>
+      <p:cxnSp>
+        <p:nvCxnSpPr>
+          <p:cNvPr id="15" name="꺾인 연결선 14"/>
+          <p:cNvCxnSpPr/>
+          <p:nvPr/>
+        </p:nvCxnSpPr>
+        <p:spPr>
+          <a:xfrm rot="10800000">
+            <a:off x="2136906" y="3308786"/>
+            <a:ext cx="799076" cy="809"/>
+          </a:xfrm>
+          <a:prstGeom prst="bentConnector3">
+            <a:avLst>
+              <a:gd name="adj1" fmla="val 50000"/>
+            </a:avLst>
+          </a:prstGeom>
+          <a:ln>
+            <a:tailEnd type="arrow"/>
+          </a:ln>
+        </p:spPr>
+        <p:style>
+          <a:lnRef idx="2">
+            <a:schemeClr val="accent2"/>
+          </a:lnRef>
+          <a:fillRef idx="0">
+            <a:schemeClr val="accent2"/>
+          </a:fillRef>
+          <a:effectRef idx="1">
+            <a:schemeClr val="accent2"/>
+          </a:effectRef>
+          <a:fontRef idx="minor">
+            <a:schemeClr val="tx1"/>
+          </a:fontRef>
+        </p:style>
+      </p:cxnSp>
+      <p:sp>
+        <p:nvSpPr>
+          <p:cNvPr id="20" name="TextBox 19"/>
+          <p:cNvSpPr txBox="1"/>
+          <p:nvPr/>
+        </p:nvSpPr>
+        <p:spPr>
+          <a:xfrm>
+            <a:off x="7118643" y="179348"/>
+            <a:ext cx="2658099" cy="338554"/>
+          </a:xfrm>
+          <a:prstGeom prst="rect">
+            <a:avLst/>
+          </a:prstGeom>
+          <a:noFill/>
+        </p:spPr>
+        <p:txBody>
+          <a:bodyPr wrap="none" rtlCol="0">
+            <a:spAutoFit/>
+          </a:bodyPr>
+          <a:lstStyle/>
+          <a:p>
+            <a:pPr algn="r"/>
+            <a:r>
+              <a:rPr lang="ko-KR" altLang="en-US" sz="1600" b="1" dirty="0" smtClean="0"/>
+              <a:t>웹 어플리케이션 기본 구조</a:t>
+            </a:r>
+            <a:endParaRPr lang="ko-KR" altLang="en-US" sz="1600" b="1" dirty="0"/>
+          </a:p>
+        </p:txBody>
+      </p:sp>
+      <p:sp>
+        <p:nvSpPr>
+          <p:cNvPr id="21" name="TextBox 20"/>
+          <p:cNvSpPr txBox="1"/>
+          <p:nvPr/>
+        </p:nvSpPr>
+        <p:spPr>
+          <a:xfrm>
+            <a:off x="991766" y="1268760"/>
+            <a:ext cx="4515980" cy="338554"/>
+          </a:xfrm>
+          <a:prstGeom prst="rect">
+            <a:avLst/>
+          </a:prstGeom>
+          <a:noFill/>
+        </p:spPr>
+        <p:txBody>
+          <a:bodyPr wrap="none" rtlCol="0">
+            <a:spAutoFit/>
+          </a:bodyPr>
+          <a:lstStyle/>
+          <a:p>
+            <a:r>
+              <a:rPr lang="ko-KR" altLang="en-US" sz="1600" b="1" dirty="0" smtClean="0">
+                <a:latin typeface="맑은 고딕" panose="020B0503020000020004" pitchFamily="50" charset="-127"/>
+                <a:ea typeface="맑은 고딕" panose="020B0503020000020004" pitchFamily="50" charset="-127"/>
+              </a:rPr>
+              <a:t>웹 어플리케이션의 기본 파일 및 </a:t>
+            </a:r>
+            <a:r>
+              <a:rPr lang="ko-KR" altLang="en-US" sz="1600" b="1" dirty="0" err="1" smtClean="0">
+                <a:latin typeface="맑은 고딕" panose="020B0503020000020004" pitchFamily="50" charset="-127"/>
+                <a:ea typeface="맑은 고딕" panose="020B0503020000020004" pitchFamily="50" charset="-127"/>
+              </a:rPr>
+              <a:t>디렉토리</a:t>
+            </a:r>
+            <a:r>
+              <a:rPr lang="ko-KR" altLang="en-US" sz="1600" b="1" dirty="0" smtClean="0">
+                <a:latin typeface="맑은 고딕" panose="020B0503020000020004" pitchFamily="50" charset="-127"/>
+                <a:ea typeface="맑은 고딕" panose="020B0503020000020004" pitchFamily="50" charset="-127"/>
+              </a:rPr>
+              <a:t> 구조</a:t>
+            </a:r>
+            <a:endParaRPr lang="ko-KR" altLang="en-US" sz="1600" b="1" dirty="0">
+              <a:latin typeface="맑은 고딕" panose="020B0503020000020004" pitchFamily="50" charset="-127"/>
+              <a:ea typeface="맑은 고딕" panose="020B0503020000020004" pitchFamily="50" charset="-127"/>
+            </a:endParaRPr>
+          </a:p>
+        </p:txBody>
+      </p:sp>
+    </p:spTree>
+    <p:extLst>
+      <p:ext uri="{BB962C8B-B14F-4D97-AF65-F5344CB8AC3E}">
+        <p14:creationId xmlns:p14="http://schemas.microsoft.com/office/powerpoint/2010/main" val="4025247464"/>
+      </p:ext>
+    </p:extLst>
+  </p:cSld>
+  <p:clrMapOvr>
+    <a:masterClrMapping/>
+  </p:clrMapOvr>
+</p:sld>
+</file>
+
+<file path=ppt/slides/slide6.xml><?xml version="1.0" encoding="utf-8"?>
+<p:sld xmlns:a="http://schemas.openxmlformats.org/drawingml/2006/main" xmlns:r="http://schemas.openxmlformats.org/officeDocument/2006/relationships" xmlns:p="http://schemas.openxmlformats.org/presentationml/2006/main">
+  <p:cSld>
+    <p:spTree>
+      <p:nvGrpSpPr>
+        <p:cNvPr id="1" name=""/>
+        <p:cNvGrpSpPr/>
+        <p:nvPr/>
+      </p:nvGrpSpPr>
+      <p:grpSpPr>
+        <a:xfrm>
+          <a:off x="0" y="0"/>
+          <a:ext cx="0" cy="0"/>
+          <a:chOff x="0" y="0"/>
+          <a:chExt cx="0" cy="0"/>
+        </a:xfrm>
+      </p:grpSpPr>
+      <p:sp>
+        <p:nvSpPr>
+          <p:cNvPr id="4" name="제목 3"/>
+          <p:cNvSpPr>
+            <a:spLocks noGrp="1"/>
+          </p:cNvSpPr>
+          <p:nvPr>
+            <p:ph type="title"/>
+          </p:nvPr>
+        </p:nvSpPr>
+        <p:spPr/>
+        <p:txBody>
+          <a:bodyPr/>
+          <a:lstStyle/>
+          <a:p>
+            <a:r>
+              <a:rPr lang="ko-KR" altLang="en-US" dirty="0" smtClean="0"/>
+              <a:t>웹 어플리케이션 구조</a:t>
+            </a:r>
+            <a:endParaRPr lang="ko-KR" altLang="en-US" dirty="0"/>
+          </a:p>
+        </p:txBody>
+      </p:sp>
+      <p:sp>
+        <p:nvSpPr>
+          <p:cNvPr id="6" name="TextBox 5"/>
+          <p:cNvSpPr txBox="1"/>
+          <p:nvPr/>
+        </p:nvSpPr>
+        <p:spPr>
+          <a:xfrm>
+            <a:off x="631726" y="1268760"/>
+            <a:ext cx="3357009" cy="338554"/>
+          </a:xfrm>
+          <a:prstGeom prst="rect">
+            <a:avLst/>
+          </a:prstGeom>
+          <a:noFill/>
+        </p:spPr>
+        <p:txBody>
+          <a:bodyPr wrap="none" rtlCol="0">
+            <a:spAutoFit/>
+          </a:bodyPr>
+          <a:lstStyle/>
+          <a:p>
+            <a:r>
+              <a:rPr lang="fr-FR" altLang="ko-KR" sz="1600" b="1" dirty="0" smtClean="0">
+                <a:latin typeface="맑은 고딕" panose="020B0503020000020004" pitchFamily="50" charset="-127"/>
+                <a:ea typeface="맑은 고딕" panose="020B0503020000020004" pitchFamily="50" charset="-127"/>
+              </a:rPr>
+              <a:t>WEB.xml </a:t>
+            </a:r>
+            <a:r>
+              <a:rPr lang="ko-KR" altLang="en-US" sz="1600" b="1" dirty="0" smtClean="0">
+                <a:latin typeface="맑은 고딕" panose="020B0503020000020004" pitchFamily="50" charset="-127"/>
+                <a:ea typeface="맑은 고딕" panose="020B0503020000020004" pitchFamily="50" charset="-127"/>
+              </a:rPr>
+              <a:t>상세 구조 </a:t>
+            </a:r>
+            <a:r>
+              <a:rPr lang="en-US" altLang="ko-KR" sz="1600" b="1" dirty="0" smtClean="0">
+                <a:latin typeface="맑은 고딕" panose="020B0503020000020004" pitchFamily="50" charset="-127"/>
+                <a:ea typeface="맑은 고딕" panose="020B0503020000020004" pitchFamily="50" charset="-127"/>
+              </a:rPr>
+              <a:t>– </a:t>
+            </a:r>
+            <a:r>
+              <a:rPr lang="ko-KR" altLang="en-US" sz="1600" b="1" dirty="0" smtClean="0">
+                <a:latin typeface="맑은 고딕" panose="020B0503020000020004" pitchFamily="50" charset="-127"/>
+                <a:ea typeface="맑은 고딕" panose="020B0503020000020004" pitchFamily="50" charset="-127"/>
+              </a:rPr>
+              <a:t>개발자 대상</a:t>
+            </a:r>
+            <a:endParaRPr lang="ko-KR" altLang="en-US" sz="1600" b="1" dirty="0">
+              <a:latin typeface="맑은 고딕" panose="020B0503020000020004" pitchFamily="50" charset="-127"/>
+              <a:ea typeface="맑은 고딕" panose="020B0503020000020004" pitchFamily="50" charset="-127"/>
+            </a:endParaRPr>
+          </a:p>
+        </p:txBody>
+      </p:sp>
+      <p:sp>
+        <p:nvSpPr>
+          <p:cNvPr id="13" name="직사각형 12"/>
+          <p:cNvSpPr/>
+          <p:nvPr/>
+        </p:nvSpPr>
+        <p:spPr>
+          <a:xfrm>
+            <a:off x="631726" y="1700808"/>
+            <a:ext cx="8640960" cy="4608512"/>
+          </a:xfrm>
+          <a:prstGeom prst="rect">
+            <a:avLst/>
+          </a:prstGeom>
+          <a:noFill/>
+          <a:ln w="12700">
+            <a:noFill/>
+          </a:ln>
+        </p:spPr>
+        <p:style>
+          <a:lnRef idx="2">
+            <a:schemeClr val="accent1">
+              <a:shade val="50000"/>
+            </a:schemeClr>
+          </a:lnRef>
+          <a:fillRef idx="1">
+            <a:schemeClr val="accent1"/>
+          </a:fillRef>
+          <a:effectRef idx="0">
+            <a:schemeClr val="accent1"/>
+          </a:effectRef>
+          <a:fontRef idx="minor">
+            <a:schemeClr val="lt1"/>
+          </a:fontRef>
+        </p:style>
+        <p:txBody>
+          <a:bodyPr rtlCol="0" anchor="t"/>
+          <a:lstStyle/>
+          <a:p>
+            <a:pPr>
+              <a:lnSpc>
+                <a:spcPct val="150000"/>
+              </a:lnSpc>
+              <a:spcAft>
+                <a:spcPts val="600"/>
+              </a:spcAft>
+            </a:pPr>
+            <a:r>
+              <a:rPr lang="en-US" altLang="ko-KR" sz="1200" b="1" dirty="0" smtClean="0">
+                <a:solidFill>
+                  <a:schemeClr val="tx1"/>
+                </a:solidFill>
+              </a:rPr>
+              <a:t>Deployment descriptor</a:t>
+            </a:r>
+          </a:p>
+          <a:p>
+            <a:pPr>
+              <a:lnSpc>
+                <a:spcPct val="150000"/>
+              </a:lnSpc>
+            </a:pPr>
+            <a:r>
+              <a:rPr lang="en-US" altLang="ko-KR" sz="1000" b="1" dirty="0">
+                <a:solidFill>
+                  <a:schemeClr val="tx1"/>
+                </a:solidFill>
+              </a:rPr>
+              <a:t>ServletContext Init </a:t>
+            </a:r>
+            <a:r>
+              <a:rPr lang="en-US" altLang="ko-KR" sz="1000" b="1" dirty="0" smtClean="0">
+                <a:solidFill>
+                  <a:schemeClr val="tx1"/>
+                </a:solidFill>
+              </a:rPr>
+              <a:t>Parameters</a:t>
+            </a:r>
+            <a:r>
+              <a:rPr lang="en-US" altLang="ko-KR" sz="1000" dirty="0" smtClean="0">
+                <a:solidFill>
+                  <a:schemeClr val="tx1"/>
+                </a:solidFill>
+              </a:rPr>
+              <a:t> </a:t>
+            </a:r>
+            <a:r>
+              <a:rPr lang="en-US" altLang="ko-KR" sz="1000" dirty="0" smtClean="0">
+                <a:solidFill>
+                  <a:schemeClr val="tx1"/>
+                </a:solidFill>
+                <a:sym typeface="Wingdings" panose="05000000000000000000" pitchFamily="2" charset="2"/>
+              </a:rPr>
+              <a:t> Web App</a:t>
+            </a:r>
+            <a:r>
+              <a:rPr lang="ko-KR" altLang="en-US" sz="1000" dirty="0" smtClean="0">
+                <a:solidFill>
+                  <a:schemeClr val="tx1"/>
+                </a:solidFill>
+                <a:sym typeface="Wingdings" panose="05000000000000000000" pitchFamily="2" charset="2"/>
+              </a:rPr>
+              <a:t>에서 공유할 파라미터</a:t>
+            </a:r>
+            <a:endParaRPr lang="en-US" altLang="ko-KR" sz="1000" dirty="0" smtClean="0">
+              <a:solidFill>
+                <a:schemeClr val="tx1"/>
+              </a:solidFill>
+            </a:endParaRPr>
+          </a:p>
+          <a:p>
+            <a:pPr>
+              <a:lnSpc>
+                <a:spcPct val="150000"/>
+              </a:lnSpc>
+            </a:pPr>
+            <a:r>
+              <a:rPr lang="en-US" altLang="ko-KR" sz="1000" b="1" dirty="0">
+                <a:solidFill>
+                  <a:schemeClr val="tx1"/>
+                </a:solidFill>
+              </a:rPr>
+              <a:t>Session </a:t>
+            </a:r>
+            <a:r>
+              <a:rPr lang="en-US" altLang="ko-KR" sz="1000" b="1" dirty="0" smtClean="0">
+                <a:solidFill>
+                  <a:schemeClr val="tx1"/>
+                </a:solidFill>
+              </a:rPr>
+              <a:t>Configuration</a:t>
+            </a:r>
+            <a:r>
+              <a:rPr lang="en-US" altLang="ko-KR" sz="1000" dirty="0" smtClean="0">
+                <a:solidFill>
+                  <a:schemeClr val="tx1"/>
+                </a:solidFill>
+              </a:rPr>
+              <a:t> </a:t>
+            </a:r>
+            <a:r>
+              <a:rPr lang="en-US" altLang="ko-KR" sz="1000" dirty="0" smtClean="0">
+                <a:solidFill>
+                  <a:schemeClr val="tx1"/>
+                </a:solidFill>
+                <a:sym typeface="Wingdings" panose="05000000000000000000" pitchFamily="2" charset="2"/>
+              </a:rPr>
+              <a:t> Session Timeout </a:t>
+            </a:r>
+            <a:r>
+              <a:rPr lang="ko-KR" altLang="en-US" sz="1000" dirty="0" smtClean="0">
+                <a:solidFill>
+                  <a:schemeClr val="tx1"/>
+                </a:solidFill>
+                <a:sym typeface="Wingdings" panose="05000000000000000000" pitchFamily="2" charset="2"/>
+              </a:rPr>
+              <a:t>설정</a:t>
+            </a:r>
+            <a:endParaRPr lang="en-US" altLang="ko-KR" sz="1000" dirty="0" smtClean="0">
+              <a:solidFill>
+                <a:schemeClr val="tx1"/>
+              </a:solidFill>
+            </a:endParaRPr>
+          </a:p>
+          <a:p>
+            <a:pPr>
+              <a:lnSpc>
+                <a:spcPct val="150000"/>
+              </a:lnSpc>
+            </a:pPr>
+            <a:r>
+              <a:rPr lang="en-US" altLang="ko-KR" sz="1000" b="1" dirty="0">
+                <a:solidFill>
+                  <a:schemeClr val="tx1"/>
+                </a:solidFill>
+              </a:rPr>
+              <a:t>Servlet </a:t>
+            </a:r>
+            <a:r>
+              <a:rPr lang="en-US" altLang="ko-KR" sz="1000" b="1" dirty="0" smtClean="0">
+                <a:solidFill>
+                  <a:schemeClr val="tx1"/>
+                </a:solidFill>
+              </a:rPr>
+              <a:t>Declaration</a:t>
+            </a:r>
+            <a:r>
+              <a:rPr lang="en-US" altLang="ko-KR" sz="1000" dirty="0" smtClean="0">
+                <a:solidFill>
+                  <a:schemeClr val="tx1"/>
+                </a:solidFill>
+              </a:rPr>
+              <a:t> </a:t>
+            </a:r>
+            <a:r>
+              <a:rPr lang="en-US" altLang="ko-KR" sz="1000" dirty="0" smtClean="0">
+                <a:solidFill>
+                  <a:schemeClr val="tx1"/>
+                </a:solidFill>
+                <a:sym typeface="Wingdings" panose="05000000000000000000" pitchFamily="2" charset="2"/>
+              </a:rPr>
+              <a:t> Http Request</a:t>
+            </a:r>
+            <a:r>
+              <a:rPr lang="ko-KR" altLang="en-US" sz="1000" dirty="0" smtClean="0">
+                <a:solidFill>
+                  <a:schemeClr val="tx1"/>
+                </a:solidFill>
+                <a:sym typeface="Wingdings" panose="05000000000000000000" pitchFamily="2" charset="2"/>
+              </a:rPr>
+              <a:t>를 처리할 </a:t>
+            </a:r>
+            <a:r>
+              <a:rPr lang="en-US" altLang="ko-KR" sz="1000" dirty="0" smtClean="0">
+                <a:solidFill>
+                  <a:schemeClr val="tx1"/>
+                </a:solidFill>
+                <a:sym typeface="Wingdings" panose="05000000000000000000" pitchFamily="2" charset="2"/>
+              </a:rPr>
+              <a:t>Servlet Class</a:t>
+            </a:r>
+            <a:r>
+              <a:rPr lang="en-US" altLang="ko-KR" sz="1000" dirty="0">
+                <a:solidFill>
+                  <a:schemeClr val="tx1"/>
+                </a:solidFill>
+              </a:rPr>
+              <a:t/>
+            </a:r>
+            <a:br>
+              <a:rPr lang="en-US" altLang="ko-KR" sz="1000" dirty="0">
+                <a:solidFill>
+                  <a:schemeClr val="tx1"/>
+                </a:solidFill>
+              </a:rPr>
+            </a:br>
+            <a:r>
+              <a:rPr lang="en-US" altLang="ko-KR" sz="1000" b="1" dirty="0">
+                <a:solidFill>
+                  <a:schemeClr val="tx1"/>
+                </a:solidFill>
+              </a:rPr>
+              <a:t>Servlet </a:t>
+            </a:r>
+            <a:r>
+              <a:rPr lang="en-US" altLang="ko-KR" sz="1000" b="1" dirty="0" smtClean="0">
+                <a:solidFill>
+                  <a:schemeClr val="tx1"/>
+                </a:solidFill>
+              </a:rPr>
+              <a:t>Mappings </a:t>
+            </a:r>
+            <a:r>
+              <a:rPr lang="en-US" altLang="ko-KR" sz="1000" dirty="0" smtClean="0">
+                <a:solidFill>
+                  <a:schemeClr val="tx1"/>
+                </a:solidFill>
+                <a:sym typeface="Wingdings" panose="05000000000000000000" pitchFamily="2" charset="2"/>
+              </a:rPr>
+              <a:t> Servlet</a:t>
+            </a:r>
+            <a:r>
+              <a:rPr lang="ko-KR" altLang="en-US" sz="1000" dirty="0" smtClean="0">
+                <a:solidFill>
+                  <a:schemeClr val="tx1"/>
+                </a:solidFill>
+                <a:sym typeface="Wingdings" panose="05000000000000000000" pitchFamily="2" charset="2"/>
+              </a:rPr>
+              <a:t>이 처리해야 할 </a:t>
+            </a:r>
+            <a:r>
+              <a:rPr lang="en-US" altLang="ko-KR" sz="1000" dirty="0" smtClean="0">
+                <a:solidFill>
+                  <a:schemeClr val="tx1"/>
+                </a:solidFill>
+                <a:sym typeface="Wingdings" panose="05000000000000000000" pitchFamily="2" charset="2"/>
+              </a:rPr>
+              <a:t>URL </a:t>
+            </a:r>
+            <a:r>
+              <a:rPr lang="ko-KR" altLang="en-US" sz="1000" dirty="0" smtClean="0">
+                <a:solidFill>
+                  <a:schemeClr val="tx1"/>
+                </a:solidFill>
+                <a:sym typeface="Wingdings" panose="05000000000000000000" pitchFamily="2" charset="2"/>
+              </a:rPr>
+              <a:t>패턴</a:t>
+            </a:r>
+            <a:endParaRPr lang="en-US" altLang="ko-KR" sz="1000" dirty="0" smtClean="0">
+              <a:solidFill>
+                <a:schemeClr val="tx1"/>
+              </a:solidFill>
+            </a:endParaRPr>
+          </a:p>
+          <a:p>
+            <a:pPr>
+              <a:lnSpc>
+                <a:spcPct val="150000"/>
+              </a:lnSpc>
+            </a:pPr>
+            <a:r>
+              <a:rPr lang="en-US" altLang="ko-KR" sz="1000" b="1" dirty="0">
+                <a:solidFill>
+                  <a:schemeClr val="tx1"/>
+                </a:solidFill>
+              </a:rPr>
+              <a:t>Application Lifecyle Listener </a:t>
+            </a:r>
+            <a:r>
+              <a:rPr lang="en-US" altLang="ko-KR" sz="1000" b="1" dirty="0" smtClean="0">
+                <a:solidFill>
+                  <a:schemeClr val="tx1"/>
+                </a:solidFill>
+              </a:rPr>
+              <a:t>classes</a:t>
+            </a:r>
+            <a:r>
+              <a:rPr lang="en-US" altLang="ko-KR" sz="1000" dirty="0" smtClean="0">
+                <a:solidFill>
+                  <a:schemeClr val="tx1"/>
+                </a:solidFill>
+              </a:rPr>
+              <a:t> </a:t>
+            </a:r>
+            <a:r>
+              <a:rPr lang="en-US" altLang="ko-KR" sz="1000" dirty="0" smtClean="0">
+                <a:solidFill>
+                  <a:schemeClr val="tx1"/>
+                </a:solidFill>
+                <a:sym typeface="Wingdings" panose="05000000000000000000" pitchFamily="2" charset="2"/>
+              </a:rPr>
+              <a:t> ServletContext, Servlet, Session</a:t>
+            </a:r>
+            <a:r>
+              <a:rPr lang="ko-KR" altLang="en-US" sz="1000" dirty="0" smtClean="0">
+                <a:solidFill>
+                  <a:schemeClr val="tx1"/>
+                </a:solidFill>
+                <a:sym typeface="Wingdings" panose="05000000000000000000" pitchFamily="2" charset="2"/>
+              </a:rPr>
+              <a:t>의 이벤트 발생시 호출될 </a:t>
+            </a:r>
+            <a:r>
+              <a:rPr lang="en-US" altLang="ko-KR" sz="1000" dirty="0" smtClean="0">
+                <a:solidFill>
+                  <a:schemeClr val="tx1"/>
+                </a:solidFill>
+                <a:sym typeface="Wingdings" panose="05000000000000000000" pitchFamily="2" charset="2"/>
+              </a:rPr>
+              <a:t>Class </a:t>
+            </a:r>
+            <a:r>
+              <a:rPr lang="ko-KR" altLang="en-US" sz="1000" dirty="0" smtClean="0">
+                <a:solidFill>
+                  <a:schemeClr val="tx1"/>
+                </a:solidFill>
+                <a:sym typeface="Wingdings" panose="05000000000000000000" pitchFamily="2" charset="2"/>
+              </a:rPr>
+              <a:t>지정</a:t>
+            </a:r>
+            <a:endParaRPr lang="en-US" altLang="ko-KR" sz="1000" dirty="0" smtClean="0">
+              <a:solidFill>
+                <a:schemeClr val="tx1"/>
+              </a:solidFill>
+            </a:endParaRPr>
+          </a:p>
+          <a:p>
+            <a:pPr>
+              <a:lnSpc>
+                <a:spcPct val="150000"/>
+              </a:lnSpc>
+            </a:pPr>
+            <a:r>
+              <a:rPr lang="en-US" altLang="ko-KR" sz="1000" b="1" dirty="0">
+                <a:solidFill>
+                  <a:schemeClr val="tx1"/>
+                </a:solidFill>
+              </a:rPr>
+              <a:t>Filter Definitions and Filter </a:t>
+            </a:r>
+            <a:r>
+              <a:rPr lang="en-US" altLang="ko-KR" sz="1000" b="1" dirty="0" smtClean="0">
+                <a:solidFill>
+                  <a:schemeClr val="tx1"/>
+                </a:solidFill>
+              </a:rPr>
+              <a:t>Mappings</a:t>
+            </a:r>
+            <a:r>
+              <a:rPr lang="en-US" altLang="ko-KR" sz="1000" dirty="0" smtClean="0">
+                <a:solidFill>
+                  <a:schemeClr val="tx1"/>
+                </a:solidFill>
+              </a:rPr>
+              <a:t> </a:t>
+            </a:r>
+            <a:r>
+              <a:rPr lang="en-US" altLang="ko-KR" sz="1000" dirty="0" smtClean="0">
+                <a:solidFill>
+                  <a:schemeClr val="tx1"/>
+                </a:solidFill>
+                <a:sym typeface="Wingdings" panose="05000000000000000000" pitchFamily="2" charset="2"/>
+              </a:rPr>
+              <a:t> Servlet Filter</a:t>
+            </a:r>
+            <a:r>
+              <a:rPr lang="ko-KR" altLang="en-US" sz="1000" dirty="0" smtClean="0">
+                <a:solidFill>
+                  <a:schemeClr val="tx1"/>
+                </a:solidFill>
+                <a:sym typeface="Wingdings" panose="05000000000000000000" pitchFamily="2" charset="2"/>
+              </a:rPr>
+              <a:t>의 정의 및 </a:t>
+            </a:r>
+            <a:r>
+              <a:rPr lang="en-US" altLang="ko-KR" sz="1000" dirty="0" smtClean="0">
+                <a:solidFill>
+                  <a:schemeClr val="tx1"/>
+                </a:solidFill>
+                <a:sym typeface="Wingdings" panose="05000000000000000000" pitchFamily="2" charset="2"/>
+              </a:rPr>
+              <a:t>URL </a:t>
+            </a:r>
+            <a:r>
+              <a:rPr lang="ko-KR" altLang="en-US" sz="1000" dirty="0" smtClean="0">
+                <a:solidFill>
+                  <a:schemeClr val="tx1"/>
+                </a:solidFill>
+                <a:sym typeface="Wingdings" panose="05000000000000000000" pitchFamily="2" charset="2"/>
+              </a:rPr>
+              <a:t>매</a:t>
+            </a:r>
+            <a:r>
+              <a:rPr lang="ko-KR" altLang="en-US" sz="1000" dirty="0">
+                <a:solidFill>
+                  <a:schemeClr val="tx1"/>
+                </a:solidFill>
+                <a:sym typeface="Wingdings" panose="05000000000000000000" pitchFamily="2" charset="2"/>
+              </a:rPr>
+              <a:t>핑</a:t>
+            </a:r>
+            <a:endParaRPr lang="en-US" altLang="ko-KR" sz="1000" dirty="0" smtClean="0">
+              <a:solidFill>
+                <a:schemeClr val="tx1"/>
+              </a:solidFill>
+            </a:endParaRPr>
+          </a:p>
+          <a:p>
+            <a:pPr>
+              <a:lnSpc>
+                <a:spcPct val="150000"/>
+              </a:lnSpc>
+            </a:pPr>
+            <a:r>
+              <a:rPr lang="en-US" altLang="ko-KR" sz="1000" b="1" dirty="0">
+                <a:solidFill>
+                  <a:schemeClr val="tx1"/>
+                </a:solidFill>
+              </a:rPr>
+              <a:t>MIME Type </a:t>
+            </a:r>
+            <a:r>
+              <a:rPr lang="en-US" altLang="ko-KR" sz="1000" b="1" dirty="0" smtClean="0">
+                <a:solidFill>
+                  <a:schemeClr val="tx1"/>
+                </a:solidFill>
+              </a:rPr>
+              <a:t>Mappings</a:t>
+            </a:r>
+            <a:r>
+              <a:rPr lang="en-US" altLang="ko-KR" sz="1000" dirty="0" smtClean="0">
+                <a:solidFill>
+                  <a:schemeClr val="tx1"/>
+                </a:solidFill>
+              </a:rPr>
+              <a:t> </a:t>
+            </a:r>
+            <a:r>
+              <a:rPr lang="en-US" altLang="ko-KR" sz="1000" dirty="0" smtClean="0">
+                <a:solidFill>
+                  <a:schemeClr val="tx1"/>
+                </a:solidFill>
+                <a:sym typeface="Wingdings" panose="05000000000000000000" pitchFamily="2" charset="2"/>
+              </a:rPr>
+              <a:t> </a:t>
+            </a:r>
+            <a:r>
+              <a:rPr lang="ko-KR" altLang="en-US" sz="1000" dirty="0" smtClean="0">
+                <a:solidFill>
+                  <a:schemeClr val="tx1"/>
+                </a:solidFill>
+                <a:sym typeface="Wingdings" panose="05000000000000000000" pitchFamily="2" charset="2"/>
+              </a:rPr>
+              <a:t>확장자에 의한 응답리소스의 </a:t>
+            </a:r>
+            <a:r>
+              <a:rPr lang="en-US" altLang="ko-KR" sz="1000" dirty="0" smtClean="0">
+                <a:solidFill>
+                  <a:schemeClr val="tx1"/>
+                </a:solidFill>
+                <a:sym typeface="Wingdings" panose="05000000000000000000" pitchFamily="2" charset="2"/>
+              </a:rPr>
+              <a:t>ContentType</a:t>
+            </a:r>
+            <a:r>
+              <a:rPr lang="ko-KR" altLang="en-US" sz="1000" dirty="0" smtClean="0">
+                <a:solidFill>
+                  <a:schemeClr val="tx1"/>
+                </a:solidFill>
+                <a:sym typeface="Wingdings" panose="05000000000000000000" pitchFamily="2" charset="2"/>
+              </a:rPr>
+              <a:t> 지정</a:t>
+            </a:r>
+            <a:endParaRPr lang="en-US" altLang="ko-KR" sz="1000" dirty="0" smtClean="0">
+              <a:solidFill>
+                <a:schemeClr val="tx1"/>
+              </a:solidFill>
+            </a:endParaRPr>
+          </a:p>
+          <a:p>
+            <a:pPr>
+              <a:lnSpc>
+                <a:spcPct val="150000"/>
+              </a:lnSpc>
+            </a:pPr>
+            <a:r>
+              <a:rPr lang="en-US" altLang="ko-KR" sz="1000" b="1" dirty="0">
+                <a:solidFill>
+                  <a:schemeClr val="tx1"/>
+                </a:solidFill>
+              </a:rPr>
+              <a:t>Welcome File </a:t>
+            </a:r>
+            <a:r>
+              <a:rPr lang="en-US" altLang="ko-KR" sz="1000" b="1" dirty="0" smtClean="0">
+                <a:solidFill>
+                  <a:schemeClr val="tx1"/>
+                </a:solidFill>
+              </a:rPr>
+              <a:t>list</a:t>
+            </a:r>
+            <a:r>
+              <a:rPr lang="en-US" altLang="ko-KR" sz="1000" dirty="0" smtClean="0">
+                <a:solidFill>
+                  <a:schemeClr val="tx1"/>
+                </a:solidFill>
+              </a:rPr>
+              <a:t> </a:t>
+            </a:r>
+            <a:r>
+              <a:rPr lang="en-US" altLang="ko-KR" sz="1000" dirty="0" smtClean="0">
+                <a:solidFill>
+                  <a:schemeClr val="tx1"/>
+                </a:solidFill>
+                <a:sym typeface="Wingdings" panose="05000000000000000000" pitchFamily="2" charset="2"/>
+              </a:rPr>
+              <a:t> App Root </a:t>
+            </a:r>
+            <a:r>
+              <a:rPr lang="ko-KR" altLang="en-US" sz="1000" dirty="0" smtClean="0">
+                <a:solidFill>
+                  <a:schemeClr val="tx1"/>
+                </a:solidFill>
+                <a:sym typeface="Wingdings" panose="05000000000000000000" pitchFamily="2" charset="2"/>
+              </a:rPr>
+              <a:t>가 호출될 경우 표시할 리소스 지정</a:t>
+            </a:r>
+            <a:endParaRPr lang="en-US" altLang="ko-KR" sz="1000" dirty="0" smtClean="0">
+              <a:solidFill>
+                <a:schemeClr val="tx1"/>
+              </a:solidFill>
+            </a:endParaRPr>
+          </a:p>
+          <a:p>
+            <a:pPr>
+              <a:lnSpc>
+                <a:spcPct val="150000"/>
+              </a:lnSpc>
+            </a:pPr>
+            <a:r>
+              <a:rPr lang="en-US" altLang="ko-KR" sz="1000" b="1" dirty="0">
+                <a:solidFill>
+                  <a:schemeClr val="tx1"/>
+                </a:solidFill>
+              </a:rPr>
+              <a:t>Error </a:t>
+            </a:r>
+            <a:r>
+              <a:rPr lang="en-US" altLang="ko-KR" sz="1000" b="1" dirty="0" smtClean="0">
+                <a:solidFill>
+                  <a:schemeClr val="tx1"/>
+                </a:solidFill>
+              </a:rPr>
+              <a:t>Pages</a:t>
+            </a:r>
+            <a:r>
+              <a:rPr lang="en-US" altLang="ko-KR" sz="1000" dirty="0" smtClean="0">
+                <a:solidFill>
+                  <a:schemeClr val="tx1"/>
+                </a:solidFill>
+              </a:rPr>
+              <a:t> </a:t>
+            </a:r>
+            <a:r>
+              <a:rPr lang="en-US" altLang="ko-KR" sz="1000" dirty="0" smtClean="0">
+                <a:solidFill>
+                  <a:schemeClr val="tx1"/>
+                </a:solidFill>
+                <a:sym typeface="Wingdings" panose="05000000000000000000" pitchFamily="2" charset="2"/>
+              </a:rPr>
+              <a:t> Http Status Code, Java Exception</a:t>
+            </a:r>
+            <a:r>
+              <a:rPr lang="ko-KR" altLang="en-US" sz="1000" dirty="0" smtClean="0">
+                <a:solidFill>
+                  <a:schemeClr val="tx1"/>
+                </a:solidFill>
+                <a:sym typeface="Wingdings" panose="05000000000000000000" pitchFamily="2" charset="2"/>
+              </a:rPr>
+              <a:t>으로 해당 상황에서 표시될 리소스 지정</a:t>
+            </a:r>
+            <a:endParaRPr lang="en-US" altLang="ko-KR" sz="1000" dirty="0">
+              <a:solidFill>
+                <a:schemeClr val="tx1"/>
+              </a:solidFill>
+            </a:endParaRPr>
+          </a:p>
+        </p:txBody>
+      </p:sp>
+    </p:spTree>
+    <p:extLst>
+      <p:ext uri="{BB962C8B-B14F-4D97-AF65-F5344CB8AC3E}">
+        <p14:creationId xmlns:p14="http://schemas.microsoft.com/office/powerpoint/2010/main" val="1963759138"/>
+      </p:ext>
+    </p:extLst>
+  </p:cSld>
+  <p:clrMapOvr>
+    <a:masterClrMapping/>
+  </p:clrMapOvr>
+</p:sld>
+</file>
+
+<file path=ppt/slides/slide7.xml><?xml version="1.0" encoding="utf-8"?>
+<p:sld xmlns:a="http://schemas.openxmlformats.org/drawingml/2006/main" xmlns:r="http://schemas.openxmlformats.org/officeDocument/2006/relationships" xmlns:p="http://schemas.openxmlformats.org/presentationml/2006/main">
+  <p:cSld>
+    <p:spTree>
+      <p:nvGrpSpPr>
+        <p:cNvPr id="1" name=""/>
+        <p:cNvGrpSpPr/>
+        <p:nvPr/>
+      </p:nvGrpSpPr>
+      <p:grpSpPr>
+        <a:xfrm>
+          <a:off x="0" y="0"/>
+          <a:ext cx="0" cy="0"/>
+          <a:chOff x="0" y="0"/>
+          <a:chExt cx="0" cy="0"/>
+        </a:xfrm>
+      </p:grpSpPr>
+      <p:sp>
+        <p:nvSpPr>
+          <p:cNvPr id="3" name="직사각형 2"/>
+          <p:cNvSpPr/>
+          <p:nvPr/>
+        </p:nvSpPr>
+        <p:spPr>
+          <a:xfrm>
+            <a:off x="631726" y="3429000"/>
+            <a:ext cx="1080120" cy="467722"/>
+          </a:xfrm>
+          <a:prstGeom prst="rect">
+            <a:avLst/>
+          </a:prstGeom>
+        </p:spPr>
+        <p:style>
+          <a:lnRef idx="1">
+            <a:schemeClr val="accent1"/>
+          </a:lnRef>
+          <a:fillRef idx="3">
+            <a:schemeClr val="accent1"/>
+          </a:fillRef>
+          <a:effectRef idx="2">
+            <a:schemeClr val="accent1"/>
+          </a:effectRef>
+          <a:fontRef idx="minor">
+            <a:schemeClr val="lt1"/>
+          </a:fontRef>
+        </p:style>
+        <p:txBody>
+          <a:bodyPr rtlCol="0" anchor="ctr"/>
+          <a:lstStyle/>
+          <a:p>
+            <a:pPr algn="ctr"/>
+            <a:r>
+              <a:rPr lang="en-US" altLang="ko-KR" sz="1400" b="1" dirty="0" smtClean="0"/>
+              <a:t>Browser</a:t>
+            </a:r>
+            <a:endParaRPr lang="ko-KR" altLang="en-US" sz="1400" b="1" dirty="0"/>
+          </a:p>
+        </p:txBody>
+      </p:sp>
+      <p:sp>
+        <p:nvSpPr>
+          <p:cNvPr id="22" name="TextBox 21"/>
+          <p:cNvSpPr txBox="1"/>
+          <p:nvPr/>
+        </p:nvSpPr>
+        <p:spPr>
+          <a:xfrm>
+            <a:off x="7464506" y="179348"/>
+            <a:ext cx="2312236" cy="338554"/>
+          </a:xfrm>
+          <a:prstGeom prst="rect">
+            <a:avLst/>
+          </a:prstGeom>
+          <a:noFill/>
+        </p:spPr>
+        <p:txBody>
+          <a:bodyPr wrap="none" rtlCol="0">
+            <a:spAutoFit/>
+          </a:bodyPr>
+          <a:lstStyle/>
+          <a:p>
+            <a:pPr algn="r"/>
+            <a:r>
+              <a:rPr lang="en-US" altLang="ko-KR" sz="1600" b="1" dirty="0" smtClean="0"/>
+              <a:t>MicroStrategy </a:t>
+            </a:r>
+            <a:r>
+              <a:rPr lang="ko-KR" altLang="en-US" sz="1600" b="1" dirty="0" smtClean="0"/>
+              <a:t>웹 구</a:t>
+            </a:r>
+            <a:r>
+              <a:rPr lang="ko-KR" altLang="en-US" sz="1600" b="1" dirty="0"/>
+              <a:t>성</a:t>
+            </a:r>
+          </a:p>
+        </p:txBody>
+      </p:sp>
+      <p:sp>
+        <p:nvSpPr>
+          <p:cNvPr id="25" name="제목 3"/>
+          <p:cNvSpPr>
+            <a:spLocks noGrp="1"/>
+          </p:cNvSpPr>
+          <p:nvPr>
+            <p:ph type="title"/>
+          </p:nvPr>
+        </p:nvSpPr>
+        <p:spPr>
+          <a:xfrm>
+            <a:off x="222423" y="71414"/>
+            <a:ext cx="9444692" cy="496997"/>
+          </a:xfrm>
+        </p:spPr>
+        <p:txBody>
+          <a:bodyPr/>
+          <a:lstStyle/>
+          <a:p>
+            <a:r>
+              <a:rPr lang="en-US" altLang="ko-KR" dirty="0" smtClean="0"/>
+              <a:t>MicroStrategy </a:t>
+            </a:r>
+            <a:r>
+              <a:rPr lang="ko-KR" altLang="en-US" dirty="0" smtClean="0"/>
+              <a:t>웹 구성도</a:t>
+            </a:r>
+            <a:endParaRPr lang="ko-KR" altLang="en-US" sz="2000" dirty="0"/>
+          </a:p>
+        </p:txBody>
+      </p:sp>
+      <p:sp>
+        <p:nvSpPr>
+          <p:cNvPr id="27" name="직사각형 26"/>
+          <p:cNvSpPr/>
+          <p:nvPr/>
+        </p:nvSpPr>
+        <p:spPr>
+          <a:xfrm>
+            <a:off x="2580559" y="1412776"/>
+            <a:ext cx="2659679" cy="4176464"/>
+          </a:xfrm>
+          <a:prstGeom prst="rect">
+            <a:avLst/>
+          </a:prstGeom>
+          <a:ln>
+            <a:solidFill>
+              <a:schemeClr val="bg1">
+                <a:lumMod val="75000"/>
+              </a:schemeClr>
+            </a:solidFill>
+          </a:ln>
+        </p:spPr>
+        <p:style>
+          <a:lnRef idx="2">
+            <a:schemeClr val="accent1"/>
+          </a:lnRef>
+          <a:fillRef idx="1">
+            <a:schemeClr val="lt1"/>
+          </a:fillRef>
+          <a:effectRef idx="0">
+            <a:schemeClr val="accent1"/>
+          </a:effectRef>
+          <a:fontRef idx="minor">
+            <a:schemeClr val="dk1"/>
+          </a:fontRef>
+        </p:style>
+        <p:txBody>
+          <a:bodyPr rtlCol="0" anchor="t"/>
+          <a:lstStyle/>
+          <a:p>
+            <a:pPr algn="ctr"/>
+            <a:r>
+              <a:rPr lang="en-US" altLang="ko-KR" sz="1600" b="1" dirty="0" smtClean="0">
+                <a:solidFill>
+                  <a:schemeClr val="tx2"/>
+                </a:solidFill>
+              </a:rPr>
+              <a:t>WAS</a:t>
+            </a:r>
+            <a:endParaRPr lang="ko-KR" altLang="en-US" sz="1600" b="1" dirty="0">
+              <a:solidFill>
+                <a:schemeClr val="tx2"/>
+              </a:solidFill>
+            </a:endParaRPr>
+          </a:p>
+        </p:txBody>
+      </p:sp>
+      <p:sp>
+        <p:nvSpPr>
+          <p:cNvPr id="28" name="직사각형 27"/>
+          <p:cNvSpPr/>
+          <p:nvPr/>
+        </p:nvSpPr>
+        <p:spPr>
+          <a:xfrm>
+            <a:off x="2791966" y="1866319"/>
+            <a:ext cx="2230884" cy="2643052"/>
+          </a:xfrm>
+          <a:prstGeom prst="rect">
+            <a:avLst/>
+          </a:prstGeom>
+        </p:spPr>
+        <p:style>
+          <a:lnRef idx="1">
+            <a:schemeClr val="accent1"/>
+          </a:lnRef>
+          <a:fillRef idx="3">
+            <a:schemeClr val="accent1"/>
+          </a:fillRef>
+          <a:effectRef idx="2">
+            <a:schemeClr val="accent1"/>
+          </a:effectRef>
+          <a:fontRef idx="minor">
+            <a:schemeClr val="lt1"/>
+          </a:fontRef>
+        </p:style>
+        <p:txBody>
+          <a:bodyPr lIns="0" rIns="0" rtlCol="0" anchor="t"/>
+          <a:lstStyle/>
+          <a:p>
+            <a:pPr algn="ctr"/>
+            <a:r>
+              <a:rPr lang="en-US" altLang="ko-KR" sz="1400" b="1" dirty="0" smtClean="0">
+                <a:solidFill>
+                  <a:schemeClr val="bg1"/>
+                </a:solidFill>
+              </a:rPr>
+              <a:t>BI Portal</a:t>
+            </a:r>
+          </a:p>
+        </p:txBody>
+      </p:sp>
+      <p:sp>
+        <p:nvSpPr>
+          <p:cNvPr id="30" name="직사각형 29"/>
+          <p:cNvSpPr/>
+          <p:nvPr/>
+        </p:nvSpPr>
+        <p:spPr>
+          <a:xfrm>
+            <a:off x="6200380" y="2085882"/>
+            <a:ext cx="1626621" cy="767054"/>
+          </a:xfrm>
+          <a:prstGeom prst="rect">
+            <a:avLst/>
+          </a:prstGeom>
+          <a:ln>
+            <a:solidFill>
+              <a:schemeClr val="bg1">
+                <a:lumMod val="75000"/>
+              </a:schemeClr>
+            </a:solidFill>
+          </a:ln>
+        </p:spPr>
+        <p:style>
+          <a:lnRef idx="2">
+            <a:schemeClr val="accent1"/>
+          </a:lnRef>
+          <a:fillRef idx="1">
+            <a:schemeClr val="lt1"/>
+          </a:fillRef>
+          <a:effectRef idx="0">
+            <a:schemeClr val="accent1"/>
+          </a:effectRef>
+          <a:fontRef idx="minor">
+            <a:schemeClr val="dk1"/>
+          </a:fontRef>
+        </p:style>
+        <p:txBody>
+          <a:bodyPr rtlCol="0" anchor="ctr"/>
+          <a:lstStyle/>
+          <a:p>
+            <a:pPr algn="ctr"/>
+            <a:r>
+              <a:rPr lang="en-US" altLang="ko-KR" sz="1400" b="1" dirty="0" smtClean="0">
+                <a:solidFill>
+                  <a:schemeClr val="tx2"/>
+                </a:solidFill>
+              </a:rPr>
+              <a:t>MicroStrategy</a:t>
+            </a:r>
+          </a:p>
+          <a:p>
+            <a:pPr algn="ctr"/>
+            <a:r>
+              <a:rPr lang="en-US" altLang="ko-KR" sz="1400" b="1" dirty="0" smtClean="0">
+                <a:solidFill>
+                  <a:schemeClr val="tx2"/>
+                </a:solidFill>
+              </a:rPr>
+              <a:t>BI Server</a:t>
+            </a:r>
+            <a:endParaRPr lang="ko-KR" altLang="en-US" sz="1400" b="1" dirty="0">
+              <a:solidFill>
+                <a:schemeClr val="tx2"/>
+              </a:solidFill>
+            </a:endParaRPr>
+          </a:p>
+        </p:txBody>
+      </p:sp>
+      <p:sp>
+        <p:nvSpPr>
+          <p:cNvPr id="31" name="원통 30"/>
+          <p:cNvSpPr/>
+          <p:nvPr/>
+        </p:nvSpPr>
+        <p:spPr>
+          <a:xfrm>
+            <a:off x="8447672" y="1510001"/>
+            <a:ext cx="792088" cy="924711"/>
+          </a:xfrm>
+          <a:prstGeom prst="can">
+            <a:avLst/>
+          </a:prstGeom>
+        </p:spPr>
+        <p:style>
+          <a:lnRef idx="0">
+            <a:schemeClr val="accent3"/>
+          </a:lnRef>
+          <a:fillRef idx="3">
+            <a:schemeClr val="accent3"/>
+          </a:fillRef>
+          <a:effectRef idx="3">
+            <a:schemeClr val="accent3"/>
+          </a:effectRef>
+          <a:fontRef idx="minor">
+            <a:schemeClr val="lt1"/>
+          </a:fontRef>
+        </p:style>
+        <p:txBody>
+          <a:bodyPr rtlCol="0" anchor="ctr"/>
+          <a:lstStyle/>
+          <a:p>
+            <a:pPr algn="ctr"/>
+            <a:r>
+              <a:rPr lang="en-US" altLang="ko-KR" sz="1200" b="1" dirty="0" smtClean="0">
+                <a:solidFill>
+                  <a:schemeClr val="tx1"/>
+                </a:solidFill>
+              </a:rPr>
+              <a:t>DB</a:t>
+            </a:r>
+          </a:p>
+          <a:p>
+            <a:pPr algn="ctr"/>
+            <a:r>
+              <a:rPr lang="en-US" altLang="ko-KR" sz="1200" b="1" dirty="0" smtClean="0">
+                <a:solidFill>
+                  <a:schemeClr val="tx1"/>
+                </a:solidFill>
+              </a:rPr>
+              <a:t>(Mart)</a:t>
+            </a:r>
+          </a:p>
+        </p:txBody>
+      </p:sp>
+      <p:sp>
+        <p:nvSpPr>
+          <p:cNvPr id="32" name="원통 31"/>
+          <p:cNvSpPr/>
+          <p:nvPr/>
+        </p:nvSpPr>
+        <p:spPr>
+          <a:xfrm>
+            <a:off x="8447672" y="2576204"/>
+            <a:ext cx="792088" cy="924711"/>
+          </a:xfrm>
+          <a:prstGeom prst="can">
+            <a:avLst/>
+          </a:prstGeom>
+        </p:spPr>
+        <p:style>
+          <a:lnRef idx="0">
+            <a:schemeClr val="accent3"/>
+          </a:lnRef>
+          <a:fillRef idx="3">
+            <a:schemeClr val="accent3"/>
+          </a:fillRef>
+          <a:effectRef idx="3">
+            <a:schemeClr val="accent3"/>
+          </a:effectRef>
+          <a:fontRef idx="minor">
+            <a:schemeClr val="lt1"/>
+          </a:fontRef>
+        </p:style>
+        <p:txBody>
+          <a:bodyPr rtlCol="0" anchor="ctr"/>
+          <a:lstStyle/>
+          <a:p>
+            <a:pPr algn="ctr"/>
+            <a:r>
+              <a:rPr lang="en-US" altLang="ko-KR" sz="1200" b="1" dirty="0" smtClean="0">
+                <a:solidFill>
+                  <a:schemeClr val="tx1"/>
+                </a:solidFill>
+              </a:rPr>
+              <a:t>DB</a:t>
+            </a:r>
+          </a:p>
+          <a:p>
+            <a:pPr algn="ctr"/>
+            <a:r>
+              <a:rPr lang="en-US" altLang="ko-KR" sz="1200" b="1" dirty="0" smtClean="0">
+                <a:solidFill>
+                  <a:schemeClr val="tx1"/>
+                </a:solidFill>
+              </a:rPr>
+              <a:t>(Meta)</a:t>
+            </a:r>
+          </a:p>
+        </p:txBody>
+      </p:sp>
+      <p:sp>
+        <p:nvSpPr>
+          <p:cNvPr id="34" name="직사각형 33"/>
+          <p:cNvSpPr/>
+          <p:nvPr/>
+        </p:nvSpPr>
+        <p:spPr>
+          <a:xfrm>
+            <a:off x="3007990" y="4651652"/>
+            <a:ext cx="1745170" cy="611407"/>
+          </a:xfrm>
+          <a:prstGeom prst="rect">
+            <a:avLst/>
+          </a:prstGeom>
+        </p:spPr>
+        <p:style>
+          <a:lnRef idx="1">
+            <a:schemeClr val="accent1"/>
+          </a:lnRef>
+          <a:fillRef idx="3">
+            <a:schemeClr val="accent1"/>
+          </a:fillRef>
+          <a:effectRef idx="2">
+            <a:schemeClr val="accent1"/>
+          </a:effectRef>
+          <a:fontRef idx="minor">
+            <a:schemeClr val="lt1"/>
+          </a:fontRef>
+        </p:style>
+        <p:txBody>
+          <a:bodyPr lIns="0" rIns="0" rtlCol="0" anchor="ctr"/>
+          <a:lstStyle/>
+          <a:p>
+            <a:pPr algn="ctr"/>
+            <a:r>
+              <a:rPr lang="en-US" altLang="ko-KR" sz="1400" b="1" dirty="0" smtClean="0">
+                <a:solidFill>
+                  <a:schemeClr val="bg1"/>
+                </a:solidFill>
+              </a:rPr>
+              <a:t>MicroStrategy</a:t>
+            </a:r>
+          </a:p>
+          <a:p>
+            <a:pPr algn="ctr"/>
+            <a:r>
+              <a:rPr lang="en-US" altLang="ko-KR" sz="1400" b="1" dirty="0" smtClean="0">
+                <a:solidFill>
+                  <a:schemeClr val="bg1"/>
+                </a:solidFill>
+              </a:rPr>
+              <a:t>Office Web Service</a:t>
+            </a:r>
+          </a:p>
+        </p:txBody>
+      </p:sp>
+      <p:sp>
+        <p:nvSpPr>
+          <p:cNvPr id="35" name="직사각형 34"/>
+          <p:cNvSpPr/>
+          <p:nvPr/>
+        </p:nvSpPr>
+        <p:spPr>
+          <a:xfrm>
+            <a:off x="629511" y="4735244"/>
+            <a:ext cx="1080120" cy="444221"/>
+          </a:xfrm>
+          <a:prstGeom prst="rect">
+            <a:avLst/>
+          </a:prstGeom>
+        </p:spPr>
+        <p:style>
+          <a:lnRef idx="1">
+            <a:schemeClr val="accent1"/>
+          </a:lnRef>
+          <a:fillRef idx="3">
+            <a:schemeClr val="accent1"/>
+          </a:fillRef>
+          <a:effectRef idx="2">
+            <a:schemeClr val="accent1"/>
+          </a:effectRef>
+          <a:fontRef idx="minor">
+            <a:schemeClr val="lt1"/>
+          </a:fontRef>
+        </p:style>
+        <p:txBody>
+          <a:bodyPr rtlCol="0" anchor="ctr"/>
+          <a:lstStyle/>
+          <a:p>
+            <a:pPr algn="ctr"/>
+            <a:r>
+              <a:rPr lang="en-US" altLang="ko-KR" sz="1400" b="1" dirty="0" smtClean="0"/>
+              <a:t>Excel</a:t>
+            </a:r>
+            <a:endParaRPr lang="ko-KR" altLang="en-US" sz="1400" b="1" dirty="0"/>
+          </a:p>
+        </p:txBody>
+      </p:sp>
+      <p:sp>
+        <p:nvSpPr>
+          <p:cNvPr id="36" name="모서리가 둥근 직사각형 35"/>
+          <p:cNvSpPr/>
+          <p:nvPr/>
+        </p:nvSpPr>
+        <p:spPr>
+          <a:xfrm>
+            <a:off x="3007990" y="2276872"/>
+            <a:ext cx="1745170" cy="1224136"/>
+          </a:xfrm>
+          <a:prstGeom prst="roundRect">
+            <a:avLst/>
+          </a:prstGeom>
+        </p:spPr>
+        <p:style>
+          <a:lnRef idx="1">
+            <a:schemeClr val="accent5"/>
+          </a:lnRef>
+          <a:fillRef idx="3">
+            <a:schemeClr val="accent5"/>
+          </a:fillRef>
+          <a:effectRef idx="2">
+            <a:schemeClr val="accent5"/>
+          </a:effectRef>
+          <a:fontRef idx="minor">
+            <a:schemeClr val="lt1"/>
+          </a:fontRef>
+        </p:style>
+        <p:txBody>
+          <a:bodyPr rtlCol="0" anchor="t"/>
+          <a:lstStyle/>
+          <a:p>
+            <a:pPr algn="ctr"/>
+            <a:r>
+              <a:rPr lang="en-US" altLang="ko-KR" sz="1400" b="1" dirty="0" smtClean="0"/>
+              <a:t>MicroStrategy Web</a:t>
+            </a:r>
+            <a:endParaRPr lang="ko-KR" altLang="en-US" sz="1400" b="1" dirty="0"/>
+          </a:p>
+        </p:txBody>
+      </p:sp>
+      <p:sp>
+        <p:nvSpPr>
+          <p:cNvPr id="37" name="모서리가 둥근 직사각형 36"/>
+          <p:cNvSpPr/>
+          <p:nvPr/>
+        </p:nvSpPr>
+        <p:spPr>
+          <a:xfrm>
+            <a:off x="3117906" y="3839276"/>
+            <a:ext cx="1476846" cy="462355"/>
+          </a:xfrm>
+          <a:prstGeom prst="roundRect">
+            <a:avLst/>
+          </a:prstGeom>
+        </p:spPr>
+        <p:style>
+          <a:lnRef idx="1">
+            <a:schemeClr val="accent5"/>
+          </a:lnRef>
+          <a:fillRef idx="3">
+            <a:schemeClr val="accent5"/>
+          </a:fillRef>
+          <a:effectRef idx="2">
+            <a:schemeClr val="accent5"/>
+          </a:effectRef>
+          <a:fontRef idx="minor">
+            <a:schemeClr val="lt1"/>
+          </a:fontRef>
+        </p:style>
+        <p:txBody>
+          <a:bodyPr rtlCol="0" anchor="ctr"/>
+          <a:lstStyle/>
+          <a:p>
+            <a:pPr algn="ctr"/>
+            <a:r>
+              <a:rPr lang="en-US" altLang="ko-KR" sz="1400" b="1" dirty="0" smtClean="0"/>
+              <a:t>Customized Web</a:t>
+            </a:r>
+            <a:endParaRPr lang="ko-KR" altLang="en-US" sz="1400" b="1" dirty="0"/>
+          </a:p>
+        </p:txBody>
+      </p:sp>
+      <p:cxnSp>
+        <p:nvCxnSpPr>
+          <p:cNvPr id="40" name="꺾인 연결선 39"/>
+          <p:cNvCxnSpPr>
+            <a:stCxn id="3" idx="3"/>
+            <a:endCxn id="89" idx="1"/>
+          </p:cNvCxnSpPr>
+          <p:nvPr/>
+        </p:nvCxnSpPr>
+        <p:spPr>
+          <a:xfrm flipV="1">
+            <a:off x="1711846" y="3226450"/>
+            <a:ext cx="1476163" cy="436411"/>
+          </a:xfrm>
+          <a:prstGeom prst="bentConnector3">
+            <a:avLst>
+              <a:gd name="adj1" fmla="val 50000"/>
+            </a:avLst>
+          </a:prstGeom>
+          <a:ln w="19050">
+            <a:solidFill>
+              <a:schemeClr val="accent6">
+                <a:lumMod val="75000"/>
+              </a:schemeClr>
+            </a:solidFill>
+            <a:tailEnd type="arrow"/>
+          </a:ln>
+        </p:spPr>
+        <p:style>
+          <a:lnRef idx="1">
+            <a:schemeClr val="accent1"/>
+          </a:lnRef>
+          <a:fillRef idx="0">
+            <a:schemeClr val="accent1"/>
+          </a:fillRef>
+          <a:effectRef idx="0">
+            <a:schemeClr val="accent1"/>
+          </a:effectRef>
+          <a:fontRef idx="minor">
+            <a:schemeClr val="tx1"/>
+          </a:fontRef>
+        </p:style>
+      </p:cxnSp>
+      <p:cxnSp>
+        <p:nvCxnSpPr>
+          <p:cNvPr id="41" name="꺾인 연결선 40"/>
+          <p:cNvCxnSpPr>
+            <a:stCxn id="3" idx="3"/>
+            <a:endCxn id="37" idx="1"/>
+          </p:cNvCxnSpPr>
+          <p:nvPr/>
+        </p:nvCxnSpPr>
+        <p:spPr>
+          <a:xfrm>
+            <a:off x="1711846" y="3662861"/>
+            <a:ext cx="1406060" cy="407593"/>
+          </a:xfrm>
+          <a:prstGeom prst="bentConnector3">
+            <a:avLst/>
+          </a:prstGeom>
+          <a:ln w="19050">
+            <a:solidFill>
+              <a:schemeClr val="accent6">
+                <a:lumMod val="75000"/>
+              </a:schemeClr>
+            </a:solidFill>
+            <a:tailEnd type="arrow"/>
+          </a:ln>
+        </p:spPr>
+        <p:style>
+          <a:lnRef idx="1">
+            <a:schemeClr val="accent1"/>
+          </a:lnRef>
+          <a:fillRef idx="0">
+            <a:schemeClr val="accent1"/>
+          </a:fillRef>
+          <a:effectRef idx="0">
+            <a:schemeClr val="accent1"/>
+          </a:effectRef>
+          <a:fontRef idx="minor">
+            <a:schemeClr val="tx1"/>
+          </a:fontRef>
+        </p:style>
+      </p:cxnSp>
+      <p:cxnSp>
+        <p:nvCxnSpPr>
+          <p:cNvPr id="44" name="꺾인 연결선 43"/>
+          <p:cNvCxnSpPr>
+            <a:stCxn id="35" idx="3"/>
+            <a:endCxn id="34" idx="1"/>
+          </p:cNvCxnSpPr>
+          <p:nvPr/>
+        </p:nvCxnSpPr>
+        <p:spPr>
+          <a:xfrm>
+            <a:off x="1709631" y="4957355"/>
+            <a:ext cx="1298359" cy="1"/>
+          </a:xfrm>
+          <a:prstGeom prst="bentConnector3">
+            <a:avLst/>
+          </a:prstGeom>
+          <a:ln w="19050">
+            <a:solidFill>
+              <a:schemeClr val="accent6">
+                <a:lumMod val="75000"/>
+              </a:schemeClr>
+            </a:solidFill>
+            <a:tailEnd type="arrow"/>
+          </a:ln>
+        </p:spPr>
+        <p:style>
+          <a:lnRef idx="1">
+            <a:schemeClr val="accent1"/>
+          </a:lnRef>
+          <a:fillRef idx="0">
+            <a:schemeClr val="accent1"/>
+          </a:fillRef>
+          <a:effectRef idx="0">
+            <a:schemeClr val="accent1"/>
+          </a:effectRef>
+          <a:fontRef idx="minor">
+            <a:schemeClr val="tx1"/>
+          </a:fontRef>
+        </p:style>
+      </p:cxnSp>
+      <p:cxnSp>
+        <p:nvCxnSpPr>
+          <p:cNvPr id="63" name="꺾인 연결선 62"/>
+          <p:cNvCxnSpPr>
+            <a:stCxn id="34" idx="3"/>
+            <a:endCxn id="30" idx="1"/>
+          </p:cNvCxnSpPr>
+          <p:nvPr/>
+        </p:nvCxnSpPr>
+        <p:spPr>
+          <a:xfrm flipV="1">
+            <a:off x="4753160" y="2469409"/>
+            <a:ext cx="1447220" cy="2487947"/>
+          </a:xfrm>
+          <a:prstGeom prst="bentConnector3">
+            <a:avLst/>
+          </a:prstGeom>
+          <a:ln w="19050">
+            <a:solidFill>
+              <a:schemeClr val="accent6">
+                <a:lumMod val="75000"/>
+              </a:schemeClr>
+            </a:solidFill>
+            <a:tailEnd type="arrow"/>
+          </a:ln>
+        </p:spPr>
+        <p:style>
+          <a:lnRef idx="1">
+            <a:schemeClr val="accent1"/>
+          </a:lnRef>
+          <a:fillRef idx="0">
+            <a:schemeClr val="accent1"/>
+          </a:fillRef>
+          <a:effectRef idx="0">
+            <a:schemeClr val="accent1"/>
+          </a:effectRef>
+          <a:fontRef idx="minor">
+            <a:schemeClr val="tx1"/>
+          </a:fontRef>
+        </p:style>
+      </p:cxnSp>
+      <p:cxnSp>
+        <p:nvCxnSpPr>
+          <p:cNvPr id="67" name="꺾인 연결선 66"/>
+          <p:cNvCxnSpPr>
+            <a:stCxn id="30" idx="3"/>
+            <a:endCxn id="31" idx="2"/>
+          </p:cNvCxnSpPr>
+          <p:nvPr/>
+        </p:nvCxnSpPr>
+        <p:spPr>
+          <a:xfrm flipV="1">
+            <a:off x="7827001" y="1972357"/>
+            <a:ext cx="620671" cy="497052"/>
+          </a:xfrm>
+          <a:prstGeom prst="bentConnector3">
+            <a:avLst>
+              <a:gd name="adj1" fmla="val 50000"/>
+            </a:avLst>
+          </a:prstGeom>
+          <a:ln w="19050">
+            <a:solidFill>
+              <a:schemeClr val="accent6">
+                <a:lumMod val="75000"/>
+              </a:schemeClr>
+            </a:solidFill>
+            <a:tailEnd type="arrow"/>
+          </a:ln>
+        </p:spPr>
+        <p:style>
+          <a:lnRef idx="1">
+            <a:schemeClr val="accent1"/>
+          </a:lnRef>
+          <a:fillRef idx="0">
+            <a:schemeClr val="accent1"/>
+          </a:fillRef>
+          <a:effectRef idx="0">
+            <a:schemeClr val="accent1"/>
+          </a:effectRef>
+          <a:fontRef idx="minor">
+            <a:schemeClr val="tx1"/>
+          </a:fontRef>
+        </p:style>
+      </p:cxnSp>
+      <p:cxnSp>
+        <p:nvCxnSpPr>
+          <p:cNvPr id="70" name="꺾인 연결선 69"/>
+          <p:cNvCxnSpPr>
+            <a:stCxn id="30" idx="3"/>
+            <a:endCxn id="32" idx="2"/>
+          </p:cNvCxnSpPr>
+          <p:nvPr/>
+        </p:nvCxnSpPr>
+        <p:spPr>
+          <a:xfrm>
+            <a:off x="7827001" y="2469409"/>
+            <a:ext cx="620671" cy="569151"/>
+          </a:xfrm>
+          <a:prstGeom prst="bentConnector3">
+            <a:avLst>
+              <a:gd name="adj1" fmla="val 50000"/>
+            </a:avLst>
+          </a:prstGeom>
+          <a:ln w="19050">
+            <a:solidFill>
+              <a:schemeClr val="accent6">
+                <a:lumMod val="75000"/>
+              </a:schemeClr>
+            </a:solidFill>
+            <a:tailEnd type="arrow"/>
+          </a:ln>
+        </p:spPr>
+        <p:style>
+          <a:lnRef idx="1">
+            <a:schemeClr val="accent1"/>
+          </a:lnRef>
+          <a:fillRef idx="0">
+            <a:schemeClr val="accent1"/>
+          </a:fillRef>
+          <a:effectRef idx="0">
+            <a:schemeClr val="accent1"/>
+          </a:effectRef>
+          <a:fontRef idx="minor">
+            <a:schemeClr val="tx1"/>
+          </a:fontRef>
+        </p:style>
+      </p:cxnSp>
+      <p:cxnSp>
+        <p:nvCxnSpPr>
+          <p:cNvPr id="79" name="꺾인 연결선 78"/>
+          <p:cNvCxnSpPr>
+            <a:stCxn id="36" idx="3"/>
+            <a:endCxn id="30" idx="1"/>
+          </p:cNvCxnSpPr>
+          <p:nvPr/>
+        </p:nvCxnSpPr>
+        <p:spPr>
+          <a:xfrm flipV="1">
+            <a:off x="4753160" y="2469409"/>
+            <a:ext cx="1447220" cy="419531"/>
+          </a:xfrm>
+          <a:prstGeom prst="bentConnector3">
+            <a:avLst/>
+          </a:prstGeom>
+          <a:ln w="19050">
+            <a:solidFill>
+              <a:schemeClr val="accent6">
+                <a:lumMod val="75000"/>
+              </a:schemeClr>
+            </a:solidFill>
+            <a:tailEnd type="arrow"/>
+          </a:ln>
+        </p:spPr>
+        <p:style>
+          <a:lnRef idx="1">
+            <a:schemeClr val="accent1"/>
+          </a:lnRef>
+          <a:fillRef idx="0">
+            <a:schemeClr val="accent1"/>
+          </a:fillRef>
+          <a:effectRef idx="0">
+            <a:schemeClr val="accent1"/>
+          </a:effectRef>
+          <a:fontRef idx="minor">
+            <a:schemeClr val="tx1"/>
+          </a:fontRef>
+        </p:style>
+      </p:cxnSp>
+      <p:sp>
+        <p:nvSpPr>
+          <p:cNvPr id="89" name="모서리가 둥근 직사각형 88"/>
+          <p:cNvSpPr/>
+          <p:nvPr/>
+        </p:nvSpPr>
+        <p:spPr>
+          <a:xfrm>
+            <a:off x="3188009" y="3069109"/>
+            <a:ext cx="648072" cy="314681"/>
+          </a:xfrm>
+          <a:prstGeom prst="roundRect">
+            <a:avLst/>
+          </a:prstGeom>
+        </p:spPr>
+        <p:style>
+          <a:lnRef idx="1">
+            <a:schemeClr val="accent3"/>
+          </a:lnRef>
+          <a:fillRef idx="3">
+            <a:schemeClr val="accent3"/>
+          </a:fillRef>
+          <a:effectRef idx="2">
+            <a:schemeClr val="accent3"/>
+          </a:effectRef>
+          <a:fontRef idx="minor">
+            <a:schemeClr val="lt1"/>
+          </a:fontRef>
+        </p:style>
+        <p:txBody>
+          <a:bodyPr rtlCol="0" anchor="ctr"/>
+          <a:lstStyle/>
+          <a:p>
+            <a:pPr algn="ctr"/>
+            <a:r>
+              <a:rPr lang="en-US" altLang="ko-KR" sz="1400" b="1" dirty="0"/>
+              <a:t>P</a:t>
+            </a:r>
+            <a:r>
+              <a:rPr lang="en-US" altLang="ko-KR" sz="1400" b="1" dirty="0" smtClean="0"/>
+              <a:t>age</a:t>
+            </a:r>
+            <a:endParaRPr lang="ko-KR" altLang="en-US" sz="1400" b="1" dirty="0"/>
+          </a:p>
+        </p:txBody>
+      </p:sp>
+      <p:sp>
+        <p:nvSpPr>
+          <p:cNvPr id="90" name="모서리가 둥근 직사각형 89"/>
+          <p:cNvSpPr/>
+          <p:nvPr/>
+        </p:nvSpPr>
+        <p:spPr>
+          <a:xfrm>
+            <a:off x="3944093" y="3069109"/>
+            <a:ext cx="648072" cy="314681"/>
+          </a:xfrm>
+          <a:prstGeom prst="roundRect">
+            <a:avLst/>
+          </a:prstGeom>
+        </p:spPr>
+        <p:style>
+          <a:lnRef idx="1">
+            <a:schemeClr val="accent3"/>
+          </a:lnRef>
+          <a:fillRef idx="3">
+            <a:schemeClr val="accent3"/>
+          </a:fillRef>
+          <a:effectRef idx="2">
+            <a:schemeClr val="accent3"/>
+          </a:effectRef>
+          <a:fontRef idx="minor">
+            <a:schemeClr val="lt1"/>
+          </a:fontRef>
+        </p:style>
+        <p:txBody>
+          <a:bodyPr rtlCol="0" anchor="ctr"/>
+          <a:lstStyle/>
+          <a:p>
+            <a:pPr algn="ctr"/>
+            <a:r>
+              <a:rPr lang="en-US" altLang="ko-KR" sz="1400" b="1" dirty="0" smtClean="0"/>
+              <a:t>API</a:t>
+            </a:r>
+            <a:endParaRPr lang="ko-KR" altLang="en-US" sz="1400" b="1" dirty="0"/>
+          </a:p>
+        </p:txBody>
+      </p:sp>
+      <p:cxnSp>
+        <p:nvCxnSpPr>
+          <p:cNvPr id="96" name="꺾인 연결선 95"/>
+          <p:cNvCxnSpPr>
+            <a:stCxn id="37" idx="0"/>
+            <a:endCxn id="90" idx="2"/>
+          </p:cNvCxnSpPr>
+          <p:nvPr/>
+        </p:nvCxnSpPr>
+        <p:spPr>
+          <a:xfrm rot="5400000" flipH="1" flipV="1">
+            <a:off x="3834486" y="3405633"/>
+            <a:ext cx="455486" cy="411800"/>
+          </a:xfrm>
+          <a:prstGeom prst="bentConnector3">
+            <a:avLst>
+              <a:gd name="adj1" fmla="val 50000"/>
+            </a:avLst>
+          </a:prstGeom>
+          <a:ln w="19050">
+            <a:solidFill>
+              <a:schemeClr val="accent1">
+                <a:lumMod val="20000"/>
+                <a:lumOff val="80000"/>
+              </a:schemeClr>
+            </a:solidFill>
+            <a:tailEnd type="arrow"/>
+          </a:ln>
+        </p:spPr>
+        <p:style>
+          <a:lnRef idx="1">
+            <a:schemeClr val="accent1"/>
+          </a:lnRef>
+          <a:fillRef idx="0">
+            <a:schemeClr val="accent1"/>
+          </a:fillRef>
+          <a:effectRef idx="0">
+            <a:schemeClr val="accent1"/>
+          </a:effectRef>
+          <a:fontRef idx="minor">
+            <a:schemeClr val="tx1"/>
+          </a:fontRef>
+        </p:style>
+      </p:cxnSp>
+      <p:sp>
+        <p:nvSpPr>
+          <p:cNvPr id="113" name="타원 112"/>
+          <p:cNvSpPr/>
+          <p:nvPr/>
+        </p:nvSpPr>
+        <p:spPr>
+          <a:xfrm>
+            <a:off x="2292527" y="3909052"/>
+            <a:ext cx="288032" cy="288032"/>
+          </a:xfrm>
+          <a:prstGeom prst="ellipse">
+            <a:avLst/>
+          </a:prstGeom>
+        </p:spPr>
+        <p:style>
+          <a:lnRef idx="3">
+            <a:schemeClr val="lt1"/>
+          </a:lnRef>
+          <a:fillRef idx="1">
+            <a:schemeClr val="accent1"/>
+          </a:fillRef>
+          <a:effectRef idx="1">
+            <a:schemeClr val="accent1"/>
+          </a:effectRef>
+          <a:fontRef idx="minor">
+            <a:schemeClr val="lt1"/>
+          </a:fontRef>
+        </p:style>
+        <p:txBody>
+          <a:bodyPr rtlCol="0" anchor="ctr"/>
+          <a:lstStyle/>
+          <a:p>
+            <a:pPr algn="ctr"/>
+            <a:r>
+              <a:rPr lang="en-US" altLang="ko-KR" sz="1400" b="1" dirty="0" smtClean="0"/>
+              <a:t>1</a:t>
+            </a:r>
+            <a:endParaRPr lang="ko-KR" altLang="en-US" sz="1400" b="1" dirty="0"/>
+          </a:p>
+        </p:txBody>
+      </p:sp>
+      <p:sp>
+        <p:nvSpPr>
+          <p:cNvPr id="114" name="타원 113"/>
+          <p:cNvSpPr/>
+          <p:nvPr/>
+        </p:nvSpPr>
+        <p:spPr>
+          <a:xfrm>
+            <a:off x="2287910" y="3069109"/>
+            <a:ext cx="288032" cy="288032"/>
+          </a:xfrm>
+          <a:prstGeom prst="ellipse">
+            <a:avLst/>
+          </a:prstGeom>
+        </p:spPr>
+        <p:style>
+          <a:lnRef idx="3">
+            <a:schemeClr val="lt1"/>
+          </a:lnRef>
+          <a:fillRef idx="1">
+            <a:schemeClr val="accent1"/>
+          </a:fillRef>
+          <a:effectRef idx="1">
+            <a:schemeClr val="accent1"/>
+          </a:effectRef>
+          <a:fontRef idx="minor">
+            <a:schemeClr val="lt1"/>
+          </a:fontRef>
+        </p:style>
+        <p:txBody>
+          <a:bodyPr rtlCol="0" anchor="ctr"/>
+          <a:lstStyle/>
+          <a:p>
+            <a:pPr algn="ctr"/>
+            <a:r>
+              <a:rPr lang="en-US" altLang="ko-KR" sz="1400" b="1" dirty="0" smtClean="0"/>
+              <a:t>2</a:t>
+            </a:r>
+            <a:endParaRPr lang="ko-KR" altLang="en-US" sz="1400" b="1" dirty="0"/>
+          </a:p>
+        </p:txBody>
+      </p:sp>
+      <p:sp>
+        <p:nvSpPr>
+          <p:cNvPr id="115" name="타원 114"/>
+          <p:cNvSpPr/>
+          <p:nvPr/>
+        </p:nvSpPr>
+        <p:spPr>
+          <a:xfrm>
+            <a:off x="3736559" y="3467517"/>
+            <a:ext cx="288032" cy="288032"/>
+          </a:xfrm>
+          <a:prstGeom prst="ellipse">
+            <a:avLst/>
+          </a:prstGeom>
+        </p:spPr>
+        <p:style>
+          <a:lnRef idx="3">
+            <a:schemeClr val="lt1"/>
+          </a:lnRef>
+          <a:fillRef idx="1">
+            <a:schemeClr val="accent1"/>
+          </a:fillRef>
+          <a:effectRef idx="1">
+            <a:schemeClr val="accent1"/>
+          </a:effectRef>
+          <a:fontRef idx="minor">
+            <a:schemeClr val="lt1"/>
+          </a:fontRef>
+        </p:style>
+        <p:txBody>
+          <a:bodyPr rtlCol="0" anchor="ctr"/>
+          <a:lstStyle/>
+          <a:p>
+            <a:pPr algn="ctr"/>
+            <a:r>
+              <a:rPr lang="en-US" altLang="ko-KR" sz="1400" b="1" dirty="0"/>
+              <a:t>3</a:t>
+            </a:r>
+            <a:endParaRPr lang="ko-KR" altLang="en-US" sz="1400" b="1" dirty="0"/>
+          </a:p>
+        </p:txBody>
+      </p:sp>
+      <p:sp>
+        <p:nvSpPr>
+          <p:cNvPr id="116" name="타원 115"/>
+          <p:cNvSpPr/>
+          <p:nvPr/>
+        </p:nvSpPr>
+        <p:spPr>
+          <a:xfrm>
+            <a:off x="5600278" y="2300782"/>
+            <a:ext cx="288032" cy="288032"/>
+          </a:xfrm>
+          <a:prstGeom prst="ellipse">
+            <a:avLst/>
+          </a:prstGeom>
+        </p:spPr>
+        <p:style>
+          <a:lnRef idx="3">
+            <a:schemeClr val="lt1"/>
+          </a:lnRef>
+          <a:fillRef idx="1">
+            <a:schemeClr val="accent1"/>
+          </a:fillRef>
+          <a:effectRef idx="1">
+            <a:schemeClr val="accent1"/>
+          </a:effectRef>
+          <a:fontRef idx="minor">
+            <a:schemeClr val="lt1"/>
+          </a:fontRef>
+        </p:style>
+        <p:txBody>
+          <a:bodyPr rtlCol="0" anchor="ctr"/>
+          <a:lstStyle/>
+          <a:p>
+            <a:pPr algn="ctr"/>
+            <a:r>
+              <a:rPr lang="en-US" altLang="ko-KR" sz="1400" b="1" dirty="0" smtClean="0"/>
+              <a:t>4</a:t>
+            </a:r>
+            <a:endParaRPr lang="ko-KR" altLang="en-US" sz="1400" b="1" dirty="0"/>
+          </a:p>
+        </p:txBody>
+      </p:sp>
+      <p:sp>
+        <p:nvSpPr>
+          <p:cNvPr id="117" name="타원 116"/>
+          <p:cNvSpPr/>
+          <p:nvPr/>
+        </p:nvSpPr>
+        <p:spPr>
+          <a:xfrm>
+            <a:off x="2148511" y="4813338"/>
+            <a:ext cx="288032" cy="288032"/>
+          </a:xfrm>
+          <a:prstGeom prst="ellipse">
+            <a:avLst/>
+          </a:prstGeom>
+        </p:spPr>
+        <p:style>
+          <a:lnRef idx="3">
+            <a:schemeClr val="lt1"/>
+          </a:lnRef>
+          <a:fillRef idx="1">
+            <a:schemeClr val="accent1"/>
+          </a:fillRef>
+          <a:effectRef idx="1">
+            <a:schemeClr val="accent1"/>
+          </a:effectRef>
+          <a:fontRef idx="minor">
+            <a:schemeClr val="lt1"/>
+          </a:fontRef>
+        </p:style>
+        <p:txBody>
+          <a:bodyPr rtlCol="0" anchor="ctr"/>
+          <a:lstStyle/>
+          <a:p>
+            <a:pPr algn="ctr"/>
+            <a:r>
+              <a:rPr lang="en-US" altLang="ko-KR" sz="1400" b="1" dirty="0" smtClean="0"/>
+              <a:t>5</a:t>
+            </a:r>
+            <a:endParaRPr lang="ko-KR" altLang="en-US" sz="1400" b="1" dirty="0"/>
+          </a:p>
+        </p:txBody>
+      </p:sp>
+      <p:sp>
+        <p:nvSpPr>
+          <p:cNvPr id="118" name="TextBox 117"/>
+          <p:cNvSpPr txBox="1"/>
+          <p:nvPr/>
+        </p:nvSpPr>
+        <p:spPr>
+          <a:xfrm>
+            <a:off x="5744294" y="3827752"/>
+            <a:ext cx="3436069" cy="2031325"/>
+          </a:xfrm>
+          <a:prstGeom prst="rect">
+            <a:avLst/>
+          </a:prstGeom>
+          <a:noFill/>
+        </p:spPr>
+        <p:txBody>
+          <a:bodyPr wrap="none" rtlCol="0">
+            <a:spAutoFit/>
+          </a:bodyPr>
+          <a:lstStyle/>
+          <a:p>
+            <a:pPr marL="228600" indent="-228600">
+              <a:lnSpc>
+                <a:spcPct val="150000"/>
+              </a:lnSpc>
+              <a:buAutoNum type="arabicParenR"/>
+            </a:pPr>
+            <a:r>
+              <a:rPr lang="ko-KR" altLang="en-US" sz="1200" b="1" dirty="0" smtClean="0"/>
+              <a:t>사용자 포털 접속 및 </a:t>
+            </a:r>
+            <a:r>
+              <a:rPr lang="ko-KR" altLang="en-US" sz="1200" b="1" dirty="0" err="1" smtClean="0"/>
+              <a:t>웹기능</a:t>
+            </a:r>
+            <a:r>
+              <a:rPr lang="ko-KR" altLang="en-US" sz="1200" b="1" dirty="0" smtClean="0"/>
+              <a:t> 호출</a:t>
+            </a:r>
+            <a:endParaRPr lang="en-US" altLang="ko-KR" sz="1200" b="1" dirty="0" smtClean="0"/>
+          </a:p>
+          <a:p>
+            <a:pPr marL="228600" indent="-228600">
+              <a:lnSpc>
+                <a:spcPct val="150000"/>
+              </a:lnSpc>
+              <a:buAutoNum type="arabicParenR"/>
+            </a:pPr>
+            <a:r>
+              <a:rPr lang="en-US" altLang="ko-KR" sz="1200" b="1" dirty="0" smtClean="0"/>
+              <a:t>MSTR </a:t>
+            </a:r>
+            <a:r>
+              <a:rPr lang="ko-KR" altLang="en-US" sz="1200" b="1" dirty="0" smtClean="0"/>
+              <a:t>리포트의 실행 및 내보내기</a:t>
+            </a:r>
+            <a:r>
+              <a:rPr lang="en-US" altLang="ko-KR" sz="1200" b="1" dirty="0" smtClean="0"/>
+              <a:t>, </a:t>
+            </a:r>
+            <a:r>
+              <a:rPr lang="ko-KR" altLang="en-US" sz="1200" b="1" dirty="0" smtClean="0"/>
+              <a:t>인쇄 등</a:t>
+            </a:r>
+            <a:r>
+              <a:rPr lang="en-US" altLang="ko-KR" sz="1200" b="1" dirty="0" smtClean="0"/>
+              <a:t/>
+            </a:r>
+            <a:br>
+              <a:rPr lang="en-US" altLang="ko-KR" sz="1200" b="1" dirty="0" smtClean="0"/>
+            </a:br>
+            <a:r>
+              <a:rPr lang="en-US" altLang="ko-KR" sz="1200" b="1" dirty="0" smtClean="0"/>
+              <a:t>MSTR </a:t>
+            </a:r>
+            <a:r>
+              <a:rPr lang="ko-KR" altLang="en-US" sz="1200" b="1" dirty="0" smtClean="0"/>
+              <a:t>페이지에 직접 접속</a:t>
+            </a:r>
+            <a:endParaRPr lang="en-US" altLang="ko-KR" sz="1200" b="1" dirty="0" smtClean="0"/>
+          </a:p>
+          <a:p>
+            <a:pPr marL="228600" indent="-228600">
+              <a:lnSpc>
+                <a:spcPct val="150000"/>
+              </a:lnSpc>
+              <a:buAutoNum type="arabicParenR"/>
+            </a:pPr>
+            <a:r>
+              <a:rPr lang="ko-KR" altLang="en-US" sz="1200" b="1" dirty="0" smtClean="0"/>
+              <a:t>메뉴 구성을 </a:t>
+            </a:r>
+            <a:r>
+              <a:rPr lang="en-US" altLang="ko-KR" sz="1200" b="1" dirty="0" smtClean="0"/>
+              <a:t>MSTR </a:t>
+            </a:r>
+            <a:r>
+              <a:rPr lang="ko-KR" altLang="en-US" sz="1200" b="1" dirty="0" smtClean="0"/>
+              <a:t>리포트 목록 조회</a:t>
+            </a:r>
+            <a:r>
+              <a:rPr lang="en-US" altLang="ko-KR" sz="1200" b="1" dirty="0" smtClean="0"/>
+              <a:t>, </a:t>
+            </a:r>
+            <a:br>
+              <a:rPr lang="en-US" altLang="ko-KR" sz="1200" b="1" dirty="0" smtClean="0"/>
+            </a:br>
+            <a:r>
+              <a:rPr lang="ko-KR" altLang="en-US" sz="1200" b="1" dirty="0" smtClean="0"/>
+              <a:t>사용자 등록 및 삭제 등 기능 수행</a:t>
+            </a:r>
+            <a:endParaRPr lang="en-US" altLang="ko-KR" sz="1200" b="1" dirty="0" smtClean="0"/>
+          </a:p>
+          <a:p>
+            <a:pPr marL="228600" indent="-228600">
+              <a:lnSpc>
+                <a:spcPct val="150000"/>
+              </a:lnSpc>
+              <a:buAutoNum type="arabicParenR"/>
+            </a:pPr>
+            <a:r>
+              <a:rPr lang="en-US" altLang="ko-KR" sz="1200" b="1" dirty="0" smtClean="0"/>
+              <a:t>XML</a:t>
+            </a:r>
+            <a:r>
+              <a:rPr lang="ko-KR" altLang="en-US" sz="1200" b="1" dirty="0" smtClean="0"/>
+              <a:t>을 이용한 데이터 통신 수행</a:t>
+            </a:r>
+            <a:endParaRPr lang="en-US" altLang="ko-KR" sz="1200" b="1" dirty="0" smtClean="0"/>
+          </a:p>
+          <a:p>
+            <a:pPr marL="228600" indent="-228600">
+              <a:lnSpc>
+                <a:spcPct val="150000"/>
+              </a:lnSpc>
+              <a:buAutoNum type="arabicParenR"/>
+            </a:pPr>
+            <a:r>
+              <a:rPr lang="en-US" altLang="ko-KR" sz="1200" b="1" dirty="0" smtClean="0"/>
+              <a:t>Excel</a:t>
+            </a:r>
+            <a:r>
+              <a:rPr lang="ko-KR" altLang="en-US" sz="1200" b="1" dirty="0" smtClean="0"/>
+              <a:t>에서 리포트 실행 및 </a:t>
+            </a:r>
+            <a:r>
+              <a:rPr lang="en-US" altLang="ko-KR" sz="1200" b="1" dirty="0" smtClean="0"/>
+              <a:t>MSTR </a:t>
+            </a:r>
+            <a:r>
+              <a:rPr lang="ko-KR" altLang="en-US" sz="1200" b="1" dirty="0" smtClean="0"/>
+              <a:t>기능 수행 </a:t>
+            </a:r>
+            <a:endParaRPr lang="ko-KR" altLang="en-US" sz="1200" b="1" dirty="0"/>
+          </a:p>
+        </p:txBody>
+      </p:sp>
+    </p:spTree>
+    <p:extLst>
+      <p:ext uri="{BB962C8B-B14F-4D97-AF65-F5344CB8AC3E}">
+        <p14:creationId xmlns:p14="http://schemas.microsoft.com/office/powerpoint/2010/main" val="4158054697"/>
+      </p:ext>
+    </p:extLst>
+  </p:cSld>
+  <p:clrMapOvr>
+    <a:masterClrMapping/>
+  </p:clrMapOvr>
+</p:sld>
+</file>
+
+<file path=ppt/slides/slide8.xml><?xml version="1.0" encoding="utf-8"?>
+<p:sld xmlns:a="http://schemas.openxmlformats.org/drawingml/2006/main" xmlns:r="http://schemas.openxmlformats.org/officeDocument/2006/relationships" xmlns:p="http://schemas.openxmlformats.org/presentationml/2006/main">
+  <p:cSld>
+    <p:spTree>
+      <p:nvGrpSpPr>
+        <p:cNvPr id="1" name=""/>
+        <p:cNvGrpSpPr/>
+        <p:nvPr/>
+      </p:nvGrpSpPr>
+      <p:grpSpPr>
+        <a:xfrm>
+          <a:off x="0" y="0"/>
+          <a:ext cx="0" cy="0"/>
+          <a:chOff x="0" y="0"/>
+          <a:chExt cx="0" cy="0"/>
+        </a:xfrm>
+      </p:grpSpPr>
+      <p:sp>
+        <p:nvSpPr>
+          <p:cNvPr id="3" name="직사각형 2"/>
+          <p:cNvSpPr/>
+          <p:nvPr/>
+        </p:nvSpPr>
+        <p:spPr>
+          <a:xfrm>
+            <a:off x="631726" y="3252326"/>
+            <a:ext cx="1080120" cy="467722"/>
+          </a:xfrm>
+          <a:prstGeom prst="rect">
+            <a:avLst/>
+          </a:prstGeom>
+        </p:spPr>
+        <p:style>
+          <a:lnRef idx="1">
+            <a:schemeClr val="accent1"/>
+          </a:lnRef>
+          <a:fillRef idx="3">
+            <a:schemeClr val="accent1"/>
+          </a:fillRef>
+          <a:effectRef idx="2">
+            <a:schemeClr val="accent1"/>
+          </a:effectRef>
+          <a:fontRef idx="minor">
+            <a:schemeClr val="lt1"/>
+          </a:fontRef>
+        </p:style>
+        <p:txBody>
+          <a:bodyPr rtlCol="0" anchor="ctr"/>
+          <a:lstStyle/>
+          <a:p>
+            <a:pPr algn="ctr"/>
+            <a:r>
+              <a:rPr lang="en-US" altLang="ko-KR" sz="1400" b="1" dirty="0" smtClean="0"/>
+              <a:t>Browser</a:t>
+            </a:r>
+            <a:endParaRPr lang="ko-KR" altLang="en-US" sz="1400" b="1" dirty="0"/>
+          </a:p>
+        </p:txBody>
+      </p:sp>
+      <p:sp>
+        <p:nvSpPr>
+          <p:cNvPr id="22" name="TextBox 21"/>
+          <p:cNvSpPr txBox="1"/>
+          <p:nvPr/>
+        </p:nvSpPr>
+        <p:spPr>
+          <a:xfrm>
+            <a:off x="7464506" y="179348"/>
+            <a:ext cx="2312236" cy="338554"/>
+          </a:xfrm>
+          <a:prstGeom prst="rect">
+            <a:avLst/>
+          </a:prstGeom>
+          <a:noFill/>
+        </p:spPr>
+        <p:txBody>
+          <a:bodyPr wrap="none" rtlCol="0">
+            <a:spAutoFit/>
+          </a:bodyPr>
+          <a:lstStyle/>
+          <a:p>
+            <a:pPr algn="r"/>
+            <a:r>
+              <a:rPr lang="en-US" altLang="ko-KR" sz="1600" b="1" dirty="0" smtClean="0"/>
+              <a:t>MicroStrategy </a:t>
+            </a:r>
+            <a:r>
+              <a:rPr lang="ko-KR" altLang="en-US" sz="1600" b="1" dirty="0" smtClean="0"/>
+              <a:t>웹 구</a:t>
+            </a:r>
+            <a:r>
+              <a:rPr lang="ko-KR" altLang="en-US" sz="1600" b="1" dirty="0"/>
+              <a:t>성</a:t>
+            </a:r>
+          </a:p>
+        </p:txBody>
+      </p:sp>
+      <p:sp>
+        <p:nvSpPr>
+          <p:cNvPr id="25" name="제목 3"/>
+          <p:cNvSpPr>
+            <a:spLocks noGrp="1"/>
+          </p:cNvSpPr>
+          <p:nvPr>
+            <p:ph type="title"/>
+          </p:nvPr>
+        </p:nvSpPr>
+        <p:spPr>
+          <a:xfrm>
+            <a:off x="222423" y="71414"/>
+            <a:ext cx="9444692" cy="496997"/>
+          </a:xfrm>
+        </p:spPr>
+        <p:txBody>
+          <a:bodyPr/>
+          <a:lstStyle/>
+          <a:p>
+            <a:r>
+              <a:rPr lang="en-US" altLang="ko-KR" dirty="0" smtClean="0"/>
+              <a:t>MicroStrategy </a:t>
+            </a:r>
+            <a:r>
+              <a:rPr lang="ko-KR" altLang="en-US" dirty="0" smtClean="0"/>
+              <a:t>웹 인증</a:t>
+            </a:r>
+            <a:endParaRPr lang="ko-KR" altLang="en-US" sz="2000" dirty="0"/>
+          </a:p>
+        </p:txBody>
+      </p:sp>
+      <p:sp>
+        <p:nvSpPr>
+          <p:cNvPr id="118" name="TextBox 117"/>
+          <p:cNvSpPr txBox="1"/>
+          <p:nvPr/>
+        </p:nvSpPr>
+        <p:spPr>
+          <a:xfrm>
+            <a:off x="5672286" y="1261209"/>
+            <a:ext cx="3744416" cy="3416320"/>
+          </a:xfrm>
+          <a:prstGeom prst="rect">
+            <a:avLst/>
+          </a:prstGeom>
+          <a:noFill/>
+        </p:spPr>
+        <p:txBody>
+          <a:bodyPr wrap="square" rtlCol="0">
+            <a:spAutoFit/>
+          </a:bodyPr>
+          <a:lstStyle/>
+          <a:p>
+            <a:pPr marL="228600" indent="-228600">
+              <a:lnSpc>
+                <a:spcPct val="150000"/>
+              </a:lnSpc>
+              <a:buAutoNum type="arabicParenR"/>
+            </a:pPr>
+            <a:r>
+              <a:rPr lang="en-US" altLang="ko-KR" sz="1200" b="1" dirty="0" smtClean="0"/>
+              <a:t>MSTR Page </a:t>
+            </a:r>
+            <a:r>
+              <a:rPr lang="ko-KR" altLang="en-US" sz="1200" b="1" dirty="0" smtClean="0"/>
+              <a:t>호출</a:t>
+            </a:r>
+            <a:endParaRPr lang="en-US" altLang="ko-KR" sz="1200" b="1" dirty="0" smtClean="0"/>
+          </a:p>
+          <a:p>
+            <a:pPr marL="228600" indent="-228600">
+              <a:lnSpc>
+                <a:spcPct val="150000"/>
+              </a:lnSpc>
+              <a:buAutoNum type="arabicParenR"/>
+            </a:pPr>
+            <a:r>
+              <a:rPr lang="en-US" altLang="ko-KR" sz="1200" b="1" dirty="0" smtClean="0"/>
+              <a:t>MSTR </a:t>
+            </a:r>
+            <a:r>
+              <a:rPr lang="ko-KR" altLang="en-US" sz="1200" b="1" dirty="0" smtClean="0"/>
+              <a:t>세션이 유효하지 않을 경우</a:t>
+            </a:r>
+            <a:r>
+              <a:rPr lang="en-US" altLang="ko-KR" sz="1200" b="1" dirty="0"/>
+              <a:t> </a:t>
+            </a:r>
+            <a:r>
+              <a:rPr lang="en-US" altLang="ko-KR" sz="1200" b="1" dirty="0" smtClean="0"/>
+              <a:t>MSTR Web</a:t>
+            </a:r>
+            <a:r>
+              <a:rPr lang="ko-KR" altLang="en-US" sz="1200" b="1" dirty="0" smtClean="0"/>
+              <a:t>은</a:t>
+            </a:r>
+            <a:r>
+              <a:rPr lang="en-US" altLang="ko-KR" sz="1200" b="1" dirty="0" smtClean="0"/>
+              <a:t>ESM </a:t>
+            </a:r>
+            <a:r>
+              <a:rPr lang="ko-KR" altLang="en-US" sz="1200" b="1" dirty="0" smtClean="0"/>
+              <a:t>호출</a:t>
+            </a:r>
+            <a:r>
+              <a:rPr lang="en-US" altLang="ko-KR" sz="1200" b="1" dirty="0" smtClean="0"/>
+              <a:t/>
+            </a:r>
+            <a:br>
+              <a:rPr lang="en-US" altLang="ko-KR" sz="1200" b="1" dirty="0" smtClean="0"/>
+            </a:br>
+            <a:r>
+              <a:rPr lang="en-US" altLang="ko-KR" sz="1200" b="1" dirty="0" smtClean="0">
+                <a:solidFill>
+                  <a:schemeClr val="accent6">
+                    <a:lumMod val="75000"/>
+                  </a:schemeClr>
+                </a:solidFill>
+                <a:sym typeface="Wingdings" panose="05000000000000000000" pitchFamily="2" charset="2"/>
+              </a:rPr>
+              <a:t> </a:t>
+            </a:r>
+            <a:r>
+              <a:rPr lang="en-US" altLang="ko-KR" sz="1200" b="1" dirty="0" smtClean="0">
+                <a:solidFill>
+                  <a:schemeClr val="accent6">
+                    <a:lumMod val="75000"/>
+                  </a:schemeClr>
+                </a:solidFill>
+              </a:rPr>
+              <a:t>MSTR </a:t>
+            </a:r>
+            <a:r>
+              <a:rPr lang="ko-KR" altLang="en-US" sz="1200" b="1" dirty="0" smtClean="0">
+                <a:solidFill>
+                  <a:schemeClr val="accent6">
+                    <a:lumMod val="75000"/>
+                  </a:schemeClr>
+                </a:solidFill>
+              </a:rPr>
+              <a:t>세션이 유효하지 않은 경우는 </a:t>
+            </a:r>
+            <a:r>
+              <a:rPr lang="en-US" altLang="ko-KR" sz="1200" b="1" dirty="0" smtClean="0">
+                <a:solidFill>
+                  <a:schemeClr val="accent6">
+                    <a:lumMod val="75000"/>
+                  </a:schemeClr>
+                </a:solidFill>
+              </a:rPr>
+              <a:t>MSTR</a:t>
+            </a:r>
+            <a:r>
+              <a:rPr lang="ko-KR" altLang="en-US" sz="1200" b="1" dirty="0" smtClean="0">
+                <a:solidFill>
+                  <a:schemeClr val="accent6">
+                    <a:lumMod val="75000"/>
+                  </a:schemeClr>
+                </a:solidFill>
+              </a:rPr>
+              <a:t>에 로그인되지  않았거나 </a:t>
+            </a:r>
+            <a:r>
+              <a:rPr lang="en-US" altLang="ko-KR" sz="1200" b="1" dirty="0" smtClean="0">
+                <a:solidFill>
+                  <a:schemeClr val="accent6">
+                    <a:lumMod val="75000"/>
+                  </a:schemeClr>
+                </a:solidFill>
+              </a:rPr>
+              <a:t>MSTR </a:t>
+            </a:r>
+            <a:r>
+              <a:rPr lang="ko-KR" altLang="en-US" sz="1200" b="1" dirty="0" smtClean="0">
+                <a:solidFill>
+                  <a:schemeClr val="accent6">
+                    <a:lumMod val="75000"/>
+                  </a:schemeClr>
+                </a:solidFill>
+              </a:rPr>
+              <a:t>세션 타임아웃으로 인하여 유실된 경우 등</a:t>
+            </a:r>
+            <a:endParaRPr lang="en-US" altLang="ko-KR" sz="1200" b="1" dirty="0" smtClean="0">
+              <a:solidFill>
+                <a:schemeClr val="accent6">
+                  <a:lumMod val="75000"/>
+                </a:schemeClr>
+              </a:solidFill>
+            </a:endParaRPr>
+          </a:p>
+          <a:p>
+            <a:pPr marL="228600" indent="-228600">
+              <a:lnSpc>
+                <a:spcPct val="150000"/>
+              </a:lnSpc>
+              <a:buAutoNum type="arabicParenR"/>
+            </a:pPr>
+            <a:r>
+              <a:rPr lang="ko-KR" altLang="en-US" sz="1200" b="1" dirty="0" smtClean="0"/>
+              <a:t>웹 세션 또는 </a:t>
+            </a:r>
+            <a:r>
+              <a:rPr lang="ko-KR" altLang="en-US" sz="1200" b="1" dirty="0" err="1" smtClean="0"/>
+              <a:t>웹쿠키</a:t>
+            </a:r>
+            <a:r>
+              <a:rPr lang="ko-KR" altLang="en-US" sz="1200" b="1" dirty="0" smtClean="0"/>
+              <a:t> 정보에 포함된 사용자정보를 이용하여 </a:t>
+            </a:r>
+            <a:r>
+              <a:rPr lang="en-US" altLang="ko-KR" sz="1200" b="1" dirty="0" smtClean="0"/>
+              <a:t>MSTR </a:t>
+            </a:r>
+            <a:r>
+              <a:rPr lang="ko-KR" altLang="en-US" sz="1200" b="1" dirty="0" smtClean="0"/>
+              <a:t>세션 생성 후 요청 페이지 다시 호출</a:t>
+            </a:r>
+            <a:r>
+              <a:rPr lang="en-US" altLang="ko-KR" sz="1200" b="1" dirty="0" smtClean="0"/>
+              <a:t/>
+            </a:r>
+            <a:br>
+              <a:rPr lang="en-US" altLang="ko-KR" sz="1200" b="1" dirty="0" smtClean="0"/>
+            </a:br>
+            <a:r>
+              <a:rPr lang="en-US" altLang="ko-KR" sz="1200" b="1" dirty="0" smtClean="0">
+                <a:solidFill>
+                  <a:schemeClr val="accent6">
+                    <a:lumMod val="75000"/>
+                  </a:schemeClr>
+                </a:solidFill>
+                <a:sym typeface="Wingdings" panose="05000000000000000000" pitchFamily="2" charset="2"/>
+              </a:rPr>
+              <a:t> </a:t>
+            </a:r>
+            <a:r>
+              <a:rPr lang="ko-KR" altLang="en-US" sz="1200" b="1" dirty="0" smtClean="0">
+                <a:solidFill>
+                  <a:schemeClr val="accent6">
+                    <a:lumMod val="75000"/>
+                  </a:schemeClr>
+                </a:solidFill>
+                <a:sym typeface="Wingdings" panose="05000000000000000000" pitchFamily="2" charset="2"/>
+              </a:rPr>
+              <a:t>웹세션 자체가 타임아웃으로 인하여 유실되었거나</a:t>
+            </a:r>
+            <a:r>
+              <a:rPr lang="en-US" altLang="ko-KR" sz="1200" b="1" dirty="0">
+                <a:solidFill>
+                  <a:schemeClr val="accent6">
+                    <a:lumMod val="75000"/>
+                  </a:schemeClr>
+                </a:solidFill>
+                <a:sym typeface="Wingdings" panose="05000000000000000000" pitchFamily="2" charset="2"/>
+              </a:rPr>
+              <a:t> </a:t>
+            </a:r>
+            <a:r>
+              <a:rPr lang="ko-KR" altLang="en-US" sz="1200" b="1" dirty="0" smtClean="0">
+                <a:solidFill>
+                  <a:schemeClr val="accent6">
+                    <a:lumMod val="75000"/>
+                  </a:schemeClr>
+                </a:solidFill>
+                <a:sym typeface="Wingdings" panose="05000000000000000000" pitchFamily="2" charset="2"/>
+              </a:rPr>
+              <a:t>기타 사유로 사용자정보를 식별할 수 없는 상황이라면 </a:t>
+            </a:r>
+            <a:r>
+              <a:rPr lang="en-US" altLang="ko-KR" sz="1200" b="1" dirty="0" smtClean="0">
+                <a:solidFill>
+                  <a:schemeClr val="accent6">
+                    <a:lumMod val="75000"/>
+                  </a:schemeClr>
+                </a:solidFill>
+                <a:sym typeface="Wingdings" panose="05000000000000000000" pitchFamily="2" charset="2"/>
+              </a:rPr>
+              <a:t>MSTR </a:t>
+            </a:r>
+            <a:r>
+              <a:rPr lang="ko-KR" altLang="en-US" sz="1200" b="1" dirty="0" smtClean="0">
+                <a:solidFill>
+                  <a:schemeClr val="accent6">
+                    <a:lumMod val="75000"/>
+                  </a:schemeClr>
+                </a:solidFill>
+                <a:sym typeface="Wingdings" panose="05000000000000000000" pitchFamily="2" charset="2"/>
+              </a:rPr>
+              <a:t>세션 생성 불가</a:t>
+            </a:r>
+            <a:endParaRPr lang="en-US" altLang="ko-KR" sz="1200" b="1" dirty="0" smtClean="0">
+              <a:solidFill>
+                <a:schemeClr val="accent6">
+                  <a:lumMod val="75000"/>
+                </a:schemeClr>
+              </a:solidFill>
+            </a:endParaRPr>
+          </a:p>
+        </p:txBody>
+      </p:sp>
+      <p:sp>
+        <p:nvSpPr>
+          <p:cNvPr id="45" name="직사각형 44"/>
+          <p:cNvSpPr/>
+          <p:nvPr/>
+        </p:nvSpPr>
+        <p:spPr>
+          <a:xfrm>
+            <a:off x="2580559" y="1412776"/>
+            <a:ext cx="2659679" cy="3312368"/>
+          </a:xfrm>
+          <a:prstGeom prst="rect">
+            <a:avLst/>
+          </a:prstGeom>
+          <a:ln>
+            <a:solidFill>
+              <a:schemeClr val="bg1">
+                <a:lumMod val="75000"/>
+              </a:schemeClr>
+            </a:solidFill>
+          </a:ln>
+        </p:spPr>
+        <p:style>
+          <a:lnRef idx="2">
+            <a:schemeClr val="accent1"/>
+          </a:lnRef>
+          <a:fillRef idx="1">
+            <a:schemeClr val="lt1"/>
+          </a:fillRef>
+          <a:effectRef idx="0">
+            <a:schemeClr val="accent1"/>
+          </a:effectRef>
+          <a:fontRef idx="minor">
+            <a:schemeClr val="dk1"/>
+          </a:fontRef>
+        </p:style>
+        <p:txBody>
+          <a:bodyPr rtlCol="0" anchor="t"/>
+          <a:lstStyle/>
+          <a:p>
+            <a:pPr algn="ctr"/>
+            <a:r>
+              <a:rPr lang="en-US" altLang="ko-KR" sz="1600" b="1" dirty="0" smtClean="0">
+                <a:solidFill>
+                  <a:schemeClr val="tx2"/>
+                </a:solidFill>
+              </a:rPr>
+              <a:t>WAS</a:t>
+            </a:r>
+            <a:endParaRPr lang="ko-KR" altLang="en-US" sz="1600" b="1" dirty="0">
+              <a:solidFill>
+                <a:schemeClr val="tx2"/>
+              </a:solidFill>
+            </a:endParaRPr>
+          </a:p>
+        </p:txBody>
+      </p:sp>
+      <p:sp>
+        <p:nvSpPr>
+          <p:cNvPr id="46" name="직사각형 45"/>
+          <p:cNvSpPr/>
+          <p:nvPr/>
+        </p:nvSpPr>
+        <p:spPr>
+          <a:xfrm>
+            <a:off x="2791966" y="1866319"/>
+            <a:ext cx="2230884" cy="2643052"/>
+          </a:xfrm>
+          <a:prstGeom prst="rect">
+            <a:avLst/>
+          </a:prstGeom>
+        </p:spPr>
+        <p:style>
+          <a:lnRef idx="1">
+            <a:schemeClr val="accent1"/>
+          </a:lnRef>
+          <a:fillRef idx="3">
+            <a:schemeClr val="accent1"/>
+          </a:fillRef>
+          <a:effectRef idx="2">
+            <a:schemeClr val="accent1"/>
+          </a:effectRef>
+          <a:fontRef idx="minor">
+            <a:schemeClr val="lt1"/>
+          </a:fontRef>
+        </p:style>
+        <p:txBody>
+          <a:bodyPr lIns="0" rIns="0" rtlCol="0" anchor="t"/>
+          <a:lstStyle/>
+          <a:p>
+            <a:pPr algn="ctr"/>
+            <a:r>
+              <a:rPr lang="en-US" altLang="ko-KR" sz="1400" b="1" dirty="0" smtClean="0">
+                <a:solidFill>
+                  <a:schemeClr val="bg1"/>
+                </a:solidFill>
+              </a:rPr>
+              <a:t>BI Portal</a:t>
+            </a:r>
+          </a:p>
+        </p:txBody>
+      </p:sp>
+      <p:sp>
+        <p:nvSpPr>
+          <p:cNvPr id="48" name="모서리가 둥근 직사각형 47"/>
+          <p:cNvSpPr/>
+          <p:nvPr/>
+        </p:nvSpPr>
+        <p:spPr>
+          <a:xfrm>
+            <a:off x="3007990" y="2276872"/>
+            <a:ext cx="1745170" cy="1872208"/>
+          </a:xfrm>
+          <a:prstGeom prst="roundRect">
+            <a:avLst/>
+          </a:prstGeom>
+        </p:spPr>
+        <p:style>
+          <a:lnRef idx="1">
+            <a:schemeClr val="accent5"/>
+          </a:lnRef>
+          <a:fillRef idx="3">
+            <a:schemeClr val="accent5"/>
+          </a:fillRef>
+          <a:effectRef idx="2">
+            <a:schemeClr val="accent5"/>
+          </a:effectRef>
+          <a:fontRef idx="minor">
+            <a:schemeClr val="lt1"/>
+          </a:fontRef>
+        </p:style>
+        <p:txBody>
+          <a:bodyPr rtlCol="0" anchor="t"/>
+          <a:lstStyle/>
+          <a:p>
+            <a:pPr algn="ctr"/>
+            <a:r>
+              <a:rPr lang="en-US" altLang="ko-KR" sz="1400" b="1" dirty="0" smtClean="0"/>
+              <a:t>MicroStrategy Web</a:t>
+            </a:r>
+            <a:endParaRPr lang="ko-KR" altLang="en-US" sz="1400" b="1" dirty="0"/>
+          </a:p>
+        </p:txBody>
+      </p:sp>
+      <p:sp>
+        <p:nvSpPr>
+          <p:cNvPr id="50" name="모서리가 둥근 직사각형 49"/>
+          <p:cNvSpPr/>
+          <p:nvPr/>
+        </p:nvSpPr>
+        <p:spPr>
+          <a:xfrm>
+            <a:off x="3188009" y="3329505"/>
+            <a:ext cx="648072" cy="314681"/>
+          </a:xfrm>
+          <a:prstGeom prst="roundRect">
+            <a:avLst/>
+          </a:prstGeom>
+        </p:spPr>
+        <p:style>
+          <a:lnRef idx="1">
+            <a:schemeClr val="accent3"/>
+          </a:lnRef>
+          <a:fillRef idx="3">
+            <a:schemeClr val="accent3"/>
+          </a:fillRef>
+          <a:effectRef idx="2">
+            <a:schemeClr val="accent3"/>
+          </a:effectRef>
+          <a:fontRef idx="minor">
+            <a:schemeClr val="lt1"/>
+          </a:fontRef>
+        </p:style>
+        <p:txBody>
+          <a:bodyPr rtlCol="0" anchor="ctr"/>
+          <a:lstStyle/>
+          <a:p>
+            <a:pPr algn="ctr"/>
+            <a:r>
+              <a:rPr lang="en-US" altLang="ko-KR" sz="1400" b="1" dirty="0"/>
+              <a:t>P</a:t>
+            </a:r>
+            <a:r>
+              <a:rPr lang="en-US" altLang="ko-KR" sz="1400" b="1" dirty="0" smtClean="0"/>
+              <a:t>age</a:t>
+            </a:r>
+            <a:endParaRPr lang="ko-KR" altLang="en-US" sz="1400" b="1" dirty="0"/>
+          </a:p>
+        </p:txBody>
+      </p:sp>
+      <p:sp>
+        <p:nvSpPr>
+          <p:cNvPr id="51" name="모서리가 둥근 직사각형 50"/>
+          <p:cNvSpPr/>
+          <p:nvPr/>
+        </p:nvSpPr>
+        <p:spPr>
+          <a:xfrm>
+            <a:off x="3944093" y="3329505"/>
+            <a:ext cx="648072" cy="314681"/>
+          </a:xfrm>
+          <a:prstGeom prst="roundRect">
+            <a:avLst/>
+          </a:prstGeom>
+        </p:spPr>
+        <p:style>
+          <a:lnRef idx="1">
+            <a:schemeClr val="accent3"/>
+          </a:lnRef>
+          <a:fillRef idx="3">
+            <a:schemeClr val="accent3"/>
+          </a:fillRef>
+          <a:effectRef idx="2">
+            <a:schemeClr val="accent3"/>
+          </a:effectRef>
+          <a:fontRef idx="minor">
+            <a:schemeClr val="lt1"/>
+          </a:fontRef>
+        </p:style>
+        <p:txBody>
+          <a:bodyPr rtlCol="0" anchor="ctr"/>
+          <a:lstStyle/>
+          <a:p>
+            <a:pPr algn="ctr"/>
+            <a:r>
+              <a:rPr lang="en-US" altLang="ko-KR" sz="1400" b="1" dirty="0" smtClean="0"/>
+              <a:t>ESM</a:t>
+            </a:r>
+            <a:endParaRPr lang="ko-KR" altLang="en-US" sz="1400" b="1" dirty="0"/>
+          </a:p>
+        </p:txBody>
+      </p:sp>
+      <p:cxnSp>
+        <p:nvCxnSpPr>
+          <p:cNvPr id="40" name="꺾인 연결선 39"/>
+          <p:cNvCxnSpPr>
+            <a:stCxn id="3" idx="3"/>
+            <a:endCxn id="50" idx="1"/>
+          </p:cNvCxnSpPr>
+          <p:nvPr/>
+        </p:nvCxnSpPr>
+        <p:spPr>
+          <a:xfrm>
+            <a:off x="1711846" y="3486187"/>
+            <a:ext cx="1476163" cy="659"/>
+          </a:xfrm>
+          <a:prstGeom prst="bentConnector3">
+            <a:avLst>
+              <a:gd name="adj1" fmla="val 50000"/>
+            </a:avLst>
+          </a:prstGeom>
+          <a:ln w="19050">
+            <a:solidFill>
+              <a:schemeClr val="accent6">
+                <a:lumMod val="75000"/>
+              </a:schemeClr>
+            </a:solidFill>
+            <a:tailEnd type="arrow"/>
+          </a:ln>
+        </p:spPr>
+        <p:style>
+          <a:lnRef idx="1">
+            <a:schemeClr val="accent1"/>
+          </a:lnRef>
+          <a:fillRef idx="0">
+            <a:schemeClr val="accent1"/>
+          </a:fillRef>
+          <a:effectRef idx="0">
+            <a:schemeClr val="accent1"/>
+          </a:effectRef>
+          <a:fontRef idx="minor">
+            <a:schemeClr val="tx1"/>
+          </a:fontRef>
+        </p:style>
+      </p:cxnSp>
+      <p:cxnSp>
+        <p:nvCxnSpPr>
+          <p:cNvPr id="56" name="꺾인 연결선 55"/>
+          <p:cNvCxnSpPr>
+            <a:stCxn id="50" idx="2"/>
+            <a:endCxn id="51" idx="2"/>
+          </p:cNvCxnSpPr>
+          <p:nvPr/>
+        </p:nvCxnSpPr>
+        <p:spPr>
+          <a:xfrm rot="16200000" flipH="1">
+            <a:off x="3890087" y="3266144"/>
+            <a:ext cx="12700" cy="756084"/>
+          </a:xfrm>
+          <a:prstGeom prst="bentConnector3">
+            <a:avLst>
+              <a:gd name="adj1" fmla="val 1800000"/>
+            </a:avLst>
+          </a:prstGeom>
+          <a:ln w="19050">
+            <a:solidFill>
+              <a:schemeClr val="accent6">
+                <a:lumMod val="75000"/>
+              </a:schemeClr>
+            </a:solidFill>
+            <a:tailEnd type="arrow"/>
+          </a:ln>
+        </p:spPr>
+        <p:style>
+          <a:lnRef idx="1">
+            <a:schemeClr val="accent1"/>
+          </a:lnRef>
+          <a:fillRef idx="0">
+            <a:schemeClr val="accent1"/>
+          </a:fillRef>
+          <a:effectRef idx="0">
+            <a:schemeClr val="accent1"/>
+          </a:effectRef>
+          <a:fontRef idx="minor">
+            <a:schemeClr val="tx1"/>
+          </a:fontRef>
+        </p:style>
+      </p:cxnSp>
+      <p:cxnSp>
+        <p:nvCxnSpPr>
+          <p:cNvPr id="59" name="꺾인 연결선 58"/>
+          <p:cNvCxnSpPr>
+            <a:stCxn id="51" idx="0"/>
+            <a:endCxn id="50" idx="0"/>
+          </p:cNvCxnSpPr>
+          <p:nvPr/>
+        </p:nvCxnSpPr>
+        <p:spPr>
+          <a:xfrm rot="16200000" flipV="1">
+            <a:off x="3890087" y="2951463"/>
+            <a:ext cx="12700" cy="756084"/>
+          </a:xfrm>
+          <a:prstGeom prst="bentConnector3">
+            <a:avLst>
+              <a:gd name="adj1" fmla="val 1800000"/>
+            </a:avLst>
+          </a:prstGeom>
+          <a:ln w="19050">
+            <a:solidFill>
+              <a:schemeClr val="accent6">
+                <a:lumMod val="75000"/>
+              </a:schemeClr>
+            </a:solidFill>
+            <a:tailEnd type="arrow"/>
+          </a:ln>
+        </p:spPr>
+        <p:style>
+          <a:lnRef idx="1">
+            <a:schemeClr val="accent1"/>
+          </a:lnRef>
+          <a:fillRef idx="0">
+            <a:schemeClr val="accent1"/>
+          </a:fillRef>
+          <a:effectRef idx="0">
+            <a:schemeClr val="accent1"/>
+          </a:effectRef>
+          <a:fontRef idx="minor">
+            <a:schemeClr val="tx1"/>
+          </a:fontRef>
+        </p:style>
+      </p:cxnSp>
+      <p:sp>
+        <p:nvSpPr>
+          <p:cNvPr id="53" name="타원 52"/>
+          <p:cNvSpPr/>
+          <p:nvPr/>
+        </p:nvSpPr>
+        <p:spPr>
+          <a:xfrm>
+            <a:off x="1999878" y="3356992"/>
+            <a:ext cx="288032" cy="288032"/>
+          </a:xfrm>
+          <a:prstGeom prst="ellipse">
+            <a:avLst/>
+          </a:prstGeom>
+        </p:spPr>
+        <p:style>
+          <a:lnRef idx="3">
+            <a:schemeClr val="lt1"/>
+          </a:lnRef>
+          <a:fillRef idx="1">
+            <a:schemeClr val="accent1"/>
+          </a:fillRef>
+          <a:effectRef idx="1">
+            <a:schemeClr val="accent1"/>
+          </a:effectRef>
+          <a:fontRef idx="minor">
+            <a:schemeClr val="lt1"/>
+          </a:fontRef>
+        </p:style>
+        <p:txBody>
+          <a:bodyPr rtlCol="0" anchor="ctr"/>
+          <a:lstStyle/>
+          <a:p>
+            <a:pPr algn="ctr"/>
+            <a:r>
+              <a:rPr lang="en-US" altLang="ko-KR" sz="1400" b="1" dirty="0" smtClean="0"/>
+              <a:t>1</a:t>
+            </a:r>
+            <a:endParaRPr lang="ko-KR" altLang="en-US" sz="1400" b="1" dirty="0"/>
+          </a:p>
+        </p:txBody>
+      </p:sp>
+      <p:sp>
+        <p:nvSpPr>
+          <p:cNvPr id="54" name="타원 53"/>
+          <p:cNvSpPr/>
+          <p:nvPr/>
+        </p:nvSpPr>
+        <p:spPr>
+          <a:xfrm>
+            <a:off x="3736559" y="3717032"/>
+            <a:ext cx="288032" cy="288032"/>
+          </a:xfrm>
+          <a:prstGeom prst="ellipse">
+            <a:avLst/>
+          </a:prstGeom>
+        </p:spPr>
+        <p:style>
+          <a:lnRef idx="3">
+            <a:schemeClr val="lt1"/>
+          </a:lnRef>
+          <a:fillRef idx="1">
+            <a:schemeClr val="accent1"/>
+          </a:fillRef>
+          <a:effectRef idx="1">
+            <a:schemeClr val="accent1"/>
+          </a:effectRef>
+          <a:fontRef idx="minor">
+            <a:schemeClr val="lt1"/>
+          </a:fontRef>
+        </p:style>
+        <p:txBody>
+          <a:bodyPr rtlCol="0" anchor="ctr"/>
+          <a:lstStyle/>
+          <a:p>
+            <a:pPr algn="ctr"/>
+            <a:r>
+              <a:rPr lang="en-US" altLang="ko-KR" sz="1400" b="1" dirty="0" smtClean="0"/>
+              <a:t>2</a:t>
+            </a:r>
+            <a:endParaRPr lang="ko-KR" altLang="en-US" sz="1400" b="1" dirty="0"/>
+          </a:p>
+        </p:txBody>
+      </p:sp>
+      <p:sp>
+        <p:nvSpPr>
+          <p:cNvPr id="115" name="타원 114"/>
+          <p:cNvSpPr/>
+          <p:nvPr/>
+        </p:nvSpPr>
+        <p:spPr>
+          <a:xfrm>
+            <a:off x="3728070" y="2961776"/>
+            <a:ext cx="288032" cy="288032"/>
+          </a:xfrm>
+          <a:prstGeom prst="ellipse">
+            <a:avLst/>
+          </a:prstGeom>
+        </p:spPr>
+        <p:style>
+          <a:lnRef idx="3">
+            <a:schemeClr val="lt1"/>
+          </a:lnRef>
+          <a:fillRef idx="1">
+            <a:schemeClr val="accent1"/>
+          </a:fillRef>
+          <a:effectRef idx="1">
+            <a:schemeClr val="accent1"/>
+          </a:effectRef>
+          <a:fontRef idx="minor">
+            <a:schemeClr val="lt1"/>
+          </a:fontRef>
+        </p:style>
+        <p:txBody>
+          <a:bodyPr rtlCol="0" anchor="ctr"/>
+          <a:lstStyle/>
+          <a:p>
+            <a:pPr algn="ctr"/>
+            <a:r>
+              <a:rPr lang="en-US" altLang="ko-KR" sz="1400" b="1" dirty="0"/>
+              <a:t>3</a:t>
+            </a:r>
+            <a:endParaRPr lang="ko-KR" altLang="en-US" sz="1400" b="1" dirty="0"/>
+          </a:p>
+        </p:txBody>
+      </p:sp>
+      <p:sp>
+        <p:nvSpPr>
+          <p:cNvPr id="21" name="TextBox 20"/>
+          <p:cNvSpPr txBox="1"/>
+          <p:nvPr/>
+        </p:nvSpPr>
+        <p:spPr>
+          <a:xfrm>
+            <a:off x="2071886" y="4869160"/>
+            <a:ext cx="6984776" cy="1369606"/>
+          </a:xfrm>
+          <a:prstGeom prst="rect">
+            <a:avLst/>
+          </a:prstGeom>
+          <a:noFill/>
+        </p:spPr>
+        <p:txBody>
+          <a:bodyPr wrap="square" rtlCol="0">
+            <a:spAutoFit/>
+          </a:bodyPr>
+          <a:lstStyle/>
+          <a:p>
+            <a:pPr>
+              <a:lnSpc>
+                <a:spcPct val="150000"/>
+              </a:lnSpc>
+              <a:spcAft>
+                <a:spcPts val="600"/>
+              </a:spcAft>
+            </a:pPr>
+            <a:r>
+              <a:rPr lang="en-US" altLang="ko-KR" sz="1200" b="1" dirty="0" smtClean="0"/>
+              <a:t>External Security </a:t>
+            </a:r>
+            <a:r>
+              <a:rPr lang="en-US" altLang="ko-KR" sz="1200" b="1" dirty="0" smtClean="0"/>
+              <a:t>Module</a:t>
+            </a:r>
+          </a:p>
+          <a:p>
+            <a:pPr marL="171450" indent="-171450">
+              <a:lnSpc>
+                <a:spcPct val="150000"/>
+              </a:lnSpc>
+              <a:buFont typeface="Wingdings" panose="05000000000000000000" pitchFamily="2" charset="2"/>
+              <a:buChar char="v"/>
+            </a:pPr>
+            <a:r>
+              <a:rPr lang="en-US" altLang="ko-KR" sz="1000" b="1" dirty="0" smtClean="0"/>
+              <a:t>MSTR </a:t>
+            </a:r>
+            <a:r>
+              <a:rPr lang="ko-KR" altLang="en-US" sz="1000" b="1" dirty="0" smtClean="0"/>
+              <a:t>세션이 필요한 경우 호출되는 </a:t>
+            </a:r>
+            <a:r>
+              <a:rPr lang="ko-KR" altLang="en-US" sz="1000" b="1" dirty="0" smtClean="0"/>
+              <a:t>클래스로 </a:t>
+            </a:r>
+            <a:r>
+              <a:rPr lang="en-US" altLang="ko-KR" sz="1000" b="1" dirty="0" smtClean="0"/>
+              <a:t>MSTR  </a:t>
+            </a:r>
+            <a:r>
+              <a:rPr lang="ko-KR" altLang="en-US" sz="1000" b="1" dirty="0" smtClean="0"/>
+              <a:t>세션을 생성하거나 로그인 페이지로 </a:t>
+            </a:r>
+            <a:r>
+              <a:rPr lang="en-US" altLang="ko-KR" sz="1000" b="1" dirty="0" smtClean="0"/>
+              <a:t>redirect</a:t>
+            </a:r>
+          </a:p>
+          <a:p>
+            <a:pPr marL="171450" indent="-171450">
+              <a:lnSpc>
+                <a:spcPct val="150000"/>
+              </a:lnSpc>
+              <a:buFont typeface="Wingdings" panose="05000000000000000000" pitchFamily="2" charset="2"/>
+              <a:buChar char="v"/>
+            </a:pPr>
+            <a:r>
+              <a:rPr lang="ko-KR" altLang="en-US" sz="1000" b="1" dirty="0" smtClean="0"/>
+              <a:t>외부업체에서 제공되는 </a:t>
+            </a:r>
+            <a:r>
+              <a:rPr lang="en-US" altLang="ko-KR" sz="1000" b="1" dirty="0" smtClean="0"/>
+              <a:t>SSO </a:t>
+            </a:r>
+            <a:r>
+              <a:rPr lang="ko-KR" altLang="en-US" sz="1000" b="1" dirty="0" smtClean="0"/>
+              <a:t>인증 모듈을 이용하여 사용자 식별 후 </a:t>
+            </a:r>
+            <a:r>
+              <a:rPr lang="en-US" altLang="ko-KR" sz="1000" b="1" dirty="0"/>
+              <a:t>MSTR </a:t>
+            </a:r>
+            <a:r>
+              <a:rPr lang="ko-KR" altLang="en-US" sz="1000" b="1" dirty="0"/>
+              <a:t>세션 </a:t>
+            </a:r>
+            <a:r>
+              <a:rPr lang="ko-KR" altLang="en-US" sz="1000" b="1" dirty="0" smtClean="0"/>
+              <a:t>생성하는 기법을 일반적으로 사용</a:t>
+            </a:r>
+            <a:endParaRPr lang="en-US" altLang="ko-KR" sz="1000" b="1" dirty="0" smtClean="0"/>
+          </a:p>
+          <a:p>
+            <a:pPr marL="171450" indent="-171450">
+              <a:lnSpc>
+                <a:spcPct val="150000"/>
+              </a:lnSpc>
+              <a:buFont typeface="Wingdings" panose="05000000000000000000" pitchFamily="2" charset="2"/>
+              <a:buChar char="v"/>
+            </a:pPr>
+            <a:r>
+              <a:rPr lang="en-US" altLang="ko-KR" sz="1000" b="1" dirty="0" smtClean="0"/>
+              <a:t>MSTR </a:t>
+            </a:r>
+            <a:r>
+              <a:rPr lang="ko-KR" altLang="en-US" sz="1000" b="1" dirty="0" smtClean="0"/>
+              <a:t>세션을 생성하고 </a:t>
+            </a:r>
+            <a:r>
+              <a:rPr lang="en-US" altLang="ko-KR" sz="1000" b="1" dirty="0" smtClean="0"/>
+              <a:t>MSTR </a:t>
+            </a:r>
+            <a:r>
+              <a:rPr lang="ko-KR" altLang="en-US" sz="1000" b="1" dirty="0" smtClean="0"/>
+              <a:t>세션 상태 </a:t>
+            </a:r>
+            <a:r>
+              <a:rPr lang="ko-KR" altLang="en-US" sz="1000" b="1" dirty="0"/>
+              <a:t>토</a:t>
+            </a:r>
+            <a:r>
+              <a:rPr lang="ko-KR" altLang="en-US" sz="1000" b="1" dirty="0" smtClean="0"/>
+              <a:t>큰을 </a:t>
+            </a:r>
+            <a:r>
+              <a:rPr lang="ko-KR" altLang="en-US" sz="1000" b="1" dirty="0" err="1" smtClean="0"/>
+              <a:t>웹세션의</a:t>
+            </a:r>
+            <a:r>
+              <a:rPr lang="ko-KR" altLang="en-US" sz="1000" b="1" dirty="0" smtClean="0"/>
+              <a:t> </a:t>
+            </a:r>
+            <a:r>
+              <a:rPr lang="ko-KR" altLang="en-US" sz="1000" b="1" dirty="0" err="1" smtClean="0"/>
+              <a:t>애트리뷰트로</a:t>
+            </a:r>
+            <a:r>
+              <a:rPr lang="ko-KR" altLang="en-US" sz="1000" b="1" dirty="0" smtClean="0"/>
+              <a:t> 설정하고 필요한 경우 </a:t>
+            </a:r>
+            <a:r>
+              <a:rPr lang="en-US" altLang="ko-KR" sz="1000" b="1" dirty="0" smtClean="0"/>
+              <a:t/>
+            </a:r>
+            <a:br>
+              <a:rPr lang="en-US" altLang="ko-KR" sz="1000" b="1" dirty="0" smtClean="0"/>
+            </a:br>
+            <a:r>
+              <a:rPr lang="ko-KR" altLang="en-US" sz="1000" b="1" dirty="0" smtClean="0"/>
+              <a:t>재사용</a:t>
+            </a:r>
+            <a:endParaRPr lang="en-US" altLang="ko-KR" sz="1000" b="1" dirty="0" smtClean="0"/>
+          </a:p>
+        </p:txBody>
+      </p:sp>
+      <p:cxnSp>
+        <p:nvCxnSpPr>
+          <p:cNvPr id="24" name="꺾인 연결선 23"/>
+          <p:cNvCxnSpPr>
+            <a:stCxn id="51" idx="3"/>
+            <a:endCxn id="21" idx="0"/>
+          </p:cNvCxnSpPr>
+          <p:nvPr/>
+        </p:nvCxnSpPr>
+        <p:spPr>
+          <a:xfrm>
+            <a:off x="4592165" y="3486846"/>
+            <a:ext cx="972109" cy="1382314"/>
+          </a:xfrm>
+          <a:prstGeom prst="bentConnector2">
+            <a:avLst/>
+          </a:prstGeom>
+          <a:ln w="19050">
+            <a:solidFill>
+              <a:schemeClr val="accent6">
+                <a:lumMod val="75000"/>
+              </a:schemeClr>
+            </a:solidFill>
+            <a:prstDash val="sysDot"/>
+            <a:tailEnd type="arrow"/>
+          </a:ln>
+        </p:spPr>
+        <p:style>
+          <a:lnRef idx="1">
+            <a:schemeClr val="accent1"/>
+          </a:lnRef>
+          <a:fillRef idx="0">
+            <a:schemeClr val="accent1"/>
+          </a:fillRef>
+          <a:effectRef idx="0">
+            <a:schemeClr val="accent1"/>
+          </a:effectRef>
+          <a:fontRef idx="minor">
+            <a:schemeClr val="tx1"/>
+          </a:fontRef>
+        </p:style>
+      </p:cxnSp>
+    </p:spTree>
+    <p:extLst>
+      <p:ext uri="{BB962C8B-B14F-4D97-AF65-F5344CB8AC3E}">
+        <p14:creationId xmlns:p14="http://schemas.microsoft.com/office/powerpoint/2010/main" val="1185245893"/>
+      </p:ext>
+    </p:extLst>
+  </p:cSld>
+  <p:clrMapOvr>
+    <a:masterClrMapping/>
+  </p:clrMapOvr>
+</p:sld>
+</file>
+
+<file path=ppt/slides/slide9.xml><?xml version="1.0" encoding="utf-8"?>
+<p:sld xmlns:a="http://schemas.openxmlformats.org/drawingml/2006/main" xmlns:r="http://schemas.openxmlformats.org/officeDocument/2006/relationships" xmlns:p="http://schemas.openxmlformats.org/presentationml/2006/main">
+  <p:cSld>
+    <p:spTree>
+      <p:nvGrpSpPr>
+        <p:cNvPr id="1" name=""/>
+        <p:cNvGrpSpPr/>
+        <p:nvPr/>
+      </p:nvGrpSpPr>
+      <p:grpSpPr>
+        <a:xfrm>
+          <a:off x="0" y="0"/>
+          <a:ext cx="0" cy="0"/>
+          <a:chOff x="0" y="0"/>
+          <a:chExt cx="0" cy="0"/>
+        </a:xfrm>
+      </p:grpSpPr>
+      <p:sp>
+        <p:nvSpPr>
+          <p:cNvPr id="22" name="TextBox 21"/>
+          <p:cNvSpPr txBox="1"/>
+          <p:nvPr/>
+        </p:nvSpPr>
+        <p:spPr>
+          <a:xfrm>
+            <a:off x="7464506" y="179348"/>
+            <a:ext cx="2312236" cy="338554"/>
+          </a:xfrm>
+          <a:prstGeom prst="rect">
+            <a:avLst/>
+          </a:prstGeom>
+          <a:noFill/>
+        </p:spPr>
+        <p:txBody>
+          <a:bodyPr wrap="none" rtlCol="0">
+            <a:spAutoFit/>
+          </a:bodyPr>
+          <a:lstStyle/>
+          <a:p>
+            <a:pPr algn="r"/>
+            <a:r>
+              <a:rPr lang="en-US" altLang="ko-KR" sz="1600" b="1" dirty="0" smtClean="0"/>
+              <a:t>MicroStrategy </a:t>
+            </a:r>
+            <a:r>
+              <a:rPr lang="ko-KR" altLang="en-US" sz="1600" b="1" dirty="0" smtClean="0"/>
+              <a:t>웹 구</a:t>
+            </a:r>
+            <a:r>
+              <a:rPr lang="ko-KR" altLang="en-US" sz="1600" b="1" dirty="0"/>
+              <a:t>성</a:t>
+            </a:r>
+          </a:p>
+        </p:txBody>
+      </p:sp>
+      <p:sp>
+        <p:nvSpPr>
+          <p:cNvPr id="25" name="제목 3"/>
+          <p:cNvSpPr>
+            <a:spLocks noGrp="1"/>
+          </p:cNvSpPr>
+          <p:nvPr>
+            <p:ph type="title"/>
+          </p:nvPr>
+        </p:nvSpPr>
+        <p:spPr>
+          <a:xfrm>
+            <a:off x="222423" y="71414"/>
+            <a:ext cx="9444692" cy="496997"/>
+          </a:xfrm>
+        </p:spPr>
+        <p:txBody>
+          <a:bodyPr/>
+          <a:lstStyle/>
+          <a:p>
+            <a:r>
+              <a:rPr lang="en-US" altLang="ko-KR" dirty="0" smtClean="0"/>
+              <a:t>MicroStrategy </a:t>
+            </a:r>
+            <a:r>
+              <a:rPr lang="ko-KR" altLang="en-US" dirty="0" smtClean="0"/>
+              <a:t>세션</a:t>
+            </a:r>
+            <a:endParaRPr lang="ko-KR" altLang="en-US" sz="2000" dirty="0"/>
+          </a:p>
+        </p:txBody>
+      </p:sp>
+      <p:sp>
+        <p:nvSpPr>
+          <p:cNvPr id="118" name="TextBox 117"/>
+          <p:cNvSpPr txBox="1"/>
+          <p:nvPr/>
+        </p:nvSpPr>
+        <p:spPr>
+          <a:xfrm>
+            <a:off x="271686" y="908050"/>
+            <a:ext cx="8712968" cy="1646605"/>
+          </a:xfrm>
+          <a:prstGeom prst="rect">
+            <a:avLst/>
+          </a:prstGeom>
+          <a:noFill/>
+        </p:spPr>
+        <p:txBody>
+          <a:bodyPr wrap="square" rtlCol="0">
+            <a:spAutoFit/>
+          </a:bodyPr>
+          <a:lstStyle/>
+          <a:p>
+            <a:pPr>
+              <a:lnSpc>
+                <a:spcPct val="150000"/>
+              </a:lnSpc>
+              <a:spcAft>
+                <a:spcPts val="600"/>
+              </a:spcAft>
+            </a:pPr>
+            <a:r>
+              <a:rPr lang="ko-KR" altLang="en-US" sz="1600" b="1" dirty="0" smtClean="0"/>
+              <a:t>용</a:t>
+            </a:r>
+            <a:r>
+              <a:rPr lang="ko-KR" altLang="en-US" sz="1600" b="1" dirty="0"/>
+              <a:t>도</a:t>
+            </a:r>
+            <a:r>
+              <a:rPr lang="ko-KR" altLang="en-US" sz="1600" b="1" dirty="0" smtClean="0"/>
+              <a:t>에 따른 세션의 생성 유형</a:t>
+            </a:r>
+            <a:endParaRPr lang="en-US" altLang="ko-KR" sz="1600" b="1" dirty="0" smtClean="0"/>
+          </a:p>
+          <a:p>
+            <a:pPr marL="228600" indent="-228600">
+              <a:lnSpc>
+                <a:spcPct val="150000"/>
+              </a:lnSpc>
+              <a:buFont typeface="+mj-lt"/>
+              <a:buAutoNum type="arabicPeriod"/>
+            </a:pPr>
+            <a:r>
+              <a:rPr lang="ko-KR" altLang="en-US" sz="1200" dirty="0" smtClean="0"/>
+              <a:t>세션 생성 </a:t>
+            </a:r>
+            <a:r>
+              <a:rPr lang="en-US" altLang="ko-KR" sz="1200" dirty="0" smtClean="0"/>
+              <a:t>API </a:t>
+            </a:r>
+            <a:r>
+              <a:rPr lang="ko-KR" altLang="en-US" sz="1200" dirty="0" smtClean="0"/>
+              <a:t>실행 후 종료</a:t>
+            </a:r>
+            <a:endParaRPr lang="en-US" altLang="ko-KR" sz="1200" dirty="0" smtClean="0"/>
+          </a:p>
+          <a:p>
+            <a:pPr>
+              <a:lnSpc>
+                <a:spcPct val="150000"/>
+              </a:lnSpc>
+            </a:pPr>
+            <a:r>
+              <a:rPr lang="en-US" altLang="ko-KR" sz="1200" dirty="0" smtClean="0"/>
+              <a:t>MSTR API</a:t>
+            </a:r>
+            <a:r>
+              <a:rPr lang="ko-KR" altLang="en-US" sz="1200" dirty="0" smtClean="0"/>
+              <a:t>를 </a:t>
+            </a:r>
+            <a:r>
+              <a:rPr lang="ko-KR" altLang="en-US" sz="1200" smtClean="0"/>
+              <a:t>이용하기 위해 </a:t>
+            </a:r>
+            <a:endParaRPr lang="en-US" altLang="ko-KR" sz="1200" dirty="0" smtClean="0"/>
+          </a:p>
+          <a:p>
+            <a:pPr marL="228600" indent="-228600">
+              <a:lnSpc>
+                <a:spcPct val="150000"/>
+              </a:lnSpc>
+              <a:buFont typeface="+mj-lt"/>
+              <a:buAutoNum type="arabicPeriod"/>
+            </a:pPr>
+            <a:r>
+              <a:rPr lang="ko-KR" altLang="en-US" sz="1200" dirty="0" smtClean="0"/>
+              <a:t>세션 생성 후 </a:t>
+            </a:r>
+            <a:r>
+              <a:rPr lang="en-US" altLang="ko-KR" sz="1200" dirty="0" smtClean="0"/>
+              <a:t>MicroStrategy Page</a:t>
+            </a:r>
+            <a:r>
+              <a:rPr lang="ko-KR" altLang="en-US" sz="1200" dirty="0" smtClean="0"/>
+              <a:t>에서 활용</a:t>
+            </a:r>
+            <a:endParaRPr lang="en-US" altLang="ko-KR" sz="1200" dirty="0" smtClean="0"/>
+          </a:p>
+          <a:p>
+            <a:pPr marL="228600" indent="-228600">
+              <a:lnSpc>
+                <a:spcPct val="150000"/>
+              </a:lnSpc>
+              <a:buFont typeface="+mj-lt"/>
+              <a:buAutoNum type="arabicPeriod"/>
+            </a:pPr>
+            <a:r>
+              <a:rPr lang="ko-KR" altLang="en-US" sz="1200" dirty="0" smtClean="0"/>
+              <a:t>세션 생성 후 재활용</a:t>
+            </a:r>
+            <a:endParaRPr lang="en-US" altLang="ko-KR" sz="1200" dirty="0" smtClean="0"/>
+          </a:p>
+        </p:txBody>
+      </p:sp>
+    </p:spTree>
+    <p:extLst>
+      <p:ext uri="{BB962C8B-B14F-4D97-AF65-F5344CB8AC3E}">
+        <p14:creationId xmlns:p14="http://schemas.microsoft.com/office/powerpoint/2010/main" val="3035025919"/>
+      </p:ext>
+    </p:extLst>
+  </p:cSld>
+  <p:clrMapOvr>
+    <a:masterClrMapping/>
+  </p:clrMapOvr>
 </p:sld>
 </file>
 
@@ -5952,7 +12837,7 @@
   <a:extraClrSchemeLst/>
   <a:extLst>
     <a:ext uri="{05A4C25C-085E-4340-85A3-A5531E510DB2}">
-      <thm15:themeFamily xmlns:thm15="http://schemas.microsoft.com/office/thememl/2012/main" xmlns="" name="Office Theme" id="{62F939B6-93AF-4DB8-9C6B-D6C7DFDC589F}" vid="{4A3C46E8-61CC-4603-A589-7422A47A8E4A}"/>
+      <thm15:themeFamily xmlns="" xmlns:thm15="http://schemas.microsoft.com/office/thememl/2012/main" name="Office Theme" id="{62F939B6-93AF-4DB8-9C6B-D6C7DFDC589F}" vid="{4A3C46E8-61CC-4603-A589-7422A47A8E4A}"/>
     </a:ext>
   </a:extLst>
 </a:theme>

--- a/MSTR 웹교육/MSTR-웹.pptx
+++ b/MSTR 웹교육/MSTR-웹.pptx
@@ -5,7 +5,7 @@
     <p:sldMasterId id="2147483648" r:id="rId1"/>
   </p:sldMasterIdLst>
   <p:notesMasterIdLst>
-    <p:notesMasterId r:id="rId12"/>
+    <p:notesMasterId r:id="rId13"/>
   </p:notesMasterIdLst>
   <p:sldIdLst>
     <p:sldId id="256" r:id="rId2"/>
@@ -17,7 +17,8 @@
     <p:sldId id="398" r:id="rId8"/>
     <p:sldId id="402" r:id="rId9"/>
     <p:sldId id="401" r:id="rId10"/>
-    <p:sldId id="394" r:id="rId11"/>
+    <p:sldId id="403" r:id="rId11"/>
+    <p:sldId id="394" r:id="rId12"/>
   </p:sldIdLst>
   <p:sldSz cx="9904413" cy="6858000"/>
   <p:notesSz cx="6797675" cy="9926638"/>
@@ -118,7 +119,7 @@
   </p:defaultTextStyle>
   <p:extLst>
     <p:ext uri="{EFAFB233-063F-42B5-8137-9DF3F51BA10A}">
-      <p15:sldGuideLst xmlns="" xmlns:p15="http://schemas.microsoft.com/office/powerpoint/2012/main">
+      <p15:sldGuideLst xmlns:p15="http://schemas.microsoft.com/office/powerpoint/2012/main" xmlns="">
         <p15:guide id="1" orient="horz" pos="2160">
           <p15:clr>
             <a:srgbClr val="A4A3A4"/>
@@ -132,7 +133,7 @@
       </p15:sldGuideLst>
     </p:ext>
     <p:ext uri="{2D200454-40CA-4A62-9FC3-DE9A4176ACB9}">
-      <p15:notesGuideLst xmlns="" xmlns:p15="http://schemas.microsoft.com/office/powerpoint/2012/main">
+      <p15:notesGuideLst xmlns:p15="http://schemas.microsoft.com/office/powerpoint/2012/main" xmlns="">
         <p15:guide id="1" orient="horz" pos="3126">
           <p15:clr>
             <a:srgbClr val="A4A3A4"/>
@@ -231,7 +232,7 @@
           <a:p>
             <a:fld id="{D5F052CF-237E-47F2-AB35-1E8A0016570E}" type="datetimeFigureOut">
               <a:rPr lang="ko-KR" altLang="en-US" smtClean="0"/>
-              <a:t>2016-11-21 Mon</a:t>
+              <a:t>2016-11-22 Tue</a:t>
             </a:fld>
             <a:endParaRPr lang="ko-KR" altLang="en-US"/>
           </a:p>
@@ -653,7 +654,7 @@
                 </a:solidFill>
               </a:rPr>
               <a:pPr/>
-              <a:t>9</a:t>
+              <a:t>10</a:t>
             </a:fld>
             <a:endParaRPr lang="ko-KR" altLang="en-US">
               <a:solidFill>
@@ -4103,7 +4104,7 @@
           <a:p>
             <a:fld id="{B650D056-20B7-4C86-A389-3ED6EBA209FF}" type="datetimeFigureOut">
               <a:rPr lang="ko-KR" altLang="en-US" smtClean="0"/>
-              <a:t>2016-11-21 Mon</a:t>
+              <a:t>2016-11-22 Tue</a:t>
             </a:fld>
             <a:endParaRPr lang="ko-KR" altLang="en-US"/>
           </a:p>
@@ -4209,7 +4210,7 @@
           <a:p>
             <a:fld id="{B650D056-20B7-4C86-A389-3ED6EBA209FF}" type="datetimeFigureOut">
               <a:rPr lang="ko-KR" altLang="en-US" smtClean="0"/>
-              <a:t>2016-11-21 Mon</a:t>
+              <a:t>2016-11-22 Tue</a:t>
             </a:fld>
             <a:endParaRPr lang="ko-KR" altLang="en-US"/>
           </a:p>
@@ -5335,6 +5336,510 @@
           <a:chExt cx="0" cy="0"/>
         </a:xfrm>
       </p:grpSpPr>
+      <p:sp>
+        <p:nvSpPr>
+          <p:cNvPr id="22" name="TextBox 21"/>
+          <p:cNvSpPr txBox="1"/>
+          <p:nvPr/>
+        </p:nvSpPr>
+        <p:spPr>
+          <a:xfrm>
+            <a:off x="8264790" y="179348"/>
+            <a:ext cx="1511952" cy="338554"/>
+          </a:xfrm>
+          <a:prstGeom prst="rect">
+            <a:avLst/>
+          </a:prstGeom>
+          <a:noFill/>
+        </p:spPr>
+        <p:txBody>
+          <a:bodyPr wrap="none" rtlCol="0">
+            <a:spAutoFit/>
+          </a:bodyPr>
+          <a:lstStyle/>
+          <a:p>
+            <a:pPr algn="r"/>
+            <a:r>
+              <a:rPr lang="en-US" altLang="ko-KR" sz="1600" b="1" dirty="0" smtClean="0"/>
+              <a:t>MSTR </a:t>
+            </a:r>
+            <a:r>
+              <a:rPr lang="ko-KR" altLang="en-US" sz="1600" b="1" dirty="0" smtClean="0"/>
+              <a:t>웹 구</a:t>
+            </a:r>
+            <a:r>
+              <a:rPr lang="ko-KR" altLang="en-US" sz="1600" b="1" dirty="0"/>
+              <a:t>성</a:t>
+            </a:r>
+          </a:p>
+        </p:txBody>
+      </p:sp>
+      <p:sp>
+        <p:nvSpPr>
+          <p:cNvPr id="25" name="제목 3"/>
+          <p:cNvSpPr>
+            <a:spLocks noGrp="1"/>
+          </p:cNvSpPr>
+          <p:nvPr>
+            <p:ph type="title"/>
+          </p:nvPr>
+        </p:nvSpPr>
+        <p:spPr>
+          <a:xfrm>
+            <a:off x="222423" y="71414"/>
+            <a:ext cx="9444692" cy="496997"/>
+          </a:xfrm>
+        </p:spPr>
+        <p:txBody>
+          <a:bodyPr/>
+          <a:lstStyle/>
+          <a:p>
+            <a:r>
+              <a:rPr lang="en-US" altLang="ko-KR" dirty="0" smtClean="0"/>
+              <a:t>MSTR URL API</a:t>
+            </a:r>
+            <a:endParaRPr lang="ko-KR" altLang="en-US" sz="2000" dirty="0"/>
+          </a:p>
+        </p:txBody>
+      </p:sp>
+      <p:sp>
+        <p:nvSpPr>
+          <p:cNvPr id="118" name="TextBox 117"/>
+          <p:cNvSpPr txBox="1"/>
+          <p:nvPr/>
+        </p:nvSpPr>
+        <p:spPr>
+          <a:xfrm>
+            <a:off x="287390" y="912175"/>
+            <a:ext cx="9345336" cy="4955203"/>
+          </a:xfrm>
+          <a:prstGeom prst="rect">
+            <a:avLst/>
+          </a:prstGeom>
+          <a:noFill/>
+        </p:spPr>
+        <p:txBody>
+          <a:bodyPr wrap="square" rtlCol="0">
+            <a:spAutoFit/>
+          </a:bodyPr>
+          <a:lstStyle/>
+          <a:p>
+            <a:pPr>
+              <a:lnSpc>
+                <a:spcPct val="150000"/>
+              </a:lnSpc>
+              <a:spcAft>
+                <a:spcPts val="600"/>
+              </a:spcAft>
+            </a:pPr>
+            <a:r>
+              <a:rPr lang="en-US" altLang="ko-KR" sz="1200" dirty="0" smtClean="0"/>
+              <a:t>URL</a:t>
+            </a:r>
+            <a:r>
+              <a:rPr lang="ko-KR" altLang="en-US" sz="1200" dirty="0" smtClean="0"/>
+              <a:t>의 파라미터를 이용하여 </a:t>
+            </a:r>
+            <a:r>
+              <a:rPr lang="en-US" altLang="ko-KR" sz="1200" dirty="0" smtClean="0"/>
+              <a:t>MSTR </a:t>
+            </a:r>
+            <a:r>
+              <a:rPr lang="ko-KR" altLang="en-US" sz="1200" dirty="0" smtClean="0"/>
+              <a:t>작업을 수행</a:t>
+            </a:r>
+            <a:endParaRPr lang="en-US" altLang="ko-KR" sz="1200" dirty="0" smtClean="0"/>
+          </a:p>
+          <a:p>
+            <a:pPr>
+              <a:lnSpc>
+                <a:spcPct val="150000"/>
+              </a:lnSpc>
+              <a:spcAft>
+                <a:spcPts val="600"/>
+              </a:spcAft>
+            </a:pPr>
+            <a:endParaRPr lang="en-US" altLang="ko-KR" sz="1200" dirty="0" smtClean="0">
+              <a:hlinkClick r:id="rId2"/>
+            </a:endParaRPr>
+          </a:p>
+          <a:p>
+            <a:pPr marL="171450" indent="-171450">
+              <a:lnSpc>
+                <a:spcPct val="150000"/>
+              </a:lnSpc>
+              <a:buFont typeface="Wingdings" panose="05000000000000000000" pitchFamily="2" charset="2"/>
+              <a:buChar char="v"/>
+            </a:pPr>
+            <a:r>
+              <a:rPr lang="en-US" altLang="ko-KR" sz="1200" dirty="0" smtClean="0">
+                <a:hlinkClick r:id="rId2"/>
+              </a:rPr>
+              <a:t>MicroStrategy URL Structure</a:t>
+            </a:r>
+            <a:endParaRPr lang="en-US" altLang="ko-KR" sz="1200" dirty="0" smtClean="0">
+              <a:hlinkClick r:id="rId2"/>
+            </a:endParaRPr>
+          </a:p>
+          <a:p>
+            <a:pPr marL="171450" indent="-171450">
+              <a:lnSpc>
+                <a:spcPct val="150000"/>
+              </a:lnSpc>
+              <a:buFont typeface="Wingdings" panose="05000000000000000000" pitchFamily="2" charset="2"/>
+              <a:buChar char="v"/>
+            </a:pPr>
+            <a:r>
+              <a:rPr lang="en-US" altLang="ko-KR" sz="1200" dirty="0" smtClean="0">
+                <a:hlinkClick r:id="rId2"/>
+              </a:rPr>
+              <a:t>Constructing a MicroStrategy URL Request</a:t>
+            </a:r>
+            <a:endParaRPr lang="en-US" altLang="ko-KR" sz="1200" dirty="0" smtClean="0"/>
+          </a:p>
+          <a:p>
+            <a:pPr marL="171450" indent="-171450">
+              <a:lnSpc>
+                <a:spcPct val="150000"/>
+              </a:lnSpc>
+              <a:buFont typeface="Wingdings" panose="05000000000000000000" pitchFamily="2" charset="2"/>
+              <a:buChar char="v"/>
+            </a:pPr>
+            <a:r>
+              <a:rPr lang="en-US" altLang="ko-KR" sz="1200" dirty="0" smtClean="0">
+                <a:hlinkClick r:id="rId3"/>
+              </a:rPr>
+              <a:t>Executing Common Actions Using the URL API</a:t>
+            </a:r>
+            <a:endParaRPr lang="en-US" altLang="ko-KR" sz="1200" dirty="0" smtClean="0"/>
+          </a:p>
+          <a:p>
+            <a:pPr marL="442913" indent="-171450">
+              <a:lnSpc>
+                <a:spcPct val="150000"/>
+              </a:lnSpc>
+              <a:buFont typeface="Arial" panose="020B0604020202020204" pitchFamily="34" charset="0"/>
+              <a:buChar char="•"/>
+            </a:pPr>
+            <a:r>
+              <a:rPr lang="en-US" altLang="ko-KR" sz="1200" dirty="0" smtClean="0">
+                <a:hlinkClick r:id="rId4"/>
+              </a:rPr>
+              <a:t>Executing a Report</a:t>
+            </a:r>
+            <a:endParaRPr lang="en-US" altLang="ko-KR" sz="1200" dirty="0" smtClean="0"/>
+          </a:p>
+          <a:p>
+            <a:pPr marL="442913" indent="-171450">
+              <a:lnSpc>
+                <a:spcPct val="150000"/>
+              </a:lnSpc>
+              <a:buFont typeface="Arial" panose="020B0604020202020204" pitchFamily="34" charset="0"/>
+              <a:buChar char="•"/>
+            </a:pPr>
+            <a:r>
+              <a:rPr lang="en-US" altLang="ko-KR" sz="1200" dirty="0">
+                <a:hlinkClick r:id="rId5"/>
+              </a:rPr>
+              <a:t>Passing Prompt Answers</a:t>
+            </a:r>
+            <a:r>
+              <a:rPr lang="en-US" altLang="ko-KR" sz="1200" dirty="0"/>
+              <a:t> </a:t>
+            </a:r>
+            <a:endParaRPr lang="en-US" altLang="ko-KR" sz="1200" dirty="0" smtClean="0"/>
+          </a:p>
+          <a:p>
+            <a:pPr marL="442913" indent="-171450">
+              <a:lnSpc>
+                <a:spcPct val="150000"/>
+              </a:lnSpc>
+              <a:buFont typeface="Arial" panose="020B0604020202020204" pitchFamily="34" charset="0"/>
+              <a:buChar char="•"/>
+            </a:pPr>
+            <a:r>
+              <a:rPr lang="en-US" altLang="ko-KR" sz="1200" dirty="0">
+                <a:hlinkClick r:id="rId6"/>
+              </a:rPr>
+              <a:t>Exporting a report to PDF</a:t>
+            </a:r>
+            <a:r>
+              <a:rPr lang="en-US" altLang="ko-KR" sz="1200" dirty="0"/>
+              <a:t> </a:t>
+            </a:r>
+            <a:endParaRPr lang="en-US" altLang="ko-KR" sz="1200" dirty="0" smtClean="0"/>
+          </a:p>
+          <a:p>
+            <a:pPr marL="442913" indent="-171450">
+              <a:lnSpc>
+                <a:spcPct val="150000"/>
+              </a:lnSpc>
+              <a:buFont typeface="Arial" panose="020B0604020202020204" pitchFamily="34" charset="0"/>
+              <a:buChar char="•"/>
+            </a:pPr>
+            <a:r>
+              <a:rPr lang="en-US" altLang="ko-KR" sz="1200" dirty="0">
+                <a:hlinkClick r:id="rId7"/>
+              </a:rPr>
+              <a:t>Exporting a report to a specified </a:t>
+            </a:r>
+            <a:r>
+              <a:rPr lang="en-US" altLang="ko-KR" sz="1200" dirty="0" smtClean="0">
+                <a:hlinkClick r:id="rId7"/>
+              </a:rPr>
+              <a:t>format</a:t>
+            </a:r>
+            <a:endParaRPr lang="en-US" altLang="ko-KR" sz="1200" dirty="0" smtClean="0"/>
+          </a:p>
+          <a:p>
+            <a:pPr marL="442913" indent="-171450">
+              <a:lnSpc>
+                <a:spcPct val="150000"/>
+              </a:lnSpc>
+              <a:buFont typeface="Arial" panose="020B0604020202020204" pitchFamily="34" charset="0"/>
+              <a:buChar char="•"/>
+            </a:pPr>
+            <a:r>
+              <a:rPr lang="en-US" altLang="ko-KR" sz="1200" dirty="0" smtClean="0">
+                <a:hlinkClick r:id="rId8"/>
+              </a:rPr>
+              <a:t>Viewing </a:t>
+            </a:r>
+            <a:r>
+              <a:rPr lang="en-US" altLang="ko-KR" sz="1200" dirty="0">
+                <a:hlinkClick r:id="rId8"/>
+              </a:rPr>
+              <a:t>the SQL for a Report</a:t>
+            </a:r>
+            <a:r>
+              <a:rPr lang="en-US" altLang="ko-KR" sz="1200" dirty="0"/>
+              <a:t> </a:t>
+            </a:r>
+            <a:endParaRPr lang="en-US" altLang="ko-KR" sz="1200" dirty="0" smtClean="0"/>
+          </a:p>
+          <a:p>
+            <a:pPr marL="442913" indent="-171450">
+              <a:lnSpc>
+                <a:spcPct val="150000"/>
+              </a:lnSpc>
+              <a:buFont typeface="Arial" panose="020B0604020202020204" pitchFamily="34" charset="0"/>
+              <a:buChar char="•"/>
+            </a:pPr>
+            <a:r>
+              <a:rPr lang="en-US" altLang="ko-KR" sz="1200" dirty="0" smtClean="0">
+                <a:hlinkClick r:id="rId9"/>
+              </a:rPr>
+              <a:t>Opening </a:t>
+            </a:r>
+            <a:r>
+              <a:rPr lang="en-US" altLang="ko-KR" sz="1200" dirty="0">
+                <a:hlinkClick r:id="rId9"/>
+              </a:rPr>
+              <a:t>a specified sheet in a </a:t>
+            </a:r>
+            <a:r>
+              <a:rPr lang="en-US" altLang="ko-KR" sz="1200" dirty="0" smtClean="0">
+                <a:hlinkClick r:id="rId9"/>
+              </a:rPr>
+              <a:t>dashboard</a:t>
+            </a:r>
+            <a:endParaRPr lang="en-US" altLang="ko-KR" sz="1200" dirty="0" smtClean="0"/>
+          </a:p>
+          <a:p>
+            <a:pPr marL="442913" indent="-171450">
+              <a:lnSpc>
+                <a:spcPct val="150000"/>
+              </a:lnSpc>
+              <a:buFont typeface="Arial" panose="020B0604020202020204" pitchFamily="34" charset="0"/>
+              <a:buChar char="•"/>
+            </a:pPr>
+            <a:r>
+              <a:rPr lang="en-US" altLang="ko-KR" sz="1200" dirty="0" smtClean="0">
+                <a:hlinkClick r:id="rId10"/>
+              </a:rPr>
+              <a:t>Executing </a:t>
+            </a:r>
+            <a:r>
+              <a:rPr lang="en-US" altLang="ko-KR" sz="1200" dirty="0">
+                <a:hlinkClick r:id="rId10"/>
+              </a:rPr>
+              <a:t>a document</a:t>
+            </a:r>
+            <a:r>
+              <a:rPr lang="en-US" altLang="ko-KR" sz="1200" dirty="0"/>
+              <a:t> </a:t>
+            </a:r>
+            <a:endParaRPr lang="en-US" altLang="ko-KR" sz="1200" dirty="0" smtClean="0"/>
+          </a:p>
+          <a:p>
+            <a:pPr marL="442913" indent="-171450">
+              <a:lnSpc>
+                <a:spcPct val="150000"/>
+              </a:lnSpc>
+              <a:buFont typeface="Arial" panose="020B0604020202020204" pitchFamily="34" charset="0"/>
+              <a:buChar char="•"/>
+            </a:pPr>
+            <a:r>
+              <a:rPr lang="en-US" altLang="ko-KR" sz="1200" dirty="0" smtClean="0">
+                <a:hlinkClick r:id="rId11"/>
+              </a:rPr>
+              <a:t>Opening </a:t>
+            </a:r>
+            <a:r>
+              <a:rPr lang="en-US" altLang="ko-KR" sz="1200" dirty="0">
+                <a:hlinkClick r:id="rId11"/>
+              </a:rPr>
+              <a:t>a specified panel in a document</a:t>
+            </a:r>
+            <a:r>
+              <a:rPr lang="en-US" altLang="ko-KR" sz="1200" dirty="0"/>
+              <a:t> </a:t>
+            </a:r>
+            <a:endParaRPr lang="en-US" altLang="ko-KR" sz="1200" dirty="0" smtClean="0"/>
+          </a:p>
+          <a:p>
+            <a:pPr marL="442913" indent="-171450">
+              <a:lnSpc>
+                <a:spcPct val="150000"/>
+              </a:lnSpc>
+              <a:buFont typeface="Arial" panose="020B0604020202020204" pitchFamily="34" charset="0"/>
+              <a:buChar char="•"/>
+            </a:pPr>
+            <a:r>
+              <a:rPr lang="en-US" altLang="ko-KR" sz="1200" dirty="0" smtClean="0">
+                <a:hlinkClick r:id="rId12"/>
+              </a:rPr>
+              <a:t>Exporting </a:t>
+            </a:r>
+            <a:r>
+              <a:rPr lang="en-US" altLang="ko-KR" sz="1200" dirty="0">
+                <a:hlinkClick r:id="rId12"/>
+              </a:rPr>
+              <a:t>a Document to PDF</a:t>
+            </a:r>
+            <a:r>
+              <a:rPr lang="en-US" altLang="ko-KR" sz="1200" dirty="0"/>
+              <a:t> </a:t>
+            </a:r>
+            <a:endParaRPr lang="en-US" altLang="ko-KR" sz="1200" dirty="0" smtClean="0"/>
+          </a:p>
+          <a:p>
+            <a:pPr marL="442913" indent="-171450">
+              <a:lnSpc>
+                <a:spcPct val="150000"/>
+              </a:lnSpc>
+              <a:buFont typeface="Arial" panose="020B0604020202020204" pitchFamily="34" charset="0"/>
+              <a:buChar char="•"/>
+            </a:pPr>
+            <a:r>
+              <a:rPr lang="en-US" altLang="ko-KR" sz="1200" dirty="0" smtClean="0">
+                <a:hlinkClick r:id="rId13"/>
+              </a:rPr>
+              <a:t>Browsing </a:t>
+            </a:r>
+            <a:r>
+              <a:rPr lang="en-US" altLang="ko-KR" sz="1200" dirty="0">
+                <a:hlinkClick r:id="rId13"/>
+              </a:rPr>
+              <a:t>a Folder</a:t>
+            </a:r>
+            <a:r>
+              <a:rPr lang="en-US" altLang="ko-KR" sz="1200" dirty="0"/>
+              <a:t> </a:t>
+            </a:r>
+            <a:endParaRPr lang="en-US" altLang="ko-KR" sz="1200" dirty="0" smtClean="0"/>
+          </a:p>
+          <a:p>
+            <a:pPr marL="442913" indent="-171450">
+              <a:lnSpc>
+                <a:spcPct val="150000"/>
+              </a:lnSpc>
+              <a:buFont typeface="Arial" panose="020B0604020202020204" pitchFamily="34" charset="0"/>
+              <a:buChar char="•"/>
+            </a:pPr>
+            <a:r>
+              <a:rPr lang="en-US" altLang="ko-KR" sz="1200" dirty="0" smtClean="0">
+                <a:hlinkClick r:id="rId14"/>
+              </a:rPr>
+              <a:t>Accessing </a:t>
+            </a:r>
+            <a:r>
+              <a:rPr lang="en-US" altLang="ko-KR" sz="1200" dirty="0">
+                <a:hlinkClick r:id="rId14"/>
+              </a:rPr>
+              <a:t>and Removing Items from the History List</a:t>
+            </a:r>
+            <a:r>
+              <a:rPr lang="en-US" altLang="ko-KR" sz="1200" dirty="0"/>
+              <a:t> </a:t>
+            </a:r>
+            <a:endParaRPr lang="en-US" altLang="ko-KR" sz="1200" dirty="0" smtClean="0"/>
+          </a:p>
+          <a:p>
+            <a:pPr marL="442913" indent="-171450">
+              <a:lnSpc>
+                <a:spcPct val="150000"/>
+              </a:lnSpc>
+              <a:buFont typeface="Arial" panose="020B0604020202020204" pitchFamily="34" charset="0"/>
+              <a:buChar char="•"/>
+            </a:pPr>
+            <a:r>
+              <a:rPr lang="en-US" altLang="ko-KR" sz="1200" dirty="0" smtClean="0">
+                <a:hlinkClick r:id="rId15"/>
+              </a:rPr>
+              <a:t>Deleting </a:t>
+            </a:r>
+            <a:r>
+              <a:rPr lang="en-US" altLang="ko-KR" sz="1200" dirty="0">
+                <a:hlinkClick r:id="rId15"/>
+              </a:rPr>
+              <a:t>Subscriptions and Schedules</a:t>
+            </a:r>
+            <a:r>
+              <a:rPr lang="en-US" altLang="ko-KR" sz="1200" dirty="0"/>
+              <a:t> </a:t>
+            </a:r>
+            <a:endParaRPr lang="en-US" altLang="ko-KR" sz="1200" dirty="0"/>
+          </a:p>
+        </p:txBody>
+      </p:sp>
+    </p:spTree>
+    <p:extLst>
+      <p:ext uri="{BB962C8B-B14F-4D97-AF65-F5344CB8AC3E}">
+        <p14:creationId xmlns:p14="http://schemas.microsoft.com/office/powerpoint/2010/main" val="3445139089"/>
+      </p:ext>
+    </p:extLst>
+  </p:cSld>
+  <p:clrMapOvr>
+    <a:masterClrMapping/>
+  </p:clrMapOvr>
+  <p:timing>
+    <p:tnLst>
+      <p:par>
+        <p:cTn id="1" dur="indefinite" restart="never" nodeType="tmRoot"/>
+      </p:par>
+    </p:tnLst>
+  </p:timing>
+</p:sld>
+</file>
+
+<file path=ppt/slides/slide11.xml><?xml version="1.0" encoding="utf-8"?>
+<p:sld xmlns:a="http://schemas.openxmlformats.org/drawingml/2006/main" xmlns:r="http://schemas.openxmlformats.org/officeDocument/2006/relationships" xmlns:p="http://schemas.openxmlformats.org/presentationml/2006/main">
+  <p:cSld>
+    <p:spTree>
+      <p:nvGrpSpPr>
+        <p:cNvPr id="1" name=""/>
+        <p:cNvGrpSpPr/>
+        <p:nvPr/>
+      </p:nvGrpSpPr>
+      <p:grpSpPr>
+        <a:xfrm>
+          <a:off x="0" y="0"/>
+          <a:ext cx="0" cy="0"/>
+          <a:chOff x="0" y="0"/>
+          <a:chExt cx="0" cy="0"/>
+        </a:xfrm>
+      </p:grpSpPr>
       <p:pic>
         <p:nvPicPr>
           <p:cNvPr id="15" name="Picture 2"/>
@@ -5499,11 +6004,19 @@
           <a:p>
             <a:r>
               <a:rPr lang="en-US" altLang="ko-KR" dirty="0" smtClean="0"/>
-              <a:t>MicroStrategy</a:t>
+              <a:t>M</a:t>
+            </a:r>
+            <a:r>
+              <a:rPr lang="en-US" altLang="ko-KR" dirty="0" smtClean="0"/>
+              <a:t>icroStrategy(MSTR)</a:t>
             </a:r>
             <a:r>
               <a:rPr lang="ko-KR" altLang="en-US" dirty="0" smtClean="0"/>
-              <a:t>의 웹</a:t>
+              <a:t>의 </a:t>
+            </a:r>
+            <a:r>
+              <a:rPr lang="ko-KR" altLang="en-US" dirty="0" smtClean="0"/>
+              <a:t>웹</a:t>
             </a:r>
             <a:endParaRPr lang="en-US" altLang="ko-KR" dirty="0" smtClean="0"/>
           </a:p>
@@ -5538,6 +6051,56 @@
               <a:t>커스터마이징</a:t>
             </a:r>
             <a:endParaRPr lang="ko-KR" altLang="en-US" dirty="0"/>
+          </a:p>
+        </p:txBody>
+      </p:sp>
+      <p:sp>
+        <p:nvSpPr>
+          <p:cNvPr id="3" name="TextBox 2"/>
+          <p:cNvSpPr txBox="1"/>
+          <p:nvPr/>
+        </p:nvSpPr>
+        <p:spPr>
+          <a:xfrm>
+            <a:off x="631726" y="6309320"/>
+            <a:ext cx="3433697" cy="307777"/>
+          </a:xfrm>
+          <a:prstGeom prst="rect">
+            <a:avLst/>
+          </a:prstGeom>
+          <a:noFill/>
+        </p:spPr>
+        <p:txBody>
+          <a:bodyPr wrap="none" rtlCol="0">
+            <a:spAutoFit/>
+          </a:bodyPr>
+          <a:lstStyle/>
+          <a:p>
+            <a:pPr marL="285750" indent="-285750">
+              <a:buFont typeface="Wingdings" panose="05000000000000000000" pitchFamily="2" charset="2"/>
+              <a:buChar char="v"/>
+            </a:pPr>
+            <a:r>
+              <a:rPr lang="ko-KR" altLang="en-US" sz="1400" b="1" dirty="0"/>
+              <a:t>이하 </a:t>
+            </a:r>
+            <a:r>
+              <a:rPr lang="en-US" altLang="ko-KR" sz="1400" b="1" dirty="0" smtClean="0"/>
+              <a:t>MicroStrategy</a:t>
+            </a:r>
+            <a:r>
+              <a:rPr lang="ko-KR" altLang="en-US" sz="1400" b="1" dirty="0" smtClean="0"/>
+              <a:t>를 </a:t>
+            </a:r>
+            <a:r>
+              <a:rPr lang="en-US" altLang="ko-KR" sz="1400" b="1" dirty="0" smtClean="0"/>
+              <a:t>MSTR</a:t>
+            </a:r>
+            <a:r>
+              <a:rPr lang="ko-KR" altLang="en-US" sz="1400" b="1" dirty="0" smtClean="0"/>
+              <a:t>로 표기</a:t>
+            </a:r>
+            <a:endParaRPr lang="ko-KR" altLang="en-US" sz="1400" b="1" dirty="0"/>
           </a:p>
         </p:txBody>
       </p:sp>
@@ -9634,8 +10197,8 @@
         </p:nvSpPr>
         <p:spPr>
           <a:xfrm>
-            <a:off x="7464506" y="179348"/>
-            <a:ext cx="2312236" cy="338554"/>
+            <a:off x="8264790" y="179348"/>
+            <a:ext cx="1511952" cy="338554"/>
           </a:xfrm>
           <a:prstGeom prst="rect">
             <a:avLst/>
@@ -9651,7 +10214,7 @@
             <a:pPr algn="r"/>
             <a:r>
               <a:rPr lang="en-US" altLang="ko-KR" sz="1600" b="1" dirty="0" smtClean="0"/>
-              <a:t>MicroStrategy </a:t>
+              <a:t>MSTR </a:t>
             </a:r>
             <a:r>
               <a:rPr lang="ko-KR" altLang="en-US" sz="1600" b="1" dirty="0" smtClean="0"/>
@@ -9686,7 +10249,11 @@
           <a:p>
             <a:r>
               <a:rPr lang="en-US" altLang="ko-KR" dirty="0" smtClean="0"/>
-              <a:t>MicroStrategy </a:t>
+              <a:t>MSTR</a:t>
+            </a:r>
+            <a:r>
+              <a:rPr lang="en-US" altLang="ko-KR" dirty="0" smtClean="0"/>
+              <a:t> </a:t>
             </a:r>
             <a:r>
               <a:rPr lang="ko-KR" altLang="en-US" dirty="0" smtClean="0"/>
@@ -10218,7 +10785,9 @@
             <a:ext cx="1406060" cy="407593"/>
           </a:xfrm>
           <a:prstGeom prst="bentConnector3">
-            <a:avLst/>
+            <a:avLst>
+              <a:gd name="adj1" fmla="val 52323"/>
+            </a:avLst>
           </a:prstGeom>
           <a:ln w="19050">
             <a:solidFill>
@@ -11033,8 +11602,8 @@
         </p:nvSpPr>
         <p:spPr>
           <a:xfrm>
-            <a:off x="7464506" y="179348"/>
-            <a:ext cx="2312236" cy="338554"/>
+            <a:off x="8264790" y="179348"/>
+            <a:ext cx="1511952" cy="338554"/>
           </a:xfrm>
           <a:prstGeom prst="rect">
             <a:avLst/>
@@ -11050,7 +11619,7 @@
             <a:pPr algn="r"/>
             <a:r>
               <a:rPr lang="en-US" altLang="ko-KR" sz="1600" b="1" dirty="0" smtClean="0"/>
-              <a:t>MicroStrategy </a:t>
+              <a:t>MSTR </a:t>
             </a:r>
             <a:r>
               <a:rPr lang="ko-KR" altLang="en-US" sz="1600" b="1" dirty="0" smtClean="0"/>
@@ -11085,7 +11654,7 @@
           <a:p>
             <a:r>
               <a:rPr lang="en-US" altLang="ko-KR" dirty="0" smtClean="0"/>
-              <a:t>MicroStrategy </a:t>
+              <a:t>MSTR </a:t>
             </a:r>
             <a:r>
               <a:rPr lang="ko-KR" altLang="en-US" dirty="0" smtClean="0"/>
@@ -11883,11 +12452,7 @@
             </a:pPr>
             <a:r>
               <a:rPr lang="en-US" altLang="ko-KR" sz="1200" b="1" dirty="0" smtClean="0"/>
-              <a:t>External Security </a:t>
-            </a:r>
-            <a:r>
-              <a:rPr lang="en-US" altLang="ko-KR" sz="1200" b="1" dirty="0" smtClean="0"/>
-              <a:t>Module</a:t>
+              <a:t>External Security Module</a:t>
             </a:r>
           </a:p>
           <a:p>
@@ -11904,11 +12469,7 @@
             </a:r>
             <a:r>
               <a:rPr lang="ko-KR" altLang="en-US" sz="1000" b="1" dirty="0" smtClean="0"/>
-              <a:t>세션이 필요한 경우 호출되는 </a:t>
-            </a:r>
-            <a:r>
-              <a:rPr lang="ko-KR" altLang="en-US" sz="1000" b="1" dirty="0" smtClean="0"/>
-              <a:t>클래스로 </a:t>
+              <a:t>세션이 필요한 경우 호출되는 클래스로 </a:t>
             </a:r>
             <a:r>
               <a:rPr lang="en-US" altLang="ko-KR" sz="1000" b="1" dirty="0" smtClean="0"/>
@@ -12100,8 +12661,8 @@
         </p:nvSpPr>
         <p:spPr>
           <a:xfrm>
-            <a:off x="7464506" y="179348"/>
-            <a:ext cx="2312236" cy="338554"/>
+            <a:off x="8264790" y="179348"/>
+            <a:ext cx="1511952" cy="338554"/>
           </a:xfrm>
           <a:prstGeom prst="rect">
             <a:avLst/>
@@ -12117,7 +12678,7 @@
             <a:pPr algn="r"/>
             <a:r>
               <a:rPr lang="en-US" altLang="ko-KR" sz="1600" b="1" dirty="0" smtClean="0"/>
-              <a:t>MicroStrategy </a:t>
+              <a:t>MSTR </a:t>
             </a:r>
             <a:r>
               <a:rPr lang="ko-KR" altLang="en-US" sz="1600" b="1" dirty="0" smtClean="0"/>
@@ -12152,7 +12713,7 @@
           <a:p>
             <a:r>
               <a:rPr lang="en-US" altLang="ko-KR" dirty="0" smtClean="0"/>
-              <a:t>MicroStrategy </a:t>
+              <a:t>MSTR </a:t>
             </a:r>
             <a:r>
               <a:rPr lang="ko-KR" altLang="en-US" dirty="0" smtClean="0"/>
@@ -12170,8 +12731,8 @@
         </p:nvSpPr>
         <p:spPr>
           <a:xfrm>
-            <a:off x="271686" y="908050"/>
-            <a:ext cx="8712968" cy="1646605"/>
+            <a:off x="287390" y="912175"/>
+            <a:ext cx="8712968" cy="4262705"/>
           </a:xfrm>
           <a:prstGeom prst="rect">
             <a:avLst/>
@@ -12193,96 +12754,452 @@
               </a:spcAft>
             </a:pPr>
             <a:r>
+              <a:rPr lang="en-US" altLang="ko-KR" sz="1600" b="1" dirty="0" smtClean="0"/>
+              <a:t>MSTR </a:t>
+            </a:r>
+            <a:r>
               <a:rPr lang="ko-KR" altLang="en-US" sz="1600" b="1" dirty="0" smtClean="0"/>
-              <a:t>용</a:t>
-            </a:r>
-            <a:r>
-              <a:rPr lang="ko-KR" altLang="en-US" sz="1600" b="1" dirty="0"/>
-              <a:t>도</a:t>
-            </a:r>
-            <a:r>
-              <a:rPr lang="ko-KR" altLang="en-US" sz="1600" b="1" dirty="0" smtClean="0"/>
-              <a:t>에 따른 세션의 생성 유형</a:t>
+              <a:t>세션의 이용</a:t>
             </a:r>
             <a:endParaRPr lang="en-US" altLang="ko-KR" sz="1600" b="1" dirty="0" smtClean="0"/>
           </a:p>
           <a:p>
-            <a:pPr marL="228600" indent="-228600">
+            <a:pPr marL="180000" indent="-180000">
               <a:lnSpc>
                 <a:spcPct val="150000"/>
               </a:lnSpc>
-              <a:buFont typeface="+mj-lt"/>
-              <a:buAutoNum type="arabicPeriod"/>
+              <a:spcAft>
+                <a:spcPts val="600"/>
+              </a:spcAft>
+              <a:buFont typeface="Wingdings" panose="05000000000000000000" pitchFamily="2" charset="2"/>
+              <a:buChar char="v"/>
             </a:pPr>
             <a:r>
+              <a:rPr lang="ko-KR" altLang="en-US" sz="1200" dirty="0"/>
+              <a:t>사</a:t>
+            </a:r>
+            <a:r>
               <a:rPr lang="ko-KR" altLang="en-US" sz="1200" dirty="0" smtClean="0"/>
-              <a:t>세션 생성 </a:t>
+              <a:t>용자의 인증 및 권한 정보를 확인하기 위해 사용</a:t>
+            </a:r>
+            <a:endParaRPr lang="en-US" altLang="ko-KR" sz="1200" dirty="0" smtClean="0"/>
+          </a:p>
+          <a:p>
+            <a:pPr marL="180000" indent="-180000">
+              <a:lnSpc>
+                <a:spcPct val="150000"/>
+              </a:lnSpc>
+              <a:spcAft>
+                <a:spcPts val="600"/>
+              </a:spcAft>
+              <a:buFont typeface="Wingdings" panose="05000000000000000000" pitchFamily="2" charset="2"/>
+              <a:buChar char="v"/>
+            </a:pPr>
+            <a:r>
+              <a:rPr lang="ko-KR" altLang="en-US" sz="1200" dirty="0" smtClean="0"/>
+              <a:t>대부분의 </a:t>
             </a:r>
             <a:r>
               <a:rPr lang="en-US" altLang="ko-KR" sz="1200" dirty="0" smtClean="0"/>
+              <a:t>MSTR </a:t>
+            </a:r>
+            <a:r>
+              <a:rPr lang="en-US" altLang="ko-KR" sz="1200" dirty="0"/>
               <a:t>API </a:t>
             </a:r>
             <a:r>
               <a:rPr lang="ko-KR" altLang="en-US" sz="1200" dirty="0" smtClean="0"/>
-              <a:t>실행 후 종료</a:t>
-            </a:r>
-            <a:endParaRPr lang="en-US" altLang="ko-KR" sz="1200" dirty="0" smtClean="0"/>
+              <a:t>활용 시 사용자의 </a:t>
+            </a:r>
+            <a:r>
+              <a:rPr lang="en-US" altLang="ko-KR" sz="1200" dirty="0" smtClean="0"/>
+              <a:t>MSTR </a:t>
+            </a:r>
+            <a:r>
+              <a:rPr lang="ko-KR" altLang="en-US" sz="1200" dirty="0" smtClean="0"/>
+              <a:t>세션이 생성된 상태에서 수행되는 방식</a:t>
+            </a:r>
+            <a:endParaRPr lang="en-US" altLang="ko-KR" sz="1200" dirty="0"/>
           </a:p>
           <a:p>
             <a:pPr>
               <a:lnSpc>
                 <a:spcPct val="150000"/>
               </a:lnSpc>
+              <a:spcBef>
+                <a:spcPts val="600"/>
+              </a:spcBef>
+              <a:spcAft>
+                <a:spcPts val="600"/>
+              </a:spcAft>
             </a:pPr>
             <a:r>
-              <a:rPr lang="en-US" altLang="ko-KR" sz="1200" dirty="0" smtClean="0"/>
-              <a:t>MSTR API</a:t>
-            </a:r>
-            <a:r>
-              <a:rPr lang="ko-KR" altLang="en-US" sz="1200" dirty="0" smtClean="0"/>
-              <a:t>를 </a:t>
-            </a:r>
-            <a:r>
-              <a:rPr lang="ko-KR" altLang="en-US" sz="1200" smtClean="0"/>
-              <a:t>이용하기 위해 </a:t>
-            </a:r>
-            <a:endParaRPr lang="en-US" altLang="ko-KR" sz="1200" dirty="0" smtClean="0"/>
-          </a:p>
-          <a:p>
-            <a:pPr marL="228600" indent="-228600">
+              <a:rPr lang="ko-KR" altLang="en-US" sz="1600" b="1" dirty="0" smtClean="0"/>
+              <a:t>용도에 </a:t>
+            </a:r>
+            <a:r>
+              <a:rPr lang="ko-KR" altLang="en-US" sz="1600" b="1" dirty="0" smtClean="0"/>
+              <a:t>따른 </a:t>
+            </a:r>
+            <a:r>
+              <a:rPr lang="en-US" altLang="ko-KR" sz="1600" b="1" dirty="0" smtClean="0"/>
+              <a:t>MSTR </a:t>
+            </a:r>
+            <a:r>
+              <a:rPr lang="ko-KR" altLang="en-US" sz="1600" b="1" dirty="0" smtClean="0"/>
+              <a:t>세션의 생성 및 활용 </a:t>
+            </a:r>
+            <a:r>
+              <a:rPr lang="ko-KR" altLang="en-US" sz="1600" b="1" dirty="0" smtClean="0"/>
+              <a:t>유형</a:t>
+            </a:r>
+            <a:endParaRPr lang="en-US" altLang="ko-KR" sz="1600" b="1" dirty="0" smtClean="0"/>
+          </a:p>
+          <a:p>
+            <a:pPr marL="180000" indent="-180000">
               <a:lnSpc>
                 <a:spcPct val="150000"/>
               </a:lnSpc>
-              <a:buFont typeface="+mj-lt"/>
-              <a:buAutoNum type="arabicPeriod"/>
+              <a:buFont typeface="Wingdings" panose="05000000000000000000" pitchFamily="2" charset="2"/>
+              <a:buChar char="v"/>
             </a:pPr>
             <a:r>
+              <a:rPr lang="en-US" altLang="ko-KR" sz="1200" dirty="0" smtClean="0"/>
+              <a:t>MSTR </a:t>
+            </a:r>
+            <a:r>
               <a:rPr lang="ko-KR" altLang="en-US" sz="1200" dirty="0" smtClean="0"/>
-              <a:t>세션 생성 후 </a:t>
+              <a:t>세션 </a:t>
+            </a:r>
+            <a:r>
+              <a:rPr lang="ko-KR" altLang="en-US" sz="1200" dirty="0" smtClean="0"/>
+              <a:t>생성 </a:t>
             </a:r>
             <a:r>
               <a:rPr lang="en-US" altLang="ko-KR" sz="1200" dirty="0" smtClean="0"/>
-              <a:t>MicroStrategy Page</a:t>
+              <a:t>API </a:t>
             </a:r>
             <a:r>
               <a:rPr lang="ko-KR" altLang="en-US" sz="1200" dirty="0" smtClean="0"/>
-              <a:t>에서 활용</a:t>
+              <a:t>실행 후 </a:t>
+            </a:r>
+            <a:r>
+              <a:rPr lang="ko-KR" altLang="en-US" sz="1200" dirty="0" smtClean="0"/>
+              <a:t>세션 종료</a:t>
             </a:r>
             <a:endParaRPr lang="en-US" altLang="ko-KR" sz="1200" dirty="0" smtClean="0"/>
           </a:p>
           <a:p>
-            <a:pPr marL="228600" indent="-228600">
+            <a:pPr marL="355600" lvl="1" indent="-171450">
               <a:lnSpc>
                 <a:spcPct val="150000"/>
               </a:lnSpc>
-              <a:buFont typeface="+mj-lt"/>
-              <a:buAutoNum type="arabicPeriod"/>
+              <a:buFont typeface="Arial" panose="020B0604020202020204" pitchFamily="34" charset="0"/>
+              <a:buChar char="•"/>
             </a:pPr>
             <a:r>
               <a:rPr lang="ko-KR" altLang="en-US" sz="1200" dirty="0" smtClean="0"/>
-              <a:t>세션 생성 후 재활용</a:t>
+              <a:t>접속 계정이 아닌 다른 사용자 계정으로 일회성 </a:t>
+            </a:r>
+            <a:r>
+              <a:rPr lang="ko-KR" altLang="en-US" sz="1200" dirty="0" smtClean="0"/>
+              <a:t>이용</a:t>
+            </a:r>
+            <a:r>
+              <a:rPr lang="en-US" altLang="ko-KR" sz="1200" dirty="0" smtClean="0"/>
+              <a:t/>
+            </a:r>
+            <a:br>
+              <a:rPr lang="en-US" altLang="ko-KR" sz="1200" dirty="0" smtClean="0"/>
+            </a:br>
+            <a:r>
+              <a:rPr lang="en-US" altLang="ko-KR" sz="1200" dirty="0" smtClean="0"/>
+              <a:t>(</a:t>
+            </a:r>
+            <a:r>
+              <a:rPr lang="ko-KR" altLang="en-US" sz="1200" dirty="0" smtClean="0"/>
+              <a:t>예시</a:t>
+            </a:r>
+            <a:r>
+              <a:rPr lang="en-US" altLang="ko-KR" sz="1200" dirty="0" smtClean="0"/>
+              <a:t>: </a:t>
+            </a:r>
+            <a:r>
+              <a:rPr lang="ko-KR" altLang="en-US" sz="1200" dirty="0" smtClean="0"/>
+              <a:t>사용자 생성</a:t>
+            </a:r>
+            <a:r>
+              <a:rPr lang="en-US" altLang="ko-KR" sz="1200" dirty="0" smtClean="0"/>
+              <a:t>, </a:t>
+            </a:r>
+            <a:r>
+              <a:rPr lang="ko-KR" altLang="en-US" sz="1200" dirty="0" smtClean="0"/>
+              <a:t>권한 부여 등의 권한은 </a:t>
+            </a:r>
+            <a:r>
+              <a:rPr lang="en-US" altLang="ko-KR" sz="1200" dirty="0" smtClean="0"/>
+              <a:t>administrator</a:t>
+            </a:r>
+            <a:r>
+              <a:rPr lang="ko-KR" altLang="en-US" sz="1200" dirty="0" smtClean="0"/>
+              <a:t>에만 부여되므로 사용자 관리 기능 수행 시에만 세션 유지</a:t>
+            </a:r>
+            <a:r>
+              <a:rPr lang="en-US" altLang="ko-KR" sz="1200" dirty="0" smtClean="0"/>
+              <a:t>)</a:t>
             </a:r>
             <a:endParaRPr lang="en-US" altLang="ko-KR" sz="1200" dirty="0" smtClean="0"/>
+          </a:p>
+          <a:p>
+            <a:pPr marL="180000" indent="-180000">
+              <a:lnSpc>
+                <a:spcPct val="150000"/>
+              </a:lnSpc>
+              <a:buFont typeface="Wingdings" panose="05000000000000000000" pitchFamily="2" charset="2"/>
+              <a:buChar char="v"/>
+            </a:pPr>
+            <a:r>
+              <a:rPr lang="en-US" altLang="ko-KR" sz="1200" dirty="0" smtClean="0"/>
+              <a:t>MSTR </a:t>
+            </a:r>
+            <a:r>
+              <a:rPr lang="ko-KR" altLang="en-US" sz="1200" dirty="0" smtClean="0"/>
+              <a:t>세션 </a:t>
+            </a:r>
+            <a:r>
+              <a:rPr lang="ko-KR" altLang="en-US" sz="1200" dirty="0" smtClean="0"/>
+              <a:t>생성 후 </a:t>
+            </a:r>
+            <a:r>
+              <a:rPr lang="en-US" altLang="ko-KR" sz="1200" dirty="0" smtClean="0"/>
+              <a:t>MSTR </a:t>
+            </a:r>
+            <a:r>
+              <a:rPr lang="en-US" altLang="ko-KR" sz="1200" dirty="0" smtClean="0"/>
+              <a:t>Page</a:t>
+            </a:r>
+            <a:r>
+              <a:rPr lang="ko-KR" altLang="en-US" sz="1200" dirty="0" smtClean="0"/>
+              <a:t>에서 </a:t>
+            </a:r>
+            <a:r>
+              <a:rPr lang="ko-KR" altLang="en-US" sz="1200" dirty="0" smtClean="0"/>
+              <a:t>활용</a:t>
+            </a:r>
+            <a:endParaRPr lang="en-US" altLang="ko-KR" sz="1200" dirty="0" smtClean="0"/>
+          </a:p>
+          <a:p>
+            <a:pPr marL="355600" lvl="1" indent="-171450">
+              <a:lnSpc>
+                <a:spcPct val="150000"/>
+              </a:lnSpc>
+              <a:buFont typeface="Arial" panose="020B0604020202020204" pitchFamily="34" charset="0"/>
+              <a:buChar char="•"/>
+            </a:pPr>
+            <a:r>
+              <a:rPr lang="en-US" altLang="ko-KR" sz="1200" dirty="0"/>
+              <a:t>ESM</a:t>
+            </a:r>
+            <a:r>
+              <a:rPr lang="ko-KR" altLang="en-US" sz="1200" dirty="0"/>
+              <a:t>내에서 생성된 세션은 </a:t>
+            </a:r>
+            <a:r>
+              <a:rPr lang="en-US" altLang="ko-KR" sz="1200" dirty="0"/>
+              <a:t>MSTR </a:t>
+            </a:r>
+            <a:r>
+              <a:rPr lang="ko-KR" altLang="en-US" sz="1200" dirty="0"/>
+              <a:t>페이지 </a:t>
+            </a:r>
+            <a:r>
+              <a:rPr lang="ko-KR" altLang="en-US" sz="1200" dirty="0" smtClean="0"/>
+              <a:t>호출 시 </a:t>
+            </a:r>
+            <a:r>
+              <a:rPr lang="ko-KR" altLang="en-US" sz="1200" dirty="0"/>
+              <a:t>계속 </a:t>
+            </a:r>
+            <a:r>
+              <a:rPr lang="ko-KR" altLang="en-US" sz="1200" dirty="0" smtClean="0"/>
+              <a:t>적용됨</a:t>
+            </a:r>
+            <a:endParaRPr lang="en-US" altLang="ko-KR" sz="1200" dirty="0" smtClean="0"/>
+          </a:p>
+          <a:p>
+            <a:pPr marL="180000" indent="-180000">
+              <a:lnSpc>
+                <a:spcPct val="150000"/>
+              </a:lnSpc>
+              <a:buFont typeface="Wingdings" panose="05000000000000000000" pitchFamily="2" charset="2"/>
+              <a:buChar char="v"/>
+            </a:pPr>
+            <a:r>
+              <a:rPr lang="en-US" altLang="ko-KR" sz="1200" dirty="0" smtClean="0"/>
+              <a:t>MSTR </a:t>
+            </a:r>
+            <a:r>
+              <a:rPr lang="ko-KR" altLang="en-US" sz="1200" dirty="0" smtClean="0"/>
+              <a:t>세션 </a:t>
+            </a:r>
+            <a:r>
+              <a:rPr lang="ko-KR" altLang="en-US" sz="1200" dirty="0" smtClean="0"/>
+              <a:t>생성 후 </a:t>
+            </a:r>
+            <a:r>
+              <a:rPr lang="ko-KR" altLang="en-US" sz="1200" dirty="0" smtClean="0"/>
+              <a:t>재활용</a:t>
+            </a:r>
+            <a:endParaRPr lang="en-US" altLang="ko-KR" sz="1200" dirty="0" smtClean="0"/>
+          </a:p>
+          <a:p>
+            <a:pPr marL="355600" lvl="1" indent="-171450">
+              <a:lnSpc>
+                <a:spcPct val="150000"/>
+              </a:lnSpc>
+              <a:buFont typeface="Arial" panose="020B0604020202020204" pitchFamily="34" charset="0"/>
+              <a:buChar char="•"/>
+            </a:pPr>
+            <a:r>
+              <a:rPr lang="en-US" altLang="ko-KR" sz="1200" dirty="0"/>
+              <a:t>MSTR </a:t>
+            </a:r>
+            <a:r>
+              <a:rPr lang="ko-KR" altLang="en-US" sz="1200" dirty="0"/>
+              <a:t>세션에 대한 객체정보를 문자열로 반환하는 메서드</a:t>
+            </a:r>
+            <a:r>
+              <a:rPr lang="en-US" altLang="ko-KR" sz="1200" dirty="0"/>
+              <a:t>(WebIServerSession.saveState)</a:t>
+            </a:r>
+            <a:r>
+              <a:rPr lang="ko-KR" altLang="en-US" sz="1200" dirty="0"/>
+              <a:t>를 이용</a:t>
+            </a:r>
+            <a:r>
+              <a:rPr lang="en-US" altLang="ko-KR" sz="1200" dirty="0"/>
+              <a:t>, </a:t>
+            </a:r>
+            <a:r>
+              <a:rPr lang="ko-KR" altLang="en-US" sz="1200" dirty="0"/>
+              <a:t>웹세션에 이 </a:t>
+            </a:r>
+            <a:r>
+              <a:rPr lang="ko-KR" altLang="en-US" sz="1200" dirty="0" smtClean="0"/>
+              <a:t>문자열을 </a:t>
+            </a:r>
+            <a:r>
+              <a:rPr lang="en-US" altLang="ko-KR" sz="1200" dirty="0" smtClean="0"/>
+              <a:t/>
+            </a:r>
+            <a:br>
+              <a:rPr lang="en-US" altLang="ko-KR" sz="1200" dirty="0" smtClean="0"/>
+            </a:br>
+            <a:r>
+              <a:rPr lang="ko-KR" altLang="en-US" sz="1200" dirty="0" smtClean="0"/>
+              <a:t>보관하고</a:t>
+            </a:r>
+            <a:r>
+              <a:rPr lang="en-US" altLang="ko-KR" sz="1200" dirty="0" smtClean="0"/>
+              <a:t>, </a:t>
+            </a:r>
+            <a:r>
+              <a:rPr lang="ko-KR" altLang="en-US" sz="1200" dirty="0" smtClean="0"/>
+              <a:t>복원하는 메서드</a:t>
+            </a:r>
+            <a:r>
+              <a:rPr lang="en-US" altLang="ko-KR" sz="1200" dirty="0" smtClean="0"/>
+              <a:t>(WebIServerSession.restoreState)</a:t>
+            </a:r>
+            <a:r>
+              <a:rPr lang="ko-KR" altLang="en-US" sz="1200" dirty="0" smtClean="0"/>
+              <a:t>를</a:t>
+            </a:r>
+            <a:r>
+              <a:rPr lang="en-US" altLang="ko-KR" sz="1200" dirty="0" smtClean="0"/>
+              <a:t> </a:t>
+            </a:r>
+            <a:r>
+              <a:rPr lang="ko-KR" altLang="en-US" sz="1200" dirty="0" smtClean="0"/>
+              <a:t>이용하여 </a:t>
+            </a:r>
+            <a:r>
+              <a:rPr lang="en-US" altLang="ko-KR" sz="1200" dirty="0" smtClean="0"/>
+              <a:t>MSTR API </a:t>
+            </a:r>
+            <a:r>
+              <a:rPr lang="ko-KR" altLang="en-US" sz="1200" dirty="0" smtClean="0"/>
+              <a:t>호출 시 사용</a:t>
+            </a:r>
+            <a:r>
+              <a:rPr lang="en-US" altLang="ko-KR" sz="1200" dirty="0" smtClean="0"/>
+              <a:t/>
+            </a:r>
+            <a:br>
+              <a:rPr lang="en-US" altLang="ko-KR" sz="1200" dirty="0" smtClean="0"/>
+            </a:br>
+            <a:r>
+              <a:rPr lang="ko-KR" altLang="en-US" sz="1200" dirty="0" smtClean="0"/>
+              <a:t>또는 </a:t>
+            </a:r>
+            <a:r>
+              <a:rPr lang="en-US" altLang="ko-KR" sz="1200" dirty="0" smtClean="0"/>
+              <a:t>URL</a:t>
+            </a:r>
+            <a:r>
+              <a:rPr lang="ko-KR" altLang="en-US" sz="1200" dirty="0" smtClean="0"/>
+              <a:t>에</a:t>
+            </a:r>
+            <a:r>
+              <a:rPr lang="en-US" altLang="ko-KR" sz="1200" dirty="0"/>
+              <a:t> </a:t>
+            </a:r>
+            <a:r>
+              <a:rPr lang="en-US" altLang="ko-KR" sz="1200" dirty="0" smtClean="0"/>
+              <a:t>usrSmgr </a:t>
+            </a:r>
+            <a:r>
+              <a:rPr lang="ko-KR" altLang="en-US" sz="1200" dirty="0" smtClean="0"/>
+              <a:t>파라미터로 전달하는 방법을 사용</a:t>
+            </a:r>
+            <a:endParaRPr lang="en-US" altLang="ko-KR" sz="1200" dirty="0"/>
+          </a:p>
+        </p:txBody>
+      </p:sp>
+      <p:sp>
+        <p:nvSpPr>
+          <p:cNvPr id="3" name="직사각형 2"/>
+          <p:cNvSpPr/>
+          <p:nvPr/>
+        </p:nvSpPr>
+        <p:spPr>
+          <a:xfrm>
+            <a:off x="283959" y="6032321"/>
+            <a:ext cx="9492783" cy="276999"/>
+          </a:xfrm>
+          <a:prstGeom prst="rect">
+            <a:avLst/>
+          </a:prstGeom>
+        </p:spPr>
+        <p:txBody>
+          <a:bodyPr wrap="square">
+            <a:spAutoFit/>
+          </a:bodyPr>
+          <a:lstStyle/>
+          <a:p>
+            <a:r>
+              <a:rPr lang="ko-KR" altLang="en-US" sz="1200" dirty="0" smtClean="0"/>
+              <a:t>상세 내용 </a:t>
+            </a:r>
+            <a:r>
+              <a:rPr lang="en-US" altLang="ko-KR" sz="1200" dirty="0" smtClean="0"/>
+              <a:t>: Web </a:t>
+            </a:r>
+            <a:r>
+              <a:rPr lang="en-US" altLang="ko-KR" sz="1200" dirty="0"/>
+              <a:t>SDK &gt; Understanding MicroStrategy Web &gt; Authentication Integration and Single Sign-On &gt; Session Creation</a:t>
+            </a:r>
+            <a:endParaRPr lang="ko-KR" altLang="en-US" sz="1200" dirty="0"/>
           </a:p>
         </p:txBody>
       </p:sp>
@@ -12296,6 +13213,13 @@
   <p:clrMapOvr>
     <a:masterClrMapping/>
   </p:clrMapOvr>
+  <p:timing>
+    <p:tnLst>
+      <p:par>
+        <p:cTn id="1" dur="indefinite" restart="never" nodeType="tmRoot"/>
+      </p:par>
+    </p:tnLst>
+  </p:timing>
 </p:sld>
 </file>
 
@@ -12837,7 +13761,7 @@
   <a:extraClrSchemeLst/>
   <a:extLst>
     <a:ext uri="{05A4C25C-085E-4340-85A3-A5531E510DB2}">
-      <thm15:themeFamily xmlns="" xmlns:thm15="http://schemas.microsoft.com/office/thememl/2012/main" name="Office Theme" id="{62F939B6-93AF-4DB8-9C6B-D6C7DFDC589F}" vid="{4A3C46E8-61CC-4603-A589-7422A47A8E4A}"/>
+      <thm15:themeFamily xmlns:thm15="http://schemas.microsoft.com/office/thememl/2012/main" xmlns="" name="Office Theme" id="{62F939B6-93AF-4DB8-9C6B-D6C7DFDC589F}" vid="{4A3C46E8-61CC-4603-A589-7422A47A8E4A}"/>
     </a:ext>
   </a:extLst>
 </a:theme>

--- a/MSTR 웹교육/MSTR-웹.pptx
+++ b/MSTR 웹교육/MSTR-웹.pptx
@@ -5,7 +5,7 @@
     <p:sldMasterId id="2147483648" r:id="rId1"/>
   </p:sldMasterIdLst>
   <p:notesMasterIdLst>
-    <p:notesMasterId r:id="rId13"/>
+    <p:notesMasterId r:id="rId16"/>
   </p:notesMasterIdLst>
   <p:sldIdLst>
     <p:sldId id="256" r:id="rId2"/>
@@ -18,7 +18,10 @@
     <p:sldId id="402" r:id="rId9"/>
     <p:sldId id="401" r:id="rId10"/>
     <p:sldId id="403" r:id="rId11"/>
-    <p:sldId id="394" r:id="rId12"/>
+    <p:sldId id="405" r:id="rId12"/>
+    <p:sldId id="404" r:id="rId13"/>
+    <p:sldId id="406" r:id="rId14"/>
+    <p:sldId id="394" r:id="rId15"/>
   </p:sldIdLst>
   <p:sldSz cx="9904413" cy="6858000"/>
   <p:notesSz cx="6797675" cy="9926638"/>
@@ -119,7 +122,7 @@
   </p:defaultTextStyle>
   <p:extLst>
     <p:ext uri="{EFAFB233-063F-42B5-8137-9DF3F51BA10A}">
-      <p15:sldGuideLst xmlns:p15="http://schemas.microsoft.com/office/powerpoint/2012/main" xmlns="">
+      <p15:sldGuideLst xmlns="" xmlns:p15="http://schemas.microsoft.com/office/powerpoint/2012/main">
         <p15:guide id="1" orient="horz" pos="2160">
           <p15:clr>
             <a:srgbClr val="A4A3A4"/>
@@ -133,7 +136,7 @@
       </p15:sldGuideLst>
     </p:ext>
     <p:ext uri="{2D200454-40CA-4A62-9FC3-DE9A4176ACB9}">
-      <p15:notesGuideLst xmlns:p15="http://schemas.microsoft.com/office/powerpoint/2012/main" xmlns="">
+      <p15:notesGuideLst xmlns="" xmlns:p15="http://schemas.microsoft.com/office/powerpoint/2012/main">
         <p15:guide id="1" orient="horz" pos="3126">
           <p15:clr>
             <a:srgbClr val="A4A3A4"/>
@@ -654,7 +657,7 @@
                 </a:solidFill>
               </a:rPr>
               <a:pPr/>
-              <a:t>10</a:t>
+              <a:t>13</a:t>
             </a:fld>
             <a:endParaRPr lang="ko-KR" altLang="en-US">
               <a:solidFill>
@@ -5411,7 +5414,7 @@
         <p:spPr>
           <a:xfrm>
             <a:off x="287390" y="912175"/>
-            <a:ext cx="9345336" cy="4955203"/>
+            <a:ext cx="9345336" cy="4878259"/>
           </a:xfrm>
           <a:prstGeom prst="rect">
             <a:avLst/>
@@ -5441,27 +5444,46 @@
               <a:t>의 파라미터를 이용하여 </a:t>
             </a:r>
             <a:r>
+              <a:rPr lang="ko-KR" altLang="en-US" sz="1200" dirty="0" smtClean="0"/>
+              <a:t>리포트 실행</a:t>
+            </a:r>
+            <a:r>
+              <a:rPr lang="en-US" altLang="ko-KR" sz="1200" dirty="0" smtClean="0"/>
+              <a:t>, </a:t>
+            </a:r>
+            <a:r>
+              <a:rPr lang="ko-KR" altLang="en-US" sz="1200" dirty="0" err="1" smtClean="0"/>
+              <a:t>내려받기</a:t>
+            </a:r>
+            <a:r>
+              <a:rPr lang="en-US" altLang="ko-KR" sz="1200" dirty="0" smtClean="0"/>
+              <a:t> </a:t>
+            </a:r>
+            <a:r>
+              <a:rPr lang="ko-KR" altLang="en-US" sz="1200" dirty="0" smtClean="0"/>
+              <a:t>등의 </a:t>
+            </a:r>
+            <a:r>
               <a:rPr lang="en-US" altLang="ko-KR" sz="1200" dirty="0" smtClean="0"/>
               <a:t>MSTR </a:t>
             </a:r>
             <a:r>
               <a:rPr lang="ko-KR" altLang="en-US" sz="1200" dirty="0" smtClean="0"/>
-              <a:t>작업을 수행</a:t>
+              <a:t>작업을 </a:t>
+            </a:r>
+            <a:r>
+              <a:rPr lang="ko-KR" altLang="en-US" sz="1200" dirty="0" smtClean="0"/>
+              <a:t>수행할 수 있는 기능을 제공하며</a:t>
+            </a:r>
+            <a:r>
+              <a:rPr lang="en-US" altLang="ko-KR" sz="1200" dirty="0" smtClean="0"/>
+              <a:t>, </a:t>
+            </a:r>
+            <a:r>
+              <a:rPr lang="ko-KR" altLang="en-US" sz="1200" dirty="0" smtClean="0"/>
+              <a:t>상세 설명은 다음과 같다</a:t>
             </a:r>
             <a:endParaRPr lang="en-US" altLang="ko-KR" sz="1200" dirty="0" smtClean="0"/>
-          </a:p>
-          <a:p>
-            <a:pPr>
-              <a:lnSpc>
-                <a:spcPct val="150000"/>
-              </a:lnSpc>
-              <a:spcAft>
-                <a:spcPts val="600"/>
-              </a:spcAft>
-            </a:pPr>
-            <a:endParaRPr lang="en-US" altLang="ko-KR" sz="1200" dirty="0" smtClean="0">
-              <a:hlinkClick r:id="rId2"/>
-            </a:endParaRPr>
           </a:p>
           <a:p>
             <a:pPr marL="171450" indent="-171450">
@@ -5471,12 +5493,6 @@
               <a:buFont typeface="Wingdings" panose="05000000000000000000" pitchFamily="2" charset="2"/>
               <a:buChar char="v"/>
             </a:pPr>
-            <a:r>
-              <a:rPr lang="en-US" altLang="ko-KR" sz="1200" dirty="0" smtClean="0">
-                <a:hlinkClick r:id="rId2"/>
-              </a:rPr>
-              <a:t>MicroStrategy URL Structure</a:t>
-            </a:r>
             <a:endParaRPr lang="en-US" altLang="ko-KR" sz="1200" dirty="0" smtClean="0">
               <a:hlinkClick r:id="rId2"/>
             </a:endParaRPr>
@@ -5490,12 +5506,32 @@
               <a:buChar char="v"/>
             </a:pPr>
             <a:r>
+              <a:rPr lang="en-US" altLang="ko-KR" sz="1200" dirty="0" err="1" smtClean="0">
+                <a:hlinkClick r:id="rId2"/>
+              </a:rPr>
+              <a:t>MicroStrategy</a:t>
+            </a:r>
+            <a:r>
               <a:rPr lang="en-US" altLang="ko-KR" sz="1200" dirty="0" smtClean="0">
                 <a:hlinkClick r:id="rId2"/>
               </a:rPr>
-              <a:t>Constructing a MicroStrategy URL Request</a:t>
-            </a:r>
-            <a:endParaRPr lang="en-US" altLang="ko-KR" sz="1200" dirty="0" smtClean="0"/>
+              <a:t> </a:t>
+            </a:r>
+            <a:r>
+              <a:rPr lang="en-US" altLang="ko-KR" sz="1200" dirty="0" smtClean="0">
+                <a:hlinkClick r:id="rId2"/>
+              </a:rPr>
+              <a:t>URL </a:t>
+            </a:r>
+            <a:r>
+              <a:rPr lang="en-US" altLang="ko-KR" sz="1200" dirty="0" smtClean="0">
+                <a:hlinkClick r:id="rId2"/>
+              </a:rPr>
+              <a:t>Structure</a:t>
+            </a:r>
+            <a:endParaRPr lang="en-US" altLang="ko-KR" sz="1200" dirty="0" smtClean="0">
+              <a:hlinkClick r:id="rId3"/>
+            </a:endParaRPr>
           </a:p>
           <a:p>
             <a:pPr marL="171450" indent="-171450">
@@ -5509,9 +5545,28 @@
               <a:rPr lang="en-US" altLang="ko-KR" sz="1200" dirty="0" smtClean="0">
                 <a:hlinkClick r:id="rId3"/>
               </a:rPr>
+              <a:t>Constructing </a:t>
+            </a:r>
+            <a:r>
+              <a:rPr lang="en-US" altLang="ko-KR" sz="1200" dirty="0" smtClean="0">
+                <a:hlinkClick r:id="rId3"/>
+              </a:rPr>
+              <a:t>a MicroStrategy URL Request</a:t>
+            </a:r>
+            <a:endParaRPr lang="en-US" altLang="ko-KR" sz="1200" dirty="0" smtClean="0"/>
+          </a:p>
+          <a:p>
+            <a:pPr marL="171450" indent="-171450">
+              <a:lnSpc>
+                <a:spcPct val="150000"/>
+              </a:lnSpc>
+              <a:buFont typeface="Wingdings" panose="05000000000000000000" pitchFamily="2" charset="2"/>
+              <a:buChar char="v"/>
+            </a:pPr>
+            <a:r>
+              <a:rPr lang="en-US" altLang="ko-KR" sz="1200" dirty="0" smtClean="0"/>
               <a:t>Executing Common Actions Using the URL API</a:t>
             </a:r>
-            <a:endParaRPr lang="en-US" altLang="ko-KR" sz="1200" dirty="0" smtClean="0"/>
           </a:p>
           <a:p>
             <a:pPr marL="442913" indent="-171450">
@@ -5799,7 +5854,6 @@
               <a:rPr lang="en-US" altLang="ko-KR" sz="1200" dirty="0"/>
               <a:t> </a:t>
             </a:r>
-            <a:endParaRPr lang="en-US" altLang="ko-KR" sz="1200" dirty="0"/>
           </a:p>
         </p:txBody>
       </p:sp>
@@ -5824,6 +5878,2195 @@
 </file>
 
 <file path=ppt/slides/slide11.xml><?xml version="1.0" encoding="utf-8"?>
+<p:sld xmlns:a="http://schemas.openxmlformats.org/drawingml/2006/main" xmlns:r="http://schemas.openxmlformats.org/officeDocument/2006/relationships" xmlns:p="http://schemas.openxmlformats.org/presentationml/2006/main">
+  <p:cSld>
+    <p:spTree>
+      <p:nvGrpSpPr>
+        <p:cNvPr id="1" name=""/>
+        <p:cNvGrpSpPr/>
+        <p:nvPr/>
+      </p:nvGrpSpPr>
+      <p:grpSpPr>
+        <a:xfrm>
+          <a:off x="0" y="0"/>
+          <a:ext cx="0" cy="0"/>
+          <a:chOff x="0" y="0"/>
+          <a:chExt cx="0" cy="0"/>
+        </a:xfrm>
+      </p:grpSpPr>
+      <p:sp>
+        <p:nvSpPr>
+          <p:cNvPr id="22" name="TextBox 21"/>
+          <p:cNvSpPr txBox="1"/>
+          <p:nvPr/>
+        </p:nvSpPr>
+        <p:spPr>
+          <a:xfrm>
+            <a:off x="8264790" y="179348"/>
+            <a:ext cx="1511952" cy="338554"/>
+          </a:xfrm>
+          <a:prstGeom prst="rect">
+            <a:avLst/>
+          </a:prstGeom>
+          <a:noFill/>
+        </p:spPr>
+        <p:txBody>
+          <a:bodyPr wrap="none" rtlCol="0">
+            <a:spAutoFit/>
+          </a:bodyPr>
+          <a:lstStyle/>
+          <a:p>
+            <a:pPr algn="r"/>
+            <a:r>
+              <a:rPr lang="en-US" altLang="ko-KR" sz="1600" b="1" dirty="0" smtClean="0"/>
+              <a:t>MSTR </a:t>
+            </a:r>
+            <a:r>
+              <a:rPr lang="ko-KR" altLang="en-US" sz="1600" b="1" dirty="0" smtClean="0"/>
+              <a:t>웹 구</a:t>
+            </a:r>
+            <a:r>
+              <a:rPr lang="ko-KR" altLang="en-US" sz="1600" b="1" dirty="0"/>
+              <a:t>성</a:t>
+            </a:r>
+          </a:p>
+        </p:txBody>
+      </p:sp>
+      <p:sp>
+        <p:nvSpPr>
+          <p:cNvPr id="25" name="제목 3"/>
+          <p:cNvSpPr>
+            <a:spLocks noGrp="1"/>
+          </p:cNvSpPr>
+          <p:nvPr>
+            <p:ph type="title"/>
+          </p:nvPr>
+        </p:nvSpPr>
+        <p:spPr>
+          <a:xfrm>
+            <a:off x="222423" y="71414"/>
+            <a:ext cx="9444692" cy="496997"/>
+          </a:xfrm>
+        </p:spPr>
+        <p:txBody>
+          <a:bodyPr/>
+          <a:lstStyle/>
+          <a:p>
+            <a:r>
+              <a:rPr lang="en-US" altLang="ko-KR" dirty="0" smtClean="0"/>
+              <a:t>MSTR URL API</a:t>
+            </a:r>
+            <a:endParaRPr lang="ko-KR" altLang="en-US" sz="2000" dirty="0"/>
+          </a:p>
+        </p:txBody>
+      </p:sp>
+      <p:sp>
+        <p:nvSpPr>
+          <p:cNvPr id="118" name="TextBox 117"/>
+          <p:cNvSpPr txBox="1"/>
+          <p:nvPr/>
+        </p:nvSpPr>
+        <p:spPr>
+          <a:xfrm>
+            <a:off x="287390" y="912175"/>
+            <a:ext cx="9345336" cy="369332"/>
+          </a:xfrm>
+          <a:prstGeom prst="rect">
+            <a:avLst/>
+          </a:prstGeom>
+          <a:noFill/>
+        </p:spPr>
+        <p:txBody>
+          <a:bodyPr wrap="square" rtlCol="0">
+            <a:spAutoFit/>
+          </a:bodyPr>
+          <a:lstStyle/>
+          <a:p>
+            <a:pPr>
+              <a:lnSpc>
+                <a:spcPct val="150000"/>
+              </a:lnSpc>
+              <a:spcAft>
+                <a:spcPts val="600"/>
+              </a:spcAft>
+            </a:pPr>
+            <a:r>
+              <a:rPr lang="ko-KR" altLang="en-US" sz="1200" dirty="0" smtClean="0"/>
+              <a:t>상세 </a:t>
+            </a:r>
+            <a:r>
+              <a:rPr lang="en-US" altLang="ko-KR" sz="1200" dirty="0" smtClean="0"/>
+              <a:t>URL</a:t>
+            </a:r>
+            <a:r>
+              <a:rPr lang="ko-KR" altLang="en-US" sz="1200" dirty="0" smtClean="0"/>
+              <a:t>의 </a:t>
+            </a:r>
+            <a:r>
+              <a:rPr lang="ko-KR" altLang="en-US" sz="1200" dirty="0" err="1" smtClean="0"/>
+              <a:t>파라미터</a:t>
+            </a:r>
+            <a:r>
+              <a:rPr lang="ko-KR" altLang="en-US" sz="1200" dirty="0" smtClean="0"/>
+              <a:t> 구조 설명</a:t>
+            </a:r>
+            <a:endParaRPr lang="en-US" altLang="ko-KR" sz="1200" dirty="0" smtClean="0">
+              <a:hlinkClick r:id="rId2"/>
+            </a:endParaRPr>
+          </a:p>
+        </p:txBody>
+      </p:sp>
+    </p:spTree>
+    <p:extLst>
+      <p:ext uri="{BB962C8B-B14F-4D97-AF65-F5344CB8AC3E}">
+        <p14:creationId xmlns:p14="http://schemas.microsoft.com/office/powerpoint/2010/main" val="1251978357"/>
+      </p:ext>
+    </p:extLst>
+  </p:cSld>
+  <p:clrMapOvr>
+    <a:masterClrMapping/>
+  </p:clrMapOvr>
+  <p:timing>
+    <p:tnLst>
+      <p:par>
+        <p:cTn id="1" dur="indefinite" restart="never" nodeType="tmRoot"/>
+      </p:par>
+    </p:tnLst>
+  </p:timing>
+</p:sld>
+</file>
+
+<file path=ppt/slides/slide12.xml><?xml version="1.0" encoding="utf-8"?>
+<p:sld xmlns:a="http://schemas.openxmlformats.org/drawingml/2006/main" xmlns:r="http://schemas.openxmlformats.org/officeDocument/2006/relationships" xmlns:p="http://schemas.openxmlformats.org/presentationml/2006/main">
+  <p:cSld>
+    <p:spTree>
+      <p:nvGrpSpPr>
+        <p:cNvPr id="1" name=""/>
+        <p:cNvGrpSpPr/>
+        <p:nvPr/>
+      </p:nvGrpSpPr>
+      <p:grpSpPr>
+        <a:xfrm>
+          <a:off x="0" y="0"/>
+          <a:ext cx="0" cy="0"/>
+          <a:chOff x="0" y="0"/>
+          <a:chExt cx="0" cy="0"/>
+        </a:xfrm>
+      </p:grpSpPr>
+      <p:sp>
+        <p:nvSpPr>
+          <p:cNvPr id="22" name="TextBox 21"/>
+          <p:cNvSpPr txBox="1"/>
+          <p:nvPr/>
+        </p:nvSpPr>
+        <p:spPr>
+          <a:xfrm>
+            <a:off x="8264790" y="179348"/>
+            <a:ext cx="1511952" cy="338554"/>
+          </a:xfrm>
+          <a:prstGeom prst="rect">
+            <a:avLst/>
+          </a:prstGeom>
+          <a:noFill/>
+        </p:spPr>
+        <p:txBody>
+          <a:bodyPr wrap="none" rtlCol="0">
+            <a:spAutoFit/>
+          </a:bodyPr>
+          <a:lstStyle/>
+          <a:p>
+            <a:pPr algn="r"/>
+            <a:r>
+              <a:rPr lang="en-US" altLang="ko-KR" sz="1600" b="1" dirty="0" smtClean="0"/>
+              <a:t>MSTR </a:t>
+            </a:r>
+            <a:r>
+              <a:rPr lang="ko-KR" altLang="en-US" sz="1600" b="1" dirty="0" smtClean="0"/>
+              <a:t>웹 구</a:t>
+            </a:r>
+            <a:r>
+              <a:rPr lang="ko-KR" altLang="en-US" sz="1600" b="1" dirty="0"/>
+              <a:t>성</a:t>
+            </a:r>
+          </a:p>
+        </p:txBody>
+      </p:sp>
+      <p:sp>
+        <p:nvSpPr>
+          <p:cNvPr id="25" name="제목 3"/>
+          <p:cNvSpPr>
+            <a:spLocks noGrp="1"/>
+          </p:cNvSpPr>
+          <p:nvPr>
+            <p:ph type="title"/>
+          </p:nvPr>
+        </p:nvSpPr>
+        <p:spPr>
+          <a:xfrm>
+            <a:off x="222423" y="71414"/>
+            <a:ext cx="9444692" cy="496997"/>
+          </a:xfrm>
+        </p:spPr>
+        <p:txBody>
+          <a:bodyPr/>
+          <a:lstStyle/>
+          <a:p>
+            <a:r>
+              <a:rPr lang="en-US" altLang="ko-KR" dirty="0" smtClean="0"/>
+              <a:t>MSTR </a:t>
+            </a:r>
+            <a:r>
+              <a:rPr lang="ko-KR" altLang="en-US" dirty="0" smtClean="0"/>
+              <a:t>웹 페이지</a:t>
+            </a:r>
+            <a:r>
+              <a:rPr lang="en-US" altLang="ko-KR" dirty="0" smtClean="0"/>
+              <a:t> </a:t>
+            </a:r>
+            <a:r>
+              <a:rPr lang="ko-KR" altLang="en-US" dirty="0" smtClean="0"/>
+              <a:t>구조</a:t>
+            </a:r>
+            <a:endParaRPr lang="ko-KR" altLang="en-US" sz="2000" dirty="0"/>
+          </a:p>
+        </p:txBody>
+      </p:sp>
+      <p:sp>
+        <p:nvSpPr>
+          <p:cNvPr id="9" name="TextBox 8"/>
+          <p:cNvSpPr txBox="1"/>
+          <p:nvPr/>
+        </p:nvSpPr>
+        <p:spPr>
+          <a:xfrm>
+            <a:off x="350182" y="908720"/>
+            <a:ext cx="9345336" cy="1766637"/>
+          </a:xfrm>
+          <a:prstGeom prst="rect">
+            <a:avLst/>
+          </a:prstGeom>
+          <a:noFill/>
+        </p:spPr>
+        <p:txBody>
+          <a:bodyPr wrap="square" rtlCol="0">
+            <a:spAutoFit/>
+          </a:bodyPr>
+          <a:lstStyle/>
+          <a:p>
+            <a:pPr>
+              <a:lnSpc>
+                <a:spcPct val="120000"/>
+              </a:lnSpc>
+              <a:spcAft>
+                <a:spcPts val="600"/>
+              </a:spcAft>
+            </a:pPr>
+            <a:r>
+              <a:rPr lang="en-US" altLang="ko-KR" sz="1200" dirty="0" smtClean="0"/>
+              <a:t>MSTR </a:t>
+            </a:r>
+            <a:r>
+              <a:rPr lang="ko-KR" altLang="en-US" sz="1200" dirty="0" smtClean="0"/>
+              <a:t>페이지는 웹 컴포넌트를 포함하는 서브 페이지나 섹션으로 이루어지며</a:t>
+            </a:r>
+            <a:r>
+              <a:rPr lang="en-US" altLang="ko-KR" sz="1200" dirty="0" smtClean="0"/>
+              <a:t>, </a:t>
+            </a:r>
+            <a:r>
+              <a:rPr lang="ko-KR" altLang="en-US" sz="1200" dirty="0" smtClean="0"/>
+              <a:t>런타임 시 페이지 템플릿의 정보로 서브 페이지</a:t>
+            </a:r>
+            <a:r>
+              <a:rPr lang="en-US" altLang="ko-KR" sz="1200" dirty="0" smtClean="0"/>
+              <a:t>, </a:t>
+            </a:r>
+            <a:r>
+              <a:rPr lang="ko-KR" altLang="en-US" sz="1200" dirty="0" smtClean="0"/>
+              <a:t>섹션을 결정하여 구성된다</a:t>
+            </a:r>
+            <a:r>
+              <a:rPr lang="en-US" altLang="ko-KR" sz="1200" dirty="0" smtClean="0"/>
+              <a:t>.</a:t>
+            </a:r>
+          </a:p>
+          <a:p>
+            <a:pPr>
+              <a:lnSpc>
+                <a:spcPct val="120000"/>
+              </a:lnSpc>
+              <a:spcAft>
+                <a:spcPts val="600"/>
+              </a:spcAft>
+            </a:pPr>
+            <a:r>
+              <a:rPr lang="ko-KR" altLang="en-US" sz="1200" dirty="0" smtClean="0"/>
+              <a:t>한</a:t>
+            </a:r>
+            <a:r>
+              <a:rPr lang="en-US" altLang="ko-KR" sz="1200" dirty="0" smtClean="0"/>
+              <a:t> </a:t>
+            </a:r>
+            <a:r>
+              <a:rPr lang="ko-KR" altLang="en-US" sz="1200" dirty="0" smtClean="0"/>
+              <a:t>페이지는 페이지의 상태에 따라 다수의 템플릿을 가질 수 있다</a:t>
+            </a:r>
+            <a:r>
+              <a:rPr lang="en-US" altLang="ko-KR" sz="1200" dirty="0" smtClean="0"/>
+              <a:t>.</a:t>
+            </a:r>
+            <a:br>
+              <a:rPr lang="en-US" altLang="ko-KR" sz="1200" dirty="0" smtClean="0"/>
+            </a:br>
+            <a:r>
+              <a:rPr lang="ko-KR" altLang="en-US" sz="1200" dirty="0" smtClean="0"/>
+              <a:t>예를 들어 리포트의 프롬프트를 표시하는 화면</a:t>
+            </a:r>
+            <a:r>
+              <a:rPr lang="en-US" altLang="ko-KR" sz="1200" dirty="0" smtClean="0"/>
+              <a:t>,</a:t>
+            </a:r>
+            <a:r>
+              <a:rPr lang="ko-KR" altLang="en-US" sz="1200" dirty="0" smtClean="0"/>
+              <a:t> 리포트 실행결과를 표시하는 화면은 한 페이지를 이용하나 다른 템플릿을 이용한다</a:t>
+            </a:r>
+            <a:r>
+              <a:rPr lang="en-US" altLang="ko-KR" sz="1200" dirty="0" smtClean="0"/>
+              <a:t>.</a:t>
+            </a:r>
+          </a:p>
+          <a:p>
+            <a:pPr>
+              <a:lnSpc>
+                <a:spcPct val="120000"/>
+              </a:lnSpc>
+              <a:spcAft>
+                <a:spcPts val="600"/>
+              </a:spcAft>
+            </a:pPr>
+            <a:r>
+              <a:rPr lang="ko-KR" altLang="en-US" sz="1200" dirty="0" smtClean="0"/>
+              <a:t>일부 섹션은 </a:t>
+            </a:r>
+            <a:r>
+              <a:rPr lang="ko-KR" altLang="en-US" sz="1200" dirty="0" err="1" smtClean="0"/>
+              <a:t>그리드</a:t>
+            </a:r>
+            <a:r>
+              <a:rPr lang="en-US" altLang="ko-KR" sz="1200" dirty="0" smtClean="0"/>
+              <a:t>, </a:t>
+            </a:r>
+            <a:r>
+              <a:rPr lang="ko-KR" altLang="en-US" sz="1200" dirty="0" smtClean="0"/>
+              <a:t>필터 에디터</a:t>
+            </a:r>
+            <a:r>
+              <a:rPr lang="en-US" altLang="ko-KR" sz="1200" dirty="0" smtClean="0"/>
+              <a:t>, </a:t>
+            </a:r>
+            <a:r>
+              <a:rPr lang="ko-KR" altLang="en-US" sz="1200" dirty="0" smtClean="0"/>
+              <a:t>리포트 메뉴와 같은 웹 컴포넌트를 한 개 이상 포함할 수 있음</a:t>
+            </a:r>
+            <a:r>
+              <a:rPr lang="en-US" altLang="ko-KR" sz="1200" dirty="0" smtClean="0"/>
+              <a:t>.</a:t>
+            </a:r>
+          </a:p>
+          <a:p>
+            <a:pPr>
+              <a:lnSpc>
+                <a:spcPct val="120000"/>
+              </a:lnSpc>
+              <a:spcBef>
+                <a:spcPts val="600"/>
+              </a:spcBef>
+              <a:spcAft>
+                <a:spcPts val="600"/>
+              </a:spcAft>
+            </a:pPr>
+            <a:r>
+              <a:rPr lang="ko-KR" altLang="en-US" sz="1400" b="1" dirty="0" smtClean="0"/>
+              <a:t>페이지의 각 섹션</a:t>
+            </a:r>
+            <a:endParaRPr lang="en-US" altLang="ko-KR" sz="1400" b="1" dirty="0" smtClean="0"/>
+          </a:p>
+        </p:txBody>
+      </p:sp>
+      <p:graphicFrame>
+        <p:nvGraphicFramePr>
+          <p:cNvPr id="2" name="표 1"/>
+          <p:cNvGraphicFramePr>
+            <a:graphicFrameLocks noGrp="1"/>
+          </p:cNvGraphicFramePr>
+          <p:nvPr>
+            <p:extLst>
+              <p:ext uri="{D42A27DB-BD31-4B8C-83A1-F6EECF244321}">
+                <p14:modId xmlns:p14="http://schemas.microsoft.com/office/powerpoint/2010/main" val="2999885256"/>
+              </p:ext>
+            </p:extLst>
+          </p:nvPr>
+        </p:nvGraphicFramePr>
+        <p:xfrm>
+          <a:off x="415702" y="2780928"/>
+          <a:ext cx="9145016" cy="3017520"/>
+        </p:xfrm>
+        <a:graphic>
+          <a:graphicData uri="http://schemas.openxmlformats.org/drawingml/2006/table">
+            <a:tbl>
+              <a:tblPr firstRow="1" bandRow="1">
+                <a:tableStyleId>{5C22544A-7EE6-4342-B048-85BDC9FD1C3A}</a:tableStyleId>
+              </a:tblPr>
+              <a:tblGrid>
+                <a:gridCol w="1006793"/>
+                <a:gridCol w="8138223"/>
+              </a:tblGrid>
+              <a:tr h="0">
+                <a:tc>
+                  <a:txBody>
+                    <a:bodyPr/>
+                    <a:lstStyle/>
+                    <a:p>
+                      <a:pPr algn="ctr" latinLnBrk="1"/>
+                      <a:r>
+                        <a:rPr lang="ko-KR" altLang="en-US" sz="1200" dirty="0" smtClean="0"/>
+                        <a:t>섹션</a:t>
+                      </a:r>
+                      <a:endParaRPr lang="ko-KR" altLang="en-US" sz="1200" dirty="0"/>
+                    </a:p>
+                  </a:txBody>
+                  <a:tcPr>
+                    <a:lnL w="12700" cap="flat" cmpd="sng" algn="ctr">
+                      <a:solidFill>
+                        <a:schemeClr val="tx1">
+                          <a:lumMod val="50000"/>
+                          <a:lumOff val="50000"/>
+                        </a:schemeClr>
+                      </a:solidFill>
+                      <a:prstDash val="solid"/>
+                      <a:round/>
+                      <a:headEnd type="none" w="med" len="med"/>
+                      <a:tailEnd type="none" w="med" len="med"/>
+                    </a:lnL>
+                    <a:lnR w="12700" cap="flat" cmpd="sng" algn="ctr">
+                      <a:solidFill>
+                        <a:schemeClr val="tx1">
+                          <a:lumMod val="50000"/>
+                          <a:lumOff val="50000"/>
+                        </a:schemeClr>
+                      </a:solidFill>
+                      <a:prstDash val="solid"/>
+                      <a:round/>
+                      <a:headEnd type="none" w="med" len="med"/>
+                      <a:tailEnd type="none" w="med" len="med"/>
+                    </a:lnR>
+                    <a:lnT w="12700" cap="flat" cmpd="sng" algn="ctr">
+                      <a:solidFill>
+                        <a:schemeClr val="tx1">
+                          <a:lumMod val="50000"/>
+                          <a:lumOff val="50000"/>
+                        </a:schemeClr>
+                      </a:solidFill>
+                      <a:prstDash val="solid"/>
+                      <a:round/>
+                      <a:headEnd type="none" w="med" len="med"/>
+                      <a:tailEnd type="none" w="med" len="med"/>
+                    </a:lnT>
+                    <a:lnB w="12700" cap="flat" cmpd="sng" algn="ctr">
+                      <a:solidFill>
+                        <a:schemeClr val="tx1">
+                          <a:lumMod val="50000"/>
+                          <a:lumOff val="50000"/>
+                        </a:schemeClr>
+                      </a:solidFill>
+                      <a:prstDash val="solid"/>
+                      <a:round/>
+                      <a:headEnd type="none" w="med" len="med"/>
+                      <a:tailEnd type="none" w="med" len="med"/>
+                    </a:lnB>
+                  </a:tcPr>
+                </a:tc>
+                <a:tc>
+                  <a:txBody>
+                    <a:bodyPr/>
+                    <a:lstStyle/>
+                    <a:p>
+                      <a:pPr algn="ctr" latinLnBrk="1"/>
+                      <a:r>
+                        <a:rPr lang="ko-KR" altLang="en-US" sz="1200" dirty="0" smtClean="0"/>
+                        <a:t>내용</a:t>
+                      </a:r>
+                      <a:endParaRPr lang="ko-KR" altLang="en-US" sz="1200" dirty="0"/>
+                    </a:p>
+                  </a:txBody>
+                  <a:tcPr>
+                    <a:lnL w="12700" cap="flat" cmpd="sng" algn="ctr">
+                      <a:solidFill>
+                        <a:schemeClr val="tx1">
+                          <a:lumMod val="50000"/>
+                          <a:lumOff val="50000"/>
+                        </a:schemeClr>
+                      </a:solidFill>
+                      <a:prstDash val="solid"/>
+                      <a:round/>
+                      <a:headEnd type="none" w="med" len="med"/>
+                      <a:tailEnd type="none" w="med" len="med"/>
+                    </a:lnL>
+                    <a:lnR w="12700" cap="flat" cmpd="sng" algn="ctr">
+                      <a:solidFill>
+                        <a:schemeClr val="tx1">
+                          <a:lumMod val="50000"/>
+                          <a:lumOff val="50000"/>
+                        </a:schemeClr>
+                      </a:solidFill>
+                      <a:prstDash val="solid"/>
+                      <a:round/>
+                      <a:headEnd type="none" w="med" len="med"/>
+                      <a:tailEnd type="none" w="med" len="med"/>
+                    </a:lnR>
+                    <a:lnT w="12700" cap="flat" cmpd="sng" algn="ctr">
+                      <a:solidFill>
+                        <a:schemeClr val="tx1">
+                          <a:lumMod val="50000"/>
+                          <a:lumOff val="50000"/>
+                        </a:schemeClr>
+                      </a:solidFill>
+                      <a:prstDash val="solid"/>
+                      <a:round/>
+                      <a:headEnd type="none" w="med" len="med"/>
+                      <a:tailEnd type="none" w="med" len="med"/>
+                    </a:lnT>
+                    <a:lnB w="12700" cap="flat" cmpd="sng" algn="ctr">
+                      <a:solidFill>
+                        <a:schemeClr val="tx1">
+                          <a:lumMod val="50000"/>
+                          <a:lumOff val="50000"/>
+                        </a:schemeClr>
+                      </a:solidFill>
+                      <a:prstDash val="solid"/>
+                      <a:round/>
+                      <a:headEnd type="none" w="med" len="med"/>
+                      <a:tailEnd type="none" w="med" len="med"/>
+                    </a:lnB>
+                  </a:tcPr>
+                </a:tc>
+              </a:tr>
+              <a:tr h="0">
+                <a:tc>
+                  <a:txBody>
+                    <a:bodyPr/>
+                    <a:lstStyle/>
+                    <a:p>
+                      <a:pPr latinLnBrk="1"/>
+                      <a:r>
+                        <a:rPr lang="en-US" altLang="ko-KR" sz="1200" dirty="0" smtClean="0"/>
+                        <a:t>Links</a:t>
+                      </a:r>
+                      <a:endParaRPr lang="ko-KR" altLang="en-US" sz="1200" dirty="0"/>
+                    </a:p>
+                  </a:txBody>
+                  <a:tcPr>
+                    <a:lnL w="12700" cap="flat" cmpd="sng" algn="ctr">
+                      <a:solidFill>
+                        <a:schemeClr val="tx1">
+                          <a:lumMod val="50000"/>
+                          <a:lumOff val="50000"/>
+                        </a:schemeClr>
+                      </a:solidFill>
+                      <a:prstDash val="solid"/>
+                      <a:round/>
+                      <a:headEnd type="none" w="med" len="med"/>
+                      <a:tailEnd type="none" w="med" len="med"/>
+                    </a:lnL>
+                    <a:lnR w="12700" cap="flat" cmpd="sng" algn="ctr">
+                      <a:solidFill>
+                        <a:schemeClr val="tx1">
+                          <a:lumMod val="50000"/>
+                          <a:lumOff val="50000"/>
+                        </a:schemeClr>
+                      </a:solidFill>
+                      <a:prstDash val="solid"/>
+                      <a:round/>
+                      <a:headEnd type="none" w="med" len="med"/>
+                      <a:tailEnd type="none" w="med" len="med"/>
+                    </a:lnR>
+                    <a:lnT w="12700" cap="flat" cmpd="sng" algn="ctr">
+                      <a:solidFill>
+                        <a:schemeClr val="tx1">
+                          <a:lumMod val="50000"/>
+                          <a:lumOff val="50000"/>
+                        </a:schemeClr>
+                      </a:solidFill>
+                      <a:prstDash val="solid"/>
+                      <a:round/>
+                      <a:headEnd type="none" w="med" len="med"/>
+                      <a:tailEnd type="none" w="med" len="med"/>
+                    </a:lnT>
+                    <a:lnB w="12700" cap="flat" cmpd="sng" algn="ctr">
+                      <a:solidFill>
+                        <a:schemeClr val="tx1">
+                          <a:lumMod val="50000"/>
+                          <a:lumOff val="50000"/>
+                        </a:schemeClr>
+                      </a:solidFill>
+                      <a:prstDash val="solid"/>
+                      <a:round/>
+                      <a:headEnd type="none" w="med" len="med"/>
+                      <a:tailEnd type="none" w="med" len="med"/>
+                    </a:lnB>
+                    <a:noFill/>
+                  </a:tcPr>
+                </a:tc>
+                <a:tc>
+                  <a:txBody>
+                    <a:bodyPr/>
+                    <a:lstStyle/>
+                    <a:p>
+                      <a:pPr latinLnBrk="1"/>
+                      <a:r>
+                        <a:rPr lang="en-US" altLang="ko-KR" sz="1200" dirty="0" smtClean="0"/>
+                        <a:t>CSS</a:t>
+                      </a:r>
+                      <a:r>
+                        <a:rPr lang="en-US" altLang="ko-KR" sz="1200" baseline="0" dirty="0" smtClean="0"/>
+                        <a:t> </a:t>
+                      </a:r>
+                      <a:r>
+                        <a:rPr lang="ko-KR" altLang="en-US" sz="1200" baseline="0" dirty="0" smtClean="0"/>
+                        <a:t>선언</a:t>
+                      </a:r>
+                      <a:r>
+                        <a:rPr lang="en-US" altLang="ko-KR" sz="1200" baseline="0" dirty="0" smtClean="0"/>
+                        <a:t>, JavaScript </a:t>
+                      </a:r>
+                      <a:r>
+                        <a:rPr lang="ko-KR" altLang="en-US" sz="1200" baseline="0" dirty="0" smtClean="0"/>
+                        <a:t>정의 등 </a:t>
+                      </a:r>
+                      <a:r>
+                        <a:rPr lang="en-US" altLang="ko-KR" sz="1200" baseline="0" dirty="0" smtClean="0"/>
+                        <a:t>HTML</a:t>
+                      </a:r>
+                      <a:r>
+                        <a:rPr lang="ko-KR" altLang="en-US" sz="1200" baseline="0" dirty="0" smtClean="0"/>
+                        <a:t>의 </a:t>
+                      </a:r>
+                      <a:r>
+                        <a:rPr lang="en-US" altLang="ko-KR" sz="1200" baseline="0" dirty="0" smtClean="0"/>
+                        <a:t>&lt;head&gt; </a:t>
+                      </a:r>
+                      <a:r>
+                        <a:rPr lang="ko-KR" altLang="en-US" sz="1200" baseline="0" dirty="0" err="1" smtClean="0"/>
+                        <a:t>태그내에</a:t>
+                      </a:r>
+                      <a:r>
+                        <a:rPr lang="ko-KR" altLang="en-US" sz="1200" baseline="0" dirty="0" smtClean="0"/>
+                        <a:t> 포함되는 내용을 포함한다</a:t>
+                      </a:r>
+                      <a:r>
+                        <a:rPr lang="en-US" altLang="ko-KR" sz="1200" baseline="0" dirty="0" smtClean="0"/>
+                        <a:t>.</a:t>
+                      </a:r>
+                      <a:endParaRPr lang="ko-KR" altLang="en-US" sz="1200" dirty="0"/>
+                    </a:p>
+                  </a:txBody>
+                  <a:tcPr>
+                    <a:lnL w="12700" cap="flat" cmpd="sng" algn="ctr">
+                      <a:solidFill>
+                        <a:schemeClr val="tx1">
+                          <a:lumMod val="50000"/>
+                          <a:lumOff val="50000"/>
+                        </a:schemeClr>
+                      </a:solidFill>
+                      <a:prstDash val="solid"/>
+                      <a:round/>
+                      <a:headEnd type="none" w="med" len="med"/>
+                      <a:tailEnd type="none" w="med" len="med"/>
+                    </a:lnL>
+                    <a:lnR w="12700" cap="flat" cmpd="sng" algn="ctr">
+                      <a:solidFill>
+                        <a:schemeClr val="tx1">
+                          <a:lumMod val="50000"/>
+                          <a:lumOff val="50000"/>
+                        </a:schemeClr>
+                      </a:solidFill>
+                      <a:prstDash val="solid"/>
+                      <a:round/>
+                      <a:headEnd type="none" w="med" len="med"/>
+                      <a:tailEnd type="none" w="med" len="med"/>
+                    </a:lnR>
+                    <a:lnT w="12700" cap="flat" cmpd="sng" algn="ctr">
+                      <a:solidFill>
+                        <a:schemeClr val="tx1">
+                          <a:lumMod val="50000"/>
+                          <a:lumOff val="50000"/>
+                        </a:schemeClr>
+                      </a:solidFill>
+                      <a:prstDash val="solid"/>
+                      <a:round/>
+                      <a:headEnd type="none" w="med" len="med"/>
+                      <a:tailEnd type="none" w="med" len="med"/>
+                    </a:lnT>
+                    <a:lnB w="12700" cap="flat" cmpd="sng" algn="ctr">
+                      <a:solidFill>
+                        <a:schemeClr val="tx1">
+                          <a:lumMod val="50000"/>
+                          <a:lumOff val="50000"/>
+                        </a:schemeClr>
+                      </a:solidFill>
+                      <a:prstDash val="solid"/>
+                      <a:round/>
+                      <a:headEnd type="none" w="med" len="med"/>
+                      <a:tailEnd type="none" w="med" len="med"/>
+                    </a:lnB>
+                    <a:noFill/>
+                  </a:tcPr>
+                </a:tc>
+              </a:tr>
+              <a:tr h="0">
+                <a:tc>
+                  <a:txBody>
+                    <a:bodyPr/>
+                    <a:lstStyle/>
+                    <a:p>
+                      <a:pPr latinLnBrk="1"/>
+                      <a:r>
+                        <a:rPr lang="en-US" altLang="ko-KR" sz="1200" dirty="0" smtClean="0"/>
+                        <a:t>Header</a:t>
+                      </a:r>
+                      <a:endParaRPr lang="ko-KR" altLang="en-US" sz="1200" dirty="0"/>
+                    </a:p>
+                  </a:txBody>
+                  <a:tcPr>
+                    <a:lnL w="12700" cap="flat" cmpd="sng" algn="ctr">
+                      <a:solidFill>
+                        <a:schemeClr val="tx1">
+                          <a:lumMod val="50000"/>
+                          <a:lumOff val="50000"/>
+                        </a:schemeClr>
+                      </a:solidFill>
+                      <a:prstDash val="solid"/>
+                      <a:round/>
+                      <a:headEnd type="none" w="med" len="med"/>
+                      <a:tailEnd type="none" w="med" len="med"/>
+                    </a:lnL>
+                    <a:lnR w="12700" cap="flat" cmpd="sng" algn="ctr">
+                      <a:solidFill>
+                        <a:schemeClr val="tx1">
+                          <a:lumMod val="50000"/>
+                          <a:lumOff val="50000"/>
+                        </a:schemeClr>
+                      </a:solidFill>
+                      <a:prstDash val="solid"/>
+                      <a:round/>
+                      <a:headEnd type="none" w="med" len="med"/>
+                      <a:tailEnd type="none" w="med" len="med"/>
+                    </a:lnR>
+                    <a:lnT w="12700" cap="flat" cmpd="sng" algn="ctr">
+                      <a:solidFill>
+                        <a:schemeClr val="tx1">
+                          <a:lumMod val="50000"/>
+                          <a:lumOff val="50000"/>
+                        </a:schemeClr>
+                      </a:solidFill>
+                      <a:prstDash val="solid"/>
+                      <a:round/>
+                      <a:headEnd type="none" w="med" len="med"/>
+                      <a:tailEnd type="none" w="med" len="med"/>
+                    </a:lnT>
+                    <a:lnB w="12700" cap="flat" cmpd="sng" algn="ctr">
+                      <a:solidFill>
+                        <a:schemeClr val="tx1">
+                          <a:lumMod val="50000"/>
+                          <a:lumOff val="50000"/>
+                        </a:schemeClr>
+                      </a:solidFill>
+                      <a:prstDash val="solid"/>
+                      <a:round/>
+                      <a:headEnd type="none" w="med" len="med"/>
+                      <a:tailEnd type="none" w="med" len="med"/>
+                    </a:lnB>
+                    <a:noFill/>
+                  </a:tcPr>
+                </a:tc>
+                <a:tc>
+                  <a:txBody>
+                    <a:bodyPr/>
+                    <a:lstStyle/>
+                    <a:p>
+                      <a:pPr latinLnBrk="1"/>
+                      <a:endParaRPr lang="ko-KR" altLang="en-US" sz="1200" dirty="0"/>
+                    </a:p>
+                  </a:txBody>
+                  <a:tcPr>
+                    <a:lnL w="12700" cap="flat" cmpd="sng" algn="ctr">
+                      <a:solidFill>
+                        <a:schemeClr val="tx1">
+                          <a:lumMod val="50000"/>
+                          <a:lumOff val="50000"/>
+                        </a:schemeClr>
+                      </a:solidFill>
+                      <a:prstDash val="solid"/>
+                      <a:round/>
+                      <a:headEnd type="none" w="med" len="med"/>
+                      <a:tailEnd type="none" w="med" len="med"/>
+                    </a:lnL>
+                    <a:lnR w="12700" cap="flat" cmpd="sng" algn="ctr">
+                      <a:solidFill>
+                        <a:schemeClr val="tx1">
+                          <a:lumMod val="50000"/>
+                          <a:lumOff val="50000"/>
+                        </a:schemeClr>
+                      </a:solidFill>
+                      <a:prstDash val="solid"/>
+                      <a:round/>
+                      <a:headEnd type="none" w="med" len="med"/>
+                      <a:tailEnd type="none" w="med" len="med"/>
+                    </a:lnR>
+                    <a:lnT w="12700" cap="flat" cmpd="sng" algn="ctr">
+                      <a:solidFill>
+                        <a:schemeClr val="tx1">
+                          <a:lumMod val="50000"/>
+                          <a:lumOff val="50000"/>
+                        </a:schemeClr>
+                      </a:solidFill>
+                      <a:prstDash val="solid"/>
+                      <a:round/>
+                      <a:headEnd type="none" w="med" len="med"/>
+                      <a:tailEnd type="none" w="med" len="med"/>
+                    </a:lnT>
+                    <a:lnB w="12700" cap="flat" cmpd="sng" algn="ctr">
+                      <a:solidFill>
+                        <a:schemeClr val="tx1">
+                          <a:lumMod val="50000"/>
+                          <a:lumOff val="50000"/>
+                        </a:schemeClr>
+                      </a:solidFill>
+                      <a:prstDash val="solid"/>
+                      <a:round/>
+                      <a:headEnd type="none" w="med" len="med"/>
+                      <a:tailEnd type="none" w="med" len="med"/>
+                    </a:lnB>
+                    <a:noFill/>
+                  </a:tcPr>
+                </a:tc>
+              </a:tr>
+              <a:tr h="0">
+                <a:tc>
+                  <a:txBody>
+                    <a:bodyPr/>
+                    <a:lstStyle/>
+                    <a:p>
+                      <a:pPr latinLnBrk="1"/>
+                      <a:r>
+                        <a:rPr lang="en-US" altLang="ko-KR" sz="1200" dirty="0" smtClean="0"/>
+                        <a:t>Path</a:t>
+                      </a:r>
+                      <a:endParaRPr lang="ko-KR" altLang="en-US" sz="1200" dirty="0"/>
+                    </a:p>
+                  </a:txBody>
+                  <a:tcPr>
+                    <a:lnL w="12700" cap="flat" cmpd="sng" algn="ctr">
+                      <a:solidFill>
+                        <a:schemeClr val="tx1">
+                          <a:lumMod val="50000"/>
+                          <a:lumOff val="50000"/>
+                        </a:schemeClr>
+                      </a:solidFill>
+                      <a:prstDash val="solid"/>
+                      <a:round/>
+                      <a:headEnd type="none" w="med" len="med"/>
+                      <a:tailEnd type="none" w="med" len="med"/>
+                    </a:lnL>
+                    <a:lnR w="12700" cap="flat" cmpd="sng" algn="ctr">
+                      <a:solidFill>
+                        <a:schemeClr val="tx1">
+                          <a:lumMod val="50000"/>
+                          <a:lumOff val="50000"/>
+                        </a:schemeClr>
+                      </a:solidFill>
+                      <a:prstDash val="solid"/>
+                      <a:round/>
+                      <a:headEnd type="none" w="med" len="med"/>
+                      <a:tailEnd type="none" w="med" len="med"/>
+                    </a:lnR>
+                    <a:lnT w="12700" cap="flat" cmpd="sng" algn="ctr">
+                      <a:solidFill>
+                        <a:schemeClr val="tx1">
+                          <a:lumMod val="50000"/>
+                          <a:lumOff val="50000"/>
+                        </a:schemeClr>
+                      </a:solidFill>
+                      <a:prstDash val="solid"/>
+                      <a:round/>
+                      <a:headEnd type="none" w="med" len="med"/>
+                      <a:tailEnd type="none" w="med" len="med"/>
+                    </a:lnT>
+                    <a:lnB w="12700" cap="flat" cmpd="sng" algn="ctr">
+                      <a:solidFill>
+                        <a:schemeClr val="tx1">
+                          <a:lumMod val="50000"/>
+                          <a:lumOff val="50000"/>
+                        </a:schemeClr>
+                      </a:solidFill>
+                      <a:prstDash val="solid"/>
+                      <a:round/>
+                      <a:headEnd type="none" w="med" len="med"/>
+                      <a:tailEnd type="none" w="med" len="med"/>
+                    </a:lnB>
+                    <a:noFill/>
+                  </a:tcPr>
+                </a:tc>
+                <a:tc>
+                  <a:txBody>
+                    <a:bodyPr/>
+                    <a:lstStyle/>
+                    <a:p>
+                      <a:pPr latinLnBrk="1"/>
+                      <a:r>
+                        <a:rPr lang="ko-KR" altLang="en-US" sz="1200" dirty="0" err="1" smtClean="0"/>
+                        <a:t>네비게이션</a:t>
+                      </a:r>
+                      <a:r>
+                        <a:rPr lang="ko-KR" altLang="en-US" sz="1200" dirty="0" smtClean="0"/>
+                        <a:t> 툴과 어플리케이션 정보</a:t>
+                      </a:r>
+                      <a:r>
+                        <a:rPr lang="en-US" altLang="ko-KR" sz="1200" dirty="0" smtClean="0"/>
+                        <a:t>, </a:t>
+                      </a:r>
+                      <a:r>
+                        <a:rPr lang="ko-KR" altLang="en-US" sz="1200" dirty="0" smtClean="0"/>
+                        <a:t>검색</a:t>
+                      </a:r>
+                      <a:r>
+                        <a:rPr lang="en-US" altLang="ko-KR" sz="1200" dirty="0" smtClean="0"/>
+                        <a:t>,</a:t>
+                      </a:r>
+                      <a:r>
+                        <a:rPr lang="en-US" altLang="ko-KR" sz="1200" baseline="0" dirty="0" smtClean="0"/>
+                        <a:t> </a:t>
+                      </a:r>
+                      <a:r>
+                        <a:rPr lang="ko-KR" altLang="en-US" sz="1200" baseline="0" dirty="0" smtClean="0"/>
+                        <a:t>도움말 링크를 포함한다</a:t>
+                      </a:r>
+                      <a:r>
+                        <a:rPr lang="en-US" altLang="ko-KR" sz="1200" baseline="0" dirty="0" smtClean="0"/>
+                        <a:t>.</a:t>
+                      </a:r>
+                      <a:endParaRPr lang="ko-KR" altLang="en-US" sz="1200" dirty="0"/>
+                    </a:p>
+                  </a:txBody>
+                  <a:tcPr>
+                    <a:lnL w="12700" cap="flat" cmpd="sng" algn="ctr">
+                      <a:solidFill>
+                        <a:schemeClr val="tx1">
+                          <a:lumMod val="50000"/>
+                          <a:lumOff val="50000"/>
+                        </a:schemeClr>
+                      </a:solidFill>
+                      <a:prstDash val="solid"/>
+                      <a:round/>
+                      <a:headEnd type="none" w="med" len="med"/>
+                      <a:tailEnd type="none" w="med" len="med"/>
+                    </a:lnL>
+                    <a:lnR w="12700" cap="flat" cmpd="sng" algn="ctr">
+                      <a:solidFill>
+                        <a:schemeClr val="tx1">
+                          <a:lumMod val="50000"/>
+                          <a:lumOff val="50000"/>
+                        </a:schemeClr>
+                      </a:solidFill>
+                      <a:prstDash val="solid"/>
+                      <a:round/>
+                      <a:headEnd type="none" w="med" len="med"/>
+                      <a:tailEnd type="none" w="med" len="med"/>
+                    </a:lnR>
+                    <a:lnT w="12700" cap="flat" cmpd="sng" algn="ctr">
+                      <a:solidFill>
+                        <a:schemeClr val="tx1">
+                          <a:lumMod val="50000"/>
+                          <a:lumOff val="50000"/>
+                        </a:schemeClr>
+                      </a:solidFill>
+                      <a:prstDash val="solid"/>
+                      <a:round/>
+                      <a:headEnd type="none" w="med" len="med"/>
+                      <a:tailEnd type="none" w="med" len="med"/>
+                    </a:lnT>
+                    <a:lnB w="12700" cap="flat" cmpd="sng" algn="ctr">
+                      <a:solidFill>
+                        <a:schemeClr val="tx1">
+                          <a:lumMod val="50000"/>
+                          <a:lumOff val="50000"/>
+                        </a:schemeClr>
+                      </a:solidFill>
+                      <a:prstDash val="solid"/>
+                      <a:round/>
+                      <a:headEnd type="none" w="med" len="med"/>
+                      <a:tailEnd type="none" w="med" len="med"/>
+                    </a:lnB>
+                    <a:noFill/>
+                  </a:tcPr>
+                </a:tc>
+              </a:tr>
+              <a:tr h="0">
+                <a:tc>
+                  <a:txBody>
+                    <a:bodyPr/>
+                    <a:lstStyle/>
+                    <a:p>
+                      <a:pPr latinLnBrk="1"/>
+                      <a:r>
+                        <a:rPr lang="en-US" altLang="ko-KR" sz="1200" dirty="0" smtClean="0"/>
+                        <a:t>DockTop</a:t>
+                      </a:r>
+                      <a:endParaRPr lang="ko-KR" altLang="en-US" sz="1200" dirty="0"/>
+                    </a:p>
+                  </a:txBody>
+                  <a:tcPr>
+                    <a:lnL w="12700" cap="flat" cmpd="sng" algn="ctr">
+                      <a:solidFill>
+                        <a:schemeClr val="tx1">
+                          <a:lumMod val="50000"/>
+                          <a:lumOff val="50000"/>
+                        </a:schemeClr>
+                      </a:solidFill>
+                      <a:prstDash val="solid"/>
+                      <a:round/>
+                      <a:headEnd type="none" w="med" len="med"/>
+                      <a:tailEnd type="none" w="med" len="med"/>
+                    </a:lnL>
+                    <a:lnR w="12700" cap="flat" cmpd="sng" algn="ctr">
+                      <a:solidFill>
+                        <a:schemeClr val="tx1">
+                          <a:lumMod val="50000"/>
+                          <a:lumOff val="50000"/>
+                        </a:schemeClr>
+                      </a:solidFill>
+                      <a:prstDash val="solid"/>
+                      <a:round/>
+                      <a:headEnd type="none" w="med" len="med"/>
+                      <a:tailEnd type="none" w="med" len="med"/>
+                    </a:lnR>
+                    <a:lnT w="12700" cap="flat" cmpd="sng" algn="ctr">
+                      <a:solidFill>
+                        <a:schemeClr val="tx1">
+                          <a:lumMod val="50000"/>
+                          <a:lumOff val="50000"/>
+                        </a:schemeClr>
+                      </a:solidFill>
+                      <a:prstDash val="solid"/>
+                      <a:round/>
+                      <a:headEnd type="none" w="med" len="med"/>
+                      <a:tailEnd type="none" w="med" len="med"/>
+                    </a:lnT>
+                    <a:lnB w="12700" cap="flat" cmpd="sng" algn="ctr">
+                      <a:solidFill>
+                        <a:schemeClr val="tx1">
+                          <a:lumMod val="50000"/>
+                          <a:lumOff val="50000"/>
+                        </a:schemeClr>
+                      </a:solidFill>
+                      <a:prstDash val="solid"/>
+                      <a:round/>
+                      <a:headEnd type="none" w="med" len="med"/>
+                      <a:tailEnd type="none" w="med" len="med"/>
+                    </a:lnB>
+                    <a:noFill/>
+                  </a:tcPr>
+                </a:tc>
+                <a:tc>
+                  <a:txBody>
+                    <a:bodyPr/>
+                    <a:lstStyle/>
+                    <a:p>
+                      <a:pPr latinLnBrk="1"/>
+                      <a:r>
+                        <a:rPr lang="ko-KR" altLang="en-US" sz="1200" dirty="0" smtClean="0"/>
+                        <a:t>메뉴와 </a:t>
+                      </a:r>
+                      <a:r>
+                        <a:rPr lang="ko-KR" altLang="en-US" sz="1200" dirty="0" err="1" smtClean="0"/>
+                        <a:t>툴바를</a:t>
+                      </a:r>
+                      <a:r>
+                        <a:rPr lang="ko-KR" altLang="en-US" sz="1200" dirty="0" smtClean="0"/>
+                        <a:t> 포함한다</a:t>
+                      </a:r>
+                      <a:r>
+                        <a:rPr lang="en-US" altLang="ko-KR" sz="1200" dirty="0" smtClean="0"/>
+                        <a:t>.</a:t>
+                      </a:r>
+                      <a:endParaRPr lang="ko-KR" altLang="en-US" sz="1200" dirty="0"/>
+                    </a:p>
+                  </a:txBody>
+                  <a:tcPr>
+                    <a:lnL w="12700" cap="flat" cmpd="sng" algn="ctr">
+                      <a:solidFill>
+                        <a:schemeClr val="tx1">
+                          <a:lumMod val="50000"/>
+                          <a:lumOff val="50000"/>
+                        </a:schemeClr>
+                      </a:solidFill>
+                      <a:prstDash val="solid"/>
+                      <a:round/>
+                      <a:headEnd type="none" w="med" len="med"/>
+                      <a:tailEnd type="none" w="med" len="med"/>
+                    </a:lnL>
+                    <a:lnR w="12700" cap="flat" cmpd="sng" algn="ctr">
+                      <a:solidFill>
+                        <a:schemeClr val="tx1">
+                          <a:lumMod val="50000"/>
+                          <a:lumOff val="50000"/>
+                        </a:schemeClr>
+                      </a:solidFill>
+                      <a:prstDash val="solid"/>
+                      <a:round/>
+                      <a:headEnd type="none" w="med" len="med"/>
+                      <a:tailEnd type="none" w="med" len="med"/>
+                    </a:lnR>
+                    <a:lnT w="12700" cap="flat" cmpd="sng" algn="ctr">
+                      <a:solidFill>
+                        <a:schemeClr val="tx1">
+                          <a:lumMod val="50000"/>
+                          <a:lumOff val="50000"/>
+                        </a:schemeClr>
+                      </a:solidFill>
+                      <a:prstDash val="solid"/>
+                      <a:round/>
+                      <a:headEnd type="none" w="med" len="med"/>
+                      <a:tailEnd type="none" w="med" len="med"/>
+                    </a:lnT>
+                    <a:lnB w="12700" cap="flat" cmpd="sng" algn="ctr">
+                      <a:solidFill>
+                        <a:schemeClr val="tx1">
+                          <a:lumMod val="50000"/>
+                          <a:lumOff val="50000"/>
+                        </a:schemeClr>
+                      </a:solidFill>
+                      <a:prstDash val="solid"/>
+                      <a:round/>
+                      <a:headEnd type="none" w="med" len="med"/>
+                      <a:tailEnd type="none" w="med" len="med"/>
+                    </a:lnB>
+                    <a:noFill/>
+                  </a:tcPr>
+                </a:tc>
+              </a:tr>
+              <a:tr h="0">
+                <a:tc>
+                  <a:txBody>
+                    <a:bodyPr/>
+                    <a:lstStyle/>
+                    <a:p>
+                      <a:pPr latinLnBrk="1"/>
+                      <a:r>
+                        <a:rPr lang="en-US" altLang="ko-KR" sz="1200" dirty="0" smtClean="0"/>
+                        <a:t>DockLeft</a:t>
+                      </a:r>
+                      <a:endParaRPr lang="ko-KR" altLang="en-US" sz="1200" dirty="0"/>
+                    </a:p>
+                  </a:txBody>
+                  <a:tcPr>
+                    <a:lnL w="12700" cap="flat" cmpd="sng" algn="ctr">
+                      <a:solidFill>
+                        <a:schemeClr val="tx1">
+                          <a:lumMod val="50000"/>
+                          <a:lumOff val="50000"/>
+                        </a:schemeClr>
+                      </a:solidFill>
+                      <a:prstDash val="solid"/>
+                      <a:round/>
+                      <a:headEnd type="none" w="med" len="med"/>
+                      <a:tailEnd type="none" w="med" len="med"/>
+                    </a:lnL>
+                    <a:lnR w="12700" cap="flat" cmpd="sng" algn="ctr">
+                      <a:solidFill>
+                        <a:schemeClr val="tx1">
+                          <a:lumMod val="50000"/>
+                          <a:lumOff val="50000"/>
+                        </a:schemeClr>
+                      </a:solidFill>
+                      <a:prstDash val="solid"/>
+                      <a:round/>
+                      <a:headEnd type="none" w="med" len="med"/>
+                      <a:tailEnd type="none" w="med" len="med"/>
+                    </a:lnR>
+                    <a:lnT w="12700" cap="flat" cmpd="sng" algn="ctr">
+                      <a:solidFill>
+                        <a:schemeClr val="tx1">
+                          <a:lumMod val="50000"/>
+                          <a:lumOff val="50000"/>
+                        </a:schemeClr>
+                      </a:solidFill>
+                      <a:prstDash val="solid"/>
+                      <a:round/>
+                      <a:headEnd type="none" w="med" len="med"/>
+                      <a:tailEnd type="none" w="med" len="med"/>
+                    </a:lnT>
+                    <a:lnB w="12700" cap="flat" cmpd="sng" algn="ctr">
+                      <a:solidFill>
+                        <a:schemeClr val="tx1">
+                          <a:lumMod val="50000"/>
+                          <a:lumOff val="50000"/>
+                        </a:schemeClr>
+                      </a:solidFill>
+                      <a:prstDash val="solid"/>
+                      <a:round/>
+                      <a:headEnd type="none" w="med" len="med"/>
+                      <a:tailEnd type="none" w="med" len="med"/>
+                    </a:lnB>
+                    <a:noFill/>
+                  </a:tcPr>
+                </a:tc>
+                <a:tc>
+                  <a:txBody>
+                    <a:bodyPr/>
+                    <a:lstStyle/>
+                    <a:p>
+                      <a:pPr latinLnBrk="1"/>
+                      <a:endParaRPr lang="ko-KR" altLang="en-US" sz="1200" dirty="0"/>
+                    </a:p>
+                  </a:txBody>
+                  <a:tcPr>
+                    <a:lnL w="12700" cap="flat" cmpd="sng" algn="ctr">
+                      <a:solidFill>
+                        <a:schemeClr val="tx1">
+                          <a:lumMod val="50000"/>
+                          <a:lumOff val="50000"/>
+                        </a:schemeClr>
+                      </a:solidFill>
+                      <a:prstDash val="solid"/>
+                      <a:round/>
+                      <a:headEnd type="none" w="med" len="med"/>
+                      <a:tailEnd type="none" w="med" len="med"/>
+                    </a:lnL>
+                    <a:lnR w="12700" cap="flat" cmpd="sng" algn="ctr">
+                      <a:solidFill>
+                        <a:schemeClr val="tx1">
+                          <a:lumMod val="50000"/>
+                          <a:lumOff val="50000"/>
+                        </a:schemeClr>
+                      </a:solidFill>
+                      <a:prstDash val="solid"/>
+                      <a:round/>
+                      <a:headEnd type="none" w="med" len="med"/>
+                      <a:tailEnd type="none" w="med" len="med"/>
+                    </a:lnR>
+                    <a:lnT w="12700" cap="flat" cmpd="sng" algn="ctr">
+                      <a:solidFill>
+                        <a:schemeClr val="tx1">
+                          <a:lumMod val="50000"/>
+                          <a:lumOff val="50000"/>
+                        </a:schemeClr>
+                      </a:solidFill>
+                      <a:prstDash val="solid"/>
+                      <a:round/>
+                      <a:headEnd type="none" w="med" len="med"/>
+                      <a:tailEnd type="none" w="med" len="med"/>
+                    </a:lnT>
+                    <a:lnB w="12700" cap="flat" cmpd="sng" algn="ctr">
+                      <a:solidFill>
+                        <a:schemeClr val="tx1">
+                          <a:lumMod val="50000"/>
+                          <a:lumOff val="50000"/>
+                        </a:schemeClr>
+                      </a:solidFill>
+                      <a:prstDash val="solid"/>
+                      <a:round/>
+                      <a:headEnd type="none" w="med" len="med"/>
+                      <a:tailEnd type="none" w="med" len="med"/>
+                    </a:lnB>
+                    <a:noFill/>
+                  </a:tcPr>
+                </a:tc>
+              </a:tr>
+              <a:tr h="0">
+                <a:tc>
+                  <a:txBody>
+                    <a:bodyPr/>
+                    <a:lstStyle/>
+                    <a:p>
+                      <a:pPr latinLnBrk="1"/>
+                      <a:r>
+                        <a:rPr lang="en-US" altLang="ko-KR" sz="1200" dirty="0" smtClean="0"/>
+                        <a:t>Error</a:t>
+                      </a:r>
+                      <a:endParaRPr lang="ko-KR" altLang="en-US" sz="1200" dirty="0"/>
+                    </a:p>
+                  </a:txBody>
+                  <a:tcPr>
+                    <a:lnL w="12700" cap="flat" cmpd="sng" algn="ctr">
+                      <a:solidFill>
+                        <a:schemeClr val="tx1">
+                          <a:lumMod val="50000"/>
+                          <a:lumOff val="50000"/>
+                        </a:schemeClr>
+                      </a:solidFill>
+                      <a:prstDash val="solid"/>
+                      <a:round/>
+                      <a:headEnd type="none" w="med" len="med"/>
+                      <a:tailEnd type="none" w="med" len="med"/>
+                    </a:lnL>
+                    <a:lnR w="12700" cap="flat" cmpd="sng" algn="ctr">
+                      <a:solidFill>
+                        <a:schemeClr val="tx1">
+                          <a:lumMod val="50000"/>
+                          <a:lumOff val="50000"/>
+                        </a:schemeClr>
+                      </a:solidFill>
+                      <a:prstDash val="solid"/>
+                      <a:round/>
+                      <a:headEnd type="none" w="med" len="med"/>
+                      <a:tailEnd type="none" w="med" len="med"/>
+                    </a:lnR>
+                    <a:lnT w="12700" cap="flat" cmpd="sng" algn="ctr">
+                      <a:solidFill>
+                        <a:schemeClr val="tx1">
+                          <a:lumMod val="50000"/>
+                          <a:lumOff val="50000"/>
+                        </a:schemeClr>
+                      </a:solidFill>
+                      <a:prstDash val="solid"/>
+                      <a:round/>
+                      <a:headEnd type="none" w="med" len="med"/>
+                      <a:tailEnd type="none" w="med" len="med"/>
+                    </a:lnT>
+                    <a:lnB w="12700" cap="flat" cmpd="sng" algn="ctr">
+                      <a:solidFill>
+                        <a:schemeClr val="tx1">
+                          <a:lumMod val="50000"/>
+                          <a:lumOff val="50000"/>
+                        </a:schemeClr>
+                      </a:solidFill>
+                      <a:prstDash val="solid"/>
+                      <a:round/>
+                      <a:headEnd type="none" w="med" len="med"/>
+                      <a:tailEnd type="none" w="med" len="med"/>
+                    </a:lnB>
+                    <a:noFill/>
+                  </a:tcPr>
+                </a:tc>
+                <a:tc>
+                  <a:txBody>
+                    <a:bodyPr/>
+                    <a:lstStyle/>
+                    <a:p>
+                      <a:pPr latinLnBrk="1"/>
+                      <a:endParaRPr lang="ko-KR" altLang="en-US" sz="1200" dirty="0"/>
+                    </a:p>
+                  </a:txBody>
+                  <a:tcPr>
+                    <a:lnL w="12700" cap="flat" cmpd="sng" algn="ctr">
+                      <a:solidFill>
+                        <a:schemeClr val="tx1">
+                          <a:lumMod val="50000"/>
+                          <a:lumOff val="50000"/>
+                        </a:schemeClr>
+                      </a:solidFill>
+                      <a:prstDash val="solid"/>
+                      <a:round/>
+                      <a:headEnd type="none" w="med" len="med"/>
+                      <a:tailEnd type="none" w="med" len="med"/>
+                    </a:lnL>
+                    <a:lnR w="12700" cap="flat" cmpd="sng" algn="ctr">
+                      <a:solidFill>
+                        <a:schemeClr val="tx1">
+                          <a:lumMod val="50000"/>
+                          <a:lumOff val="50000"/>
+                        </a:schemeClr>
+                      </a:solidFill>
+                      <a:prstDash val="solid"/>
+                      <a:round/>
+                      <a:headEnd type="none" w="med" len="med"/>
+                      <a:tailEnd type="none" w="med" len="med"/>
+                    </a:lnR>
+                    <a:lnT w="12700" cap="flat" cmpd="sng" algn="ctr">
+                      <a:solidFill>
+                        <a:schemeClr val="tx1">
+                          <a:lumMod val="50000"/>
+                          <a:lumOff val="50000"/>
+                        </a:schemeClr>
+                      </a:solidFill>
+                      <a:prstDash val="solid"/>
+                      <a:round/>
+                      <a:headEnd type="none" w="med" len="med"/>
+                      <a:tailEnd type="none" w="med" len="med"/>
+                    </a:lnT>
+                    <a:lnB w="12700" cap="flat" cmpd="sng" algn="ctr">
+                      <a:solidFill>
+                        <a:schemeClr val="tx1">
+                          <a:lumMod val="50000"/>
+                          <a:lumOff val="50000"/>
+                        </a:schemeClr>
+                      </a:solidFill>
+                      <a:prstDash val="solid"/>
+                      <a:round/>
+                      <a:headEnd type="none" w="med" len="med"/>
+                      <a:tailEnd type="none" w="med" len="med"/>
+                    </a:lnB>
+                    <a:noFill/>
+                  </a:tcPr>
+                </a:tc>
+              </a:tr>
+              <a:tr h="0">
+                <a:tc>
+                  <a:txBody>
+                    <a:bodyPr/>
+                    <a:lstStyle/>
+                    <a:p>
+                      <a:pPr latinLnBrk="1"/>
+                      <a:r>
+                        <a:rPr lang="en-US" altLang="ko-KR" sz="1200" dirty="0" smtClean="0"/>
+                        <a:t>Content</a:t>
+                      </a:r>
+                      <a:endParaRPr lang="ko-KR" altLang="en-US" sz="1200" dirty="0"/>
+                    </a:p>
+                  </a:txBody>
+                  <a:tcPr>
+                    <a:lnL w="12700" cap="flat" cmpd="sng" algn="ctr">
+                      <a:solidFill>
+                        <a:schemeClr val="tx1">
+                          <a:lumMod val="50000"/>
+                          <a:lumOff val="50000"/>
+                        </a:schemeClr>
+                      </a:solidFill>
+                      <a:prstDash val="solid"/>
+                      <a:round/>
+                      <a:headEnd type="none" w="med" len="med"/>
+                      <a:tailEnd type="none" w="med" len="med"/>
+                    </a:lnL>
+                    <a:lnR w="12700" cap="flat" cmpd="sng" algn="ctr">
+                      <a:solidFill>
+                        <a:schemeClr val="tx1">
+                          <a:lumMod val="50000"/>
+                          <a:lumOff val="50000"/>
+                        </a:schemeClr>
+                      </a:solidFill>
+                      <a:prstDash val="solid"/>
+                      <a:round/>
+                      <a:headEnd type="none" w="med" len="med"/>
+                      <a:tailEnd type="none" w="med" len="med"/>
+                    </a:lnR>
+                    <a:lnT w="12700" cap="flat" cmpd="sng" algn="ctr">
+                      <a:solidFill>
+                        <a:schemeClr val="tx1">
+                          <a:lumMod val="50000"/>
+                          <a:lumOff val="50000"/>
+                        </a:schemeClr>
+                      </a:solidFill>
+                      <a:prstDash val="solid"/>
+                      <a:round/>
+                      <a:headEnd type="none" w="med" len="med"/>
+                      <a:tailEnd type="none" w="med" len="med"/>
+                    </a:lnT>
+                    <a:lnB w="12700" cap="flat" cmpd="sng" algn="ctr">
+                      <a:solidFill>
+                        <a:schemeClr val="tx1">
+                          <a:lumMod val="50000"/>
+                          <a:lumOff val="50000"/>
+                        </a:schemeClr>
+                      </a:solidFill>
+                      <a:prstDash val="solid"/>
+                      <a:round/>
+                      <a:headEnd type="none" w="med" len="med"/>
+                      <a:tailEnd type="none" w="med" len="med"/>
+                    </a:lnB>
+                    <a:noFill/>
+                  </a:tcPr>
+                </a:tc>
+                <a:tc>
+                  <a:txBody>
+                    <a:bodyPr/>
+                    <a:lstStyle/>
+                    <a:p>
+                      <a:pPr latinLnBrk="1"/>
+                      <a:endParaRPr lang="ko-KR" altLang="en-US" sz="1200" dirty="0"/>
+                    </a:p>
+                  </a:txBody>
+                  <a:tcPr>
+                    <a:lnL w="12700" cap="flat" cmpd="sng" algn="ctr">
+                      <a:solidFill>
+                        <a:schemeClr val="tx1">
+                          <a:lumMod val="50000"/>
+                          <a:lumOff val="50000"/>
+                        </a:schemeClr>
+                      </a:solidFill>
+                      <a:prstDash val="solid"/>
+                      <a:round/>
+                      <a:headEnd type="none" w="med" len="med"/>
+                      <a:tailEnd type="none" w="med" len="med"/>
+                    </a:lnL>
+                    <a:lnR w="12700" cap="flat" cmpd="sng" algn="ctr">
+                      <a:solidFill>
+                        <a:schemeClr val="tx1">
+                          <a:lumMod val="50000"/>
+                          <a:lumOff val="50000"/>
+                        </a:schemeClr>
+                      </a:solidFill>
+                      <a:prstDash val="solid"/>
+                      <a:round/>
+                      <a:headEnd type="none" w="med" len="med"/>
+                      <a:tailEnd type="none" w="med" len="med"/>
+                    </a:lnR>
+                    <a:lnT w="12700" cap="flat" cmpd="sng" algn="ctr">
+                      <a:solidFill>
+                        <a:schemeClr val="tx1">
+                          <a:lumMod val="50000"/>
+                          <a:lumOff val="50000"/>
+                        </a:schemeClr>
+                      </a:solidFill>
+                      <a:prstDash val="solid"/>
+                      <a:round/>
+                      <a:headEnd type="none" w="med" len="med"/>
+                      <a:tailEnd type="none" w="med" len="med"/>
+                    </a:lnT>
+                    <a:lnB w="12700" cap="flat" cmpd="sng" algn="ctr">
+                      <a:solidFill>
+                        <a:schemeClr val="tx1">
+                          <a:lumMod val="50000"/>
+                          <a:lumOff val="50000"/>
+                        </a:schemeClr>
+                      </a:solidFill>
+                      <a:prstDash val="solid"/>
+                      <a:round/>
+                      <a:headEnd type="none" w="med" len="med"/>
+                      <a:tailEnd type="none" w="med" len="med"/>
+                    </a:lnB>
+                    <a:noFill/>
+                  </a:tcPr>
+                </a:tc>
+              </a:tr>
+              <a:tr h="0">
+                <a:tc>
+                  <a:txBody>
+                    <a:bodyPr/>
+                    <a:lstStyle/>
+                    <a:p>
+                      <a:pPr latinLnBrk="1"/>
+                      <a:r>
+                        <a:rPr lang="en-US" altLang="ko-KR" sz="1200" dirty="0" smtClean="0"/>
+                        <a:t>DockRight</a:t>
+                      </a:r>
+                      <a:endParaRPr lang="ko-KR" altLang="en-US" sz="1200" dirty="0"/>
+                    </a:p>
+                  </a:txBody>
+                  <a:tcPr>
+                    <a:lnL w="12700" cap="flat" cmpd="sng" algn="ctr">
+                      <a:solidFill>
+                        <a:schemeClr val="tx1">
+                          <a:lumMod val="50000"/>
+                          <a:lumOff val="50000"/>
+                        </a:schemeClr>
+                      </a:solidFill>
+                      <a:prstDash val="solid"/>
+                      <a:round/>
+                      <a:headEnd type="none" w="med" len="med"/>
+                      <a:tailEnd type="none" w="med" len="med"/>
+                    </a:lnL>
+                    <a:lnR w="12700" cap="flat" cmpd="sng" algn="ctr">
+                      <a:solidFill>
+                        <a:schemeClr val="tx1">
+                          <a:lumMod val="50000"/>
+                          <a:lumOff val="50000"/>
+                        </a:schemeClr>
+                      </a:solidFill>
+                      <a:prstDash val="solid"/>
+                      <a:round/>
+                      <a:headEnd type="none" w="med" len="med"/>
+                      <a:tailEnd type="none" w="med" len="med"/>
+                    </a:lnR>
+                    <a:lnT w="12700" cap="flat" cmpd="sng" algn="ctr">
+                      <a:solidFill>
+                        <a:schemeClr val="tx1">
+                          <a:lumMod val="50000"/>
+                          <a:lumOff val="50000"/>
+                        </a:schemeClr>
+                      </a:solidFill>
+                      <a:prstDash val="solid"/>
+                      <a:round/>
+                      <a:headEnd type="none" w="med" len="med"/>
+                      <a:tailEnd type="none" w="med" len="med"/>
+                    </a:lnT>
+                    <a:lnB w="12700" cap="flat" cmpd="sng" algn="ctr">
+                      <a:solidFill>
+                        <a:schemeClr val="tx1">
+                          <a:lumMod val="50000"/>
+                          <a:lumOff val="50000"/>
+                        </a:schemeClr>
+                      </a:solidFill>
+                      <a:prstDash val="solid"/>
+                      <a:round/>
+                      <a:headEnd type="none" w="med" len="med"/>
+                      <a:tailEnd type="none" w="med" len="med"/>
+                    </a:lnB>
+                    <a:noFill/>
+                  </a:tcPr>
+                </a:tc>
+                <a:tc>
+                  <a:txBody>
+                    <a:bodyPr/>
+                    <a:lstStyle/>
+                    <a:p>
+                      <a:pPr latinLnBrk="1"/>
+                      <a:endParaRPr lang="ko-KR" altLang="en-US" sz="1200" dirty="0"/>
+                    </a:p>
+                  </a:txBody>
+                  <a:tcPr>
+                    <a:lnL w="12700" cap="flat" cmpd="sng" algn="ctr">
+                      <a:solidFill>
+                        <a:schemeClr val="tx1">
+                          <a:lumMod val="50000"/>
+                          <a:lumOff val="50000"/>
+                        </a:schemeClr>
+                      </a:solidFill>
+                      <a:prstDash val="solid"/>
+                      <a:round/>
+                      <a:headEnd type="none" w="med" len="med"/>
+                      <a:tailEnd type="none" w="med" len="med"/>
+                    </a:lnL>
+                    <a:lnR w="12700" cap="flat" cmpd="sng" algn="ctr">
+                      <a:solidFill>
+                        <a:schemeClr val="tx1">
+                          <a:lumMod val="50000"/>
+                          <a:lumOff val="50000"/>
+                        </a:schemeClr>
+                      </a:solidFill>
+                      <a:prstDash val="solid"/>
+                      <a:round/>
+                      <a:headEnd type="none" w="med" len="med"/>
+                      <a:tailEnd type="none" w="med" len="med"/>
+                    </a:lnR>
+                    <a:lnT w="12700" cap="flat" cmpd="sng" algn="ctr">
+                      <a:solidFill>
+                        <a:schemeClr val="tx1">
+                          <a:lumMod val="50000"/>
+                          <a:lumOff val="50000"/>
+                        </a:schemeClr>
+                      </a:solidFill>
+                      <a:prstDash val="solid"/>
+                      <a:round/>
+                      <a:headEnd type="none" w="med" len="med"/>
+                      <a:tailEnd type="none" w="med" len="med"/>
+                    </a:lnT>
+                    <a:lnB w="12700" cap="flat" cmpd="sng" algn="ctr">
+                      <a:solidFill>
+                        <a:schemeClr val="tx1">
+                          <a:lumMod val="50000"/>
+                          <a:lumOff val="50000"/>
+                        </a:schemeClr>
+                      </a:solidFill>
+                      <a:prstDash val="solid"/>
+                      <a:round/>
+                      <a:headEnd type="none" w="med" len="med"/>
+                      <a:tailEnd type="none" w="med" len="med"/>
+                    </a:lnB>
+                    <a:noFill/>
+                  </a:tcPr>
+                </a:tc>
+              </a:tr>
+              <a:tr h="0">
+                <a:tc>
+                  <a:txBody>
+                    <a:bodyPr/>
+                    <a:lstStyle/>
+                    <a:p>
+                      <a:pPr latinLnBrk="1"/>
+                      <a:r>
+                        <a:rPr lang="en-US" altLang="ko-KR" sz="1200" dirty="0" smtClean="0"/>
+                        <a:t>DockBottm</a:t>
+                      </a:r>
+                      <a:endParaRPr lang="ko-KR" altLang="en-US" sz="1200" dirty="0"/>
+                    </a:p>
+                  </a:txBody>
+                  <a:tcPr>
+                    <a:lnL w="12700" cap="flat" cmpd="sng" algn="ctr">
+                      <a:solidFill>
+                        <a:schemeClr val="tx1">
+                          <a:lumMod val="50000"/>
+                          <a:lumOff val="50000"/>
+                        </a:schemeClr>
+                      </a:solidFill>
+                      <a:prstDash val="solid"/>
+                      <a:round/>
+                      <a:headEnd type="none" w="med" len="med"/>
+                      <a:tailEnd type="none" w="med" len="med"/>
+                    </a:lnL>
+                    <a:lnR w="12700" cap="flat" cmpd="sng" algn="ctr">
+                      <a:solidFill>
+                        <a:schemeClr val="tx1">
+                          <a:lumMod val="50000"/>
+                          <a:lumOff val="50000"/>
+                        </a:schemeClr>
+                      </a:solidFill>
+                      <a:prstDash val="solid"/>
+                      <a:round/>
+                      <a:headEnd type="none" w="med" len="med"/>
+                      <a:tailEnd type="none" w="med" len="med"/>
+                    </a:lnR>
+                    <a:lnT w="12700" cap="flat" cmpd="sng" algn="ctr">
+                      <a:solidFill>
+                        <a:schemeClr val="tx1">
+                          <a:lumMod val="50000"/>
+                          <a:lumOff val="50000"/>
+                        </a:schemeClr>
+                      </a:solidFill>
+                      <a:prstDash val="solid"/>
+                      <a:round/>
+                      <a:headEnd type="none" w="med" len="med"/>
+                      <a:tailEnd type="none" w="med" len="med"/>
+                    </a:lnT>
+                    <a:lnB w="12700" cap="flat" cmpd="sng" algn="ctr">
+                      <a:solidFill>
+                        <a:schemeClr val="tx1">
+                          <a:lumMod val="50000"/>
+                          <a:lumOff val="50000"/>
+                        </a:schemeClr>
+                      </a:solidFill>
+                      <a:prstDash val="solid"/>
+                      <a:round/>
+                      <a:headEnd type="none" w="med" len="med"/>
+                      <a:tailEnd type="none" w="med" len="med"/>
+                    </a:lnB>
+                    <a:noFill/>
+                  </a:tcPr>
+                </a:tc>
+                <a:tc>
+                  <a:txBody>
+                    <a:bodyPr/>
+                    <a:lstStyle/>
+                    <a:p>
+                      <a:pPr latinLnBrk="1"/>
+                      <a:endParaRPr lang="ko-KR" altLang="en-US" sz="1200" dirty="0"/>
+                    </a:p>
+                  </a:txBody>
+                  <a:tcPr>
+                    <a:lnL w="12700" cap="flat" cmpd="sng" algn="ctr">
+                      <a:solidFill>
+                        <a:schemeClr val="tx1">
+                          <a:lumMod val="50000"/>
+                          <a:lumOff val="50000"/>
+                        </a:schemeClr>
+                      </a:solidFill>
+                      <a:prstDash val="solid"/>
+                      <a:round/>
+                      <a:headEnd type="none" w="med" len="med"/>
+                      <a:tailEnd type="none" w="med" len="med"/>
+                    </a:lnL>
+                    <a:lnR w="12700" cap="flat" cmpd="sng" algn="ctr">
+                      <a:solidFill>
+                        <a:schemeClr val="tx1">
+                          <a:lumMod val="50000"/>
+                          <a:lumOff val="50000"/>
+                        </a:schemeClr>
+                      </a:solidFill>
+                      <a:prstDash val="solid"/>
+                      <a:round/>
+                      <a:headEnd type="none" w="med" len="med"/>
+                      <a:tailEnd type="none" w="med" len="med"/>
+                    </a:lnR>
+                    <a:lnT w="12700" cap="flat" cmpd="sng" algn="ctr">
+                      <a:solidFill>
+                        <a:schemeClr val="tx1">
+                          <a:lumMod val="50000"/>
+                          <a:lumOff val="50000"/>
+                        </a:schemeClr>
+                      </a:solidFill>
+                      <a:prstDash val="solid"/>
+                      <a:round/>
+                      <a:headEnd type="none" w="med" len="med"/>
+                      <a:tailEnd type="none" w="med" len="med"/>
+                    </a:lnT>
+                    <a:lnB w="12700" cap="flat" cmpd="sng" algn="ctr">
+                      <a:solidFill>
+                        <a:schemeClr val="tx1">
+                          <a:lumMod val="50000"/>
+                          <a:lumOff val="50000"/>
+                        </a:schemeClr>
+                      </a:solidFill>
+                      <a:prstDash val="solid"/>
+                      <a:round/>
+                      <a:headEnd type="none" w="med" len="med"/>
+                      <a:tailEnd type="none" w="med" len="med"/>
+                    </a:lnB>
+                    <a:noFill/>
+                  </a:tcPr>
+                </a:tc>
+              </a:tr>
+              <a:tr h="0">
+                <a:tc>
+                  <a:txBody>
+                    <a:bodyPr/>
+                    <a:lstStyle/>
+                    <a:p>
+                      <a:pPr latinLnBrk="1"/>
+                      <a:r>
+                        <a:rPr lang="en-US" altLang="ko-KR" sz="1200" dirty="0" smtClean="0"/>
+                        <a:t>Footer</a:t>
+                      </a:r>
+                      <a:endParaRPr lang="ko-KR" altLang="en-US" sz="1200" dirty="0"/>
+                    </a:p>
+                  </a:txBody>
+                  <a:tcPr>
+                    <a:lnL w="12700" cap="flat" cmpd="sng" algn="ctr">
+                      <a:solidFill>
+                        <a:schemeClr val="tx1">
+                          <a:lumMod val="50000"/>
+                          <a:lumOff val="50000"/>
+                        </a:schemeClr>
+                      </a:solidFill>
+                      <a:prstDash val="solid"/>
+                      <a:round/>
+                      <a:headEnd type="none" w="med" len="med"/>
+                      <a:tailEnd type="none" w="med" len="med"/>
+                    </a:lnL>
+                    <a:lnR w="12700" cap="flat" cmpd="sng" algn="ctr">
+                      <a:solidFill>
+                        <a:schemeClr val="tx1">
+                          <a:lumMod val="50000"/>
+                          <a:lumOff val="50000"/>
+                        </a:schemeClr>
+                      </a:solidFill>
+                      <a:prstDash val="solid"/>
+                      <a:round/>
+                      <a:headEnd type="none" w="med" len="med"/>
+                      <a:tailEnd type="none" w="med" len="med"/>
+                    </a:lnR>
+                    <a:lnT w="12700" cap="flat" cmpd="sng" algn="ctr">
+                      <a:solidFill>
+                        <a:schemeClr val="tx1">
+                          <a:lumMod val="50000"/>
+                          <a:lumOff val="50000"/>
+                        </a:schemeClr>
+                      </a:solidFill>
+                      <a:prstDash val="solid"/>
+                      <a:round/>
+                      <a:headEnd type="none" w="med" len="med"/>
+                      <a:tailEnd type="none" w="med" len="med"/>
+                    </a:lnT>
+                    <a:lnB w="12700" cap="flat" cmpd="sng" algn="ctr">
+                      <a:solidFill>
+                        <a:schemeClr val="tx1">
+                          <a:lumMod val="50000"/>
+                          <a:lumOff val="50000"/>
+                        </a:schemeClr>
+                      </a:solidFill>
+                      <a:prstDash val="solid"/>
+                      <a:round/>
+                      <a:headEnd type="none" w="med" len="med"/>
+                      <a:tailEnd type="none" w="med" len="med"/>
+                    </a:lnB>
+                    <a:noFill/>
+                  </a:tcPr>
+                </a:tc>
+                <a:tc>
+                  <a:txBody>
+                    <a:bodyPr/>
+                    <a:lstStyle/>
+                    <a:p>
+                      <a:pPr latinLnBrk="1"/>
+                      <a:endParaRPr lang="ko-KR" altLang="en-US" sz="1200" dirty="0"/>
+                    </a:p>
+                  </a:txBody>
+                  <a:tcPr>
+                    <a:lnL w="12700" cap="flat" cmpd="sng" algn="ctr">
+                      <a:solidFill>
+                        <a:schemeClr val="tx1">
+                          <a:lumMod val="50000"/>
+                          <a:lumOff val="50000"/>
+                        </a:schemeClr>
+                      </a:solidFill>
+                      <a:prstDash val="solid"/>
+                      <a:round/>
+                      <a:headEnd type="none" w="med" len="med"/>
+                      <a:tailEnd type="none" w="med" len="med"/>
+                    </a:lnL>
+                    <a:lnR w="12700" cap="flat" cmpd="sng" algn="ctr">
+                      <a:solidFill>
+                        <a:schemeClr val="tx1">
+                          <a:lumMod val="50000"/>
+                          <a:lumOff val="50000"/>
+                        </a:schemeClr>
+                      </a:solidFill>
+                      <a:prstDash val="solid"/>
+                      <a:round/>
+                      <a:headEnd type="none" w="med" len="med"/>
+                      <a:tailEnd type="none" w="med" len="med"/>
+                    </a:lnR>
+                    <a:lnT w="12700" cap="flat" cmpd="sng" algn="ctr">
+                      <a:solidFill>
+                        <a:schemeClr val="tx1">
+                          <a:lumMod val="50000"/>
+                          <a:lumOff val="50000"/>
+                        </a:schemeClr>
+                      </a:solidFill>
+                      <a:prstDash val="solid"/>
+                      <a:round/>
+                      <a:headEnd type="none" w="med" len="med"/>
+                      <a:tailEnd type="none" w="med" len="med"/>
+                    </a:lnT>
+                    <a:lnB w="12700" cap="flat" cmpd="sng" algn="ctr">
+                      <a:solidFill>
+                        <a:schemeClr val="tx1">
+                          <a:lumMod val="50000"/>
+                          <a:lumOff val="50000"/>
+                        </a:schemeClr>
+                      </a:solidFill>
+                      <a:prstDash val="solid"/>
+                      <a:round/>
+                      <a:headEnd type="none" w="med" len="med"/>
+                      <a:tailEnd type="none" w="med" len="med"/>
+                    </a:lnB>
+                    <a:noFill/>
+                  </a:tcPr>
+                </a:tc>
+              </a:tr>
+            </a:tbl>
+          </a:graphicData>
+        </a:graphic>
+      </p:graphicFrame>
+    </p:spTree>
+    <p:extLst>
+      <p:ext uri="{BB962C8B-B14F-4D97-AF65-F5344CB8AC3E}">
+        <p14:creationId xmlns:p14="http://schemas.microsoft.com/office/powerpoint/2010/main" val="232706204"/>
+      </p:ext>
+    </p:extLst>
+  </p:cSld>
+  <p:clrMapOvr>
+    <a:masterClrMapping/>
+  </p:clrMapOvr>
+  <p:timing>
+    <p:tnLst>
+      <p:par>
+        <p:cTn id="1" dur="indefinite" restart="never" nodeType="tmRoot"/>
+      </p:par>
+    </p:tnLst>
+  </p:timing>
+</p:sld>
+</file>
+
+<file path=ppt/slides/slide13.xml><?xml version="1.0" encoding="utf-8"?>
+<p:sld xmlns:a="http://schemas.openxmlformats.org/drawingml/2006/main" xmlns:r="http://schemas.openxmlformats.org/officeDocument/2006/relationships" xmlns:p="http://schemas.openxmlformats.org/presentationml/2006/main">
+  <p:cSld>
+    <p:spTree>
+      <p:nvGrpSpPr>
+        <p:cNvPr id="1" name=""/>
+        <p:cNvGrpSpPr/>
+        <p:nvPr/>
+      </p:nvGrpSpPr>
+      <p:grpSpPr>
+        <a:xfrm>
+          <a:off x="0" y="0"/>
+          <a:ext cx="0" cy="0"/>
+          <a:chOff x="0" y="0"/>
+          <a:chExt cx="0" cy="0"/>
+        </a:xfrm>
+      </p:grpSpPr>
+      <p:sp>
+        <p:nvSpPr>
+          <p:cNvPr id="22" name="TextBox 21"/>
+          <p:cNvSpPr txBox="1"/>
+          <p:nvPr/>
+        </p:nvSpPr>
+        <p:spPr>
+          <a:xfrm>
+            <a:off x="8264790" y="179348"/>
+            <a:ext cx="1511952" cy="338554"/>
+          </a:xfrm>
+          <a:prstGeom prst="rect">
+            <a:avLst/>
+          </a:prstGeom>
+          <a:noFill/>
+        </p:spPr>
+        <p:txBody>
+          <a:bodyPr wrap="none" rtlCol="0">
+            <a:spAutoFit/>
+          </a:bodyPr>
+          <a:lstStyle/>
+          <a:p>
+            <a:pPr algn="r"/>
+            <a:r>
+              <a:rPr lang="en-US" altLang="ko-KR" sz="1600" b="1" dirty="0" smtClean="0"/>
+              <a:t>MSTR </a:t>
+            </a:r>
+            <a:r>
+              <a:rPr lang="ko-KR" altLang="en-US" sz="1600" b="1" dirty="0" smtClean="0"/>
+              <a:t>웹 구</a:t>
+            </a:r>
+            <a:r>
+              <a:rPr lang="ko-KR" altLang="en-US" sz="1600" b="1" dirty="0"/>
+              <a:t>성</a:t>
+            </a:r>
+          </a:p>
+        </p:txBody>
+      </p:sp>
+      <p:sp>
+        <p:nvSpPr>
+          <p:cNvPr id="25" name="제목 3"/>
+          <p:cNvSpPr>
+            <a:spLocks noGrp="1"/>
+          </p:cNvSpPr>
+          <p:nvPr>
+            <p:ph type="title"/>
+          </p:nvPr>
+        </p:nvSpPr>
+        <p:spPr>
+          <a:xfrm>
+            <a:off x="222423" y="71414"/>
+            <a:ext cx="9444692" cy="496997"/>
+          </a:xfrm>
+        </p:spPr>
+        <p:txBody>
+          <a:bodyPr/>
+          <a:lstStyle/>
+          <a:p>
+            <a:r>
+              <a:rPr lang="en-US" altLang="ko-KR" dirty="0" smtClean="0"/>
+              <a:t>MSTR </a:t>
+            </a:r>
+            <a:r>
+              <a:rPr lang="en-US" altLang="ko-KR" dirty="0" smtClean="0"/>
+              <a:t>Web Page </a:t>
+            </a:r>
+            <a:r>
+              <a:rPr lang="ko-KR" altLang="en-US" dirty="0" smtClean="0"/>
+              <a:t>구조</a:t>
+            </a:r>
+            <a:endParaRPr lang="ko-KR" altLang="en-US" sz="2000" dirty="0"/>
+          </a:p>
+        </p:txBody>
+      </p:sp>
+      <p:pic>
+        <p:nvPicPr>
+          <p:cNvPr id="6" name="Picture 3"/>
+          <p:cNvPicPr>
+            <a:picLocks noChangeAspect="1" noChangeArrowheads="1"/>
+          </p:cNvPicPr>
+          <p:nvPr/>
+        </p:nvPicPr>
+        <p:blipFill>
+          <a:blip r:embed="rId2">
+            <a:extLst>
+              <a:ext uri="{28A0092B-C50C-407E-A947-70E740481C1C}">
+                <a14:useLocalDpi xmlns:a14="http://schemas.microsoft.com/office/drawing/2010/main" val="0"/>
+              </a:ext>
+            </a:extLst>
+          </a:blip>
+          <a:srcRect/>
+          <a:stretch>
+            <a:fillRect/>
+          </a:stretch>
+        </p:blipFill>
+        <p:spPr bwMode="auto">
+          <a:xfrm>
+            <a:off x="2215902" y="1757973"/>
+            <a:ext cx="7031286" cy="4295165"/>
+          </a:xfrm>
+          <a:prstGeom prst="rect">
+            <a:avLst/>
+          </a:prstGeom>
+          <a:noFill/>
+          <a:ln>
+            <a:noFill/>
+          </a:ln>
+          <a:extLst>
+            <a:ext uri="{909E8E84-426E-40DD-AFC4-6F175D3DCCD1}">
+              <a14:hiddenFill xmlns:a14="http://schemas.microsoft.com/office/drawing/2010/main">
+                <a:solidFill>
+                  <a:schemeClr val="accent1"/>
+                </a:solidFill>
+              </a14:hiddenFill>
+            </a:ext>
+            <a:ext uri="{91240B29-F687-4F45-9708-019B960494DF}">
+              <a14:hiddenLine xmlns:a14="http://schemas.microsoft.com/office/drawing/2010/main" w="9525">
+                <a:solidFill>
+                  <a:schemeClr val="tx1"/>
+                </a:solidFill>
+                <a:miter lim="800000"/>
+                <a:headEnd/>
+                <a:tailEnd/>
+              </a14:hiddenLine>
+            </a:ext>
+          </a:extLst>
+        </p:spPr>
+      </p:pic>
+      <p:pic>
+        <p:nvPicPr>
+          <p:cNvPr id="7" name="Picture 2"/>
+          <p:cNvPicPr>
+            <a:picLocks noChangeAspect="1" noChangeArrowheads="1"/>
+          </p:cNvPicPr>
+          <p:nvPr/>
+        </p:nvPicPr>
+        <p:blipFill>
+          <a:blip r:embed="rId3">
+            <a:extLst>
+              <a:ext uri="{28A0092B-C50C-407E-A947-70E740481C1C}">
+                <a14:useLocalDpi xmlns:a14="http://schemas.microsoft.com/office/drawing/2010/main" val="0"/>
+              </a:ext>
+            </a:extLst>
+          </a:blip>
+          <a:srcRect/>
+          <a:stretch>
+            <a:fillRect/>
+          </a:stretch>
+        </p:blipFill>
+        <p:spPr bwMode="auto">
+          <a:xfrm>
+            <a:off x="487710" y="908050"/>
+            <a:ext cx="4038600" cy="2562225"/>
+          </a:xfrm>
+          <a:prstGeom prst="rect">
+            <a:avLst/>
+          </a:prstGeom>
+          <a:noFill/>
+          <a:ln>
+            <a:noFill/>
+          </a:ln>
+          <a:extLst>
+            <a:ext uri="{909E8E84-426E-40DD-AFC4-6F175D3DCCD1}">
+              <a14:hiddenFill xmlns:a14="http://schemas.microsoft.com/office/drawing/2010/main">
+                <a:solidFill>
+                  <a:schemeClr val="accent1"/>
+                </a:solidFill>
+              </a14:hiddenFill>
+            </a:ext>
+            <a:ext uri="{91240B29-F687-4F45-9708-019B960494DF}">
+              <a14:hiddenLine xmlns:a14="http://schemas.microsoft.com/office/drawing/2010/main" w="9525">
+                <a:solidFill>
+                  <a:schemeClr val="tx1"/>
+                </a:solidFill>
+                <a:miter lim="800000"/>
+                <a:headEnd/>
+                <a:tailEnd/>
+              </a14:hiddenLine>
+            </a:ext>
+          </a:extLst>
+        </p:spPr>
+      </p:pic>
+    </p:spTree>
+    <p:extLst>
+      <p:ext uri="{BB962C8B-B14F-4D97-AF65-F5344CB8AC3E}">
+        <p14:creationId xmlns:p14="http://schemas.microsoft.com/office/powerpoint/2010/main" val="4052817830"/>
+      </p:ext>
+    </p:extLst>
+  </p:cSld>
+  <p:clrMapOvr>
+    <a:masterClrMapping/>
+  </p:clrMapOvr>
+  <p:timing>
+    <p:tnLst>
+      <p:par>
+        <p:cTn id="1" dur="indefinite" restart="never" nodeType="tmRoot"/>
+      </p:par>
+    </p:tnLst>
+  </p:timing>
+</p:sld>
+</file>
+
+<file path=ppt/slides/slide14.xml><?xml version="1.0" encoding="utf-8"?>
 <p:sld xmlns:a="http://schemas.openxmlformats.org/drawingml/2006/main" xmlns:r="http://schemas.openxmlformats.org/officeDocument/2006/relationships" xmlns:p="http://schemas.openxmlformats.org/presentationml/2006/main">
   <p:cSld>
     <p:spTree>
@@ -6004,19 +8247,11 @@
           <a:p>
             <a:r>
               <a:rPr lang="en-US" altLang="ko-KR" dirty="0" smtClean="0"/>
-              <a:t>M</a:t>
-            </a:r>
-            <a:r>
-              <a:rPr lang="en-US" altLang="ko-KR" dirty="0" smtClean="0"/>
-              <a:t>icroStrategy(MSTR)</a:t>
+              <a:t>MicroStrategy(MSTR)</a:t>
             </a:r>
             <a:r>
               <a:rPr lang="ko-KR" altLang="en-US" dirty="0" smtClean="0"/>
-              <a:t>의 </a:t>
-            </a:r>
-            <a:r>
-              <a:rPr lang="ko-KR" altLang="en-US" dirty="0" smtClean="0"/>
-              <a:t>웹</a:t>
+              <a:t>의 웹</a:t>
             </a:r>
             <a:endParaRPr lang="en-US" altLang="ko-KR" dirty="0" smtClean="0"/>
           </a:p>
@@ -10249,11 +12484,7 @@
           <a:p>
             <a:r>
               <a:rPr lang="en-US" altLang="ko-KR" dirty="0" smtClean="0"/>
-              <a:t>MSTR</a:t>
-            </a:r>
-            <a:r>
-              <a:rPr lang="en-US" altLang="ko-KR" dirty="0" smtClean="0"/>
-              <a:t> </a:t>
+              <a:t>MSTR </a:t>
             </a:r>
             <a:r>
               <a:rPr lang="ko-KR" altLang="en-US" dirty="0" smtClean="0"/>
@@ -12835,11 +15066,7 @@
             </a:pPr>
             <a:r>
               <a:rPr lang="ko-KR" altLang="en-US" sz="1600" b="1" dirty="0" smtClean="0"/>
-              <a:t>용도에 </a:t>
-            </a:r>
-            <a:r>
-              <a:rPr lang="ko-KR" altLang="en-US" sz="1600" b="1" dirty="0" smtClean="0"/>
-              <a:t>따른 </a:t>
+              <a:t>용도에 따른 </a:t>
             </a:r>
             <a:r>
               <a:rPr lang="en-US" altLang="ko-KR" sz="1600" b="1" dirty="0" smtClean="0"/>
@@ -12847,11 +15074,7 @@
             </a:r>
             <a:r>
               <a:rPr lang="ko-KR" altLang="en-US" sz="1600" b="1" dirty="0" smtClean="0"/>
-              <a:t>세션의 생성 및 활용 </a:t>
-            </a:r>
-            <a:r>
-              <a:rPr lang="ko-KR" altLang="en-US" sz="1600" b="1" dirty="0" smtClean="0"/>
-              <a:t>유형</a:t>
+              <a:t>세션의 생성 및 활용 유형</a:t>
             </a:r>
             <a:endParaRPr lang="en-US" altLang="ko-KR" sz="1600" b="1" dirty="0" smtClean="0"/>
           </a:p>
@@ -12869,11 +15092,7 @@
             </a:r>
             <a:r>
               <a:rPr lang="ko-KR" altLang="en-US" sz="1200" dirty="0" smtClean="0"/>
-              <a:t>세션 </a:t>
-            </a:r>
-            <a:r>
-              <a:rPr lang="ko-KR" altLang="en-US" sz="1200" dirty="0" smtClean="0"/>
-              <a:t>생성 </a:t>
+              <a:t>세션 생성 </a:t>
             </a:r>
             <a:r>
               <a:rPr lang="en-US" altLang="ko-KR" sz="1200" dirty="0" smtClean="0"/>
@@ -12881,11 +15100,7 @@
             </a:r>
             <a:r>
               <a:rPr lang="ko-KR" altLang="en-US" sz="1200" dirty="0" smtClean="0"/>
-              <a:t>실행 후 </a:t>
-            </a:r>
-            <a:r>
-              <a:rPr lang="ko-KR" altLang="en-US" sz="1200" dirty="0" smtClean="0"/>
-              <a:t>세션 종료</a:t>
+              <a:t>실행 후 세션 종료</a:t>
             </a:r>
             <a:endParaRPr lang="en-US" altLang="ko-KR" sz="1200" dirty="0" smtClean="0"/>
           </a:p>
@@ -12899,11 +15114,7 @@
             </a:pPr>
             <a:r>
               <a:rPr lang="ko-KR" altLang="en-US" sz="1200" dirty="0" smtClean="0"/>
-              <a:t>접속 계정이 아닌 다른 사용자 계정으로 일회성 </a:t>
-            </a:r>
-            <a:r>
-              <a:rPr lang="ko-KR" altLang="en-US" sz="1200" dirty="0" smtClean="0"/>
-              <a:t>이용</a:t>
+              <a:t>접속 계정이 아닌 다른 사용자 계정으로 일회성 이용</a:t>
             </a:r>
             <a:r>
               <a:rPr lang="en-US" altLang="ko-KR" sz="1200" dirty="0" smtClean="0"/>
@@ -12948,7 +15159,6 @@
               <a:rPr lang="en-US" altLang="ko-KR" sz="1200" dirty="0" smtClean="0"/>
               <a:t>)</a:t>
             </a:r>
-            <a:endParaRPr lang="en-US" altLang="ko-KR" sz="1200" dirty="0" smtClean="0"/>
           </a:p>
           <a:p>
             <a:pPr marL="180000" indent="-180000">
@@ -12964,27 +15174,15 @@
             </a:r>
             <a:r>
               <a:rPr lang="ko-KR" altLang="en-US" sz="1200" dirty="0" smtClean="0"/>
-              <a:t>세션 </a:t>
+              <a:t>세션 생성 후 </a:t>
+            </a:r>
+            <a:r>
+              <a:rPr lang="en-US" altLang="ko-KR" sz="1200" dirty="0" smtClean="0"/>
+              <a:t>MSTR Page</a:t>
             </a:r>
             <a:r>
               <a:rPr lang="ko-KR" altLang="en-US" sz="1200" dirty="0" smtClean="0"/>
-              <a:t>생성 후 </a:t>
-            </a:r>
-            <a:r>
-              <a:rPr lang="en-US" altLang="ko-KR" sz="1200" dirty="0" smtClean="0"/>
-              <a:t>MSTR </a:t>
-            </a:r>
-            <a:r>
-              <a:rPr lang="en-US" altLang="ko-KR" sz="1200" dirty="0" smtClean="0"/>
-              <a:t>Page</a:t>
-            </a:r>
-            <a:r>
-              <a:rPr lang="ko-KR" altLang="en-US" sz="1200" dirty="0" smtClean="0"/>
-              <a:t>에서 </a:t>
-            </a:r>
-            <a:r>
-              <a:rPr lang="ko-KR" altLang="en-US" sz="1200" dirty="0" smtClean="0"/>
-              <a:t>활용</a:t>
+              <a:t>에서 활용</a:t>
             </a:r>
             <a:endParaRPr lang="en-US" altLang="ko-KR" sz="1200" dirty="0" smtClean="0"/>
           </a:p>
@@ -13040,15 +15238,7 @@
             </a:r>
             <a:r>
               <a:rPr lang="ko-KR" altLang="en-US" sz="1200" dirty="0" smtClean="0"/>
-              <a:t>세션 </a:t>
-            </a:r>
-            <a:r>
-              <a:rPr lang="ko-KR" altLang="en-US" sz="1200" dirty="0" smtClean="0"/>
-              <a:t>생성 후 </a:t>
-            </a:r>
-            <a:r>
-              <a:rPr lang="ko-KR" altLang="en-US" sz="1200" dirty="0" smtClean="0"/>
-              <a:t>재활용</a:t>
+              <a:t>세션 생성 후 재활용</a:t>
             </a:r>
             <a:endParaRPr lang="en-US" altLang="ko-KR" sz="1200" dirty="0" smtClean="0"/>
           </a:p>
@@ -13761,7 +15951,7 @@
   <a:extraClrSchemeLst/>
   <a:extLst>
     <a:ext uri="{05A4C25C-085E-4340-85A3-A5531E510DB2}">
-      <thm15:themeFamily xmlns:thm15="http://schemas.microsoft.com/office/thememl/2012/main" xmlns="" name="Office Theme" id="{62F939B6-93AF-4DB8-9C6B-D6C7DFDC589F}" vid="{4A3C46E8-61CC-4603-A589-7422A47A8E4A}"/>
+      <thm15:themeFamily xmlns="" xmlns:thm15="http://schemas.microsoft.com/office/thememl/2012/main" name="Office Theme" id="{62F939B6-93AF-4DB8-9C6B-D6C7DFDC589F}" vid="{4A3C46E8-61CC-4603-A589-7422A47A8E4A}"/>
     </a:ext>
   </a:extLst>
 </a:theme>
